--- a/teaching/2022_spring_Math_II_ppt/3.5 函数的微分.pptx
+++ b/teaching/2022_spring_Math_II_ppt/3.5 函数的微分.pptx
@@ -2,13 +2,13 @@
 <file path=ppt/presentation.xml><?xml version="1.0" encoding="utf-8"?>
 <p:presentation xmlns:a="http://schemas.openxmlformats.org/drawingml/2006/main" xmlns:r="http://schemas.openxmlformats.org/officeDocument/2006/relationships" xmlns:p="http://schemas.openxmlformats.org/presentationml/2006/main" saveSubsetFonts="1">
   <p:sldMasterIdLst>
-    <p:sldMasterId id="2147483714" r:id="rId1"/>
+    <p:sldMasterId id="2147483719" r:id="rId1"/>
   </p:sldMasterIdLst>
   <p:notesMasterIdLst>
-    <p:notesMasterId r:id="rId17"/>
+    <p:notesMasterId r:id="rId19"/>
   </p:notesMasterIdLst>
   <p:handoutMasterIdLst>
-    <p:handoutMasterId r:id="rId18"/>
+    <p:handoutMasterId r:id="rId20"/>
   </p:handoutMasterIdLst>
   <p:sldIdLst>
     <p:sldId id="441" r:id="rId2"/>
@@ -21,11 +21,13 @@
     <p:sldId id="448" r:id="rId9"/>
     <p:sldId id="449" r:id="rId10"/>
     <p:sldId id="450" r:id="rId11"/>
-    <p:sldId id="451" r:id="rId12"/>
-    <p:sldId id="452" r:id="rId13"/>
-    <p:sldId id="453" r:id="rId14"/>
-    <p:sldId id="454" r:id="rId15"/>
-    <p:sldId id="455" r:id="rId16"/>
+    <p:sldId id="456" r:id="rId12"/>
+    <p:sldId id="451" r:id="rId13"/>
+    <p:sldId id="452" r:id="rId14"/>
+    <p:sldId id="453" r:id="rId15"/>
+    <p:sldId id="454" r:id="rId16"/>
+    <p:sldId id="457" r:id="rId17"/>
+    <p:sldId id="455" r:id="rId18"/>
   </p:sldIdLst>
   <p:sldSz cx="12192000" cy="6858000"/>
   <p:notesSz cx="6858000" cy="9144000"/>
@@ -826,6 +828,32 @@
           <a:p>
             <a:r>
               <a:rPr lang="zh-CN" altLang="en-US" dirty="0" smtClean="0"/>
+              <a:t>第</a:t>
+            </a:r>
+            <a:r>
+              <a:rPr lang="en-US" altLang="zh-CN" dirty="0" smtClean="0"/>
+              <a:t>X</a:t>
+            </a:r>
+            <a:r>
+              <a:rPr lang="zh-CN" altLang="en-US" dirty="0" smtClean="0"/>
+              <a:t>章</a:t>
+            </a:r>
+            <a:r>
+              <a:rPr lang="en-US" altLang="zh-CN" dirty="0" smtClean="0"/>
+              <a:t/>
+            </a:r>
+            <a:br>
+              <a:rPr lang="en-US" altLang="zh-CN" dirty="0" smtClean="0"/>
+            </a:br>
+            <a:r>
+              <a:rPr lang="en-US" altLang="zh-CN" dirty="0" smtClean="0"/>
+              <a:t/>
+            </a:r>
+            <a:br>
+              <a:rPr lang="en-US" altLang="zh-CN" dirty="0" smtClean="0"/>
+            </a:br>
+            <a:r>
+              <a:rPr lang="zh-CN" altLang="en-US" dirty="0" smtClean="0"/>
               <a:t>单击</a:t>
             </a:r>
             <a:r>
@@ -850,7 +878,7 @@
     </p:spTree>
     <p:extLst>
       <p:ext uri="{BB962C8B-B14F-4D97-AF65-F5344CB8AC3E}">
-        <p14:creationId xmlns:p14="http://schemas.microsoft.com/office/powerpoint/2010/main" val="2859622222"/>
+        <p14:creationId xmlns:p14="http://schemas.microsoft.com/office/powerpoint/2010/main" val="2763072729"/>
       </p:ext>
     </p:extLst>
   </p:cSld>
@@ -905,18 +933,21 @@
           </a:prstGeom>
         </p:spPr>
         <p:txBody>
-          <a:bodyPr/>
+          <a:bodyPr anchor="ctr"/>
           <a:lstStyle>
             <a:lvl1pPr algn="ctr">
-              <a:defRPr sz="2500" b="0">
-                <a:latin typeface="黑体" panose="02010609060101010101" pitchFamily="49" charset="-122"/>
-                <a:ea typeface="黑体" panose="02010609060101010101" pitchFamily="49" charset="-122"/>
+              <a:defRPr sz="2800" b="0">
+                <a:solidFill>
+                  <a:srgbClr val="00B050"/>
+                </a:solidFill>
+                <a:latin typeface="+mj-ea"/>
+                <a:ea typeface="+mj-ea"/>
               </a:defRPr>
             </a:lvl1pPr>
           </a:lstStyle>
           <a:p>
             <a:r>
-              <a:rPr lang="zh-CN" altLang="en-US" dirty="0" smtClean="0"/>
+              <a:rPr lang="zh-CN" altLang="en-US" smtClean="0"/>
               <a:t>单击此处编辑母版标题样式</a:t>
             </a:r>
             <a:endParaRPr lang="zh-CN" altLang="en-US" dirty="0"/>
@@ -943,7 +974,7 @@
           </a:prstGeom>
         </p:spPr>
         <p:txBody>
-          <a:bodyPr/>
+          <a:bodyPr anchor="ctr"/>
           <a:lstStyle>
             <a:lvl1pPr>
               <a:defRPr sz="2400">
@@ -979,35 +1010,35 @@
           <a:p>
             <a:pPr lvl="0"/>
             <a:r>
-              <a:rPr lang="zh-CN" altLang="en-US" dirty="0" smtClean="0"/>
+              <a:rPr lang="zh-CN" altLang="en-US" smtClean="0"/>
               <a:t>编辑母版文本样式</a:t>
             </a:r>
           </a:p>
           <a:p>
             <a:pPr lvl="1"/>
             <a:r>
-              <a:rPr lang="zh-CN" altLang="en-US" dirty="0" smtClean="0"/>
+              <a:rPr lang="zh-CN" altLang="en-US" smtClean="0"/>
               <a:t>第二级</a:t>
             </a:r>
           </a:p>
           <a:p>
             <a:pPr lvl="2"/>
             <a:r>
-              <a:rPr lang="zh-CN" altLang="en-US" dirty="0" smtClean="0"/>
+              <a:rPr lang="zh-CN" altLang="en-US" smtClean="0"/>
               <a:t>第三级</a:t>
             </a:r>
           </a:p>
           <a:p>
             <a:pPr lvl="3"/>
             <a:r>
-              <a:rPr lang="zh-CN" altLang="en-US" dirty="0" smtClean="0"/>
+              <a:rPr lang="zh-CN" altLang="en-US" smtClean="0"/>
               <a:t>第四级</a:t>
             </a:r>
           </a:p>
           <a:p>
             <a:pPr lvl="4"/>
             <a:r>
-              <a:rPr lang="zh-CN" altLang="en-US" dirty="0" smtClean="0"/>
+              <a:rPr lang="zh-CN" altLang="en-US" smtClean="0"/>
               <a:t>第五级</a:t>
             </a:r>
             <a:endParaRPr lang="zh-CN" altLang="en-US" dirty="0"/>
@@ -1017,7 +1048,7 @@
     </p:spTree>
     <p:extLst>
       <p:ext uri="{BB962C8B-B14F-4D97-AF65-F5344CB8AC3E}">
-        <p14:creationId xmlns:p14="http://schemas.microsoft.com/office/powerpoint/2010/main" val="245103458"/>
+        <p14:creationId xmlns:p14="http://schemas.microsoft.com/office/powerpoint/2010/main" val="3528694303"/>
       </p:ext>
     </p:extLst>
   </p:cSld>
@@ -1036,8 +1067,162 @@
 </file>
 
 <file path=ppt/slideLayouts/slideLayout3.xml><?xml version="1.0" encoding="utf-8"?>
+<p:sldLayout xmlns:a="http://schemas.openxmlformats.org/drawingml/2006/main" xmlns:r="http://schemas.openxmlformats.org/officeDocument/2006/relationships" xmlns:p="http://schemas.openxmlformats.org/presentationml/2006/main" preserve="1">
+  <p:cSld name="正文">
+    <p:spTree>
+      <p:nvGrpSpPr>
+        <p:cNvPr id="1" name=""/>
+        <p:cNvGrpSpPr/>
+        <p:nvPr/>
+      </p:nvGrpSpPr>
+      <p:grpSpPr>
+        <a:xfrm>
+          <a:off x="0" y="0"/>
+          <a:ext cx="0" cy="0"/>
+          <a:chOff x="0" y="0"/>
+          <a:chExt cx="0" cy="0"/>
+        </a:xfrm>
+      </p:grpSpPr>
+      <p:sp>
+        <p:nvSpPr>
+          <p:cNvPr id="6" name="文本占位符 5"/>
+          <p:cNvSpPr>
+            <a:spLocks noGrp="1"/>
+          </p:cNvSpPr>
+          <p:nvPr>
+            <p:ph type="body" sz="quarter" idx="10"/>
+          </p:nvPr>
+        </p:nvSpPr>
+        <p:spPr>
+          <a:xfrm>
+            <a:off x="696000" y="882000"/>
+            <a:ext cx="10800000" cy="5220000"/>
+          </a:xfrm>
+          <a:prstGeom prst="rect">
+            <a:avLst/>
+          </a:prstGeom>
+        </p:spPr>
+        <p:txBody>
+          <a:bodyPr anchor="ctr"/>
+          <a:lstStyle>
+            <a:lvl1pPr>
+              <a:defRPr sz="2400"/>
+            </a:lvl1pPr>
+            <a:lvl2pPr>
+              <a:defRPr sz="2400"/>
+            </a:lvl2pPr>
+            <a:lvl3pPr>
+              <a:defRPr sz="2400"/>
+            </a:lvl3pPr>
+            <a:lvl4pPr>
+              <a:defRPr sz="2400"/>
+            </a:lvl4pPr>
+            <a:lvl5pPr>
+              <a:defRPr sz="2400"/>
+            </a:lvl5pPr>
+          </a:lstStyle>
+          <a:p>
+            <a:pPr lvl="0"/>
+            <a:r>
+              <a:rPr lang="zh-CN" altLang="en-US" smtClean="0"/>
+              <a:t>编辑母版文本样式</a:t>
+            </a:r>
+          </a:p>
+          <a:p>
+            <a:pPr lvl="1"/>
+            <a:r>
+              <a:rPr lang="zh-CN" altLang="en-US" smtClean="0"/>
+              <a:t>第二级</a:t>
+            </a:r>
+          </a:p>
+          <a:p>
+            <a:pPr lvl="2"/>
+            <a:r>
+              <a:rPr lang="zh-CN" altLang="en-US" smtClean="0"/>
+              <a:t>第三级</a:t>
+            </a:r>
+          </a:p>
+          <a:p>
+            <a:pPr lvl="3"/>
+            <a:r>
+              <a:rPr lang="zh-CN" altLang="en-US" smtClean="0"/>
+              <a:t>第四级</a:t>
+            </a:r>
+          </a:p>
+          <a:p>
+            <a:pPr lvl="4"/>
+            <a:r>
+              <a:rPr lang="zh-CN" altLang="en-US" smtClean="0"/>
+              <a:t>第五级</a:t>
+            </a:r>
+            <a:endParaRPr lang="zh-CN" altLang="en-US" dirty="0"/>
+          </a:p>
+        </p:txBody>
+      </p:sp>
+    </p:spTree>
+    <p:extLst>
+      <p:ext uri="{BB962C8B-B14F-4D97-AF65-F5344CB8AC3E}">
+        <p14:creationId xmlns:p14="http://schemas.microsoft.com/office/powerpoint/2010/main" val="3433459309"/>
+      </p:ext>
+    </p:extLst>
+  </p:cSld>
+  <p:clrMapOvr>
+    <a:masterClrMapping/>
+  </p:clrMapOvr>
+  <p:timing>
+    <p:tnLst>
+      <p:par>
+        <p:cTn id="1" dur="indefinite" restart="never" nodeType="tmRoot"/>
+      </p:par>
+    </p:tnLst>
+  </p:timing>
+  <p:hf sldNum="0" hdr="0" ftr="0"/>
+</p:sldLayout>
+</file>
+
+<file path=ppt/slideLayouts/slideLayout4.xml><?xml version="1.0" encoding="utf-8"?>
+<p:sldLayout xmlns:a="http://schemas.openxmlformats.org/drawingml/2006/main" xmlns:r="http://schemas.openxmlformats.org/officeDocument/2006/relationships" xmlns:p="http://schemas.openxmlformats.org/presentationml/2006/main" type="blank" preserve="1">
+  <p:cSld name="空白">
+    <p:spTree>
+      <p:nvGrpSpPr>
+        <p:cNvPr id="1" name=""/>
+        <p:cNvGrpSpPr/>
+        <p:nvPr/>
+      </p:nvGrpSpPr>
+      <p:grpSpPr>
+        <a:xfrm>
+          <a:off x="0" y="0"/>
+          <a:ext cx="0" cy="0"/>
+          <a:chOff x="0" y="0"/>
+          <a:chExt cx="0" cy="0"/>
+        </a:xfrm>
+      </p:grpSpPr>
+    </p:spTree>
+    <p:extLst>
+      <p:ext uri="{BB962C8B-B14F-4D97-AF65-F5344CB8AC3E}">
+        <p14:creationId xmlns:p14="http://schemas.microsoft.com/office/powerpoint/2010/main" val="3332537315"/>
+      </p:ext>
+    </p:extLst>
+  </p:cSld>
+  <p:clrMapOvr>
+    <a:masterClrMapping/>
+  </p:clrMapOvr>
+  <p:transition>
+    <p:zoom/>
+  </p:transition>
+  <p:timing>
+    <p:tnLst>
+      <p:par>
+        <p:cTn id="1" dur="indefinite" restart="never" nodeType="tmRoot"/>
+      </p:par>
+    </p:tnLst>
+  </p:timing>
+</p:sldLayout>
+</file>
+
+<file path=ppt/slideLayouts/slideLayout5.xml><?xml version="1.0" encoding="utf-8"?>
 <p:sldLayout xmlns:a="http://schemas.openxmlformats.org/drawingml/2006/main" xmlns:r="http://schemas.openxmlformats.org/officeDocument/2006/relationships" xmlns:p="http://schemas.openxmlformats.org/presentationml/2006/main" preserve="1" userDrawn="1">
-  <p:cSld name="正文">
+  <p:cSld name="1_正文">
     <p:spTree>
       <p:nvGrpSpPr>
         <p:cNvPr id="1" name=""/>
@@ -1308,53 +1493,13 @@
 </p:sldLayout>
 </file>
 
-<file path=ppt/slideLayouts/slideLayout4.xml><?xml version="1.0" encoding="utf-8"?>
-<p:sldLayout xmlns:a="http://schemas.openxmlformats.org/drawingml/2006/main" xmlns:r="http://schemas.openxmlformats.org/officeDocument/2006/relationships" xmlns:p="http://schemas.openxmlformats.org/presentationml/2006/main" type="blank" preserve="1">
-  <p:cSld name="空白">
-    <p:spTree>
-      <p:nvGrpSpPr>
-        <p:cNvPr id="1" name=""/>
-        <p:cNvGrpSpPr/>
-        <p:nvPr/>
-      </p:nvGrpSpPr>
-      <p:grpSpPr>
-        <a:xfrm>
-          <a:off x="0" y="0"/>
-          <a:ext cx="0" cy="0"/>
-          <a:chOff x="0" y="0"/>
-          <a:chExt cx="0" cy="0"/>
-        </a:xfrm>
-      </p:grpSpPr>
-    </p:spTree>
-    <p:extLst>
-      <p:ext uri="{BB962C8B-B14F-4D97-AF65-F5344CB8AC3E}">
-        <p14:creationId xmlns:p14="http://schemas.microsoft.com/office/powerpoint/2010/main" val="3014155558"/>
-      </p:ext>
-    </p:extLst>
-  </p:cSld>
-  <p:clrMapOvr>
-    <a:masterClrMapping/>
-  </p:clrMapOvr>
-  <p:transition>
-    <p:zoom/>
-  </p:transition>
-  <p:timing>
-    <p:tnLst>
-      <p:par>
-        <p:cTn id="1" dur="indefinite" restart="never" nodeType="tmRoot"/>
-      </p:par>
-    </p:tnLst>
-  </p:timing>
-</p:sldLayout>
-</file>
-
 <file path=ppt/slideMasters/slideMaster1.xml><?xml version="1.0" encoding="utf-8"?>
 <p:sldMaster xmlns:a="http://schemas.openxmlformats.org/drawingml/2006/main" xmlns:r="http://schemas.openxmlformats.org/officeDocument/2006/relationships" xmlns:p="http://schemas.openxmlformats.org/presentationml/2006/main">
   <p:cSld>
     <p:bg>
       <p:bgPr>
         <a:blipFill dpi="0" rotWithShape="1">
-          <a:blip r:embed="rId7">
+          <a:blip r:embed="rId8">
             <a:lum/>
           </a:blip>
           <a:srcRect/>
@@ -1454,7 +1599,7 @@
           <p:cNvSpPr/>
           <p:nvPr>
             <p:custDataLst>
-              <p:tags r:id="rId6"/>
+              <p:tags r:id="rId7"/>
             </p:custDataLst>
           </p:nvPr>
         </p:nvSpPr>
@@ -1501,7 +1646,7 @@
           <p:nvPr/>
         </p:nvPicPr>
         <p:blipFill>
-          <a:blip r:embed="rId8" cstate="print">
+          <a:blip r:embed="rId9" cstate="print">
             <a:extLst>
               <a:ext uri="{28A0092B-C50C-407E-A947-70E740481C1C}">
                 <a14:useLocalDpi xmlns:a14="http://schemas.microsoft.com/office/drawing/2010/main" val="0"/>
@@ -1617,7 +1762,7 @@
           <p:nvPr/>
         </p:nvPicPr>
         <p:blipFill>
-          <a:blip r:embed="rId9" cstate="print">
+          <a:blip r:embed="rId10" cstate="print">
             <a:extLst>
               <a:ext uri="{28A0092B-C50C-407E-A947-70E740481C1C}">
                 <a14:useLocalDpi xmlns:a14="http://schemas.microsoft.com/office/drawing/2010/main" val="0"/>
@@ -1641,16 +1786,17 @@
     </p:spTree>
     <p:extLst>
       <p:ext uri="{BB962C8B-B14F-4D97-AF65-F5344CB8AC3E}">
-        <p14:creationId xmlns:p14="http://schemas.microsoft.com/office/powerpoint/2010/main" val="2043853194"/>
+        <p14:creationId xmlns:p14="http://schemas.microsoft.com/office/powerpoint/2010/main" val="2560748539"/>
       </p:ext>
     </p:extLst>
   </p:cSld>
   <p:clrMap bg1="lt1" tx1="dk1" bg2="lt2" tx2="dk2" accent1="accent1" accent2="accent2" accent3="accent3" accent4="accent4" accent5="accent5" accent6="accent6" hlink="hlink" folHlink="folHlink"/>
   <p:sldLayoutIdLst>
-    <p:sldLayoutId id="2147483715" r:id="rId1"/>
-    <p:sldLayoutId id="2147483716" r:id="rId2"/>
-    <p:sldLayoutId id="2147483717" r:id="rId3"/>
-    <p:sldLayoutId id="2147483718" r:id="rId4"/>
+    <p:sldLayoutId id="2147483720" r:id="rId1"/>
+    <p:sldLayoutId id="2147483721" r:id="rId2"/>
+    <p:sldLayoutId id="2147483722" r:id="rId3"/>
+    <p:sldLayoutId id="2147483723" r:id="rId4"/>
+    <p:sldLayoutId id="2147483717" r:id="rId5"/>
   </p:sldLayoutIdLst>
   <p:transition>
     <p:zoom/>
@@ -2000,7 +2146,7 @@
         <p:spPr/>
         <p:txBody>
           <a:bodyPr>
-            <a:normAutofit fontScale="90000"/>
+            <a:noAutofit/>
           </a:bodyPr>
           <a:lstStyle/>
           <a:p>
@@ -2965,8 +3111,8 @@
           <a:chExt cx="0" cy="0"/>
         </a:xfrm>
       </p:grpSpPr>
-      <mc:AlternateContent xmlns:mc="http://schemas.openxmlformats.org/markup-compatibility/2006" xmlns:a14="http://schemas.microsoft.com/office/drawing/2010/main">
-        <mc:Choice Requires="a14">
+      <mc:AlternateContent xmlns:mc="http://schemas.openxmlformats.org/markup-compatibility/2006">
+        <mc:Choice xmlns:a14="http://schemas.microsoft.com/office/drawing/2010/main" Requires="a14">
           <p:sp>
             <p:nvSpPr>
               <p:cNvPr id="4" name="文本占位符 3"/>
@@ -2985,924 +3131,705 @@
               <a:lstStyle/>
               <a:p>
                 <a:r>
-                  <a:rPr lang="zh-CN" altLang="en-US" dirty="0" smtClean="0">
-                    <a:solidFill>
-                      <a:srgbClr val="0000FF"/>
-                    </a:solidFill>
-                  </a:rPr>
-                  <a:t>例 </a:t>
-                </a:r>
-                <a:r>
                   <a:rPr lang="zh-CN" altLang="en-US" dirty="0" smtClean="0"/>
-                  <a:t>设 </a:t>
-                </a:r>
-                <a14:m>
-                  <m:oMath xmlns:m="http://schemas.openxmlformats.org/officeDocument/2006/math">
-                    <m:r>
-                      <a:rPr lang="en-US" altLang="zh-CN" b="0" i="1" smtClean="0">
-                        <a:latin typeface="Cambria Math" panose="02040503050406030204" pitchFamily="18" charset="0"/>
-                      </a:rPr>
-                      <m:t>𝑦</m:t>
-                    </m:r>
-                    <m:r>
-                      <a:rPr lang="en-US" altLang="zh-CN" b="0" i="1" smtClean="0">
-                        <a:latin typeface="Cambria Math" panose="02040503050406030204" pitchFamily="18" charset="0"/>
-                      </a:rPr>
-                      <m:t>=</m:t>
-                    </m:r>
-                    <m:sSup>
-                      <m:sSupPr>
-                        <m:ctrlPr>
-                          <a:rPr lang="en-US" altLang="zh-CN" b="0" i="1" smtClean="0">
-                            <a:latin typeface="Cambria Math" panose="02040503050406030204" pitchFamily="18" charset="0"/>
-                          </a:rPr>
-                        </m:ctrlPr>
-                      </m:sSupPr>
-                      <m:e>
-                        <m:r>
-                          <m:rPr>
-                            <m:sty m:val="p"/>
-                          </m:rPr>
-                          <a:rPr lang="en-US" altLang="zh-CN" b="0" i="0" smtClean="0">
-                            <a:latin typeface="Cambria Math" panose="02040503050406030204" pitchFamily="18" charset="0"/>
-                          </a:rPr>
-                          <m:t>e</m:t>
-                        </m:r>
-                      </m:e>
-                      <m:sup>
-                        <m:func>
-                          <m:funcPr>
-                            <m:ctrlPr>
-                              <a:rPr lang="en-US" altLang="zh-CN" b="0" i="1" smtClean="0">
-                                <a:latin typeface="Cambria Math" panose="02040503050406030204" pitchFamily="18" charset="0"/>
-                              </a:rPr>
-                            </m:ctrlPr>
-                          </m:funcPr>
-                          <m:fName>
-                            <m:r>
-                              <m:rPr>
-                                <m:sty m:val="p"/>
-                              </m:rPr>
-                              <a:rPr lang="en-US" altLang="zh-CN" b="0" i="0" smtClean="0">
-                                <a:latin typeface="Cambria Math" panose="02040503050406030204" pitchFamily="18" charset="0"/>
-                              </a:rPr>
-                              <m:t>arctan</m:t>
-                            </m:r>
-                          </m:fName>
-                          <m:e>
-                            <m:d>
-                              <m:dPr>
-                                <m:ctrlPr>
-                                  <a:rPr lang="en-US" altLang="zh-CN" b="0" i="1" smtClean="0">
-                                    <a:latin typeface="Cambria Math" panose="02040503050406030204" pitchFamily="18" charset="0"/>
-                                  </a:rPr>
-                                </m:ctrlPr>
-                              </m:dPr>
-                              <m:e>
-                                <m:sSup>
-                                  <m:sSupPr>
-                                    <m:ctrlPr>
-                                      <a:rPr lang="en-US" altLang="zh-CN" b="0" i="1" smtClean="0">
-                                        <a:latin typeface="Cambria Math" panose="02040503050406030204" pitchFamily="18" charset="0"/>
-                                      </a:rPr>
-                                    </m:ctrlPr>
-                                  </m:sSupPr>
-                                  <m:e>
-                                    <m:r>
-                                      <a:rPr lang="en-US" altLang="zh-CN" b="0" i="1" smtClean="0">
-                                        <a:latin typeface="Cambria Math" panose="02040503050406030204" pitchFamily="18" charset="0"/>
-                                      </a:rPr>
-                                      <m:t>𝑥</m:t>
-                                    </m:r>
-                                  </m:e>
-                                  <m:sup>
-                                    <m:r>
-                                      <a:rPr lang="en-US" altLang="zh-CN" b="0" i="1" smtClean="0">
-                                        <a:latin typeface="Cambria Math" panose="02040503050406030204" pitchFamily="18" charset="0"/>
-                                      </a:rPr>
-                                      <m:t>2</m:t>
-                                    </m:r>
-                                  </m:sup>
-                                </m:sSup>
-                              </m:e>
-                            </m:d>
-                          </m:e>
-                        </m:func>
-                      </m:sup>
-                    </m:sSup>
-                  </m:oMath>
-                </a14:m>
-                <a:r>
-                  <a:rPr lang="en-US" altLang="zh-CN" dirty="0" smtClean="0"/>
-                  <a:t>, </a:t>
-                </a:r>
-                <a:r>
-                  <a:rPr lang="zh-CN" altLang="en-US" dirty="0" smtClean="0"/>
-                  <a:t>利用微分运算求 </a:t>
-                </a:r>
-                <a14:m>
-                  <m:oMath xmlns:m="http://schemas.openxmlformats.org/officeDocument/2006/math">
-                    <m:r>
-                      <m:rPr>
-                        <m:sty m:val="p"/>
-                      </m:rPr>
-                      <a:rPr lang="en-US" altLang="zh-CN" b="0" i="0" smtClean="0">
-                        <a:latin typeface="Cambria Math" panose="02040503050406030204" pitchFamily="18" charset="0"/>
-                      </a:rPr>
-                      <m:t>d</m:t>
-                    </m:r>
-                    <m:r>
-                      <a:rPr lang="en-US" altLang="zh-CN" b="0" i="1" smtClean="0">
-                        <a:latin typeface="Cambria Math" panose="02040503050406030204" pitchFamily="18" charset="0"/>
-                      </a:rPr>
-                      <m:t>𝑦</m:t>
-                    </m:r>
-                  </m:oMath>
-                </a14:m>
-                <a:r>
-                  <a:rPr lang="en-US" altLang="zh-CN" dirty="0" smtClean="0"/>
-                  <a:t> </a:t>
-                </a:r>
-                <a:r>
-                  <a:rPr lang="zh-CN" altLang="en-US" dirty="0" smtClean="0"/>
-                  <a:t>并求 </a:t>
-                </a:r>
-                <a14:m>
-                  <m:oMath xmlns:m="http://schemas.openxmlformats.org/officeDocument/2006/math">
-                    <m:r>
-                      <a:rPr lang="en-US" altLang="zh-CN" b="0" i="1" smtClean="0">
-                        <a:latin typeface="Cambria Math" panose="02040503050406030204" pitchFamily="18" charset="0"/>
-                      </a:rPr>
-                      <m:t>𝑦</m:t>
-                    </m:r>
-                    <m:r>
-                      <a:rPr lang="en-US" altLang="zh-CN" b="0" i="1" smtClean="0">
-                        <a:latin typeface="Cambria Math" panose="02040503050406030204" pitchFamily="18" charset="0"/>
-                      </a:rPr>
-                      <m:t>′</m:t>
-                    </m:r>
-                  </m:oMath>
-                </a14:m>
-                <a:r>
-                  <a:rPr lang="en-US" altLang="zh-CN" dirty="0" smtClean="0"/>
-                  <a:t>.</a:t>
-                </a:r>
+                  <a:t>于是 </a:t>
+                </a:r>
+                <a:endParaRPr lang="en-US" altLang="zh-CN" dirty="0" smtClean="0"/>
               </a:p>
               <a:p>
-                <a:r>
-                  <a:rPr lang="zh-CN" altLang="en-US" dirty="0" smtClean="0">
-                    <a:solidFill>
-                      <a:srgbClr val="0000FF"/>
-                    </a:solidFill>
-                  </a:rPr>
-                  <a:t>解</a:t>
-                </a:r>
-                <a:r>
-                  <a:rPr lang="zh-CN" altLang="en-US" dirty="0" smtClean="0"/>
-                  <a:t> </a:t>
-                </a:r>
+                <a:pPr marL="0" indent="0">
+                  <a:buNone/>
+                </a:pPr>
                 <a14:m>
-                  <m:oMath xmlns:m="http://schemas.openxmlformats.org/officeDocument/2006/math">
-                    <m:r>
-                      <m:rPr>
-                        <m:sty m:val="p"/>
-                      </m:rPr>
-                      <a:rPr lang="en-US" altLang="zh-CN" sz="2800" smtClean="0">
-                        <a:latin typeface="Cambria Math" panose="02040503050406030204" pitchFamily="18" charset="0"/>
-                      </a:rPr>
-                      <m:t>d</m:t>
-                    </m:r>
-                    <m:r>
-                      <a:rPr lang="en-US" altLang="zh-CN" sz="2800" i="1">
-                        <a:latin typeface="Cambria Math" panose="02040503050406030204" pitchFamily="18" charset="0"/>
-                      </a:rPr>
-                      <m:t>𝑦</m:t>
-                    </m:r>
-                    <m:r>
-                      <a:rPr lang="en-US" altLang="zh-CN" sz="2800" i="1">
-                        <a:latin typeface="Cambria Math" panose="02040503050406030204" pitchFamily="18" charset="0"/>
-                      </a:rPr>
-                      <m:t>=</m:t>
-                    </m:r>
-                    <m:sSup>
-                      <m:sSupPr>
-                        <m:ctrlPr>
-                          <a:rPr lang="en-US" altLang="zh-CN" sz="2800" i="1">
-                            <a:latin typeface="Cambria Math" panose="02040503050406030204" pitchFamily="18" charset="0"/>
-                          </a:rPr>
-                        </m:ctrlPr>
-                      </m:sSupPr>
-                      <m:e>
-                        <m:r>
-                          <m:rPr>
-                            <m:sty m:val="p"/>
-                          </m:rPr>
-                          <a:rPr lang="en-US" altLang="zh-CN" sz="2800">
-                            <a:latin typeface="Cambria Math" panose="02040503050406030204" pitchFamily="18" charset="0"/>
-                          </a:rPr>
-                          <m:t>e</m:t>
-                        </m:r>
-                      </m:e>
-                      <m:sup>
-                        <m:func>
-                          <m:funcPr>
-                            <m:ctrlPr>
-                              <a:rPr lang="en-US" altLang="zh-CN" sz="2800" i="1">
-                                <a:latin typeface="Cambria Math" panose="02040503050406030204" pitchFamily="18" charset="0"/>
-                              </a:rPr>
-                            </m:ctrlPr>
-                          </m:funcPr>
-                          <m:fName>
-                            <m:r>
-                              <m:rPr>
-                                <m:sty m:val="p"/>
-                              </m:rPr>
-                              <a:rPr lang="en-US" altLang="zh-CN" sz="2800">
-                                <a:latin typeface="Cambria Math" panose="02040503050406030204" pitchFamily="18" charset="0"/>
-                              </a:rPr>
-                              <m:t>arctan</m:t>
-                            </m:r>
-                          </m:fName>
-                          <m:e>
-                            <m:d>
-                              <m:dPr>
-                                <m:ctrlPr>
-                                  <a:rPr lang="en-US" altLang="zh-CN" sz="2800" i="1">
-                                    <a:latin typeface="Cambria Math" panose="02040503050406030204" pitchFamily="18" charset="0"/>
-                                  </a:rPr>
-                                </m:ctrlPr>
-                              </m:dPr>
-                              <m:e>
-                                <m:sSup>
-                                  <m:sSupPr>
-                                    <m:ctrlPr>
-                                      <a:rPr lang="en-US" altLang="zh-CN" sz="2800" i="1">
-                                        <a:latin typeface="Cambria Math" panose="02040503050406030204" pitchFamily="18" charset="0"/>
-                                      </a:rPr>
-                                    </m:ctrlPr>
-                                  </m:sSupPr>
-                                  <m:e>
-                                    <m:r>
-                                      <a:rPr lang="en-US" altLang="zh-CN" sz="2800" i="1">
-                                        <a:latin typeface="Cambria Math" panose="02040503050406030204" pitchFamily="18" charset="0"/>
-                                      </a:rPr>
-                                      <m:t>𝑥</m:t>
-                                    </m:r>
-                                  </m:e>
-                                  <m:sup>
-                                    <m:r>
-                                      <a:rPr lang="en-US" altLang="zh-CN" sz="2800" i="1">
-                                        <a:latin typeface="Cambria Math" panose="02040503050406030204" pitchFamily="18" charset="0"/>
-                                      </a:rPr>
-                                      <m:t>2</m:t>
-                                    </m:r>
-                                  </m:sup>
-                                </m:sSup>
-                              </m:e>
-                            </m:d>
-                          </m:e>
-                        </m:func>
-                      </m:sup>
-                    </m:sSup>
-                    <m:r>
-                      <m:rPr>
-                        <m:sty m:val="p"/>
-                      </m:rPr>
-                      <a:rPr lang="en-US" altLang="zh-CN" sz="2800">
-                        <a:latin typeface="Cambria Math" panose="02040503050406030204" pitchFamily="18" charset="0"/>
-                      </a:rPr>
-                      <m:t>d</m:t>
-                    </m:r>
-                    <m:d>
-                      <m:dPr>
-                        <m:ctrlPr>
-                          <a:rPr lang="en-US" altLang="zh-CN" sz="2800" i="1">
-                            <a:latin typeface="Cambria Math" panose="02040503050406030204" pitchFamily="18" charset="0"/>
-                          </a:rPr>
-                        </m:ctrlPr>
-                      </m:dPr>
-                      <m:e>
-                        <m:func>
-                          <m:funcPr>
-                            <m:ctrlPr>
-                              <a:rPr lang="en-US" altLang="zh-CN" sz="2800" i="1">
-                                <a:latin typeface="Cambria Math" panose="02040503050406030204" pitchFamily="18" charset="0"/>
-                              </a:rPr>
-                            </m:ctrlPr>
-                          </m:funcPr>
-                          <m:fName>
-                            <m:r>
-                              <m:rPr>
-                                <m:sty m:val="p"/>
-                              </m:rPr>
-                              <a:rPr lang="en-US" altLang="zh-CN" sz="2800">
-                                <a:latin typeface="Cambria Math" panose="02040503050406030204" pitchFamily="18" charset="0"/>
-                              </a:rPr>
-                              <m:t>arctan</m:t>
-                            </m:r>
-                          </m:fName>
-                          <m:e>
-                            <m:d>
-                              <m:dPr>
-                                <m:ctrlPr>
-                                  <a:rPr lang="en-US" altLang="zh-CN" sz="2800" i="1">
-                                    <a:latin typeface="Cambria Math" panose="02040503050406030204" pitchFamily="18" charset="0"/>
-                                  </a:rPr>
-                                </m:ctrlPr>
-                              </m:dPr>
-                              <m:e>
-                                <m:sSup>
-                                  <m:sSupPr>
-                                    <m:ctrlPr>
-                                      <a:rPr lang="en-US" altLang="zh-CN" sz="2800" i="1">
-                                        <a:latin typeface="Cambria Math" panose="02040503050406030204" pitchFamily="18" charset="0"/>
-                                      </a:rPr>
-                                    </m:ctrlPr>
-                                  </m:sSupPr>
-                                  <m:e>
-                                    <m:r>
-                                      <a:rPr lang="en-US" altLang="zh-CN" sz="2800" i="1">
-                                        <a:latin typeface="Cambria Math" panose="02040503050406030204" pitchFamily="18" charset="0"/>
-                                      </a:rPr>
-                                      <m:t>𝑥</m:t>
-                                    </m:r>
-                                  </m:e>
-                                  <m:sup>
-                                    <m:r>
-                                      <a:rPr lang="en-US" altLang="zh-CN" sz="2800" i="1">
-                                        <a:latin typeface="Cambria Math" panose="02040503050406030204" pitchFamily="18" charset="0"/>
-                                      </a:rPr>
-                                      <m:t>2</m:t>
-                                    </m:r>
-                                  </m:sup>
-                                </m:sSup>
-                              </m:e>
-                            </m:d>
-                          </m:e>
-                        </m:func>
-                      </m:e>
-                    </m:d>
-                    <m:r>
-                      <a:rPr lang="en-US" altLang="zh-CN" sz="2800" b="0" i="0" smtClean="0">
-                        <a:latin typeface="Cambria Math" panose="02040503050406030204" pitchFamily="18" charset="0"/>
-                      </a:rPr>
-                      <m:t>=</m:t>
-                    </m:r>
-                    <m:sSup>
-                      <m:sSupPr>
-                        <m:ctrlPr>
-                          <a:rPr lang="en-US" altLang="zh-CN" sz="2800" i="1">
-                            <a:latin typeface="Cambria Math" panose="02040503050406030204" pitchFamily="18" charset="0"/>
-                          </a:rPr>
-                        </m:ctrlPr>
-                      </m:sSupPr>
-                      <m:e>
-                        <m:r>
-                          <m:rPr>
-                            <m:sty m:val="p"/>
-                          </m:rPr>
-                          <a:rPr lang="en-US" altLang="zh-CN" sz="2800">
-                            <a:latin typeface="Cambria Math" panose="02040503050406030204" pitchFamily="18" charset="0"/>
-                          </a:rPr>
-                          <m:t>e</m:t>
-                        </m:r>
-                      </m:e>
-                      <m:sup>
-                        <m:func>
-                          <m:funcPr>
-                            <m:ctrlPr>
-                              <a:rPr lang="en-US" altLang="zh-CN" sz="2800" i="1">
-                                <a:latin typeface="Cambria Math" panose="02040503050406030204" pitchFamily="18" charset="0"/>
-                              </a:rPr>
-                            </m:ctrlPr>
-                          </m:funcPr>
-                          <m:fName>
-                            <m:r>
-                              <m:rPr>
-                                <m:sty m:val="p"/>
-                              </m:rPr>
-                              <a:rPr lang="en-US" altLang="zh-CN" sz="2800">
-                                <a:latin typeface="Cambria Math" panose="02040503050406030204" pitchFamily="18" charset="0"/>
-                              </a:rPr>
-                              <m:t>arctan</m:t>
-                            </m:r>
-                          </m:fName>
-                          <m:e>
-                            <m:d>
-                              <m:dPr>
-                                <m:ctrlPr>
-                                  <a:rPr lang="en-US" altLang="zh-CN" sz="2800" i="1">
-                                    <a:latin typeface="Cambria Math" panose="02040503050406030204" pitchFamily="18" charset="0"/>
-                                  </a:rPr>
-                                </m:ctrlPr>
-                              </m:dPr>
-                              <m:e>
-                                <m:sSup>
-                                  <m:sSupPr>
-                                    <m:ctrlPr>
-                                      <a:rPr lang="en-US" altLang="zh-CN" sz="2800" i="1">
-                                        <a:latin typeface="Cambria Math" panose="02040503050406030204" pitchFamily="18" charset="0"/>
-                                      </a:rPr>
-                                    </m:ctrlPr>
-                                  </m:sSupPr>
-                                  <m:e>
-                                    <m:r>
-                                      <a:rPr lang="en-US" altLang="zh-CN" sz="2800" i="1">
-                                        <a:latin typeface="Cambria Math" panose="02040503050406030204" pitchFamily="18" charset="0"/>
-                                      </a:rPr>
-                                      <m:t>𝑥</m:t>
-                                    </m:r>
-                                  </m:e>
-                                  <m:sup>
-                                    <m:r>
-                                      <a:rPr lang="en-US" altLang="zh-CN" sz="2800" i="1">
-                                        <a:latin typeface="Cambria Math" panose="02040503050406030204" pitchFamily="18" charset="0"/>
-                                      </a:rPr>
-                                      <m:t>2</m:t>
-                                    </m:r>
-                                  </m:sup>
-                                </m:sSup>
-                              </m:e>
-                            </m:d>
-                          </m:e>
-                        </m:func>
-                      </m:sup>
-                    </m:sSup>
-                    <m:r>
-                      <a:rPr lang="en-US" altLang="zh-CN" sz="2800" b="0" i="1" smtClean="0">
-                        <a:latin typeface="Cambria Math" panose="02040503050406030204" pitchFamily="18" charset="0"/>
-                      </a:rPr>
-                      <m:t>⋅</m:t>
-                    </m:r>
-                    <m:f>
-                      <m:fPr>
-                        <m:ctrlPr>
-                          <a:rPr lang="en-US" altLang="zh-CN" sz="2800" b="0" i="1" smtClean="0">
-                            <a:latin typeface="Cambria Math" panose="02040503050406030204" pitchFamily="18" charset="0"/>
-                          </a:rPr>
-                        </m:ctrlPr>
-                      </m:fPr>
-                      <m:num>
-                        <m:r>
-                          <m:rPr>
-                            <m:sty m:val="p"/>
-                          </m:rPr>
-                          <a:rPr lang="en-US" altLang="zh-CN" sz="2800" b="0" i="0" smtClean="0">
-                            <a:latin typeface="Cambria Math" panose="02040503050406030204" pitchFamily="18" charset="0"/>
-                          </a:rPr>
-                          <m:t>d</m:t>
-                        </m:r>
-                        <m:d>
-                          <m:dPr>
-                            <m:ctrlPr>
-                              <a:rPr lang="en-US" altLang="zh-CN" sz="2800" b="0" i="1" smtClean="0">
-                                <a:latin typeface="Cambria Math" panose="02040503050406030204" pitchFamily="18" charset="0"/>
-                              </a:rPr>
-                            </m:ctrlPr>
-                          </m:dPr>
-                          <m:e>
-                            <m:sSup>
-                              <m:sSupPr>
-                                <m:ctrlPr>
-                                  <a:rPr lang="en-US" altLang="zh-CN" sz="2800" b="0" i="1" smtClean="0">
-                                    <a:latin typeface="Cambria Math" panose="02040503050406030204" pitchFamily="18" charset="0"/>
-                                  </a:rPr>
-                                </m:ctrlPr>
-                              </m:sSupPr>
-                              <m:e>
-                                <m:r>
-                                  <a:rPr lang="en-US" altLang="zh-CN" sz="2800" b="0" i="1" smtClean="0">
-                                    <a:latin typeface="Cambria Math" panose="02040503050406030204" pitchFamily="18" charset="0"/>
-                                  </a:rPr>
-                                  <m:t>𝑥</m:t>
-                                </m:r>
-                              </m:e>
-                              <m:sup>
-                                <m:r>
-                                  <a:rPr lang="en-US" altLang="zh-CN" sz="2800" b="0" i="1" smtClean="0">
-                                    <a:latin typeface="Cambria Math" panose="02040503050406030204" pitchFamily="18" charset="0"/>
-                                  </a:rPr>
-                                  <m:t>2</m:t>
-                                </m:r>
-                              </m:sup>
-                            </m:sSup>
-                          </m:e>
-                        </m:d>
-                      </m:num>
-                      <m:den>
-                        <m:r>
-                          <a:rPr lang="en-US" altLang="zh-CN" sz="2800" b="0" i="0" smtClean="0">
-                            <a:latin typeface="Cambria Math" panose="02040503050406030204" pitchFamily="18" charset="0"/>
-                          </a:rPr>
-                          <m:t>1+</m:t>
-                        </m:r>
-                        <m:sSup>
-                          <m:sSupPr>
-                            <m:ctrlPr>
-                              <a:rPr lang="en-US" altLang="zh-CN" sz="2800" b="0" i="1" smtClean="0">
-                                <a:latin typeface="Cambria Math" panose="02040503050406030204" pitchFamily="18" charset="0"/>
-                              </a:rPr>
-                            </m:ctrlPr>
-                          </m:sSupPr>
-                          <m:e>
-                            <m:r>
-                              <a:rPr lang="en-US" altLang="zh-CN" sz="2800" b="0" i="1" smtClean="0">
-                                <a:latin typeface="Cambria Math" panose="02040503050406030204" pitchFamily="18" charset="0"/>
-                              </a:rPr>
-                              <m:t>𝑥</m:t>
-                            </m:r>
-                          </m:e>
-                          <m:sup>
-                            <m:r>
-                              <a:rPr lang="en-US" altLang="zh-CN" sz="2800" b="0" i="0" smtClean="0">
-                                <a:latin typeface="Cambria Math" panose="02040503050406030204" pitchFamily="18" charset="0"/>
-                              </a:rPr>
-                              <m:t>4</m:t>
-                            </m:r>
-                          </m:sup>
-                        </m:sSup>
-                      </m:den>
-                    </m:f>
-                    <m:r>
-                      <a:rPr lang="en-US" altLang="zh-CN" sz="2800" b="0" i="0" smtClean="0">
-                        <a:latin typeface="Cambria Math" panose="02040503050406030204" pitchFamily="18" charset="0"/>
-                      </a:rPr>
-                      <m:t>=</m:t>
-                    </m:r>
-                    <m:sSup>
-                      <m:sSupPr>
-                        <m:ctrlPr>
-                          <a:rPr lang="en-US" altLang="zh-CN" sz="2800" i="1">
-                            <a:latin typeface="Cambria Math" panose="02040503050406030204" pitchFamily="18" charset="0"/>
-                          </a:rPr>
-                        </m:ctrlPr>
-                      </m:sSupPr>
-                      <m:e>
-                        <m:r>
-                          <m:rPr>
-                            <m:sty m:val="p"/>
-                          </m:rPr>
-                          <a:rPr lang="en-US" altLang="zh-CN" sz="2800">
-                            <a:latin typeface="Cambria Math" panose="02040503050406030204" pitchFamily="18" charset="0"/>
-                          </a:rPr>
-                          <m:t>e</m:t>
-                        </m:r>
-                      </m:e>
-                      <m:sup>
-                        <m:func>
-                          <m:funcPr>
-                            <m:ctrlPr>
-                              <a:rPr lang="en-US" altLang="zh-CN" sz="2800" i="1">
-                                <a:latin typeface="Cambria Math" panose="02040503050406030204" pitchFamily="18" charset="0"/>
-                              </a:rPr>
-                            </m:ctrlPr>
-                          </m:funcPr>
-                          <m:fName>
-                            <m:r>
-                              <m:rPr>
-                                <m:sty m:val="p"/>
-                              </m:rPr>
-                              <a:rPr lang="en-US" altLang="zh-CN" sz="2800">
-                                <a:latin typeface="Cambria Math" panose="02040503050406030204" pitchFamily="18" charset="0"/>
-                              </a:rPr>
-                              <m:t>arctan</m:t>
-                            </m:r>
-                          </m:fName>
-                          <m:e>
-                            <m:d>
-                              <m:dPr>
-                                <m:ctrlPr>
-                                  <a:rPr lang="en-US" altLang="zh-CN" sz="2800" i="1">
-                                    <a:latin typeface="Cambria Math" panose="02040503050406030204" pitchFamily="18" charset="0"/>
-                                  </a:rPr>
-                                </m:ctrlPr>
-                              </m:dPr>
-                              <m:e>
-                                <m:sSup>
-                                  <m:sSupPr>
-                                    <m:ctrlPr>
-                                      <a:rPr lang="en-US" altLang="zh-CN" sz="2800" i="1">
-                                        <a:latin typeface="Cambria Math" panose="02040503050406030204" pitchFamily="18" charset="0"/>
-                                      </a:rPr>
-                                    </m:ctrlPr>
-                                  </m:sSupPr>
-                                  <m:e>
-                                    <m:r>
-                                      <a:rPr lang="en-US" altLang="zh-CN" sz="2800" i="1">
-                                        <a:latin typeface="Cambria Math" panose="02040503050406030204" pitchFamily="18" charset="0"/>
-                                      </a:rPr>
-                                      <m:t>𝑥</m:t>
-                                    </m:r>
-                                  </m:e>
-                                  <m:sup>
-                                    <m:r>
-                                      <a:rPr lang="en-US" altLang="zh-CN" sz="2800" i="1">
-                                        <a:latin typeface="Cambria Math" panose="02040503050406030204" pitchFamily="18" charset="0"/>
-                                      </a:rPr>
-                                      <m:t>2</m:t>
-                                    </m:r>
-                                  </m:sup>
-                                </m:sSup>
-                              </m:e>
-                            </m:d>
-                          </m:e>
-                        </m:func>
-                      </m:sup>
-                    </m:sSup>
-                    <m:r>
-                      <a:rPr lang="en-US" altLang="zh-CN" sz="2800" i="1">
-                        <a:latin typeface="Cambria Math" panose="02040503050406030204" pitchFamily="18" charset="0"/>
-                      </a:rPr>
-                      <m:t>⋅</m:t>
-                    </m:r>
-                    <m:f>
-                      <m:fPr>
-                        <m:ctrlPr>
-                          <a:rPr lang="en-US" altLang="zh-CN" sz="2800" i="1">
-                            <a:latin typeface="Cambria Math" panose="02040503050406030204" pitchFamily="18" charset="0"/>
-                          </a:rPr>
-                        </m:ctrlPr>
-                      </m:fPr>
-                      <m:num>
-                        <m:r>
-                          <a:rPr lang="en-US" altLang="zh-CN" sz="2800" b="0" i="1" smtClean="0">
-                            <a:latin typeface="Cambria Math" panose="02040503050406030204" pitchFamily="18" charset="0"/>
-                          </a:rPr>
-                          <m:t>2</m:t>
-                        </m:r>
-                        <m:r>
-                          <a:rPr lang="en-US" altLang="zh-CN" sz="2800" b="0" i="1" smtClean="0">
-                            <a:latin typeface="Cambria Math" panose="02040503050406030204" pitchFamily="18" charset="0"/>
-                          </a:rPr>
-                          <m:t>𝑥</m:t>
-                        </m:r>
-                        <m:r>
-                          <m:rPr>
-                            <m:sty m:val="p"/>
-                          </m:rPr>
-                          <a:rPr lang="en-US" altLang="zh-CN" sz="2800">
-                            <a:latin typeface="Cambria Math" panose="02040503050406030204" pitchFamily="18" charset="0"/>
-                          </a:rPr>
-                          <m:t>d</m:t>
-                        </m:r>
-                        <m:r>
-                          <a:rPr lang="en-US" altLang="zh-CN" sz="2800" b="0" i="1" smtClean="0">
-                            <a:latin typeface="Cambria Math" panose="02040503050406030204" pitchFamily="18" charset="0"/>
-                          </a:rPr>
-                          <m:t>𝑥</m:t>
-                        </m:r>
-                      </m:num>
-                      <m:den>
-                        <m:r>
-                          <a:rPr lang="en-US" altLang="zh-CN" sz="2800">
-                            <a:latin typeface="Cambria Math" panose="02040503050406030204" pitchFamily="18" charset="0"/>
-                          </a:rPr>
-                          <m:t>1+</m:t>
-                        </m:r>
-                        <m:sSup>
-                          <m:sSupPr>
-                            <m:ctrlPr>
-                              <a:rPr lang="en-US" altLang="zh-CN" sz="2800" i="1">
-                                <a:latin typeface="Cambria Math" panose="02040503050406030204" pitchFamily="18" charset="0"/>
-                              </a:rPr>
-                            </m:ctrlPr>
-                          </m:sSupPr>
-                          <m:e>
-                            <m:r>
-                              <a:rPr lang="en-US" altLang="zh-CN" sz="2800" i="1">
-                                <a:latin typeface="Cambria Math" panose="02040503050406030204" pitchFamily="18" charset="0"/>
-                              </a:rPr>
-                              <m:t>𝑥</m:t>
-                            </m:r>
-                          </m:e>
-                          <m:sup>
-                            <m:r>
-                              <a:rPr lang="en-US" altLang="zh-CN" sz="2800">
-                                <a:latin typeface="Cambria Math" panose="02040503050406030204" pitchFamily="18" charset="0"/>
-                              </a:rPr>
-                              <m:t>4</m:t>
-                            </m:r>
-                          </m:sup>
-                        </m:sSup>
-                      </m:den>
-                    </m:f>
-                  </m:oMath>
+                  <m:oMathPara xmlns:m="http://schemas.openxmlformats.org/officeDocument/2006/math">
+                    <m:oMathParaPr>
+                      <m:jc m:val="centerGroup"/>
+                    </m:oMathParaPr>
+                    <m:oMath xmlns:m="http://schemas.openxmlformats.org/officeDocument/2006/math">
+                      <m:r>
+                        <m:rPr>
+                          <m:sty m:val="p"/>
+                        </m:rPr>
+                        <a:rPr lang="en-US" altLang="zh-CN">
+                          <a:latin typeface="Cambria Math" panose="02040503050406030204" pitchFamily="18" charset="0"/>
+                        </a:rPr>
+                        <m:t>d</m:t>
+                      </m:r>
+                      <m:r>
+                        <a:rPr lang="en-US" altLang="zh-CN" i="1">
+                          <a:latin typeface="Cambria Math" panose="02040503050406030204" pitchFamily="18" charset="0"/>
+                        </a:rPr>
+                        <m:t>𝑦</m:t>
+                      </m:r>
+                      <m:sSub>
+                        <m:sSubPr>
+                          <m:ctrlPr>
+                            <a:rPr lang="en-US" altLang="zh-CN" i="1">
+                              <a:latin typeface="Cambria Math" panose="02040503050406030204" pitchFamily="18" charset="0"/>
+                            </a:rPr>
+                          </m:ctrlPr>
+                        </m:sSubPr>
+                        <m:e>
+                          <m:d>
+                            <m:dPr>
+                              <m:begChr m:val=""/>
+                              <m:endChr m:val="|"/>
+                              <m:ctrlPr>
+                                <a:rPr lang="en-US" altLang="zh-CN" i="1">
+                                  <a:latin typeface="Cambria Math" panose="02040503050406030204" pitchFamily="18" charset="0"/>
+                                </a:rPr>
+                              </m:ctrlPr>
+                            </m:dPr>
+                            <m:e>
+                              <m:r>
+                                <a:rPr lang="zh-CN" altLang="en-US">
+                                  <a:latin typeface="Cambria Math" panose="02040503050406030204" pitchFamily="18" charset="0"/>
+                                </a:rPr>
+                                <m:t>​</m:t>
+                              </m:r>
+                            </m:e>
+                          </m:d>
+                        </m:e>
+                        <m:sub>
+                          <m:r>
+                            <a:rPr lang="en-US" altLang="zh-CN" i="1">
+                              <a:latin typeface="Cambria Math" panose="02040503050406030204" pitchFamily="18" charset="0"/>
+                            </a:rPr>
+                            <m:t>𝑥</m:t>
+                          </m:r>
+                          <m:r>
+                            <a:rPr lang="en-US" altLang="zh-CN" i="1">
+                              <a:latin typeface="Cambria Math" panose="02040503050406030204" pitchFamily="18" charset="0"/>
+                            </a:rPr>
+                            <m:t>=</m:t>
+                          </m:r>
+                          <m:f>
+                            <m:fPr>
+                              <m:ctrlPr>
+                                <a:rPr lang="en-US" altLang="zh-CN" i="1">
+                                  <a:latin typeface="Cambria Math" panose="02040503050406030204" pitchFamily="18" charset="0"/>
+                                </a:rPr>
+                              </m:ctrlPr>
+                            </m:fPr>
+                            <m:num>
+                              <m:r>
+                                <a:rPr lang="en-US" altLang="zh-CN" i="1">
+                                  <a:latin typeface="Cambria Math" panose="02040503050406030204" pitchFamily="18" charset="0"/>
+                                </a:rPr>
+                                <m:t>𝜋</m:t>
+                              </m:r>
+                            </m:num>
+                            <m:den>
+                              <m:r>
+                                <a:rPr lang="en-US" altLang="zh-CN" i="1">
+                                  <a:latin typeface="Cambria Math" panose="02040503050406030204" pitchFamily="18" charset="0"/>
+                                </a:rPr>
+                                <m:t>4</m:t>
+                              </m:r>
+                            </m:den>
+                          </m:f>
+                        </m:sub>
+                      </m:sSub>
+                      <m:r>
+                        <m:rPr>
+                          <m:aln/>
+                        </m:rPr>
+                        <a:rPr lang="en-US" altLang="zh-CN" i="1">
+                          <a:latin typeface="Cambria Math" panose="02040503050406030204" pitchFamily="18" charset="0"/>
+                        </a:rPr>
+                        <m:t>=</m:t>
+                      </m:r>
+                      <m:sSup>
+                        <m:sSupPr>
+                          <m:ctrlPr>
+                            <a:rPr lang="en-US" altLang="zh-CN" i="1">
+                              <a:latin typeface="Cambria Math" panose="02040503050406030204" pitchFamily="18" charset="0"/>
+                            </a:rPr>
+                          </m:ctrlPr>
+                        </m:sSupPr>
+                        <m:e>
+                          <m:r>
+                            <m:rPr>
+                              <m:sty m:val="p"/>
+                            </m:rPr>
+                            <a:rPr lang="en-US" altLang="zh-CN">
+                              <a:latin typeface="Cambria Math" panose="02040503050406030204" pitchFamily="18" charset="0"/>
+                            </a:rPr>
+                            <m:t>e</m:t>
+                          </m:r>
+                        </m:e>
+                        <m:sup>
+                          <m:r>
+                            <a:rPr lang="en-US" altLang="zh-CN" i="1">
+                              <a:latin typeface="Cambria Math" panose="02040503050406030204" pitchFamily="18" charset="0"/>
+                            </a:rPr>
+                            <m:t>𝑥</m:t>
+                          </m:r>
+                        </m:sup>
+                      </m:sSup>
+                      <m:d>
+                        <m:dPr>
+                          <m:ctrlPr>
+                            <a:rPr lang="en-US" altLang="zh-CN" i="1">
+                              <a:latin typeface="Cambria Math" panose="02040503050406030204" pitchFamily="18" charset="0"/>
+                            </a:rPr>
+                          </m:ctrlPr>
+                        </m:dPr>
+                        <m:e>
+                          <m:func>
+                            <m:funcPr>
+                              <m:ctrlPr>
+                                <a:rPr lang="en-US" altLang="zh-CN" i="1">
+                                  <a:latin typeface="Cambria Math" panose="02040503050406030204" pitchFamily="18" charset="0"/>
+                                </a:rPr>
+                              </m:ctrlPr>
+                            </m:funcPr>
+                            <m:fName>
+                              <m:r>
+                                <m:rPr>
+                                  <m:sty m:val="p"/>
+                                </m:rPr>
+                                <a:rPr lang="en-US" altLang="zh-CN">
+                                  <a:latin typeface="Cambria Math" panose="02040503050406030204" pitchFamily="18" charset="0"/>
+                                </a:rPr>
+                                <m:t>sin</m:t>
+                              </m:r>
+                            </m:fName>
+                            <m:e>
+                              <m:r>
+                                <a:rPr lang="en-US" altLang="zh-CN" i="1">
+                                  <a:latin typeface="Cambria Math" panose="02040503050406030204" pitchFamily="18" charset="0"/>
+                                </a:rPr>
+                                <m:t>𝑥</m:t>
+                              </m:r>
+                            </m:e>
+                          </m:func>
+                          <m:r>
+                            <a:rPr lang="en-US" altLang="zh-CN" i="1">
+                              <a:latin typeface="Cambria Math" panose="02040503050406030204" pitchFamily="18" charset="0"/>
+                            </a:rPr>
+                            <m:t>+</m:t>
+                          </m:r>
+                          <m:func>
+                            <m:funcPr>
+                              <m:ctrlPr>
+                                <a:rPr lang="en-US" altLang="zh-CN" i="1">
+                                  <a:latin typeface="Cambria Math" panose="02040503050406030204" pitchFamily="18" charset="0"/>
+                                </a:rPr>
+                              </m:ctrlPr>
+                            </m:funcPr>
+                            <m:fName>
+                              <m:r>
+                                <m:rPr>
+                                  <m:sty m:val="p"/>
+                                </m:rPr>
+                                <a:rPr lang="en-US" altLang="zh-CN">
+                                  <a:latin typeface="Cambria Math" panose="02040503050406030204" pitchFamily="18" charset="0"/>
+                                </a:rPr>
+                                <m:t>cos</m:t>
+                              </m:r>
+                            </m:fName>
+                            <m:e>
+                              <m:r>
+                                <a:rPr lang="en-US" altLang="zh-CN" i="1">
+                                  <a:latin typeface="Cambria Math" panose="02040503050406030204" pitchFamily="18" charset="0"/>
+                                </a:rPr>
+                                <m:t>𝑥</m:t>
+                              </m:r>
+                            </m:e>
+                          </m:func>
+                        </m:e>
+                      </m:d>
+                      <m:sSub>
+                        <m:sSubPr>
+                          <m:ctrlPr>
+                            <a:rPr lang="en-US" altLang="zh-CN" i="1">
+                              <a:latin typeface="Cambria Math" panose="02040503050406030204" pitchFamily="18" charset="0"/>
+                            </a:rPr>
+                          </m:ctrlPr>
+                        </m:sSubPr>
+                        <m:e>
+                          <m:d>
+                            <m:dPr>
+                              <m:begChr m:val=""/>
+                              <m:endChr m:val="|"/>
+                              <m:ctrlPr>
+                                <a:rPr lang="en-US" altLang="zh-CN" i="1">
+                                  <a:latin typeface="Cambria Math" panose="02040503050406030204" pitchFamily="18" charset="0"/>
+                                </a:rPr>
+                              </m:ctrlPr>
+                            </m:dPr>
+                            <m:e>
+                              <m:r>
+                                <a:rPr lang="zh-CN" altLang="en-US">
+                                  <a:latin typeface="Cambria Math" panose="02040503050406030204" pitchFamily="18" charset="0"/>
+                                </a:rPr>
+                                <m:t>​</m:t>
+                              </m:r>
+                            </m:e>
+                          </m:d>
+                        </m:e>
+                        <m:sub>
+                          <m:r>
+                            <a:rPr lang="en-US" altLang="zh-CN" i="1">
+                              <a:latin typeface="Cambria Math" panose="02040503050406030204" pitchFamily="18" charset="0"/>
+                            </a:rPr>
+                            <m:t>𝑥</m:t>
+                          </m:r>
+                          <m:r>
+                            <a:rPr lang="en-US" altLang="zh-CN" i="1">
+                              <a:latin typeface="Cambria Math" panose="02040503050406030204" pitchFamily="18" charset="0"/>
+                            </a:rPr>
+                            <m:t>=</m:t>
+                          </m:r>
+                          <m:f>
+                            <m:fPr>
+                              <m:ctrlPr>
+                                <a:rPr lang="en-US" altLang="zh-CN" i="1">
+                                  <a:latin typeface="Cambria Math" panose="02040503050406030204" pitchFamily="18" charset="0"/>
+                                </a:rPr>
+                              </m:ctrlPr>
+                            </m:fPr>
+                            <m:num>
+                              <m:r>
+                                <a:rPr lang="en-US" altLang="zh-CN" i="1">
+                                  <a:latin typeface="Cambria Math" panose="02040503050406030204" pitchFamily="18" charset="0"/>
+                                </a:rPr>
+                                <m:t>𝜋</m:t>
+                              </m:r>
+                            </m:num>
+                            <m:den>
+                              <m:r>
+                                <a:rPr lang="en-US" altLang="zh-CN" i="1">
+                                  <a:latin typeface="Cambria Math" panose="02040503050406030204" pitchFamily="18" charset="0"/>
+                                </a:rPr>
+                                <m:t>4</m:t>
+                              </m:r>
+                            </m:den>
+                          </m:f>
+                        </m:sub>
+                      </m:sSub>
+                      <m:r>
+                        <m:rPr>
+                          <m:sty m:val="p"/>
+                        </m:rPr>
+                        <a:rPr lang="en-US" altLang="zh-CN">
+                          <a:latin typeface="Cambria Math" panose="02040503050406030204" pitchFamily="18" charset="0"/>
+                        </a:rPr>
+                        <m:t>d</m:t>
+                      </m:r>
+                      <m:r>
+                        <a:rPr lang="en-US" altLang="zh-CN" i="1">
+                          <a:latin typeface="Cambria Math" panose="02040503050406030204" pitchFamily="18" charset="0"/>
+                        </a:rPr>
+                        <m:t>𝑥</m:t>
+                      </m:r>
+                      <m:r>
+                        <a:rPr lang="en-US" altLang="zh-CN" i="1">
+                          <a:latin typeface="Cambria Math" panose="02040503050406030204" pitchFamily="18" charset="0"/>
+                        </a:rPr>
+                        <m:t>=</m:t>
+                      </m:r>
+                      <m:rad>
+                        <m:radPr>
+                          <m:degHide m:val="on"/>
+                          <m:ctrlPr>
+                            <a:rPr lang="en-US" altLang="zh-CN" i="1">
+                              <a:latin typeface="Cambria Math" panose="02040503050406030204" pitchFamily="18" charset="0"/>
+                            </a:rPr>
+                          </m:ctrlPr>
+                        </m:radPr>
+                        <m:deg/>
+                        <m:e>
+                          <m:r>
+                            <a:rPr lang="en-US" altLang="zh-CN" i="1">
+                              <a:latin typeface="Cambria Math" panose="02040503050406030204" pitchFamily="18" charset="0"/>
+                            </a:rPr>
+                            <m:t>2</m:t>
+                          </m:r>
+                        </m:e>
+                      </m:rad>
+                      <m:sSup>
+                        <m:sSupPr>
+                          <m:ctrlPr>
+                            <a:rPr lang="en-US" altLang="zh-CN" i="1">
+                              <a:latin typeface="Cambria Math" panose="02040503050406030204" pitchFamily="18" charset="0"/>
+                            </a:rPr>
+                          </m:ctrlPr>
+                        </m:sSupPr>
+                        <m:e>
+                          <m:r>
+                            <m:rPr>
+                              <m:sty m:val="p"/>
+                            </m:rPr>
+                            <a:rPr lang="en-US" altLang="zh-CN">
+                              <a:latin typeface="Cambria Math" panose="02040503050406030204" pitchFamily="18" charset="0"/>
+                            </a:rPr>
+                            <m:t>e</m:t>
+                          </m:r>
+                        </m:e>
+                        <m:sup>
+                          <m:f>
+                            <m:fPr>
+                              <m:ctrlPr>
+                                <a:rPr lang="en-US" altLang="zh-CN" i="1">
+                                  <a:latin typeface="Cambria Math" panose="02040503050406030204" pitchFamily="18" charset="0"/>
+                                </a:rPr>
+                              </m:ctrlPr>
+                            </m:fPr>
+                            <m:num>
+                              <m:r>
+                                <a:rPr lang="en-US" altLang="zh-CN" i="1">
+                                  <a:latin typeface="Cambria Math" panose="02040503050406030204" pitchFamily="18" charset="0"/>
+                                </a:rPr>
+                                <m:t>𝜋</m:t>
+                              </m:r>
+                            </m:num>
+                            <m:den>
+                              <m:r>
+                                <a:rPr lang="en-US" altLang="zh-CN" i="1">
+                                  <a:latin typeface="Cambria Math" panose="02040503050406030204" pitchFamily="18" charset="0"/>
+                                </a:rPr>
+                                <m:t>4</m:t>
+                              </m:r>
+                            </m:den>
+                          </m:f>
+                        </m:sup>
+                      </m:sSup>
+                      <m:r>
+                        <m:rPr>
+                          <m:sty m:val="p"/>
+                        </m:rPr>
+                        <a:rPr lang="en-US" altLang="zh-CN">
+                          <a:latin typeface="Cambria Math" panose="02040503050406030204" pitchFamily="18" charset="0"/>
+                        </a:rPr>
+                        <m:t>d</m:t>
+                      </m:r>
+                      <m:r>
+                        <a:rPr lang="en-US" altLang="zh-CN" i="1">
+                          <a:latin typeface="Cambria Math" panose="02040503050406030204" pitchFamily="18" charset="0"/>
+                        </a:rPr>
+                        <m:t>𝑥</m:t>
+                      </m:r>
+                      <m:r>
+                        <a:rPr lang="en-US" altLang="zh-CN">
+                          <a:latin typeface="Cambria Math" panose="02040503050406030204" pitchFamily="18" charset="0"/>
+                        </a:rPr>
+                        <m:t>,</m:t>
+                      </m:r>
+                    </m:oMath>
+                  </m:oMathPara>
                 </a14:m>
-                <a:r>
-                  <a:rPr lang="en-US" altLang="zh-CN" b="0" dirty="0" smtClean="0">
-                    <a:latin typeface="Cambria Math" panose="02040503050406030204" pitchFamily="18" charset="0"/>
-                  </a:rPr>
-                  <a:t>, </a:t>
-                </a:r>
-                <a:r>
-                  <a:rPr lang="zh-CN" altLang="en-US" b="0" dirty="0" smtClean="0"/>
-                  <a:t>故 </a:t>
-                </a:r>
-                <a14:m>
-                  <m:oMath xmlns:m="http://schemas.openxmlformats.org/officeDocument/2006/math">
-                    <m:sSup>
-                      <m:sSupPr>
-                        <m:ctrlPr>
-                          <a:rPr lang="en-US" altLang="zh-CN" sz="2800" b="0" i="1" smtClean="0">
-                            <a:latin typeface="Cambria Math" panose="02040503050406030204" pitchFamily="18" charset="0"/>
-                          </a:rPr>
-                        </m:ctrlPr>
-                      </m:sSupPr>
-                      <m:e>
-                        <m:r>
-                          <a:rPr lang="en-US" altLang="zh-CN" sz="2800" b="0" i="1" smtClean="0">
-                            <a:latin typeface="Cambria Math" panose="02040503050406030204" pitchFamily="18" charset="0"/>
-                          </a:rPr>
-                          <m:t>𝑦</m:t>
-                        </m:r>
-                      </m:e>
-                      <m:sup>
-                        <m:r>
-                          <a:rPr lang="en-US" altLang="zh-CN" sz="2800" b="0" i="1" smtClean="0">
-                            <a:latin typeface="Cambria Math" panose="02040503050406030204" pitchFamily="18" charset="0"/>
-                          </a:rPr>
-                          <m:t>′</m:t>
-                        </m:r>
-                      </m:sup>
-                    </m:sSup>
-                    <m:r>
-                      <a:rPr lang="en-US" altLang="zh-CN" sz="2800" b="0" i="1" smtClean="0">
-                        <a:latin typeface="Cambria Math" panose="02040503050406030204" pitchFamily="18" charset="0"/>
-                      </a:rPr>
-                      <m:t>=</m:t>
-                    </m:r>
-                    <m:sSup>
-                      <m:sSupPr>
-                        <m:ctrlPr>
-                          <a:rPr lang="en-US" altLang="zh-CN" sz="2800" i="1">
-                            <a:latin typeface="Cambria Math" panose="02040503050406030204" pitchFamily="18" charset="0"/>
-                          </a:rPr>
-                        </m:ctrlPr>
-                      </m:sSupPr>
-                      <m:e>
-                        <m:r>
-                          <m:rPr>
-                            <m:sty m:val="p"/>
-                          </m:rPr>
-                          <a:rPr lang="en-US" altLang="zh-CN" sz="2800">
-                            <a:latin typeface="Cambria Math" panose="02040503050406030204" pitchFamily="18" charset="0"/>
-                          </a:rPr>
-                          <m:t>e</m:t>
-                        </m:r>
-                      </m:e>
-                      <m:sup>
-                        <m:func>
-                          <m:funcPr>
-                            <m:ctrlPr>
-                              <a:rPr lang="en-US" altLang="zh-CN" sz="2800" i="1">
-                                <a:latin typeface="Cambria Math" panose="02040503050406030204" pitchFamily="18" charset="0"/>
-                              </a:rPr>
-                            </m:ctrlPr>
-                          </m:funcPr>
-                          <m:fName>
-                            <m:r>
-                              <m:rPr>
-                                <m:sty m:val="p"/>
-                              </m:rPr>
-                              <a:rPr lang="en-US" altLang="zh-CN" sz="2800">
-                                <a:latin typeface="Cambria Math" panose="02040503050406030204" pitchFamily="18" charset="0"/>
-                              </a:rPr>
-                              <m:t>arctan</m:t>
-                            </m:r>
-                          </m:fName>
-                          <m:e>
-                            <m:d>
-                              <m:dPr>
-                                <m:ctrlPr>
-                                  <a:rPr lang="en-US" altLang="zh-CN" sz="2800" i="1">
-                                    <a:latin typeface="Cambria Math" panose="02040503050406030204" pitchFamily="18" charset="0"/>
-                                  </a:rPr>
-                                </m:ctrlPr>
-                              </m:dPr>
-                              <m:e>
-                                <m:sSup>
-                                  <m:sSupPr>
-                                    <m:ctrlPr>
-                                      <a:rPr lang="en-US" altLang="zh-CN" sz="2800" i="1">
-                                        <a:latin typeface="Cambria Math" panose="02040503050406030204" pitchFamily="18" charset="0"/>
-                                      </a:rPr>
-                                    </m:ctrlPr>
-                                  </m:sSupPr>
-                                  <m:e>
-                                    <m:r>
-                                      <a:rPr lang="en-US" altLang="zh-CN" sz="2800" i="1">
-                                        <a:latin typeface="Cambria Math" panose="02040503050406030204" pitchFamily="18" charset="0"/>
-                                      </a:rPr>
-                                      <m:t>𝑥</m:t>
-                                    </m:r>
-                                  </m:e>
-                                  <m:sup>
-                                    <m:r>
-                                      <a:rPr lang="en-US" altLang="zh-CN" sz="2800" i="1">
-                                        <a:latin typeface="Cambria Math" panose="02040503050406030204" pitchFamily="18" charset="0"/>
-                                      </a:rPr>
-                                      <m:t>2</m:t>
-                                    </m:r>
-                                  </m:sup>
-                                </m:sSup>
-                              </m:e>
-                            </m:d>
-                          </m:e>
-                        </m:func>
-                      </m:sup>
-                    </m:sSup>
-                    <m:r>
-                      <a:rPr lang="en-US" altLang="zh-CN" sz="2800" i="1">
-                        <a:latin typeface="Cambria Math" panose="02040503050406030204" pitchFamily="18" charset="0"/>
-                      </a:rPr>
-                      <m:t>⋅</m:t>
-                    </m:r>
-                    <m:f>
-                      <m:fPr>
-                        <m:ctrlPr>
-                          <a:rPr lang="en-US" altLang="zh-CN" sz="2800" i="1">
-                            <a:latin typeface="Cambria Math" panose="02040503050406030204" pitchFamily="18" charset="0"/>
-                          </a:rPr>
-                        </m:ctrlPr>
-                      </m:fPr>
-                      <m:num>
-                        <m:r>
-                          <a:rPr lang="en-US" altLang="zh-CN" sz="2800" i="1">
-                            <a:latin typeface="Cambria Math" panose="02040503050406030204" pitchFamily="18" charset="0"/>
-                          </a:rPr>
-                          <m:t>2</m:t>
-                        </m:r>
-                        <m:r>
-                          <a:rPr lang="en-US" altLang="zh-CN" sz="2800" i="1">
-                            <a:latin typeface="Cambria Math" panose="02040503050406030204" pitchFamily="18" charset="0"/>
-                          </a:rPr>
-                          <m:t>𝑥</m:t>
-                        </m:r>
-                      </m:num>
-                      <m:den>
-                        <m:r>
-                          <a:rPr lang="en-US" altLang="zh-CN" sz="2800">
-                            <a:latin typeface="Cambria Math" panose="02040503050406030204" pitchFamily="18" charset="0"/>
-                          </a:rPr>
-                          <m:t>1+</m:t>
-                        </m:r>
-                        <m:sSup>
-                          <m:sSupPr>
-                            <m:ctrlPr>
-                              <a:rPr lang="en-US" altLang="zh-CN" sz="2800" i="1">
-                                <a:latin typeface="Cambria Math" panose="02040503050406030204" pitchFamily="18" charset="0"/>
-                              </a:rPr>
-                            </m:ctrlPr>
-                          </m:sSupPr>
-                          <m:e>
-                            <m:r>
-                              <a:rPr lang="en-US" altLang="zh-CN" sz="2800" i="1">
-                                <a:latin typeface="Cambria Math" panose="02040503050406030204" pitchFamily="18" charset="0"/>
-                              </a:rPr>
-                              <m:t>𝑥</m:t>
-                            </m:r>
-                          </m:e>
-                          <m:sup>
-                            <m:r>
-                              <a:rPr lang="en-US" altLang="zh-CN" sz="2800">
-                                <a:latin typeface="Cambria Math" panose="02040503050406030204" pitchFamily="18" charset="0"/>
-                              </a:rPr>
-                              <m:t>4</m:t>
-                            </m:r>
-                          </m:sup>
-                        </m:sSup>
-                      </m:den>
-                    </m:f>
-                  </m:oMath>
-                </a14:m>
-                <a:r>
-                  <a:rPr lang="en-US" altLang="zh-CN" dirty="0" smtClean="0"/>
-                  <a:t>.</a:t>
-                </a:r>
+                <a:endParaRPr lang="en-US" altLang="zh-CN" dirty="0" smtClean="0">
+                  <a:latin typeface="Cambria Math" panose="02040503050406030204" pitchFamily="18" charset="0"/>
+                </a:endParaRPr>
               </a:p>
               <a:p>
-                <a:r>
-                  <a:rPr lang="zh-CN" altLang="en-US" dirty="0" smtClean="0"/>
-                  <a:t>当函数较复杂时</a:t>
-                </a:r>
-                <a:r>
-                  <a:rPr lang="en-US" altLang="zh-CN" dirty="0" smtClean="0"/>
-                  <a:t>, </a:t>
-                </a:r>
-                <a:r>
-                  <a:rPr lang="zh-CN" altLang="en-US" dirty="0" smtClean="0"/>
-                  <a:t>这种利用微分反过来求导数的方法可以保持较高的计算准确率</a:t>
-                </a:r>
-                <a:r>
-                  <a:rPr lang="en-US" altLang="zh-CN" dirty="0" smtClean="0"/>
-                  <a:t>.</a:t>
-                </a:r>
+                <a:pPr marL="0" indent="0">
+                  <a:buNone/>
+                </a:pPr>
+                <a14:m>
+                  <m:oMathPara xmlns:m="http://schemas.openxmlformats.org/officeDocument/2006/math">
+                    <m:oMathParaPr>
+                      <m:jc m:val="centerGroup"/>
+                    </m:oMathParaPr>
+                    <m:oMath xmlns:m="http://schemas.openxmlformats.org/officeDocument/2006/math">
+                      <m:r>
+                        <m:rPr>
+                          <m:sty m:val="p"/>
+                        </m:rPr>
+                        <a:rPr lang="en-US" altLang="zh-CN">
+                          <a:latin typeface="Cambria Math" panose="02040503050406030204" pitchFamily="18" charset="0"/>
+                        </a:rPr>
+                        <m:t>d</m:t>
+                      </m:r>
+                      <m:r>
+                        <a:rPr lang="en-US" altLang="zh-CN" i="1">
+                          <a:latin typeface="Cambria Math" panose="02040503050406030204" pitchFamily="18" charset="0"/>
+                        </a:rPr>
+                        <m:t>𝑦</m:t>
+                      </m:r>
+                      <m:sSub>
+                        <m:sSubPr>
+                          <m:ctrlPr>
+                            <a:rPr lang="en-US" altLang="zh-CN" i="1">
+                              <a:latin typeface="Cambria Math" panose="02040503050406030204" pitchFamily="18" charset="0"/>
+                            </a:rPr>
+                          </m:ctrlPr>
+                        </m:sSubPr>
+                        <m:e>
+                          <m:d>
+                            <m:dPr>
+                              <m:begChr m:val=""/>
+                              <m:endChr m:val="|"/>
+                              <m:ctrlPr>
+                                <a:rPr lang="en-US" altLang="zh-CN" i="1">
+                                  <a:latin typeface="Cambria Math" panose="02040503050406030204" pitchFamily="18" charset="0"/>
+                                </a:rPr>
+                              </m:ctrlPr>
+                            </m:dPr>
+                            <m:e>
+                              <m:r>
+                                <a:rPr lang="zh-CN" altLang="en-US">
+                                  <a:latin typeface="Cambria Math" panose="02040503050406030204" pitchFamily="18" charset="0"/>
+                                </a:rPr>
+                                <m:t>​</m:t>
+                              </m:r>
+                            </m:e>
+                          </m:d>
+                        </m:e>
+                        <m:sub>
+                          <m:r>
+                            <a:rPr lang="en-US" altLang="zh-CN" i="1">
+                              <a:latin typeface="Cambria Math" panose="02040503050406030204" pitchFamily="18" charset="0"/>
+                            </a:rPr>
+                            <m:t>𝑥</m:t>
+                          </m:r>
+                          <m:r>
+                            <a:rPr lang="en-US" altLang="zh-CN" i="1">
+                              <a:latin typeface="Cambria Math" panose="02040503050406030204" pitchFamily="18" charset="0"/>
+                            </a:rPr>
+                            <m:t>=</m:t>
+                          </m:r>
+                          <m:f>
+                            <m:fPr>
+                              <m:ctrlPr>
+                                <a:rPr lang="en-US" altLang="zh-CN" i="1">
+                                  <a:latin typeface="Cambria Math" panose="02040503050406030204" pitchFamily="18" charset="0"/>
+                                </a:rPr>
+                              </m:ctrlPr>
+                            </m:fPr>
+                            <m:num>
+                              <m:r>
+                                <a:rPr lang="en-US" altLang="zh-CN" i="1">
+                                  <a:latin typeface="Cambria Math" panose="02040503050406030204" pitchFamily="18" charset="0"/>
+                                </a:rPr>
+                                <m:t>𝜋</m:t>
+                              </m:r>
+                            </m:num>
+                            <m:den>
+                              <m:r>
+                                <a:rPr lang="en-US" altLang="zh-CN" i="1">
+                                  <a:latin typeface="Cambria Math" panose="02040503050406030204" pitchFamily="18" charset="0"/>
+                                </a:rPr>
+                                <m:t>4</m:t>
+                              </m:r>
+                            </m:den>
+                          </m:f>
+                          <m:r>
+                            <a:rPr lang="en-US" altLang="zh-CN" i="1">
+                              <a:latin typeface="Cambria Math" panose="02040503050406030204" pitchFamily="18" charset="0"/>
+                            </a:rPr>
+                            <m:t>,</m:t>
+                          </m:r>
+                          <m:r>
+                            <m:rPr>
+                              <m:sty m:val="p"/>
+                            </m:rPr>
+                            <a:rPr lang="en-US" altLang="zh-CN">
+                              <a:latin typeface="Cambria Math" panose="02040503050406030204" pitchFamily="18" charset="0"/>
+                            </a:rPr>
+                            <m:t>Δ</m:t>
+                          </m:r>
+                          <m:r>
+                            <a:rPr lang="en-US" altLang="zh-CN" i="1">
+                              <a:latin typeface="Cambria Math" panose="02040503050406030204" pitchFamily="18" charset="0"/>
+                            </a:rPr>
+                            <m:t>𝑥</m:t>
+                          </m:r>
+                          <m:r>
+                            <a:rPr lang="en-US" altLang="zh-CN" i="1">
+                              <a:latin typeface="Cambria Math" panose="02040503050406030204" pitchFamily="18" charset="0"/>
+                            </a:rPr>
+                            <m:t>=−0.1</m:t>
+                          </m:r>
+                        </m:sub>
+                      </m:sSub>
+                      <m:r>
+                        <m:rPr>
+                          <m:aln/>
+                        </m:rPr>
+                        <a:rPr lang="en-US" altLang="zh-CN" i="1">
+                          <a:latin typeface="Cambria Math" panose="02040503050406030204" pitchFamily="18" charset="0"/>
+                        </a:rPr>
+                        <m:t>=</m:t>
+                      </m:r>
+                      <m:rad>
+                        <m:radPr>
+                          <m:degHide m:val="on"/>
+                          <m:ctrlPr>
+                            <a:rPr lang="en-US" altLang="zh-CN" i="1">
+                              <a:latin typeface="Cambria Math" panose="02040503050406030204" pitchFamily="18" charset="0"/>
+                            </a:rPr>
+                          </m:ctrlPr>
+                        </m:radPr>
+                        <m:deg/>
+                        <m:e>
+                          <m:r>
+                            <a:rPr lang="en-US" altLang="zh-CN" i="1">
+                              <a:latin typeface="Cambria Math" panose="02040503050406030204" pitchFamily="18" charset="0"/>
+                            </a:rPr>
+                            <m:t>2</m:t>
+                          </m:r>
+                        </m:e>
+                      </m:rad>
+                      <m:sSup>
+                        <m:sSupPr>
+                          <m:ctrlPr>
+                            <a:rPr lang="en-US" altLang="zh-CN" i="1">
+                              <a:latin typeface="Cambria Math" panose="02040503050406030204" pitchFamily="18" charset="0"/>
+                            </a:rPr>
+                          </m:ctrlPr>
+                        </m:sSupPr>
+                        <m:e>
+                          <m:r>
+                            <m:rPr>
+                              <m:sty m:val="p"/>
+                            </m:rPr>
+                            <a:rPr lang="en-US" altLang="zh-CN">
+                              <a:latin typeface="Cambria Math" panose="02040503050406030204" pitchFamily="18" charset="0"/>
+                            </a:rPr>
+                            <m:t>e</m:t>
+                          </m:r>
+                        </m:e>
+                        <m:sup>
+                          <m:f>
+                            <m:fPr>
+                              <m:ctrlPr>
+                                <a:rPr lang="en-US" altLang="zh-CN" i="1">
+                                  <a:latin typeface="Cambria Math" panose="02040503050406030204" pitchFamily="18" charset="0"/>
+                                </a:rPr>
+                              </m:ctrlPr>
+                            </m:fPr>
+                            <m:num>
+                              <m:r>
+                                <a:rPr lang="en-US" altLang="zh-CN" i="1">
+                                  <a:latin typeface="Cambria Math" panose="02040503050406030204" pitchFamily="18" charset="0"/>
+                                </a:rPr>
+                                <m:t>𝜋</m:t>
+                              </m:r>
+                            </m:num>
+                            <m:den>
+                              <m:r>
+                                <a:rPr lang="en-US" altLang="zh-CN" i="1">
+                                  <a:latin typeface="Cambria Math" panose="02040503050406030204" pitchFamily="18" charset="0"/>
+                                </a:rPr>
+                                <m:t>4</m:t>
+                              </m:r>
+                            </m:den>
+                          </m:f>
+                        </m:sup>
+                      </m:sSup>
+                      <m:r>
+                        <a:rPr lang="en-US" altLang="zh-CN" i="1">
+                          <a:latin typeface="Cambria Math" panose="02040503050406030204" pitchFamily="18" charset="0"/>
+                        </a:rPr>
+                        <m:t>×</m:t>
+                      </m:r>
+                      <m:d>
+                        <m:dPr>
+                          <m:ctrlPr>
+                            <a:rPr lang="en-US" altLang="zh-CN" i="1">
+                              <a:latin typeface="Cambria Math" panose="02040503050406030204" pitchFamily="18" charset="0"/>
+                            </a:rPr>
+                          </m:ctrlPr>
+                        </m:dPr>
+                        <m:e>
+                          <m:r>
+                            <a:rPr lang="en-US" altLang="zh-CN" i="1">
+                              <a:latin typeface="Cambria Math" panose="02040503050406030204" pitchFamily="18" charset="0"/>
+                            </a:rPr>
+                            <m:t>−0.1</m:t>
+                          </m:r>
+                        </m:e>
+                      </m:d>
+                      <m:r>
+                        <a:rPr lang="en-US" altLang="zh-CN" i="1">
+                          <a:latin typeface="Cambria Math" panose="02040503050406030204" pitchFamily="18" charset="0"/>
+                        </a:rPr>
+                        <m:t>=−0.1</m:t>
+                      </m:r>
+                      <m:rad>
+                        <m:radPr>
+                          <m:degHide m:val="on"/>
+                          <m:ctrlPr>
+                            <a:rPr lang="en-US" altLang="zh-CN" i="1">
+                              <a:latin typeface="Cambria Math" panose="02040503050406030204" pitchFamily="18" charset="0"/>
+                            </a:rPr>
+                          </m:ctrlPr>
+                        </m:radPr>
+                        <m:deg/>
+                        <m:e>
+                          <m:r>
+                            <a:rPr lang="en-US" altLang="zh-CN" i="1">
+                              <a:latin typeface="Cambria Math" panose="02040503050406030204" pitchFamily="18" charset="0"/>
+                            </a:rPr>
+                            <m:t>2</m:t>
+                          </m:r>
+                        </m:e>
+                      </m:rad>
+                      <m:sSup>
+                        <m:sSupPr>
+                          <m:ctrlPr>
+                            <a:rPr lang="en-US" altLang="zh-CN" i="1">
+                              <a:latin typeface="Cambria Math" panose="02040503050406030204" pitchFamily="18" charset="0"/>
+                            </a:rPr>
+                          </m:ctrlPr>
+                        </m:sSupPr>
+                        <m:e>
+                          <m:r>
+                            <m:rPr>
+                              <m:sty m:val="p"/>
+                            </m:rPr>
+                            <a:rPr lang="en-US" altLang="zh-CN">
+                              <a:latin typeface="Cambria Math" panose="02040503050406030204" pitchFamily="18" charset="0"/>
+                            </a:rPr>
+                            <m:t>e</m:t>
+                          </m:r>
+                        </m:e>
+                        <m:sup>
+                          <m:f>
+                            <m:fPr>
+                              <m:ctrlPr>
+                                <a:rPr lang="en-US" altLang="zh-CN" i="1">
+                                  <a:latin typeface="Cambria Math" panose="02040503050406030204" pitchFamily="18" charset="0"/>
+                                </a:rPr>
+                              </m:ctrlPr>
+                            </m:fPr>
+                            <m:num>
+                              <m:r>
+                                <a:rPr lang="en-US" altLang="zh-CN" i="1">
+                                  <a:latin typeface="Cambria Math" panose="02040503050406030204" pitchFamily="18" charset="0"/>
+                                </a:rPr>
+                                <m:t>𝜋</m:t>
+                              </m:r>
+                            </m:num>
+                            <m:den>
+                              <m:r>
+                                <a:rPr lang="en-US" altLang="zh-CN" i="1">
+                                  <a:latin typeface="Cambria Math" panose="02040503050406030204" pitchFamily="18" charset="0"/>
+                                </a:rPr>
+                                <m:t>4</m:t>
+                              </m:r>
+                            </m:den>
+                          </m:f>
+                        </m:sup>
+                      </m:sSup>
+                      <m:r>
+                        <a:rPr lang="en-US" altLang="zh-CN" i="1">
+                          <a:latin typeface="Cambria Math" panose="02040503050406030204" pitchFamily="18" charset="0"/>
+                        </a:rPr>
+                        <m:t>.</m:t>
+                      </m:r>
+                    </m:oMath>
+                  </m:oMathPara>
+                </a14:m>
                 <a:endParaRPr lang="en-US" altLang="zh-CN" dirty="0"/>
               </a:p>
             </p:txBody>
           </p:sp>
         </mc:Choice>
-        <mc:Fallback xmlns="">
+        <mc:Fallback>
           <p:sp>
             <p:nvSpPr>
               <p:cNvPr id="4" name="文本占位符 3"/>
@@ -3917,7 +3844,7 @@
               <a:blipFill>
                 <a:blip r:embed="rId2"/>
                 <a:stretch>
-                  <a:fillRect l="-734" r="-395"/>
+                  <a:fillRect l="-734"/>
                 </a:stretch>
               </a:blipFill>
             </p:spPr>
@@ -4182,8 +4109,1323 @@
           <a:chExt cx="0" cy="0"/>
         </a:xfrm>
       </p:grpSpPr>
-      <mc:AlternateContent xmlns:mc="http://schemas.openxmlformats.org/markup-compatibility/2006" xmlns:a14="http://schemas.microsoft.com/office/drawing/2010/main">
-        <mc:Choice Requires="a14">
+      <mc:AlternateContent xmlns:mc="http://schemas.openxmlformats.org/markup-compatibility/2006">
+        <mc:Choice xmlns:a14="http://schemas.microsoft.com/office/drawing/2010/main" Requires="a14">
+          <p:sp>
+            <p:nvSpPr>
+              <p:cNvPr id="4" name="文本占位符 3"/>
+              <p:cNvSpPr>
+                <a:spLocks noGrp="1"/>
+              </p:cNvSpPr>
+              <p:nvPr>
+                <p:ph type="body" sz="quarter" idx="10"/>
+              </p:nvPr>
+            </p:nvSpPr>
+            <p:spPr/>
+            <p:txBody>
+              <a:bodyPr>
+                <a:normAutofit fontScale="92500"/>
+              </a:bodyPr>
+              <a:lstStyle/>
+              <a:p>
+                <a:r>
+                  <a:rPr lang="zh-CN" altLang="en-US" dirty="0" smtClean="0">
+                    <a:solidFill>
+                      <a:srgbClr val="0000FF"/>
+                    </a:solidFill>
+                  </a:rPr>
+                  <a:t>例 </a:t>
+                </a:r>
+                <a:r>
+                  <a:rPr lang="zh-CN" altLang="en-US" dirty="0" smtClean="0"/>
+                  <a:t>设 </a:t>
+                </a:r>
+                <a14:m>
+                  <m:oMath xmlns:m="http://schemas.openxmlformats.org/officeDocument/2006/math">
+                    <m:r>
+                      <a:rPr lang="en-US" altLang="zh-CN" b="0" i="1" smtClean="0">
+                        <a:latin typeface="Cambria Math" panose="02040503050406030204" pitchFamily="18" charset="0"/>
+                      </a:rPr>
+                      <m:t>𝑦</m:t>
+                    </m:r>
+                    <m:r>
+                      <a:rPr lang="en-US" altLang="zh-CN" b="0" i="1" smtClean="0">
+                        <a:latin typeface="Cambria Math" panose="02040503050406030204" pitchFamily="18" charset="0"/>
+                      </a:rPr>
+                      <m:t>=</m:t>
+                    </m:r>
+                    <m:sSup>
+                      <m:sSupPr>
+                        <m:ctrlPr>
+                          <a:rPr lang="en-US" altLang="zh-CN" b="0" i="1" smtClean="0">
+                            <a:latin typeface="Cambria Math" panose="02040503050406030204" pitchFamily="18" charset="0"/>
+                          </a:rPr>
+                        </m:ctrlPr>
+                      </m:sSupPr>
+                      <m:e>
+                        <m:r>
+                          <m:rPr>
+                            <m:sty m:val="p"/>
+                          </m:rPr>
+                          <a:rPr lang="en-US" altLang="zh-CN" b="0" i="0" smtClean="0">
+                            <a:latin typeface="Cambria Math" panose="02040503050406030204" pitchFamily="18" charset="0"/>
+                          </a:rPr>
+                          <m:t>e</m:t>
+                        </m:r>
+                      </m:e>
+                      <m:sup>
+                        <m:func>
+                          <m:funcPr>
+                            <m:ctrlPr>
+                              <a:rPr lang="en-US" altLang="zh-CN" b="0" i="1" smtClean="0">
+                                <a:latin typeface="Cambria Math" panose="02040503050406030204" pitchFamily="18" charset="0"/>
+                              </a:rPr>
+                            </m:ctrlPr>
+                          </m:funcPr>
+                          <m:fName>
+                            <m:r>
+                              <m:rPr>
+                                <m:sty m:val="p"/>
+                              </m:rPr>
+                              <a:rPr lang="en-US" altLang="zh-CN" b="0" i="0" smtClean="0">
+                                <a:latin typeface="Cambria Math" panose="02040503050406030204" pitchFamily="18" charset="0"/>
+                              </a:rPr>
+                              <m:t>arctan</m:t>
+                            </m:r>
+                          </m:fName>
+                          <m:e>
+                            <m:d>
+                              <m:dPr>
+                                <m:ctrlPr>
+                                  <a:rPr lang="en-US" altLang="zh-CN" b="0" i="1" smtClean="0">
+                                    <a:latin typeface="Cambria Math" panose="02040503050406030204" pitchFamily="18" charset="0"/>
+                                  </a:rPr>
+                                </m:ctrlPr>
+                              </m:dPr>
+                              <m:e>
+                                <m:sSup>
+                                  <m:sSupPr>
+                                    <m:ctrlPr>
+                                      <a:rPr lang="en-US" altLang="zh-CN" b="0" i="1" smtClean="0">
+                                        <a:latin typeface="Cambria Math" panose="02040503050406030204" pitchFamily="18" charset="0"/>
+                                      </a:rPr>
+                                    </m:ctrlPr>
+                                  </m:sSupPr>
+                                  <m:e>
+                                    <m:r>
+                                      <a:rPr lang="en-US" altLang="zh-CN" b="0" i="1" smtClean="0">
+                                        <a:latin typeface="Cambria Math" panose="02040503050406030204" pitchFamily="18" charset="0"/>
+                                      </a:rPr>
+                                      <m:t>𝑥</m:t>
+                                    </m:r>
+                                  </m:e>
+                                  <m:sup>
+                                    <m:r>
+                                      <a:rPr lang="en-US" altLang="zh-CN" b="0" i="1" smtClean="0">
+                                        <a:latin typeface="Cambria Math" panose="02040503050406030204" pitchFamily="18" charset="0"/>
+                                      </a:rPr>
+                                      <m:t>2</m:t>
+                                    </m:r>
+                                  </m:sup>
+                                </m:sSup>
+                              </m:e>
+                            </m:d>
+                          </m:e>
+                        </m:func>
+                      </m:sup>
+                    </m:sSup>
+                  </m:oMath>
+                </a14:m>
+                <a:r>
+                  <a:rPr lang="en-US" altLang="zh-CN" dirty="0" smtClean="0"/>
+                  <a:t>, </a:t>
+                </a:r>
+                <a:r>
+                  <a:rPr lang="zh-CN" altLang="en-US" dirty="0" smtClean="0"/>
+                  <a:t>利用微分运算求 </a:t>
+                </a:r>
+                <a14:m>
+                  <m:oMath xmlns:m="http://schemas.openxmlformats.org/officeDocument/2006/math">
+                    <m:r>
+                      <m:rPr>
+                        <m:sty m:val="p"/>
+                      </m:rPr>
+                      <a:rPr lang="en-US" altLang="zh-CN" b="0" i="0" smtClean="0">
+                        <a:latin typeface="Cambria Math" panose="02040503050406030204" pitchFamily="18" charset="0"/>
+                      </a:rPr>
+                      <m:t>d</m:t>
+                    </m:r>
+                    <m:r>
+                      <a:rPr lang="en-US" altLang="zh-CN" b="0" i="1" smtClean="0">
+                        <a:latin typeface="Cambria Math" panose="02040503050406030204" pitchFamily="18" charset="0"/>
+                      </a:rPr>
+                      <m:t>𝑦</m:t>
+                    </m:r>
+                  </m:oMath>
+                </a14:m>
+                <a:r>
+                  <a:rPr lang="en-US" altLang="zh-CN" dirty="0" smtClean="0"/>
+                  <a:t> </a:t>
+                </a:r>
+                <a:r>
+                  <a:rPr lang="zh-CN" altLang="en-US" dirty="0" smtClean="0"/>
+                  <a:t>并求 </a:t>
+                </a:r>
+                <a14:m>
+                  <m:oMath xmlns:m="http://schemas.openxmlformats.org/officeDocument/2006/math">
+                    <m:r>
+                      <a:rPr lang="en-US" altLang="zh-CN" b="0" i="1" smtClean="0">
+                        <a:latin typeface="Cambria Math" panose="02040503050406030204" pitchFamily="18" charset="0"/>
+                      </a:rPr>
+                      <m:t>𝑦</m:t>
+                    </m:r>
+                    <m:r>
+                      <a:rPr lang="en-US" altLang="zh-CN" b="0" i="1" smtClean="0">
+                        <a:latin typeface="Cambria Math" panose="02040503050406030204" pitchFamily="18" charset="0"/>
+                      </a:rPr>
+                      <m:t>′</m:t>
+                    </m:r>
+                  </m:oMath>
+                </a14:m>
+                <a:r>
+                  <a:rPr lang="en-US" altLang="zh-CN" dirty="0" smtClean="0"/>
+                  <a:t>.</a:t>
+                </a:r>
+              </a:p>
+              <a:p>
+                <a:r>
+                  <a:rPr lang="zh-CN" altLang="en-US" dirty="0" smtClean="0">
+                    <a:solidFill>
+                      <a:srgbClr val="0000FF"/>
+                    </a:solidFill>
+                  </a:rPr>
+                  <a:t>解</a:t>
+                </a:r>
+                <a:r>
+                  <a:rPr lang="zh-CN" altLang="en-US" dirty="0" smtClean="0"/>
+                  <a:t> </a:t>
+                </a:r>
+                <a:endParaRPr lang="en-US" altLang="zh-CN" dirty="0" smtClean="0"/>
+              </a:p>
+              <a:p>
+                <a:pPr marL="0" indent="0">
+                  <a:buNone/>
+                </a:pPr>
+                <a14:m>
+                  <m:oMathPara xmlns:m="http://schemas.openxmlformats.org/officeDocument/2006/math">
+                    <m:oMathParaPr>
+                      <m:jc m:val="centerGroup"/>
+                    </m:oMathParaPr>
+                    <m:oMath xmlns:m="http://schemas.openxmlformats.org/officeDocument/2006/math">
+                      <m:r>
+                        <m:rPr>
+                          <m:sty m:val="p"/>
+                        </m:rPr>
+                        <a:rPr lang="en-US" altLang="zh-CN" smtClean="0">
+                          <a:latin typeface="Cambria Math" panose="02040503050406030204" pitchFamily="18" charset="0"/>
+                        </a:rPr>
+                        <m:t>d</m:t>
+                      </m:r>
+                      <m:r>
+                        <a:rPr lang="en-US" altLang="zh-CN" i="1">
+                          <a:latin typeface="Cambria Math" panose="02040503050406030204" pitchFamily="18" charset="0"/>
+                        </a:rPr>
+                        <m:t>𝑦</m:t>
+                      </m:r>
+                      <m:r>
+                        <m:rPr>
+                          <m:aln/>
+                        </m:rPr>
+                        <a:rPr lang="en-US" altLang="zh-CN" i="1">
+                          <a:latin typeface="Cambria Math" panose="02040503050406030204" pitchFamily="18" charset="0"/>
+                        </a:rPr>
+                        <m:t>=</m:t>
+                      </m:r>
+                      <m:sSup>
+                        <m:sSupPr>
+                          <m:ctrlPr>
+                            <a:rPr lang="en-US" altLang="zh-CN" i="1">
+                              <a:latin typeface="Cambria Math" panose="02040503050406030204" pitchFamily="18" charset="0"/>
+                            </a:rPr>
+                          </m:ctrlPr>
+                        </m:sSupPr>
+                        <m:e>
+                          <m:r>
+                            <m:rPr>
+                              <m:sty m:val="p"/>
+                            </m:rPr>
+                            <a:rPr lang="en-US" altLang="zh-CN">
+                              <a:latin typeface="Cambria Math" panose="02040503050406030204" pitchFamily="18" charset="0"/>
+                            </a:rPr>
+                            <m:t>e</m:t>
+                          </m:r>
+                        </m:e>
+                        <m:sup>
+                          <m:func>
+                            <m:funcPr>
+                              <m:ctrlPr>
+                                <a:rPr lang="en-US" altLang="zh-CN" i="1">
+                                  <a:latin typeface="Cambria Math" panose="02040503050406030204" pitchFamily="18" charset="0"/>
+                                </a:rPr>
+                              </m:ctrlPr>
+                            </m:funcPr>
+                            <m:fName>
+                              <m:r>
+                                <m:rPr>
+                                  <m:sty m:val="p"/>
+                                </m:rPr>
+                                <a:rPr lang="en-US" altLang="zh-CN">
+                                  <a:latin typeface="Cambria Math" panose="02040503050406030204" pitchFamily="18" charset="0"/>
+                                </a:rPr>
+                                <m:t>arctan</m:t>
+                              </m:r>
+                            </m:fName>
+                            <m:e>
+                              <m:d>
+                                <m:dPr>
+                                  <m:ctrlPr>
+                                    <a:rPr lang="en-US" altLang="zh-CN" i="1">
+                                      <a:latin typeface="Cambria Math" panose="02040503050406030204" pitchFamily="18" charset="0"/>
+                                    </a:rPr>
+                                  </m:ctrlPr>
+                                </m:dPr>
+                                <m:e>
+                                  <m:sSup>
+                                    <m:sSupPr>
+                                      <m:ctrlPr>
+                                        <a:rPr lang="en-US" altLang="zh-CN" i="1">
+                                          <a:latin typeface="Cambria Math" panose="02040503050406030204" pitchFamily="18" charset="0"/>
+                                        </a:rPr>
+                                      </m:ctrlPr>
+                                    </m:sSupPr>
+                                    <m:e>
+                                      <m:r>
+                                        <a:rPr lang="en-US" altLang="zh-CN" i="1">
+                                          <a:latin typeface="Cambria Math" panose="02040503050406030204" pitchFamily="18" charset="0"/>
+                                        </a:rPr>
+                                        <m:t>𝑥</m:t>
+                                      </m:r>
+                                    </m:e>
+                                    <m:sup>
+                                      <m:r>
+                                        <a:rPr lang="en-US" altLang="zh-CN" i="1">
+                                          <a:latin typeface="Cambria Math" panose="02040503050406030204" pitchFamily="18" charset="0"/>
+                                        </a:rPr>
+                                        <m:t>2</m:t>
+                                      </m:r>
+                                    </m:sup>
+                                  </m:sSup>
+                                </m:e>
+                              </m:d>
+                            </m:e>
+                          </m:func>
+                        </m:sup>
+                      </m:sSup>
+                      <m:r>
+                        <m:rPr>
+                          <m:sty m:val="p"/>
+                        </m:rPr>
+                        <a:rPr lang="en-US" altLang="zh-CN">
+                          <a:latin typeface="Cambria Math" panose="02040503050406030204" pitchFamily="18" charset="0"/>
+                        </a:rPr>
+                        <m:t>d</m:t>
+                      </m:r>
+                      <m:d>
+                        <m:dPr>
+                          <m:begChr m:val="["/>
+                          <m:endChr m:val="]"/>
+                          <m:ctrlPr>
+                            <a:rPr lang="en-US" altLang="zh-CN" b="0" i="0" smtClean="0">
+                              <a:latin typeface="Cambria Math" panose="02040503050406030204" pitchFamily="18" charset="0"/>
+                            </a:rPr>
+                          </m:ctrlPr>
+                        </m:dPr>
+                        <m:e>
+                          <m:func>
+                            <m:funcPr>
+                              <m:ctrlPr>
+                                <a:rPr lang="en-US" altLang="zh-CN" i="1">
+                                  <a:latin typeface="Cambria Math" panose="02040503050406030204" pitchFamily="18" charset="0"/>
+                                </a:rPr>
+                              </m:ctrlPr>
+                            </m:funcPr>
+                            <m:fName>
+                              <m:r>
+                                <m:rPr>
+                                  <m:sty m:val="p"/>
+                                </m:rPr>
+                                <a:rPr lang="en-US" altLang="zh-CN">
+                                  <a:latin typeface="Cambria Math" panose="02040503050406030204" pitchFamily="18" charset="0"/>
+                                </a:rPr>
+                                <m:t>arctan</m:t>
+                              </m:r>
+                            </m:fName>
+                            <m:e>
+                              <m:d>
+                                <m:dPr>
+                                  <m:ctrlPr>
+                                    <a:rPr lang="en-US" altLang="zh-CN" i="1">
+                                      <a:latin typeface="Cambria Math" panose="02040503050406030204" pitchFamily="18" charset="0"/>
+                                    </a:rPr>
+                                  </m:ctrlPr>
+                                </m:dPr>
+                                <m:e>
+                                  <m:sSup>
+                                    <m:sSupPr>
+                                      <m:ctrlPr>
+                                        <a:rPr lang="en-US" altLang="zh-CN" i="1">
+                                          <a:latin typeface="Cambria Math" panose="02040503050406030204" pitchFamily="18" charset="0"/>
+                                        </a:rPr>
+                                      </m:ctrlPr>
+                                    </m:sSupPr>
+                                    <m:e>
+                                      <m:r>
+                                        <a:rPr lang="en-US" altLang="zh-CN" i="1">
+                                          <a:latin typeface="Cambria Math" panose="02040503050406030204" pitchFamily="18" charset="0"/>
+                                        </a:rPr>
+                                        <m:t>𝑥</m:t>
+                                      </m:r>
+                                    </m:e>
+                                    <m:sup>
+                                      <m:r>
+                                        <a:rPr lang="en-US" altLang="zh-CN" i="1">
+                                          <a:latin typeface="Cambria Math" panose="02040503050406030204" pitchFamily="18" charset="0"/>
+                                        </a:rPr>
+                                        <m:t>2</m:t>
+                                      </m:r>
+                                    </m:sup>
+                                  </m:sSup>
+                                </m:e>
+                              </m:d>
+                            </m:e>
+                          </m:func>
+                        </m:e>
+                      </m:d>
+                    </m:oMath>
+                    <m:oMath xmlns:m="http://schemas.openxmlformats.org/officeDocument/2006/math">
+                      <m:r>
+                        <m:rPr>
+                          <m:aln/>
+                        </m:rPr>
+                        <a:rPr lang="en-US" altLang="zh-CN" b="0" i="0" smtClean="0">
+                          <a:latin typeface="Cambria Math" panose="02040503050406030204" pitchFamily="18" charset="0"/>
+                        </a:rPr>
+                        <m:t>=</m:t>
+                      </m:r>
+                      <m:sSup>
+                        <m:sSupPr>
+                          <m:ctrlPr>
+                            <a:rPr lang="en-US" altLang="zh-CN" i="1">
+                              <a:latin typeface="Cambria Math" panose="02040503050406030204" pitchFamily="18" charset="0"/>
+                            </a:rPr>
+                          </m:ctrlPr>
+                        </m:sSupPr>
+                        <m:e>
+                          <m:r>
+                            <m:rPr>
+                              <m:sty m:val="p"/>
+                            </m:rPr>
+                            <a:rPr lang="en-US" altLang="zh-CN">
+                              <a:latin typeface="Cambria Math" panose="02040503050406030204" pitchFamily="18" charset="0"/>
+                            </a:rPr>
+                            <m:t>e</m:t>
+                          </m:r>
+                        </m:e>
+                        <m:sup>
+                          <m:func>
+                            <m:funcPr>
+                              <m:ctrlPr>
+                                <a:rPr lang="en-US" altLang="zh-CN" i="1">
+                                  <a:latin typeface="Cambria Math" panose="02040503050406030204" pitchFamily="18" charset="0"/>
+                                </a:rPr>
+                              </m:ctrlPr>
+                            </m:funcPr>
+                            <m:fName>
+                              <m:r>
+                                <m:rPr>
+                                  <m:sty m:val="p"/>
+                                </m:rPr>
+                                <a:rPr lang="en-US" altLang="zh-CN">
+                                  <a:latin typeface="Cambria Math" panose="02040503050406030204" pitchFamily="18" charset="0"/>
+                                </a:rPr>
+                                <m:t>arctan</m:t>
+                              </m:r>
+                            </m:fName>
+                            <m:e>
+                              <m:d>
+                                <m:dPr>
+                                  <m:ctrlPr>
+                                    <a:rPr lang="en-US" altLang="zh-CN" i="1">
+                                      <a:latin typeface="Cambria Math" panose="02040503050406030204" pitchFamily="18" charset="0"/>
+                                    </a:rPr>
+                                  </m:ctrlPr>
+                                </m:dPr>
+                                <m:e>
+                                  <m:sSup>
+                                    <m:sSupPr>
+                                      <m:ctrlPr>
+                                        <a:rPr lang="en-US" altLang="zh-CN" i="1">
+                                          <a:latin typeface="Cambria Math" panose="02040503050406030204" pitchFamily="18" charset="0"/>
+                                        </a:rPr>
+                                      </m:ctrlPr>
+                                    </m:sSupPr>
+                                    <m:e>
+                                      <m:r>
+                                        <a:rPr lang="en-US" altLang="zh-CN" i="1">
+                                          <a:latin typeface="Cambria Math" panose="02040503050406030204" pitchFamily="18" charset="0"/>
+                                        </a:rPr>
+                                        <m:t>𝑥</m:t>
+                                      </m:r>
+                                    </m:e>
+                                    <m:sup>
+                                      <m:r>
+                                        <a:rPr lang="en-US" altLang="zh-CN" i="1">
+                                          <a:latin typeface="Cambria Math" panose="02040503050406030204" pitchFamily="18" charset="0"/>
+                                        </a:rPr>
+                                        <m:t>2</m:t>
+                                      </m:r>
+                                    </m:sup>
+                                  </m:sSup>
+                                </m:e>
+                              </m:d>
+                            </m:e>
+                          </m:func>
+                        </m:sup>
+                      </m:sSup>
+                      <m:r>
+                        <a:rPr lang="en-US" altLang="zh-CN" b="0" i="1" smtClean="0">
+                          <a:latin typeface="Cambria Math" panose="02040503050406030204" pitchFamily="18" charset="0"/>
+                        </a:rPr>
+                        <m:t>⋅</m:t>
+                      </m:r>
+                      <m:f>
+                        <m:fPr>
+                          <m:ctrlPr>
+                            <a:rPr lang="en-US" altLang="zh-CN" b="0" i="1" smtClean="0">
+                              <a:latin typeface="Cambria Math" panose="02040503050406030204" pitchFamily="18" charset="0"/>
+                            </a:rPr>
+                          </m:ctrlPr>
+                        </m:fPr>
+                        <m:num>
+                          <m:r>
+                            <m:rPr>
+                              <m:sty m:val="p"/>
+                            </m:rPr>
+                            <a:rPr lang="en-US" altLang="zh-CN" b="0" i="0" smtClean="0">
+                              <a:latin typeface="Cambria Math" panose="02040503050406030204" pitchFamily="18" charset="0"/>
+                            </a:rPr>
+                            <m:t>d</m:t>
+                          </m:r>
+                          <m:d>
+                            <m:dPr>
+                              <m:ctrlPr>
+                                <a:rPr lang="en-US" altLang="zh-CN" b="0" i="1" smtClean="0">
+                                  <a:latin typeface="Cambria Math" panose="02040503050406030204" pitchFamily="18" charset="0"/>
+                                </a:rPr>
+                              </m:ctrlPr>
+                            </m:dPr>
+                            <m:e>
+                              <m:sSup>
+                                <m:sSupPr>
+                                  <m:ctrlPr>
+                                    <a:rPr lang="en-US" altLang="zh-CN" b="0" i="1" smtClean="0">
+                                      <a:latin typeface="Cambria Math" panose="02040503050406030204" pitchFamily="18" charset="0"/>
+                                    </a:rPr>
+                                  </m:ctrlPr>
+                                </m:sSupPr>
+                                <m:e>
+                                  <m:r>
+                                    <a:rPr lang="en-US" altLang="zh-CN" b="0" i="1" smtClean="0">
+                                      <a:latin typeface="Cambria Math" panose="02040503050406030204" pitchFamily="18" charset="0"/>
+                                    </a:rPr>
+                                    <m:t>𝑥</m:t>
+                                  </m:r>
+                                </m:e>
+                                <m:sup>
+                                  <m:r>
+                                    <a:rPr lang="en-US" altLang="zh-CN" b="0" i="1" smtClean="0">
+                                      <a:latin typeface="Cambria Math" panose="02040503050406030204" pitchFamily="18" charset="0"/>
+                                    </a:rPr>
+                                    <m:t>2</m:t>
+                                  </m:r>
+                                </m:sup>
+                              </m:sSup>
+                            </m:e>
+                          </m:d>
+                        </m:num>
+                        <m:den>
+                          <m:r>
+                            <a:rPr lang="en-US" altLang="zh-CN" b="0" i="0" smtClean="0">
+                              <a:latin typeface="Cambria Math" panose="02040503050406030204" pitchFamily="18" charset="0"/>
+                            </a:rPr>
+                            <m:t>1+</m:t>
+                          </m:r>
+                          <m:sSup>
+                            <m:sSupPr>
+                              <m:ctrlPr>
+                                <a:rPr lang="en-US" altLang="zh-CN" b="0" i="1" smtClean="0">
+                                  <a:latin typeface="Cambria Math" panose="02040503050406030204" pitchFamily="18" charset="0"/>
+                                </a:rPr>
+                              </m:ctrlPr>
+                            </m:sSupPr>
+                            <m:e>
+                              <m:r>
+                                <a:rPr lang="en-US" altLang="zh-CN" b="0" i="1" smtClean="0">
+                                  <a:latin typeface="Cambria Math" panose="02040503050406030204" pitchFamily="18" charset="0"/>
+                                </a:rPr>
+                                <m:t>𝑥</m:t>
+                              </m:r>
+                            </m:e>
+                            <m:sup>
+                              <m:r>
+                                <a:rPr lang="en-US" altLang="zh-CN" b="0" i="0" smtClean="0">
+                                  <a:latin typeface="Cambria Math" panose="02040503050406030204" pitchFamily="18" charset="0"/>
+                                </a:rPr>
+                                <m:t>4</m:t>
+                              </m:r>
+                            </m:sup>
+                          </m:sSup>
+                        </m:den>
+                      </m:f>
+                    </m:oMath>
+                    <m:oMath xmlns:m="http://schemas.openxmlformats.org/officeDocument/2006/math">
+                      <m:r>
+                        <m:rPr>
+                          <m:aln/>
+                        </m:rPr>
+                        <a:rPr lang="en-US" altLang="zh-CN" b="0" i="0" smtClean="0">
+                          <a:latin typeface="Cambria Math" panose="02040503050406030204" pitchFamily="18" charset="0"/>
+                        </a:rPr>
+                        <m:t>=</m:t>
+                      </m:r>
+                      <m:sSup>
+                        <m:sSupPr>
+                          <m:ctrlPr>
+                            <a:rPr lang="en-US" altLang="zh-CN" i="1">
+                              <a:latin typeface="Cambria Math" panose="02040503050406030204" pitchFamily="18" charset="0"/>
+                            </a:rPr>
+                          </m:ctrlPr>
+                        </m:sSupPr>
+                        <m:e>
+                          <m:r>
+                            <m:rPr>
+                              <m:sty m:val="p"/>
+                            </m:rPr>
+                            <a:rPr lang="en-US" altLang="zh-CN">
+                              <a:latin typeface="Cambria Math" panose="02040503050406030204" pitchFamily="18" charset="0"/>
+                            </a:rPr>
+                            <m:t>e</m:t>
+                          </m:r>
+                        </m:e>
+                        <m:sup>
+                          <m:func>
+                            <m:funcPr>
+                              <m:ctrlPr>
+                                <a:rPr lang="en-US" altLang="zh-CN" i="1">
+                                  <a:latin typeface="Cambria Math" panose="02040503050406030204" pitchFamily="18" charset="0"/>
+                                </a:rPr>
+                              </m:ctrlPr>
+                            </m:funcPr>
+                            <m:fName>
+                              <m:r>
+                                <m:rPr>
+                                  <m:sty m:val="p"/>
+                                </m:rPr>
+                                <a:rPr lang="en-US" altLang="zh-CN">
+                                  <a:latin typeface="Cambria Math" panose="02040503050406030204" pitchFamily="18" charset="0"/>
+                                </a:rPr>
+                                <m:t>arctan</m:t>
+                              </m:r>
+                            </m:fName>
+                            <m:e>
+                              <m:d>
+                                <m:dPr>
+                                  <m:ctrlPr>
+                                    <a:rPr lang="en-US" altLang="zh-CN" i="1">
+                                      <a:latin typeface="Cambria Math" panose="02040503050406030204" pitchFamily="18" charset="0"/>
+                                    </a:rPr>
+                                  </m:ctrlPr>
+                                </m:dPr>
+                                <m:e>
+                                  <m:sSup>
+                                    <m:sSupPr>
+                                      <m:ctrlPr>
+                                        <a:rPr lang="en-US" altLang="zh-CN" i="1">
+                                          <a:latin typeface="Cambria Math" panose="02040503050406030204" pitchFamily="18" charset="0"/>
+                                        </a:rPr>
+                                      </m:ctrlPr>
+                                    </m:sSupPr>
+                                    <m:e>
+                                      <m:r>
+                                        <a:rPr lang="en-US" altLang="zh-CN" i="1">
+                                          <a:latin typeface="Cambria Math" panose="02040503050406030204" pitchFamily="18" charset="0"/>
+                                        </a:rPr>
+                                        <m:t>𝑥</m:t>
+                                      </m:r>
+                                    </m:e>
+                                    <m:sup>
+                                      <m:r>
+                                        <a:rPr lang="en-US" altLang="zh-CN" i="1">
+                                          <a:latin typeface="Cambria Math" panose="02040503050406030204" pitchFamily="18" charset="0"/>
+                                        </a:rPr>
+                                        <m:t>2</m:t>
+                                      </m:r>
+                                    </m:sup>
+                                  </m:sSup>
+                                </m:e>
+                              </m:d>
+                            </m:e>
+                          </m:func>
+                        </m:sup>
+                      </m:sSup>
+                      <m:r>
+                        <a:rPr lang="en-US" altLang="zh-CN" i="1">
+                          <a:latin typeface="Cambria Math" panose="02040503050406030204" pitchFamily="18" charset="0"/>
+                        </a:rPr>
+                        <m:t>⋅</m:t>
+                      </m:r>
+                      <m:f>
+                        <m:fPr>
+                          <m:ctrlPr>
+                            <a:rPr lang="en-US" altLang="zh-CN" i="1">
+                              <a:latin typeface="Cambria Math" panose="02040503050406030204" pitchFamily="18" charset="0"/>
+                            </a:rPr>
+                          </m:ctrlPr>
+                        </m:fPr>
+                        <m:num>
+                          <m:r>
+                            <a:rPr lang="en-US" altLang="zh-CN" b="0" i="1" smtClean="0">
+                              <a:latin typeface="Cambria Math" panose="02040503050406030204" pitchFamily="18" charset="0"/>
+                            </a:rPr>
+                            <m:t>2</m:t>
+                          </m:r>
+                          <m:r>
+                            <a:rPr lang="en-US" altLang="zh-CN" b="0" i="1" smtClean="0">
+                              <a:latin typeface="Cambria Math" panose="02040503050406030204" pitchFamily="18" charset="0"/>
+                            </a:rPr>
+                            <m:t>𝑥</m:t>
+                          </m:r>
+                          <m:r>
+                            <m:rPr>
+                              <m:sty m:val="p"/>
+                            </m:rPr>
+                            <a:rPr lang="en-US" altLang="zh-CN">
+                              <a:latin typeface="Cambria Math" panose="02040503050406030204" pitchFamily="18" charset="0"/>
+                            </a:rPr>
+                            <m:t>d</m:t>
+                          </m:r>
+                          <m:r>
+                            <a:rPr lang="en-US" altLang="zh-CN" b="0" i="1" smtClean="0">
+                              <a:latin typeface="Cambria Math" panose="02040503050406030204" pitchFamily="18" charset="0"/>
+                            </a:rPr>
+                            <m:t>𝑥</m:t>
+                          </m:r>
+                        </m:num>
+                        <m:den>
+                          <m:r>
+                            <a:rPr lang="en-US" altLang="zh-CN">
+                              <a:latin typeface="Cambria Math" panose="02040503050406030204" pitchFamily="18" charset="0"/>
+                            </a:rPr>
+                            <m:t>1+</m:t>
+                          </m:r>
+                          <m:sSup>
+                            <m:sSupPr>
+                              <m:ctrlPr>
+                                <a:rPr lang="en-US" altLang="zh-CN" i="1">
+                                  <a:latin typeface="Cambria Math" panose="02040503050406030204" pitchFamily="18" charset="0"/>
+                                </a:rPr>
+                              </m:ctrlPr>
+                            </m:sSupPr>
+                            <m:e>
+                              <m:r>
+                                <a:rPr lang="en-US" altLang="zh-CN" i="1">
+                                  <a:latin typeface="Cambria Math" panose="02040503050406030204" pitchFamily="18" charset="0"/>
+                                </a:rPr>
+                                <m:t>𝑥</m:t>
+                              </m:r>
+                            </m:e>
+                            <m:sup>
+                              <m:r>
+                                <a:rPr lang="en-US" altLang="zh-CN">
+                                  <a:latin typeface="Cambria Math" panose="02040503050406030204" pitchFamily="18" charset="0"/>
+                                </a:rPr>
+                                <m:t>4</m:t>
+                              </m:r>
+                            </m:sup>
+                          </m:sSup>
+                        </m:den>
+                      </m:f>
+                      <m:r>
+                        <a:rPr lang="en-US" altLang="zh-CN" b="0" i="1" smtClean="0">
+                          <a:latin typeface="Cambria Math" panose="02040503050406030204" pitchFamily="18" charset="0"/>
+                        </a:rPr>
+                        <m:t>,</m:t>
+                      </m:r>
+                    </m:oMath>
+                  </m:oMathPara>
+                </a14:m>
+                <a:r>
+                  <a:rPr lang="en-US" altLang="zh-CN" b="0" i="1" dirty="0" smtClean="0">
+                    <a:latin typeface="Cambria Math" panose="02040503050406030204" pitchFamily="18" charset="0"/>
+                  </a:rPr>
+                  <a:t/>
+                </a:r>
+                <a:br>
+                  <a:rPr lang="en-US" altLang="zh-CN" b="0" i="1" dirty="0" smtClean="0">
+                    <a:latin typeface="Cambria Math" panose="02040503050406030204" pitchFamily="18" charset="0"/>
+                  </a:rPr>
+                </a:br>
+                <a:r>
+                  <a:rPr lang="zh-CN" altLang="en-US" b="0" dirty="0" smtClean="0"/>
+                  <a:t>故 </a:t>
+                </a:r>
+                <a14:m>
+                  <m:oMath xmlns:m="http://schemas.openxmlformats.org/officeDocument/2006/math">
+                    <m:sSup>
+                      <m:sSupPr>
+                        <m:ctrlPr>
+                          <a:rPr lang="en-US" altLang="zh-CN" b="0" i="1" smtClean="0">
+                            <a:latin typeface="Cambria Math" panose="02040503050406030204" pitchFamily="18" charset="0"/>
+                          </a:rPr>
+                        </m:ctrlPr>
+                      </m:sSupPr>
+                      <m:e>
+                        <m:r>
+                          <a:rPr lang="en-US" altLang="zh-CN" b="0" i="1" smtClean="0">
+                            <a:latin typeface="Cambria Math" panose="02040503050406030204" pitchFamily="18" charset="0"/>
+                          </a:rPr>
+                          <m:t>𝑦</m:t>
+                        </m:r>
+                      </m:e>
+                      <m:sup>
+                        <m:r>
+                          <a:rPr lang="en-US" altLang="zh-CN" b="0" i="1" smtClean="0">
+                            <a:latin typeface="Cambria Math" panose="02040503050406030204" pitchFamily="18" charset="0"/>
+                          </a:rPr>
+                          <m:t>′</m:t>
+                        </m:r>
+                      </m:sup>
+                    </m:sSup>
+                    <m:r>
+                      <a:rPr lang="en-US" altLang="zh-CN" b="0" i="1" smtClean="0">
+                        <a:latin typeface="Cambria Math" panose="02040503050406030204" pitchFamily="18" charset="0"/>
+                      </a:rPr>
+                      <m:t>=</m:t>
+                    </m:r>
+                    <m:sSup>
+                      <m:sSupPr>
+                        <m:ctrlPr>
+                          <a:rPr lang="en-US" altLang="zh-CN" i="1">
+                            <a:latin typeface="Cambria Math" panose="02040503050406030204" pitchFamily="18" charset="0"/>
+                          </a:rPr>
+                        </m:ctrlPr>
+                      </m:sSupPr>
+                      <m:e>
+                        <m:r>
+                          <m:rPr>
+                            <m:sty m:val="p"/>
+                          </m:rPr>
+                          <a:rPr lang="en-US" altLang="zh-CN">
+                            <a:latin typeface="Cambria Math" panose="02040503050406030204" pitchFamily="18" charset="0"/>
+                          </a:rPr>
+                          <m:t>e</m:t>
+                        </m:r>
+                      </m:e>
+                      <m:sup>
+                        <m:func>
+                          <m:funcPr>
+                            <m:ctrlPr>
+                              <a:rPr lang="en-US" altLang="zh-CN" i="1">
+                                <a:latin typeface="Cambria Math" panose="02040503050406030204" pitchFamily="18" charset="0"/>
+                              </a:rPr>
+                            </m:ctrlPr>
+                          </m:funcPr>
+                          <m:fName>
+                            <m:r>
+                              <m:rPr>
+                                <m:sty m:val="p"/>
+                              </m:rPr>
+                              <a:rPr lang="en-US" altLang="zh-CN">
+                                <a:latin typeface="Cambria Math" panose="02040503050406030204" pitchFamily="18" charset="0"/>
+                              </a:rPr>
+                              <m:t>arctan</m:t>
+                            </m:r>
+                          </m:fName>
+                          <m:e>
+                            <m:d>
+                              <m:dPr>
+                                <m:ctrlPr>
+                                  <a:rPr lang="en-US" altLang="zh-CN" i="1">
+                                    <a:latin typeface="Cambria Math" panose="02040503050406030204" pitchFamily="18" charset="0"/>
+                                  </a:rPr>
+                                </m:ctrlPr>
+                              </m:dPr>
+                              <m:e>
+                                <m:sSup>
+                                  <m:sSupPr>
+                                    <m:ctrlPr>
+                                      <a:rPr lang="en-US" altLang="zh-CN" i="1">
+                                        <a:latin typeface="Cambria Math" panose="02040503050406030204" pitchFamily="18" charset="0"/>
+                                      </a:rPr>
+                                    </m:ctrlPr>
+                                  </m:sSupPr>
+                                  <m:e>
+                                    <m:r>
+                                      <a:rPr lang="en-US" altLang="zh-CN" i="1">
+                                        <a:latin typeface="Cambria Math" panose="02040503050406030204" pitchFamily="18" charset="0"/>
+                                      </a:rPr>
+                                      <m:t>𝑥</m:t>
+                                    </m:r>
+                                  </m:e>
+                                  <m:sup>
+                                    <m:r>
+                                      <a:rPr lang="en-US" altLang="zh-CN" i="1">
+                                        <a:latin typeface="Cambria Math" panose="02040503050406030204" pitchFamily="18" charset="0"/>
+                                      </a:rPr>
+                                      <m:t>2</m:t>
+                                    </m:r>
+                                  </m:sup>
+                                </m:sSup>
+                              </m:e>
+                            </m:d>
+                          </m:e>
+                        </m:func>
+                      </m:sup>
+                    </m:sSup>
+                    <m:r>
+                      <a:rPr lang="en-US" altLang="zh-CN" i="1">
+                        <a:latin typeface="Cambria Math" panose="02040503050406030204" pitchFamily="18" charset="0"/>
+                      </a:rPr>
+                      <m:t>⋅</m:t>
+                    </m:r>
+                    <m:f>
+                      <m:fPr>
+                        <m:ctrlPr>
+                          <a:rPr lang="en-US" altLang="zh-CN" i="1">
+                            <a:latin typeface="Cambria Math" panose="02040503050406030204" pitchFamily="18" charset="0"/>
+                          </a:rPr>
+                        </m:ctrlPr>
+                      </m:fPr>
+                      <m:num>
+                        <m:r>
+                          <a:rPr lang="en-US" altLang="zh-CN" i="1">
+                            <a:latin typeface="Cambria Math" panose="02040503050406030204" pitchFamily="18" charset="0"/>
+                          </a:rPr>
+                          <m:t>2</m:t>
+                        </m:r>
+                        <m:r>
+                          <a:rPr lang="en-US" altLang="zh-CN" i="1">
+                            <a:latin typeface="Cambria Math" panose="02040503050406030204" pitchFamily="18" charset="0"/>
+                          </a:rPr>
+                          <m:t>𝑥</m:t>
+                        </m:r>
+                      </m:num>
+                      <m:den>
+                        <m:r>
+                          <a:rPr lang="en-US" altLang="zh-CN">
+                            <a:latin typeface="Cambria Math" panose="02040503050406030204" pitchFamily="18" charset="0"/>
+                          </a:rPr>
+                          <m:t>1+</m:t>
+                        </m:r>
+                        <m:sSup>
+                          <m:sSupPr>
+                            <m:ctrlPr>
+                              <a:rPr lang="en-US" altLang="zh-CN" i="1">
+                                <a:latin typeface="Cambria Math" panose="02040503050406030204" pitchFamily="18" charset="0"/>
+                              </a:rPr>
+                            </m:ctrlPr>
+                          </m:sSupPr>
+                          <m:e>
+                            <m:r>
+                              <a:rPr lang="en-US" altLang="zh-CN" i="1">
+                                <a:latin typeface="Cambria Math" panose="02040503050406030204" pitchFamily="18" charset="0"/>
+                              </a:rPr>
+                              <m:t>𝑥</m:t>
+                            </m:r>
+                          </m:e>
+                          <m:sup>
+                            <m:r>
+                              <a:rPr lang="en-US" altLang="zh-CN">
+                                <a:latin typeface="Cambria Math" panose="02040503050406030204" pitchFamily="18" charset="0"/>
+                              </a:rPr>
+                              <m:t>4</m:t>
+                            </m:r>
+                          </m:sup>
+                        </m:sSup>
+                      </m:den>
+                    </m:f>
+                  </m:oMath>
+                </a14:m>
+                <a:r>
+                  <a:rPr lang="en-US" altLang="zh-CN" dirty="0" smtClean="0"/>
+                  <a:t>.</a:t>
+                </a:r>
+              </a:p>
+              <a:p>
+                <a:r>
+                  <a:rPr lang="zh-CN" altLang="en-US" dirty="0" smtClean="0"/>
+                  <a:t>当函数较复杂时</a:t>
+                </a:r>
+                <a:r>
+                  <a:rPr lang="en-US" altLang="zh-CN" dirty="0" smtClean="0"/>
+                  <a:t>, </a:t>
+                </a:r>
+                <a:r>
+                  <a:rPr lang="zh-CN" altLang="en-US" dirty="0" smtClean="0"/>
+                  <a:t>这种利用微分反过来求导数的方法可以保持较高的计算准确率</a:t>
+                </a:r>
+                <a:r>
+                  <a:rPr lang="en-US" altLang="zh-CN" dirty="0" smtClean="0"/>
+                  <a:t>.</a:t>
+                </a:r>
+                <a:endParaRPr lang="en-US" altLang="zh-CN" dirty="0"/>
+              </a:p>
+            </p:txBody>
+          </p:sp>
+        </mc:Choice>
+        <mc:Fallback>
+          <p:sp>
+            <p:nvSpPr>
+              <p:cNvPr id="4" name="文本占位符 3"/>
+              <p:cNvSpPr>
+                <a:spLocks noGrp="1" noRot="1" noChangeAspect="1" noMove="1" noResize="1" noEditPoints="1" noAdjustHandles="1" noChangeArrowheads="1" noChangeShapeType="1" noTextEdit="1"/>
+              </p:cNvSpPr>
+              <p:nvPr>
+                <p:ph type="body" sz="quarter" idx="10"/>
+              </p:nvPr>
+            </p:nvSpPr>
+            <p:spPr>
+              <a:blipFill>
+                <a:blip r:embed="rId2"/>
+                <a:stretch>
+                  <a:fillRect l="-734" r="-1016"/>
+                </a:stretch>
+              </a:blipFill>
+            </p:spPr>
+            <p:txBody>
+              <a:bodyPr/>
+              <a:lstStyle/>
+              <a:p>
+                <a:r>
+                  <a:rPr lang="zh-CN" altLang="en-US">
+                    <a:noFill/>
+                  </a:rPr>
+                  <a:t> </a:t>
+                </a:r>
+              </a:p>
+            </p:txBody>
+          </p:sp>
+        </mc:Fallback>
+      </mc:AlternateContent>
+    </p:spTree>
+    <p:extLst>
+      <p:ext uri="{BB962C8B-B14F-4D97-AF65-F5344CB8AC3E}">
+        <p14:creationId xmlns:p14="http://schemas.microsoft.com/office/powerpoint/2010/main" val="3239426396"/>
+      </p:ext>
+    </p:extLst>
+  </p:cSld>
+  <p:clrMapOvr>
+    <a:masterClrMapping/>
+  </p:clrMapOvr>
+  <p:timing>
+    <p:tnLst>
+      <p:par>
+        <p:cTn id="1" dur="indefinite" restart="never" nodeType="tmRoot">
+          <p:childTnLst>
+            <p:seq concurrent="1" nextAc="seek">
+              <p:cTn id="2" dur="indefinite" nodeType="mainSeq">
+                <p:childTnLst>
+                  <p:par>
+                    <p:cTn id="3" fill="hold">
+                      <p:stCondLst>
+                        <p:cond delay="indefinite"/>
+                      </p:stCondLst>
+                      <p:childTnLst>
+                        <p:par>
+                          <p:cTn id="4" fill="hold">
+                            <p:stCondLst>
+                              <p:cond delay="0"/>
+                            </p:stCondLst>
+                            <p:childTnLst>
+                              <p:par>
+                                <p:cTn id="5" presetID="10" presetClass="entr" presetSubtype="0" fill="hold" grpId="0" nodeType="clickEffect">
+                                  <p:stCondLst>
+                                    <p:cond delay="0"/>
+                                  </p:stCondLst>
+                                  <p:childTnLst>
+                                    <p:set>
+                                      <p:cBhvr>
+                                        <p:cTn id="6" dur="1" fill="hold">
+                                          <p:stCondLst>
+                                            <p:cond delay="0"/>
+                                          </p:stCondLst>
+                                        </p:cTn>
+                                        <p:tgtEl>
+                                          <p:spTgt spid="4">
+                                            <p:txEl>
+                                              <p:pRg st="0" end="0"/>
+                                            </p:txEl>
+                                          </p:spTgt>
+                                        </p:tgtEl>
+                                        <p:attrNameLst>
+                                          <p:attrName>style.visibility</p:attrName>
+                                        </p:attrNameLst>
+                                      </p:cBhvr>
+                                      <p:to>
+                                        <p:strVal val="visible"/>
+                                      </p:to>
+                                    </p:set>
+                                    <p:animEffect transition="in" filter="fade">
+                                      <p:cBhvr>
+                                        <p:cTn id="7" dur="500"/>
+                                        <p:tgtEl>
+                                          <p:spTgt spid="4">
+                                            <p:txEl>
+                                              <p:pRg st="0" end="0"/>
+                                            </p:txEl>
+                                          </p:spTgt>
+                                        </p:tgtEl>
+                                      </p:cBhvr>
+                                    </p:animEffect>
+                                  </p:childTnLst>
+                                </p:cTn>
+                              </p:par>
+                            </p:childTnLst>
+                          </p:cTn>
+                        </p:par>
+                      </p:childTnLst>
+                    </p:cTn>
+                  </p:par>
+                  <p:par>
+                    <p:cTn id="8" fill="hold">
+                      <p:stCondLst>
+                        <p:cond delay="indefinite"/>
+                      </p:stCondLst>
+                      <p:childTnLst>
+                        <p:par>
+                          <p:cTn id="9" fill="hold">
+                            <p:stCondLst>
+                              <p:cond delay="0"/>
+                            </p:stCondLst>
+                            <p:childTnLst>
+                              <p:par>
+                                <p:cTn id="10" presetID="10" presetClass="entr" presetSubtype="0" fill="hold" grpId="0" nodeType="clickEffect">
+                                  <p:stCondLst>
+                                    <p:cond delay="0"/>
+                                  </p:stCondLst>
+                                  <p:childTnLst>
+                                    <p:set>
+                                      <p:cBhvr>
+                                        <p:cTn id="11" dur="1" fill="hold">
+                                          <p:stCondLst>
+                                            <p:cond delay="0"/>
+                                          </p:stCondLst>
+                                        </p:cTn>
+                                        <p:tgtEl>
+                                          <p:spTgt spid="4">
+                                            <p:txEl>
+                                              <p:pRg st="1" end="1"/>
+                                            </p:txEl>
+                                          </p:spTgt>
+                                        </p:tgtEl>
+                                        <p:attrNameLst>
+                                          <p:attrName>style.visibility</p:attrName>
+                                        </p:attrNameLst>
+                                      </p:cBhvr>
+                                      <p:to>
+                                        <p:strVal val="visible"/>
+                                      </p:to>
+                                    </p:set>
+                                    <p:animEffect transition="in" filter="fade">
+                                      <p:cBhvr>
+                                        <p:cTn id="12" dur="500"/>
+                                        <p:tgtEl>
+                                          <p:spTgt spid="4">
+                                            <p:txEl>
+                                              <p:pRg st="1" end="1"/>
+                                            </p:txEl>
+                                          </p:spTgt>
+                                        </p:tgtEl>
+                                      </p:cBhvr>
+                                    </p:animEffect>
+                                  </p:childTnLst>
+                                </p:cTn>
+                              </p:par>
+                            </p:childTnLst>
+                          </p:cTn>
+                        </p:par>
+                      </p:childTnLst>
+                    </p:cTn>
+                  </p:par>
+                  <p:par>
+                    <p:cTn id="13" fill="hold">
+                      <p:stCondLst>
+                        <p:cond delay="indefinite"/>
+                      </p:stCondLst>
+                      <p:childTnLst>
+                        <p:par>
+                          <p:cTn id="14" fill="hold">
+                            <p:stCondLst>
+                              <p:cond delay="0"/>
+                            </p:stCondLst>
+                            <p:childTnLst>
+                              <p:par>
+                                <p:cTn id="15" presetID="10" presetClass="entr" presetSubtype="0" fill="hold" grpId="0" nodeType="clickEffect">
+                                  <p:stCondLst>
+                                    <p:cond delay="0"/>
+                                  </p:stCondLst>
+                                  <p:childTnLst>
+                                    <p:set>
+                                      <p:cBhvr>
+                                        <p:cTn id="16" dur="1" fill="hold">
+                                          <p:stCondLst>
+                                            <p:cond delay="0"/>
+                                          </p:stCondLst>
+                                        </p:cTn>
+                                        <p:tgtEl>
+                                          <p:spTgt spid="4">
+                                            <p:txEl>
+                                              <p:pRg st="2" end="2"/>
+                                            </p:txEl>
+                                          </p:spTgt>
+                                        </p:tgtEl>
+                                        <p:attrNameLst>
+                                          <p:attrName>style.visibility</p:attrName>
+                                        </p:attrNameLst>
+                                      </p:cBhvr>
+                                      <p:to>
+                                        <p:strVal val="visible"/>
+                                      </p:to>
+                                    </p:set>
+                                    <p:animEffect transition="in" filter="fade">
+                                      <p:cBhvr>
+                                        <p:cTn id="17" dur="500"/>
+                                        <p:tgtEl>
+                                          <p:spTgt spid="4">
+                                            <p:txEl>
+                                              <p:pRg st="2" end="2"/>
+                                            </p:txEl>
+                                          </p:spTgt>
+                                        </p:tgtEl>
+                                      </p:cBhvr>
+                                    </p:animEffect>
+                                  </p:childTnLst>
+                                </p:cTn>
+                              </p:par>
+                            </p:childTnLst>
+                          </p:cTn>
+                        </p:par>
+                      </p:childTnLst>
+                    </p:cTn>
+                  </p:par>
+                  <p:par>
+                    <p:cTn id="18" fill="hold">
+                      <p:stCondLst>
+                        <p:cond delay="indefinite"/>
+                      </p:stCondLst>
+                      <p:childTnLst>
+                        <p:par>
+                          <p:cTn id="19" fill="hold">
+                            <p:stCondLst>
+                              <p:cond delay="0"/>
+                            </p:stCondLst>
+                            <p:childTnLst>
+                              <p:par>
+                                <p:cTn id="20" presetID="10" presetClass="entr" presetSubtype="0" fill="hold" grpId="0" nodeType="clickEffect">
+                                  <p:stCondLst>
+                                    <p:cond delay="0"/>
+                                  </p:stCondLst>
+                                  <p:childTnLst>
+                                    <p:set>
+                                      <p:cBhvr>
+                                        <p:cTn id="21" dur="1" fill="hold">
+                                          <p:stCondLst>
+                                            <p:cond delay="0"/>
+                                          </p:stCondLst>
+                                        </p:cTn>
+                                        <p:tgtEl>
+                                          <p:spTgt spid="4">
+                                            <p:txEl>
+                                              <p:pRg st="3" end="3"/>
+                                            </p:txEl>
+                                          </p:spTgt>
+                                        </p:tgtEl>
+                                        <p:attrNameLst>
+                                          <p:attrName>style.visibility</p:attrName>
+                                        </p:attrNameLst>
+                                      </p:cBhvr>
+                                      <p:to>
+                                        <p:strVal val="visible"/>
+                                      </p:to>
+                                    </p:set>
+                                    <p:animEffect transition="in" filter="fade">
+                                      <p:cBhvr>
+                                        <p:cTn id="22" dur="500"/>
+                                        <p:tgtEl>
+                                          <p:spTgt spid="4">
+                                            <p:txEl>
+                                              <p:pRg st="3" end="3"/>
+                                            </p:txEl>
+                                          </p:spTgt>
+                                        </p:tgtEl>
+                                      </p:cBhvr>
+                                    </p:animEffect>
+                                  </p:childTnLst>
+                                </p:cTn>
+                              </p:par>
+                            </p:childTnLst>
+                          </p:cTn>
+                        </p:par>
+                      </p:childTnLst>
+                    </p:cTn>
+                  </p:par>
+                </p:childTnLst>
+              </p:cTn>
+              <p:prevCondLst>
+                <p:cond evt="onPrev" delay="0">
+                  <p:tgtEl>
+                    <p:sldTgt/>
+                  </p:tgtEl>
+                </p:cond>
+              </p:prevCondLst>
+              <p:nextCondLst>
+                <p:cond evt="onNext" delay="0">
+                  <p:tgtEl>
+                    <p:sldTgt/>
+                  </p:tgtEl>
+                </p:cond>
+              </p:nextCondLst>
+            </p:seq>
+          </p:childTnLst>
+        </p:cTn>
+      </p:par>
+    </p:tnLst>
+    <p:bldLst>
+      <p:bldP spid="4" grpId="0" uiExpand="1" build="p"/>
+    </p:bldLst>
+  </p:timing>
+</p:sld>
+</file>
+
+<file path=ppt/slides/slide12.xml><?xml version="1.0" encoding="utf-8"?>
+<p:sld xmlns:a="http://schemas.openxmlformats.org/drawingml/2006/main" xmlns:r="http://schemas.openxmlformats.org/officeDocument/2006/relationships" xmlns:p="http://schemas.openxmlformats.org/presentationml/2006/main">
+  <p:cSld>
+    <p:spTree>
+      <p:nvGrpSpPr>
+        <p:cNvPr id="1" name=""/>
+        <p:cNvGrpSpPr/>
+        <p:nvPr/>
+      </p:nvGrpSpPr>
+      <p:grpSpPr>
+        <a:xfrm>
+          <a:off x="0" y="0"/>
+          <a:ext cx="0" cy="0"/>
+          <a:chOff x="0" y="0"/>
+          <a:chExt cx="0" cy="0"/>
+        </a:xfrm>
+      </p:grpSpPr>
+      <mc:AlternateContent xmlns:mc="http://schemas.openxmlformats.org/markup-compatibility/2006">
+        <mc:Choice xmlns:a14="http://schemas.microsoft.com/office/drawing/2010/main" Requires="a14">
           <p:sp>
             <p:nvSpPr>
               <p:cNvPr id="4" name="文本占位符 3"/>
@@ -5032,502 +6274,510 @@
                 <a:endParaRPr lang="en-US" altLang="zh-CN" dirty="0" smtClean="0"/>
               </a:p>
               <a:p>
+                <a:pPr marL="0" indent="0">
+                  <a:buNone/>
+                </a:pPr>
                 <a14:m>
-                  <m:oMath xmlns:m="http://schemas.openxmlformats.org/officeDocument/2006/math">
-                    <m:f>
-                      <m:fPr>
-                        <m:ctrlPr>
-                          <a:rPr lang="en-US" altLang="zh-CN" sz="2800" i="1">
-                            <a:latin typeface="Cambria Math" panose="02040503050406030204" pitchFamily="18" charset="0"/>
-                          </a:rPr>
-                        </m:ctrlPr>
-                      </m:fPr>
-                      <m:num>
-                        <m:r>
-                          <m:rPr>
-                            <m:sty m:val="p"/>
-                          </m:rPr>
-                          <a:rPr lang="en-US" altLang="zh-CN" sz="2800">
-                            <a:latin typeface="Cambria Math" panose="02040503050406030204" pitchFamily="18" charset="0"/>
-                          </a:rPr>
-                          <m:t>d</m:t>
-                        </m:r>
-                      </m:num>
-                      <m:den>
-                        <m:r>
-                          <m:rPr>
-                            <m:sty m:val="p"/>
-                          </m:rPr>
-                          <a:rPr lang="en-US" altLang="zh-CN" sz="2800">
-                            <a:latin typeface="Cambria Math" panose="02040503050406030204" pitchFamily="18" charset="0"/>
-                          </a:rPr>
-                          <m:t>d</m:t>
-                        </m:r>
-                        <m:d>
-                          <m:dPr>
-                            <m:ctrlPr>
-                              <a:rPr lang="en-US" altLang="zh-CN" sz="2800" i="1">
-                                <a:latin typeface="Cambria Math" panose="02040503050406030204" pitchFamily="18" charset="0"/>
-                              </a:rPr>
-                            </m:ctrlPr>
-                          </m:dPr>
-                          <m:e>
-                            <m:sSup>
-                              <m:sSupPr>
-                                <m:ctrlPr>
-                                  <a:rPr lang="en-US" altLang="zh-CN" sz="2800" i="1">
-                                    <a:latin typeface="Cambria Math" panose="02040503050406030204" pitchFamily="18" charset="0"/>
-                                  </a:rPr>
-                                </m:ctrlPr>
-                              </m:sSupPr>
-                              <m:e>
-                                <m:r>
-                                  <a:rPr lang="en-US" altLang="zh-CN" sz="2800" i="1">
-                                    <a:latin typeface="Cambria Math" panose="02040503050406030204" pitchFamily="18" charset="0"/>
-                                  </a:rPr>
-                                  <m:t>𝑥</m:t>
-                                </m:r>
-                              </m:e>
-                              <m:sup>
-                                <m:r>
-                                  <a:rPr lang="en-US" altLang="zh-CN" sz="2800" i="1">
-                                    <a:latin typeface="Cambria Math" panose="02040503050406030204" pitchFamily="18" charset="0"/>
-                                  </a:rPr>
-                                  <m:t>2</m:t>
-                                </m:r>
-                              </m:sup>
-                            </m:sSup>
-                          </m:e>
-                        </m:d>
-                      </m:den>
-                    </m:f>
-                    <m:d>
-                      <m:dPr>
-                        <m:ctrlPr>
-                          <a:rPr lang="en-US" altLang="zh-CN" sz="2800" i="1">
-                            <a:latin typeface="Cambria Math" panose="02040503050406030204" pitchFamily="18" charset="0"/>
-                          </a:rPr>
-                        </m:ctrlPr>
-                      </m:dPr>
-                      <m:e>
-                        <m:func>
-                          <m:funcPr>
-                            <m:ctrlPr>
-                              <a:rPr lang="en-US" altLang="zh-CN" sz="2800" i="1">
-                                <a:latin typeface="Cambria Math" panose="02040503050406030204" pitchFamily="18" charset="0"/>
-                              </a:rPr>
-                            </m:ctrlPr>
-                          </m:funcPr>
-                          <m:fName>
-                            <m:r>
-                              <m:rPr>
-                                <m:sty m:val="p"/>
-                              </m:rPr>
-                              <a:rPr lang="en-US" altLang="zh-CN" sz="2800">
-                                <a:latin typeface="Cambria Math" panose="02040503050406030204" pitchFamily="18" charset="0"/>
-                              </a:rPr>
-                              <m:t>ln</m:t>
-                            </m:r>
-                          </m:fName>
-                          <m:e>
-                            <m:r>
-                              <a:rPr lang="en-US" altLang="zh-CN" sz="2800" i="1">
-                                <a:latin typeface="Cambria Math" panose="02040503050406030204" pitchFamily="18" charset="0"/>
-                              </a:rPr>
-                              <m:t>𝑥</m:t>
-                            </m:r>
-                          </m:e>
-                        </m:func>
-                        <m:r>
-                          <a:rPr lang="en-US" altLang="zh-CN" sz="2800" i="1">
-                            <a:latin typeface="Cambria Math" panose="02040503050406030204" pitchFamily="18" charset="0"/>
-                          </a:rPr>
-                          <m:t>+</m:t>
-                        </m:r>
-                        <m:f>
-                          <m:fPr>
-                            <m:ctrlPr>
-                              <a:rPr lang="en-US" altLang="zh-CN" sz="2800" i="1">
-                                <a:latin typeface="Cambria Math" panose="02040503050406030204" pitchFamily="18" charset="0"/>
-                              </a:rPr>
-                            </m:ctrlPr>
-                          </m:fPr>
-                          <m:num>
-                            <m:r>
-                              <a:rPr lang="en-US" altLang="zh-CN" sz="2800" i="1">
-                                <a:latin typeface="Cambria Math" panose="02040503050406030204" pitchFamily="18" charset="0"/>
-                              </a:rPr>
-                              <m:t>2</m:t>
-                            </m:r>
-                          </m:num>
-                          <m:den>
-                            <m:sSup>
-                              <m:sSupPr>
-                                <m:ctrlPr>
-                                  <a:rPr lang="en-US" altLang="zh-CN" sz="2800" i="1">
-                                    <a:latin typeface="Cambria Math" panose="02040503050406030204" pitchFamily="18" charset="0"/>
-                                  </a:rPr>
-                                </m:ctrlPr>
-                              </m:sSupPr>
-                              <m:e>
-                                <m:r>
-                                  <a:rPr lang="en-US" altLang="zh-CN" sz="2800" i="1">
-                                    <a:latin typeface="Cambria Math" panose="02040503050406030204" pitchFamily="18" charset="0"/>
-                                  </a:rPr>
-                                  <m:t>𝑥</m:t>
-                                </m:r>
-                              </m:e>
-                              <m:sup>
-                                <m:r>
-                                  <a:rPr lang="en-US" altLang="zh-CN" sz="2800" i="1">
-                                    <a:latin typeface="Cambria Math" panose="02040503050406030204" pitchFamily="18" charset="0"/>
-                                  </a:rPr>
-                                  <m:t>2</m:t>
-                                </m:r>
-                              </m:sup>
-                            </m:sSup>
-                          </m:den>
-                        </m:f>
-                      </m:e>
-                    </m:d>
-                    <m:r>
-                      <a:rPr lang="en-US" altLang="zh-CN" sz="2800" b="0" i="1" smtClean="0">
-                        <a:latin typeface="Cambria Math" panose="02040503050406030204" pitchFamily="18" charset="0"/>
-                      </a:rPr>
-                      <m:t>=</m:t>
-                    </m:r>
-                    <m:f>
-                      <m:fPr>
-                        <m:ctrlPr>
-                          <a:rPr lang="en-US" altLang="zh-CN" sz="2800" i="1">
-                            <a:latin typeface="Cambria Math" panose="02040503050406030204" pitchFamily="18" charset="0"/>
-                          </a:rPr>
-                        </m:ctrlPr>
-                      </m:fPr>
-                      <m:num>
-                        <m:r>
-                          <m:rPr>
-                            <m:sty m:val="p"/>
-                          </m:rPr>
-                          <a:rPr lang="en-US" altLang="zh-CN" sz="2800">
-                            <a:latin typeface="Cambria Math" panose="02040503050406030204" pitchFamily="18" charset="0"/>
-                          </a:rPr>
-                          <m:t>d</m:t>
-                        </m:r>
-                      </m:num>
-                      <m:den>
-                        <m:r>
-                          <m:rPr>
-                            <m:sty m:val="p"/>
-                          </m:rPr>
-                          <a:rPr lang="en-US" altLang="zh-CN" sz="2800">
-                            <a:latin typeface="Cambria Math" panose="02040503050406030204" pitchFamily="18" charset="0"/>
-                          </a:rPr>
-                          <m:t>d</m:t>
-                        </m:r>
-                        <m:r>
-                          <a:rPr lang="en-US" altLang="zh-CN" sz="2800" b="0" i="1" smtClean="0">
-                            <a:latin typeface="Cambria Math" panose="02040503050406030204" pitchFamily="18" charset="0"/>
-                          </a:rPr>
-                          <m:t>𝑡</m:t>
-                        </m:r>
-                      </m:den>
-                    </m:f>
-                    <m:d>
-                      <m:dPr>
-                        <m:ctrlPr>
-                          <a:rPr lang="en-US" altLang="zh-CN" sz="2800" i="1">
-                            <a:latin typeface="Cambria Math" panose="02040503050406030204" pitchFamily="18" charset="0"/>
-                          </a:rPr>
-                        </m:ctrlPr>
-                      </m:dPr>
-                      <m:e>
-                        <m:f>
-                          <m:fPr>
-                            <m:ctrlPr>
-                              <a:rPr lang="en-US" altLang="zh-CN" sz="2800" b="0" i="1" smtClean="0">
-                                <a:latin typeface="Cambria Math" panose="02040503050406030204" pitchFamily="18" charset="0"/>
-                              </a:rPr>
-                            </m:ctrlPr>
-                          </m:fPr>
-                          <m:num>
-                            <m:r>
-                              <a:rPr lang="en-US" altLang="zh-CN" sz="2800" b="0" i="1" smtClean="0">
-                                <a:latin typeface="Cambria Math" panose="02040503050406030204" pitchFamily="18" charset="0"/>
-                              </a:rPr>
-                              <m:t>1</m:t>
-                            </m:r>
-                          </m:num>
-                          <m:den>
-                            <m:r>
-                              <a:rPr lang="en-US" altLang="zh-CN" sz="2800" b="0" i="1" smtClean="0">
-                                <a:latin typeface="Cambria Math" panose="02040503050406030204" pitchFamily="18" charset="0"/>
-                              </a:rPr>
-                              <m:t>2</m:t>
-                            </m:r>
-                          </m:den>
-                        </m:f>
-                        <m:func>
-                          <m:funcPr>
-                            <m:ctrlPr>
-                              <a:rPr lang="en-US" altLang="zh-CN" sz="2800" i="1">
-                                <a:latin typeface="Cambria Math" panose="02040503050406030204" pitchFamily="18" charset="0"/>
-                              </a:rPr>
-                            </m:ctrlPr>
-                          </m:funcPr>
-                          <m:fName>
-                            <m:r>
-                              <m:rPr>
-                                <m:sty m:val="p"/>
-                              </m:rPr>
-                              <a:rPr lang="en-US" altLang="zh-CN" sz="2800">
-                                <a:latin typeface="Cambria Math" panose="02040503050406030204" pitchFamily="18" charset="0"/>
-                              </a:rPr>
-                              <m:t>ln</m:t>
-                            </m:r>
-                          </m:fName>
-                          <m:e>
-                            <m:r>
-                              <a:rPr lang="en-US" altLang="zh-CN" sz="2800" b="0" i="1" smtClean="0">
-                                <a:latin typeface="Cambria Math" panose="02040503050406030204" pitchFamily="18" charset="0"/>
-                              </a:rPr>
-                              <m:t>𝑡</m:t>
-                            </m:r>
-                          </m:e>
-                        </m:func>
-                        <m:r>
-                          <a:rPr lang="en-US" altLang="zh-CN" sz="2800" i="1">
-                            <a:latin typeface="Cambria Math" panose="02040503050406030204" pitchFamily="18" charset="0"/>
-                          </a:rPr>
-                          <m:t>+</m:t>
-                        </m:r>
-                        <m:f>
-                          <m:fPr>
-                            <m:ctrlPr>
-                              <a:rPr lang="en-US" altLang="zh-CN" sz="2800" i="1">
-                                <a:latin typeface="Cambria Math" panose="02040503050406030204" pitchFamily="18" charset="0"/>
-                              </a:rPr>
-                            </m:ctrlPr>
-                          </m:fPr>
-                          <m:num>
-                            <m:r>
-                              <a:rPr lang="en-US" altLang="zh-CN" sz="2800" i="1">
-                                <a:latin typeface="Cambria Math" panose="02040503050406030204" pitchFamily="18" charset="0"/>
-                              </a:rPr>
-                              <m:t>2</m:t>
-                            </m:r>
-                          </m:num>
-                          <m:den>
-                            <m:r>
-                              <a:rPr lang="en-US" altLang="zh-CN" sz="2800" b="0" i="1" smtClean="0">
-                                <a:latin typeface="Cambria Math" panose="02040503050406030204" pitchFamily="18" charset="0"/>
-                              </a:rPr>
-                              <m:t>𝑡</m:t>
-                            </m:r>
-                          </m:den>
-                        </m:f>
-                      </m:e>
-                    </m:d>
-                    <m:r>
-                      <a:rPr lang="en-US" altLang="zh-CN" sz="2800" b="0" i="1" smtClean="0">
-                        <a:latin typeface="Cambria Math" panose="02040503050406030204" pitchFamily="18" charset="0"/>
-                      </a:rPr>
-                      <m:t>=</m:t>
-                    </m:r>
-                    <m:f>
-                      <m:fPr>
-                        <m:ctrlPr>
-                          <a:rPr lang="en-US" altLang="zh-CN" sz="2800" b="0" i="1" smtClean="0">
-                            <a:latin typeface="Cambria Math" panose="02040503050406030204" pitchFamily="18" charset="0"/>
-                          </a:rPr>
-                        </m:ctrlPr>
-                      </m:fPr>
-                      <m:num>
-                        <m:r>
-                          <a:rPr lang="en-US" altLang="zh-CN" sz="2800" b="0" i="1" smtClean="0">
-                            <a:latin typeface="Cambria Math" panose="02040503050406030204" pitchFamily="18" charset="0"/>
-                          </a:rPr>
-                          <m:t>1</m:t>
-                        </m:r>
-                      </m:num>
-                      <m:den>
-                        <m:r>
-                          <a:rPr lang="en-US" altLang="zh-CN" sz="2800" b="0" i="1" smtClean="0">
-                            <a:latin typeface="Cambria Math" panose="02040503050406030204" pitchFamily="18" charset="0"/>
-                          </a:rPr>
-                          <m:t>2</m:t>
-                        </m:r>
-                        <m:r>
-                          <a:rPr lang="en-US" altLang="zh-CN" sz="2800" b="0" i="1" smtClean="0">
-                            <a:latin typeface="Cambria Math" panose="02040503050406030204" pitchFamily="18" charset="0"/>
-                          </a:rPr>
-                          <m:t>𝑡</m:t>
-                        </m:r>
-                      </m:den>
-                    </m:f>
-                    <m:r>
-                      <a:rPr lang="en-US" altLang="zh-CN" sz="2800" b="0" i="1" smtClean="0">
-                        <a:latin typeface="Cambria Math" panose="02040503050406030204" pitchFamily="18" charset="0"/>
-                      </a:rPr>
-                      <m:t>−</m:t>
-                    </m:r>
-                    <m:f>
-                      <m:fPr>
-                        <m:ctrlPr>
-                          <a:rPr lang="en-US" altLang="zh-CN" sz="2800" b="0" i="1" smtClean="0">
-                            <a:latin typeface="Cambria Math" panose="02040503050406030204" pitchFamily="18" charset="0"/>
-                          </a:rPr>
-                        </m:ctrlPr>
-                      </m:fPr>
-                      <m:num>
-                        <m:r>
-                          <a:rPr lang="en-US" altLang="zh-CN" sz="2800" b="0" i="1" smtClean="0">
-                            <a:latin typeface="Cambria Math" panose="02040503050406030204" pitchFamily="18" charset="0"/>
-                          </a:rPr>
-                          <m:t>2</m:t>
-                        </m:r>
-                      </m:num>
-                      <m:den>
-                        <m:sSup>
-                          <m:sSupPr>
-                            <m:ctrlPr>
-                              <a:rPr lang="en-US" altLang="zh-CN" sz="2800" b="0" i="1" smtClean="0">
-                                <a:latin typeface="Cambria Math" panose="02040503050406030204" pitchFamily="18" charset="0"/>
-                              </a:rPr>
-                            </m:ctrlPr>
-                          </m:sSupPr>
-                          <m:e>
-                            <m:r>
-                              <a:rPr lang="en-US" altLang="zh-CN" sz="2800" b="0" i="1" smtClean="0">
-                                <a:latin typeface="Cambria Math" panose="02040503050406030204" pitchFamily="18" charset="0"/>
-                              </a:rPr>
-                              <m:t>𝑡</m:t>
-                            </m:r>
-                          </m:e>
-                          <m:sup>
-                            <m:r>
-                              <a:rPr lang="en-US" altLang="zh-CN" sz="2800" b="0" i="1" smtClean="0">
-                                <a:latin typeface="Cambria Math" panose="02040503050406030204" pitchFamily="18" charset="0"/>
-                              </a:rPr>
-                              <m:t>2</m:t>
-                            </m:r>
-                          </m:sup>
-                        </m:sSup>
-                      </m:den>
-                    </m:f>
-                    <m:r>
-                      <a:rPr lang="en-US" altLang="zh-CN" sz="2800" b="0" i="1" smtClean="0">
-                        <a:latin typeface="Cambria Math" panose="02040503050406030204" pitchFamily="18" charset="0"/>
-                      </a:rPr>
-                      <m:t>=</m:t>
-                    </m:r>
-                    <m:f>
-                      <m:fPr>
-                        <m:ctrlPr>
-                          <a:rPr lang="en-US" altLang="zh-CN" sz="2800" i="1">
-                            <a:latin typeface="Cambria Math" panose="02040503050406030204" pitchFamily="18" charset="0"/>
-                          </a:rPr>
-                        </m:ctrlPr>
-                      </m:fPr>
-                      <m:num>
-                        <m:r>
-                          <a:rPr lang="en-US" altLang="zh-CN" sz="2800" i="1">
-                            <a:latin typeface="Cambria Math" panose="02040503050406030204" pitchFamily="18" charset="0"/>
-                          </a:rPr>
-                          <m:t>1</m:t>
-                        </m:r>
-                      </m:num>
-                      <m:den>
-                        <m:r>
-                          <a:rPr lang="en-US" altLang="zh-CN" sz="2800" i="1">
-                            <a:latin typeface="Cambria Math" panose="02040503050406030204" pitchFamily="18" charset="0"/>
-                          </a:rPr>
-                          <m:t>2</m:t>
-                        </m:r>
-                        <m:sSup>
-                          <m:sSupPr>
-                            <m:ctrlPr>
-                              <a:rPr lang="en-US" altLang="zh-CN" sz="2800" i="1">
-                                <a:latin typeface="Cambria Math" panose="02040503050406030204" pitchFamily="18" charset="0"/>
-                              </a:rPr>
-                            </m:ctrlPr>
-                          </m:sSupPr>
-                          <m:e>
-                            <m:r>
-                              <a:rPr lang="en-US" altLang="zh-CN" sz="2800" i="1">
-                                <a:latin typeface="Cambria Math" panose="02040503050406030204" pitchFamily="18" charset="0"/>
-                              </a:rPr>
-                              <m:t>𝑥</m:t>
-                            </m:r>
-                          </m:e>
-                          <m:sup>
-                            <m:r>
-                              <a:rPr lang="en-US" altLang="zh-CN" sz="2800" i="1">
-                                <a:latin typeface="Cambria Math" panose="02040503050406030204" pitchFamily="18" charset="0"/>
-                              </a:rPr>
-                              <m:t>2</m:t>
-                            </m:r>
-                          </m:sup>
-                        </m:sSup>
-                      </m:den>
-                    </m:f>
-                    <m:r>
-                      <a:rPr lang="en-US" altLang="zh-CN" sz="2800" i="1">
-                        <a:latin typeface="Cambria Math" panose="02040503050406030204" pitchFamily="18" charset="0"/>
-                      </a:rPr>
-                      <m:t>−</m:t>
-                    </m:r>
-                    <m:f>
-                      <m:fPr>
-                        <m:ctrlPr>
-                          <a:rPr lang="en-US" altLang="zh-CN" sz="2800" i="1">
-                            <a:latin typeface="Cambria Math" panose="02040503050406030204" pitchFamily="18" charset="0"/>
-                          </a:rPr>
-                        </m:ctrlPr>
-                      </m:fPr>
-                      <m:num>
-                        <m:r>
-                          <a:rPr lang="en-US" altLang="zh-CN" sz="2800" i="1">
-                            <a:latin typeface="Cambria Math" panose="02040503050406030204" pitchFamily="18" charset="0"/>
-                          </a:rPr>
-                          <m:t>2</m:t>
-                        </m:r>
-                      </m:num>
-                      <m:den>
-                        <m:sSup>
-                          <m:sSupPr>
-                            <m:ctrlPr>
-                              <a:rPr lang="en-US" altLang="zh-CN" sz="2800" i="1">
-                                <a:latin typeface="Cambria Math" panose="02040503050406030204" pitchFamily="18" charset="0"/>
-                              </a:rPr>
-                            </m:ctrlPr>
-                          </m:sSupPr>
-                          <m:e>
-                            <m:r>
-                              <a:rPr lang="en-US" altLang="zh-CN" sz="2800" i="1">
-                                <a:latin typeface="Cambria Math" panose="02040503050406030204" pitchFamily="18" charset="0"/>
-                              </a:rPr>
-                              <m:t>𝑥</m:t>
-                            </m:r>
-                          </m:e>
-                          <m:sup>
-                            <m:r>
-                              <a:rPr lang="en-US" altLang="zh-CN" sz="2800" i="1">
-                                <a:latin typeface="Cambria Math" panose="02040503050406030204" pitchFamily="18" charset="0"/>
-                              </a:rPr>
-                              <m:t>4</m:t>
-                            </m:r>
-                          </m:sup>
-                        </m:sSup>
-                      </m:den>
-                    </m:f>
-                    <m:r>
-                      <a:rPr lang="en-US" altLang="zh-CN" sz="2800" b="0" i="1" smtClean="0">
-                        <a:latin typeface="Cambria Math" panose="02040503050406030204" pitchFamily="18" charset="0"/>
-                      </a:rPr>
-                      <m:t>.</m:t>
-                    </m:r>
-                  </m:oMath>
+                  <m:oMathPara xmlns:m="http://schemas.openxmlformats.org/officeDocument/2006/math">
+                    <m:oMathParaPr>
+                      <m:jc m:val="centerGroup"/>
+                    </m:oMathParaPr>
+                    <m:oMath xmlns:m="http://schemas.openxmlformats.org/officeDocument/2006/math">
+                      <m:f>
+                        <m:fPr>
+                          <m:ctrlPr>
+                            <a:rPr lang="en-US" altLang="zh-CN" sz="2800" i="1">
+                              <a:latin typeface="Cambria Math" panose="02040503050406030204" pitchFamily="18" charset="0"/>
+                            </a:rPr>
+                          </m:ctrlPr>
+                        </m:fPr>
+                        <m:num>
+                          <m:r>
+                            <m:rPr>
+                              <m:sty m:val="p"/>
+                            </m:rPr>
+                            <a:rPr lang="en-US" altLang="zh-CN" sz="2800">
+                              <a:latin typeface="Cambria Math" panose="02040503050406030204" pitchFamily="18" charset="0"/>
+                            </a:rPr>
+                            <m:t>d</m:t>
+                          </m:r>
+                        </m:num>
+                        <m:den>
+                          <m:r>
+                            <m:rPr>
+                              <m:sty m:val="p"/>
+                            </m:rPr>
+                            <a:rPr lang="en-US" altLang="zh-CN" sz="2800">
+                              <a:latin typeface="Cambria Math" panose="02040503050406030204" pitchFamily="18" charset="0"/>
+                            </a:rPr>
+                            <m:t>d</m:t>
+                          </m:r>
+                          <m:d>
+                            <m:dPr>
+                              <m:ctrlPr>
+                                <a:rPr lang="en-US" altLang="zh-CN" sz="2800" i="1">
+                                  <a:latin typeface="Cambria Math" panose="02040503050406030204" pitchFamily="18" charset="0"/>
+                                </a:rPr>
+                              </m:ctrlPr>
+                            </m:dPr>
+                            <m:e>
+                              <m:sSup>
+                                <m:sSupPr>
+                                  <m:ctrlPr>
+                                    <a:rPr lang="en-US" altLang="zh-CN" sz="2800" i="1">
+                                      <a:latin typeface="Cambria Math" panose="02040503050406030204" pitchFamily="18" charset="0"/>
+                                    </a:rPr>
+                                  </m:ctrlPr>
+                                </m:sSupPr>
+                                <m:e>
+                                  <m:r>
+                                    <a:rPr lang="en-US" altLang="zh-CN" sz="2800" i="1">
+                                      <a:latin typeface="Cambria Math" panose="02040503050406030204" pitchFamily="18" charset="0"/>
+                                    </a:rPr>
+                                    <m:t>𝑥</m:t>
+                                  </m:r>
+                                </m:e>
+                                <m:sup>
+                                  <m:r>
+                                    <a:rPr lang="en-US" altLang="zh-CN" sz="2800" i="1">
+                                      <a:latin typeface="Cambria Math" panose="02040503050406030204" pitchFamily="18" charset="0"/>
+                                    </a:rPr>
+                                    <m:t>2</m:t>
+                                  </m:r>
+                                </m:sup>
+                              </m:sSup>
+                            </m:e>
+                          </m:d>
+                        </m:den>
+                      </m:f>
+                      <m:d>
+                        <m:dPr>
+                          <m:ctrlPr>
+                            <a:rPr lang="en-US" altLang="zh-CN" sz="2800" i="1">
+                              <a:latin typeface="Cambria Math" panose="02040503050406030204" pitchFamily="18" charset="0"/>
+                            </a:rPr>
+                          </m:ctrlPr>
+                        </m:dPr>
+                        <m:e>
+                          <m:func>
+                            <m:funcPr>
+                              <m:ctrlPr>
+                                <a:rPr lang="en-US" altLang="zh-CN" sz="2800" i="1">
+                                  <a:latin typeface="Cambria Math" panose="02040503050406030204" pitchFamily="18" charset="0"/>
+                                </a:rPr>
+                              </m:ctrlPr>
+                            </m:funcPr>
+                            <m:fName>
+                              <m:r>
+                                <m:rPr>
+                                  <m:sty m:val="p"/>
+                                </m:rPr>
+                                <a:rPr lang="en-US" altLang="zh-CN" sz="2800">
+                                  <a:latin typeface="Cambria Math" panose="02040503050406030204" pitchFamily="18" charset="0"/>
+                                </a:rPr>
+                                <m:t>ln</m:t>
+                              </m:r>
+                            </m:fName>
+                            <m:e>
+                              <m:r>
+                                <a:rPr lang="en-US" altLang="zh-CN" sz="2800" i="1">
+                                  <a:latin typeface="Cambria Math" panose="02040503050406030204" pitchFamily="18" charset="0"/>
+                                </a:rPr>
+                                <m:t>𝑥</m:t>
+                              </m:r>
+                            </m:e>
+                          </m:func>
+                          <m:r>
+                            <a:rPr lang="en-US" altLang="zh-CN" sz="2800" i="1">
+                              <a:latin typeface="Cambria Math" panose="02040503050406030204" pitchFamily="18" charset="0"/>
+                            </a:rPr>
+                            <m:t>+</m:t>
+                          </m:r>
+                          <m:f>
+                            <m:fPr>
+                              <m:ctrlPr>
+                                <a:rPr lang="en-US" altLang="zh-CN" sz="2800" i="1">
+                                  <a:latin typeface="Cambria Math" panose="02040503050406030204" pitchFamily="18" charset="0"/>
+                                </a:rPr>
+                              </m:ctrlPr>
+                            </m:fPr>
+                            <m:num>
+                              <m:r>
+                                <a:rPr lang="en-US" altLang="zh-CN" sz="2800" i="1">
+                                  <a:latin typeface="Cambria Math" panose="02040503050406030204" pitchFamily="18" charset="0"/>
+                                </a:rPr>
+                                <m:t>2</m:t>
+                              </m:r>
+                            </m:num>
+                            <m:den>
+                              <m:sSup>
+                                <m:sSupPr>
+                                  <m:ctrlPr>
+                                    <a:rPr lang="en-US" altLang="zh-CN" sz="2800" i="1">
+                                      <a:latin typeface="Cambria Math" panose="02040503050406030204" pitchFamily="18" charset="0"/>
+                                    </a:rPr>
+                                  </m:ctrlPr>
+                                </m:sSupPr>
+                                <m:e>
+                                  <m:r>
+                                    <a:rPr lang="en-US" altLang="zh-CN" sz="2800" i="1">
+                                      <a:latin typeface="Cambria Math" panose="02040503050406030204" pitchFamily="18" charset="0"/>
+                                    </a:rPr>
+                                    <m:t>𝑥</m:t>
+                                  </m:r>
+                                </m:e>
+                                <m:sup>
+                                  <m:r>
+                                    <a:rPr lang="en-US" altLang="zh-CN" sz="2800" i="1">
+                                      <a:latin typeface="Cambria Math" panose="02040503050406030204" pitchFamily="18" charset="0"/>
+                                    </a:rPr>
+                                    <m:t>2</m:t>
+                                  </m:r>
+                                </m:sup>
+                              </m:sSup>
+                            </m:den>
+                          </m:f>
+                        </m:e>
+                      </m:d>
+                      <m:r>
+                        <a:rPr lang="en-US" altLang="zh-CN" sz="2800" b="0" i="1" smtClean="0">
+                          <a:latin typeface="Cambria Math" panose="02040503050406030204" pitchFamily="18" charset="0"/>
+                        </a:rPr>
+                        <m:t>=</m:t>
+                      </m:r>
+                      <m:f>
+                        <m:fPr>
+                          <m:ctrlPr>
+                            <a:rPr lang="en-US" altLang="zh-CN" sz="2800" i="1">
+                              <a:latin typeface="Cambria Math" panose="02040503050406030204" pitchFamily="18" charset="0"/>
+                            </a:rPr>
+                          </m:ctrlPr>
+                        </m:fPr>
+                        <m:num>
+                          <m:r>
+                            <m:rPr>
+                              <m:sty m:val="p"/>
+                            </m:rPr>
+                            <a:rPr lang="en-US" altLang="zh-CN" sz="2800">
+                              <a:latin typeface="Cambria Math" panose="02040503050406030204" pitchFamily="18" charset="0"/>
+                            </a:rPr>
+                            <m:t>d</m:t>
+                          </m:r>
+                        </m:num>
+                        <m:den>
+                          <m:r>
+                            <m:rPr>
+                              <m:sty m:val="p"/>
+                            </m:rPr>
+                            <a:rPr lang="en-US" altLang="zh-CN" sz="2800">
+                              <a:latin typeface="Cambria Math" panose="02040503050406030204" pitchFamily="18" charset="0"/>
+                            </a:rPr>
+                            <m:t>d</m:t>
+                          </m:r>
+                          <m:r>
+                            <a:rPr lang="en-US" altLang="zh-CN" sz="2800" b="0" i="1" smtClean="0">
+                              <a:latin typeface="Cambria Math" panose="02040503050406030204" pitchFamily="18" charset="0"/>
+                            </a:rPr>
+                            <m:t>𝑡</m:t>
+                          </m:r>
+                        </m:den>
+                      </m:f>
+                      <m:d>
+                        <m:dPr>
+                          <m:ctrlPr>
+                            <a:rPr lang="en-US" altLang="zh-CN" sz="2800" i="1">
+                              <a:latin typeface="Cambria Math" panose="02040503050406030204" pitchFamily="18" charset="0"/>
+                            </a:rPr>
+                          </m:ctrlPr>
+                        </m:dPr>
+                        <m:e>
+                          <m:f>
+                            <m:fPr>
+                              <m:ctrlPr>
+                                <a:rPr lang="en-US" altLang="zh-CN" sz="2800" b="0" i="1" smtClean="0">
+                                  <a:latin typeface="Cambria Math" panose="02040503050406030204" pitchFamily="18" charset="0"/>
+                                </a:rPr>
+                              </m:ctrlPr>
+                            </m:fPr>
+                            <m:num>
+                              <m:r>
+                                <a:rPr lang="en-US" altLang="zh-CN" sz="2800" b="0" i="1" smtClean="0">
+                                  <a:latin typeface="Cambria Math" panose="02040503050406030204" pitchFamily="18" charset="0"/>
+                                </a:rPr>
+                                <m:t>1</m:t>
+                              </m:r>
+                            </m:num>
+                            <m:den>
+                              <m:r>
+                                <a:rPr lang="en-US" altLang="zh-CN" sz="2800" b="0" i="1" smtClean="0">
+                                  <a:latin typeface="Cambria Math" panose="02040503050406030204" pitchFamily="18" charset="0"/>
+                                </a:rPr>
+                                <m:t>2</m:t>
+                              </m:r>
+                            </m:den>
+                          </m:f>
+                          <m:func>
+                            <m:funcPr>
+                              <m:ctrlPr>
+                                <a:rPr lang="en-US" altLang="zh-CN" sz="2800" i="1">
+                                  <a:latin typeface="Cambria Math" panose="02040503050406030204" pitchFamily="18" charset="0"/>
+                                </a:rPr>
+                              </m:ctrlPr>
+                            </m:funcPr>
+                            <m:fName>
+                              <m:r>
+                                <m:rPr>
+                                  <m:sty m:val="p"/>
+                                </m:rPr>
+                                <a:rPr lang="en-US" altLang="zh-CN" sz="2800">
+                                  <a:latin typeface="Cambria Math" panose="02040503050406030204" pitchFamily="18" charset="0"/>
+                                </a:rPr>
+                                <m:t>ln</m:t>
+                              </m:r>
+                            </m:fName>
+                            <m:e>
+                              <m:r>
+                                <a:rPr lang="en-US" altLang="zh-CN" sz="2800" b="0" i="1" smtClean="0">
+                                  <a:latin typeface="Cambria Math" panose="02040503050406030204" pitchFamily="18" charset="0"/>
+                                </a:rPr>
+                                <m:t>𝑡</m:t>
+                              </m:r>
+                            </m:e>
+                          </m:func>
+                          <m:r>
+                            <a:rPr lang="en-US" altLang="zh-CN" sz="2800" i="1">
+                              <a:latin typeface="Cambria Math" panose="02040503050406030204" pitchFamily="18" charset="0"/>
+                            </a:rPr>
+                            <m:t>+</m:t>
+                          </m:r>
+                          <m:f>
+                            <m:fPr>
+                              <m:ctrlPr>
+                                <a:rPr lang="en-US" altLang="zh-CN" sz="2800" i="1">
+                                  <a:latin typeface="Cambria Math" panose="02040503050406030204" pitchFamily="18" charset="0"/>
+                                </a:rPr>
+                              </m:ctrlPr>
+                            </m:fPr>
+                            <m:num>
+                              <m:r>
+                                <a:rPr lang="en-US" altLang="zh-CN" sz="2800" i="1">
+                                  <a:latin typeface="Cambria Math" panose="02040503050406030204" pitchFamily="18" charset="0"/>
+                                </a:rPr>
+                                <m:t>2</m:t>
+                              </m:r>
+                            </m:num>
+                            <m:den>
+                              <m:r>
+                                <a:rPr lang="en-US" altLang="zh-CN" sz="2800" b="0" i="1" smtClean="0">
+                                  <a:latin typeface="Cambria Math" panose="02040503050406030204" pitchFamily="18" charset="0"/>
+                                </a:rPr>
+                                <m:t>𝑡</m:t>
+                              </m:r>
+                            </m:den>
+                          </m:f>
+                        </m:e>
+                      </m:d>
+                      <m:r>
+                        <a:rPr lang="en-US" altLang="zh-CN" sz="2800" b="0" i="1" smtClean="0">
+                          <a:latin typeface="Cambria Math" panose="02040503050406030204" pitchFamily="18" charset="0"/>
+                        </a:rPr>
+                        <m:t>=</m:t>
+                      </m:r>
+                      <m:f>
+                        <m:fPr>
+                          <m:ctrlPr>
+                            <a:rPr lang="en-US" altLang="zh-CN" sz="2800" b="0" i="1" smtClean="0">
+                              <a:latin typeface="Cambria Math" panose="02040503050406030204" pitchFamily="18" charset="0"/>
+                            </a:rPr>
+                          </m:ctrlPr>
+                        </m:fPr>
+                        <m:num>
+                          <m:r>
+                            <a:rPr lang="en-US" altLang="zh-CN" sz="2800" b="0" i="1" smtClean="0">
+                              <a:latin typeface="Cambria Math" panose="02040503050406030204" pitchFamily="18" charset="0"/>
+                            </a:rPr>
+                            <m:t>1</m:t>
+                          </m:r>
+                        </m:num>
+                        <m:den>
+                          <m:r>
+                            <a:rPr lang="en-US" altLang="zh-CN" sz="2800" b="0" i="1" smtClean="0">
+                              <a:latin typeface="Cambria Math" panose="02040503050406030204" pitchFamily="18" charset="0"/>
+                            </a:rPr>
+                            <m:t>2</m:t>
+                          </m:r>
+                          <m:r>
+                            <a:rPr lang="en-US" altLang="zh-CN" sz="2800" b="0" i="1" smtClean="0">
+                              <a:latin typeface="Cambria Math" panose="02040503050406030204" pitchFamily="18" charset="0"/>
+                            </a:rPr>
+                            <m:t>𝑡</m:t>
+                          </m:r>
+                        </m:den>
+                      </m:f>
+                      <m:r>
+                        <a:rPr lang="en-US" altLang="zh-CN" sz="2800" b="0" i="1" smtClean="0">
+                          <a:latin typeface="Cambria Math" panose="02040503050406030204" pitchFamily="18" charset="0"/>
+                        </a:rPr>
+                        <m:t>−</m:t>
+                      </m:r>
+                      <m:f>
+                        <m:fPr>
+                          <m:ctrlPr>
+                            <a:rPr lang="en-US" altLang="zh-CN" sz="2800" b="0" i="1" smtClean="0">
+                              <a:latin typeface="Cambria Math" panose="02040503050406030204" pitchFamily="18" charset="0"/>
+                            </a:rPr>
+                          </m:ctrlPr>
+                        </m:fPr>
+                        <m:num>
+                          <m:r>
+                            <a:rPr lang="en-US" altLang="zh-CN" sz="2800" b="0" i="1" smtClean="0">
+                              <a:latin typeface="Cambria Math" panose="02040503050406030204" pitchFamily="18" charset="0"/>
+                            </a:rPr>
+                            <m:t>2</m:t>
+                          </m:r>
+                        </m:num>
+                        <m:den>
+                          <m:sSup>
+                            <m:sSupPr>
+                              <m:ctrlPr>
+                                <a:rPr lang="en-US" altLang="zh-CN" sz="2800" b="0" i="1" smtClean="0">
+                                  <a:latin typeface="Cambria Math" panose="02040503050406030204" pitchFamily="18" charset="0"/>
+                                </a:rPr>
+                              </m:ctrlPr>
+                            </m:sSupPr>
+                            <m:e>
+                              <m:r>
+                                <a:rPr lang="en-US" altLang="zh-CN" sz="2800" b="0" i="1" smtClean="0">
+                                  <a:latin typeface="Cambria Math" panose="02040503050406030204" pitchFamily="18" charset="0"/>
+                                </a:rPr>
+                                <m:t>𝑡</m:t>
+                              </m:r>
+                            </m:e>
+                            <m:sup>
+                              <m:r>
+                                <a:rPr lang="en-US" altLang="zh-CN" sz="2800" b="0" i="1" smtClean="0">
+                                  <a:latin typeface="Cambria Math" panose="02040503050406030204" pitchFamily="18" charset="0"/>
+                                </a:rPr>
+                                <m:t>2</m:t>
+                              </m:r>
+                            </m:sup>
+                          </m:sSup>
+                        </m:den>
+                      </m:f>
+                      <m:r>
+                        <a:rPr lang="en-US" altLang="zh-CN" sz="2800" b="0" i="1" smtClean="0">
+                          <a:latin typeface="Cambria Math" panose="02040503050406030204" pitchFamily="18" charset="0"/>
+                        </a:rPr>
+                        <m:t>=</m:t>
+                      </m:r>
+                      <m:f>
+                        <m:fPr>
+                          <m:ctrlPr>
+                            <a:rPr lang="en-US" altLang="zh-CN" sz="2800" i="1">
+                              <a:latin typeface="Cambria Math" panose="02040503050406030204" pitchFamily="18" charset="0"/>
+                            </a:rPr>
+                          </m:ctrlPr>
+                        </m:fPr>
+                        <m:num>
+                          <m:r>
+                            <a:rPr lang="en-US" altLang="zh-CN" sz="2800" i="1">
+                              <a:latin typeface="Cambria Math" panose="02040503050406030204" pitchFamily="18" charset="0"/>
+                            </a:rPr>
+                            <m:t>1</m:t>
+                          </m:r>
+                        </m:num>
+                        <m:den>
+                          <m:r>
+                            <a:rPr lang="en-US" altLang="zh-CN" sz="2800" i="1">
+                              <a:latin typeface="Cambria Math" panose="02040503050406030204" pitchFamily="18" charset="0"/>
+                            </a:rPr>
+                            <m:t>2</m:t>
+                          </m:r>
+                          <m:sSup>
+                            <m:sSupPr>
+                              <m:ctrlPr>
+                                <a:rPr lang="en-US" altLang="zh-CN" sz="2800" i="1">
+                                  <a:latin typeface="Cambria Math" panose="02040503050406030204" pitchFamily="18" charset="0"/>
+                                </a:rPr>
+                              </m:ctrlPr>
+                            </m:sSupPr>
+                            <m:e>
+                              <m:r>
+                                <a:rPr lang="en-US" altLang="zh-CN" sz="2800" i="1">
+                                  <a:latin typeface="Cambria Math" panose="02040503050406030204" pitchFamily="18" charset="0"/>
+                                </a:rPr>
+                                <m:t>𝑥</m:t>
+                              </m:r>
+                            </m:e>
+                            <m:sup>
+                              <m:r>
+                                <a:rPr lang="en-US" altLang="zh-CN" sz="2800" i="1">
+                                  <a:latin typeface="Cambria Math" panose="02040503050406030204" pitchFamily="18" charset="0"/>
+                                </a:rPr>
+                                <m:t>2</m:t>
+                              </m:r>
+                            </m:sup>
+                          </m:sSup>
+                        </m:den>
+                      </m:f>
+                      <m:r>
+                        <a:rPr lang="en-US" altLang="zh-CN" sz="2800" i="1">
+                          <a:latin typeface="Cambria Math" panose="02040503050406030204" pitchFamily="18" charset="0"/>
+                        </a:rPr>
+                        <m:t>−</m:t>
+                      </m:r>
+                      <m:f>
+                        <m:fPr>
+                          <m:ctrlPr>
+                            <a:rPr lang="en-US" altLang="zh-CN" sz="2800" i="1">
+                              <a:latin typeface="Cambria Math" panose="02040503050406030204" pitchFamily="18" charset="0"/>
+                            </a:rPr>
+                          </m:ctrlPr>
+                        </m:fPr>
+                        <m:num>
+                          <m:r>
+                            <a:rPr lang="en-US" altLang="zh-CN" sz="2800" i="1">
+                              <a:latin typeface="Cambria Math" panose="02040503050406030204" pitchFamily="18" charset="0"/>
+                            </a:rPr>
+                            <m:t>2</m:t>
+                          </m:r>
+                        </m:num>
+                        <m:den>
+                          <m:sSup>
+                            <m:sSupPr>
+                              <m:ctrlPr>
+                                <a:rPr lang="en-US" altLang="zh-CN" sz="2800" i="1">
+                                  <a:latin typeface="Cambria Math" panose="02040503050406030204" pitchFamily="18" charset="0"/>
+                                </a:rPr>
+                              </m:ctrlPr>
+                            </m:sSupPr>
+                            <m:e>
+                              <m:r>
+                                <a:rPr lang="en-US" altLang="zh-CN" sz="2800" i="1">
+                                  <a:latin typeface="Cambria Math" panose="02040503050406030204" pitchFamily="18" charset="0"/>
+                                </a:rPr>
+                                <m:t>𝑥</m:t>
+                              </m:r>
+                            </m:e>
+                            <m:sup>
+                              <m:r>
+                                <a:rPr lang="en-US" altLang="zh-CN" sz="2800" i="1">
+                                  <a:latin typeface="Cambria Math" panose="02040503050406030204" pitchFamily="18" charset="0"/>
+                                </a:rPr>
+                                <m:t>4</m:t>
+                              </m:r>
+                            </m:sup>
+                          </m:sSup>
+                        </m:den>
+                      </m:f>
+                      <m:r>
+                        <a:rPr lang="en-US" altLang="zh-CN" sz="2800" b="0" i="1" smtClean="0">
+                          <a:latin typeface="Cambria Math" panose="02040503050406030204" pitchFamily="18" charset="0"/>
+                        </a:rPr>
+                        <m:t>.</m:t>
+                      </m:r>
+                    </m:oMath>
+                  </m:oMathPara>
                 </a14:m>
                 <a:endParaRPr lang="en-US" altLang="zh-CN" dirty="0" smtClean="0"/>
               </a:p>
@@ -5552,7 +6802,7 @@
             </p:txBody>
           </p:sp>
         </mc:Choice>
-        <mc:Fallback xmlns="">
+        <mc:Fallback>
           <p:sp>
             <p:nvSpPr>
               <p:cNvPr id="4" name="文本占位符 3"/>
@@ -5937,7 +7187,7 @@
 </p:sld>
 </file>
 
-<file path=ppt/slides/slide12.xml><?xml version="1.0" encoding="utf-8"?>
+<file path=ppt/slides/slide13.xml><?xml version="1.0" encoding="utf-8"?>
 <p:sld xmlns:a="http://schemas.openxmlformats.org/drawingml/2006/main" xmlns:r="http://schemas.openxmlformats.org/officeDocument/2006/relationships" xmlns:p="http://schemas.openxmlformats.org/presentationml/2006/main">
   <p:cSld>
     <p:spTree>
@@ -5954,8 +7204,8 @@
           <a:chExt cx="0" cy="0"/>
         </a:xfrm>
       </p:grpSpPr>
-      <mc:AlternateContent xmlns:mc="http://schemas.openxmlformats.org/markup-compatibility/2006" xmlns:a14="http://schemas.microsoft.com/office/drawing/2010/main">
-        <mc:Choice Requires="a14">
+      <mc:AlternateContent xmlns:mc="http://schemas.openxmlformats.org/markup-compatibility/2006">
+        <mc:Choice xmlns:a14="http://schemas.microsoft.com/office/drawing/2010/main" Requires="a14">
           <p:sp>
             <p:nvSpPr>
               <p:cNvPr id="4" name="文本占位符 3"/>
@@ -5969,7 +7219,7 @@
             <p:spPr/>
             <p:txBody>
               <a:bodyPr>
-                <a:normAutofit/>
+                <a:normAutofit fontScale="92500" lnSpcReduction="10000"/>
               </a:bodyPr>
               <a:lstStyle/>
               <a:p>
@@ -6245,6 +7495,629 @@
                 </a:r>
                 <a14:m>
                   <m:oMath xmlns:m="http://schemas.openxmlformats.org/officeDocument/2006/math">
+                    <m:r>
+                      <a:rPr lang="en-US" altLang="zh-CN" b="0" i="1" smtClean="0">
+                        <a:latin typeface="Cambria Math" panose="02040503050406030204" pitchFamily="18" charset="0"/>
+                      </a:rPr>
+                      <m:t>𝑥</m:t>
+                    </m:r>
+                  </m:oMath>
+                </a14:m>
+                <a:r>
+                  <a:rPr lang="zh-CN" altLang="en-US" dirty="0" smtClean="0"/>
+                  <a:t> 在 </a:t>
+                </a:r>
+                <a14:m>
+                  <m:oMath xmlns:m="http://schemas.openxmlformats.org/officeDocument/2006/math">
+                    <m:sSub>
+                      <m:sSubPr>
+                        <m:ctrlPr>
+                          <a:rPr lang="en-US" altLang="zh-CN" b="0" i="1" smtClean="0">
+                            <a:latin typeface="Cambria Math" panose="02040503050406030204" pitchFamily="18" charset="0"/>
+                          </a:rPr>
+                        </m:ctrlPr>
+                      </m:sSubPr>
+                      <m:e>
+                        <m:r>
+                          <a:rPr lang="en-US" altLang="zh-CN" b="0" i="1" smtClean="0">
+                            <a:latin typeface="Cambria Math" panose="02040503050406030204" pitchFamily="18" charset="0"/>
+                          </a:rPr>
+                          <m:t>𝑥</m:t>
+                        </m:r>
+                      </m:e>
+                      <m:sub>
+                        <m:r>
+                          <a:rPr lang="en-US" altLang="zh-CN" b="0" i="1" smtClean="0">
+                            <a:latin typeface="Cambria Math" panose="02040503050406030204" pitchFamily="18" charset="0"/>
+                          </a:rPr>
+                          <m:t>0</m:t>
+                        </m:r>
+                      </m:sub>
+                    </m:sSub>
+                  </m:oMath>
+                </a14:m>
+                <a:r>
+                  <a:rPr lang="zh-CN" altLang="en-US" dirty="0" smtClean="0"/>
+                  <a:t> 附近时</a:t>
+                </a:r>
+                <a:r>
+                  <a:rPr lang="en-US" altLang="zh-CN" dirty="0" smtClean="0"/>
+                  <a:t>, </a:t>
+                </a:r>
+                <a:r>
+                  <a:rPr lang="zh-CN" altLang="en-US" dirty="0" smtClean="0"/>
+                  <a:t>我们有</a:t>
+                </a:r>
+                <a:endParaRPr lang="en-US" altLang="zh-CN" dirty="0" smtClean="0"/>
+              </a:p>
+              <a:p>
+                <a:pPr marL="0" indent="0">
+                  <a:buNone/>
+                </a:pPr>
+                <a14:m>
+                  <m:oMathPara xmlns:m="http://schemas.openxmlformats.org/officeDocument/2006/math">
+                    <m:oMathParaPr>
+                      <m:jc m:val="centerGroup"/>
+                    </m:oMathParaPr>
+                    <m:oMath xmlns:m="http://schemas.openxmlformats.org/officeDocument/2006/math">
+                      <m:r>
+                        <a:rPr lang="en-US" altLang="zh-CN" b="0" i="1" smtClean="0">
+                          <a:latin typeface="Cambria Math" panose="02040503050406030204" pitchFamily="18" charset="0"/>
+                        </a:rPr>
+                        <m:t>𝑓</m:t>
+                      </m:r>
+                      <m:d>
+                        <m:dPr>
+                          <m:ctrlPr>
+                            <a:rPr lang="en-US" altLang="zh-CN" b="0" i="1" smtClean="0">
+                              <a:latin typeface="Cambria Math" panose="02040503050406030204" pitchFamily="18" charset="0"/>
+                            </a:rPr>
+                          </m:ctrlPr>
+                        </m:dPr>
+                        <m:e>
+                          <m:r>
+                            <a:rPr lang="en-US" altLang="zh-CN" b="0" i="1" smtClean="0">
+                              <a:latin typeface="Cambria Math" panose="02040503050406030204" pitchFamily="18" charset="0"/>
+                            </a:rPr>
+                            <m:t>𝑥</m:t>
+                          </m:r>
+                        </m:e>
+                      </m:d>
+                      <m:r>
+                        <a:rPr lang="en-US" altLang="zh-CN" b="0" i="1" smtClean="0">
+                          <a:latin typeface="Cambria Math" panose="02040503050406030204" pitchFamily="18" charset="0"/>
+                        </a:rPr>
+                        <m:t>=</m:t>
+                      </m:r>
+                      <m:r>
+                        <a:rPr lang="en-US" altLang="zh-CN" b="0" i="1" smtClean="0">
+                          <a:latin typeface="Cambria Math" panose="02040503050406030204" pitchFamily="18" charset="0"/>
+                        </a:rPr>
+                        <m:t>𝑓</m:t>
+                      </m:r>
+                      <m:d>
+                        <m:dPr>
+                          <m:ctrlPr>
+                            <a:rPr lang="en-US" altLang="zh-CN" b="0" i="1" smtClean="0">
+                              <a:latin typeface="Cambria Math" panose="02040503050406030204" pitchFamily="18" charset="0"/>
+                            </a:rPr>
+                          </m:ctrlPr>
+                        </m:dPr>
+                        <m:e>
+                          <m:sSub>
+                            <m:sSubPr>
+                              <m:ctrlPr>
+                                <a:rPr lang="en-US" altLang="zh-CN" b="0" i="1" smtClean="0">
+                                  <a:latin typeface="Cambria Math" panose="02040503050406030204" pitchFamily="18" charset="0"/>
+                                </a:rPr>
+                              </m:ctrlPr>
+                            </m:sSubPr>
+                            <m:e>
+                              <m:r>
+                                <a:rPr lang="en-US" altLang="zh-CN" b="0" i="1" smtClean="0">
+                                  <a:latin typeface="Cambria Math" panose="02040503050406030204" pitchFamily="18" charset="0"/>
+                                </a:rPr>
+                                <m:t>𝑥</m:t>
+                              </m:r>
+                            </m:e>
+                            <m:sub>
+                              <m:r>
+                                <a:rPr lang="en-US" altLang="zh-CN" b="0" i="1" smtClean="0">
+                                  <a:latin typeface="Cambria Math" panose="02040503050406030204" pitchFamily="18" charset="0"/>
+                                </a:rPr>
+                                <m:t>0</m:t>
+                              </m:r>
+                            </m:sub>
+                          </m:sSub>
+                        </m:e>
+                      </m:d>
+                      <m:r>
+                        <a:rPr lang="en-US" altLang="zh-CN" b="0" i="1" smtClean="0">
+                          <a:latin typeface="Cambria Math" panose="02040503050406030204" pitchFamily="18" charset="0"/>
+                        </a:rPr>
+                        <m:t>+</m:t>
+                      </m:r>
+                      <m:r>
+                        <m:rPr>
+                          <m:sty m:val="p"/>
+                        </m:rPr>
+                        <a:rPr lang="en-US" altLang="zh-CN" b="0" i="0" smtClean="0">
+                          <a:latin typeface="Cambria Math" panose="02040503050406030204" pitchFamily="18" charset="0"/>
+                        </a:rPr>
+                        <m:t>Δ</m:t>
+                      </m:r>
+                      <m:r>
+                        <a:rPr lang="en-US" altLang="zh-CN" b="0" i="1" smtClean="0">
+                          <a:latin typeface="Cambria Math" panose="02040503050406030204" pitchFamily="18" charset="0"/>
+                        </a:rPr>
+                        <m:t>𝑦</m:t>
+                      </m:r>
+                      <m:r>
+                        <m:rPr>
+                          <m:aln/>
+                        </m:rPr>
+                        <a:rPr lang="en-US" altLang="zh-CN" i="1">
+                          <a:latin typeface="Cambria Math" panose="02040503050406030204" pitchFamily="18" charset="0"/>
+                        </a:rPr>
+                        <m:t>=</m:t>
+                      </m:r>
+                      <m:r>
+                        <a:rPr lang="en-US" altLang="zh-CN" i="1">
+                          <a:latin typeface="Cambria Math" panose="02040503050406030204" pitchFamily="18" charset="0"/>
+                        </a:rPr>
+                        <m:t>𝑓</m:t>
+                      </m:r>
+                      <m:d>
+                        <m:dPr>
+                          <m:ctrlPr>
+                            <a:rPr lang="en-US" altLang="zh-CN" i="1">
+                              <a:latin typeface="Cambria Math" panose="02040503050406030204" pitchFamily="18" charset="0"/>
+                            </a:rPr>
+                          </m:ctrlPr>
+                        </m:dPr>
+                        <m:e>
+                          <m:sSub>
+                            <m:sSubPr>
+                              <m:ctrlPr>
+                                <a:rPr lang="en-US" altLang="zh-CN" i="1">
+                                  <a:latin typeface="Cambria Math" panose="02040503050406030204" pitchFamily="18" charset="0"/>
+                                </a:rPr>
+                              </m:ctrlPr>
+                            </m:sSubPr>
+                            <m:e>
+                              <m:r>
+                                <a:rPr lang="en-US" altLang="zh-CN" i="1">
+                                  <a:latin typeface="Cambria Math" panose="02040503050406030204" pitchFamily="18" charset="0"/>
+                                </a:rPr>
+                                <m:t>𝑥</m:t>
+                              </m:r>
+                            </m:e>
+                            <m:sub>
+                              <m:r>
+                                <a:rPr lang="en-US" altLang="zh-CN" i="1">
+                                  <a:latin typeface="Cambria Math" panose="02040503050406030204" pitchFamily="18" charset="0"/>
+                                </a:rPr>
+                                <m:t>0</m:t>
+                              </m:r>
+                            </m:sub>
+                          </m:sSub>
+                        </m:e>
+                      </m:d>
+                      <m:r>
+                        <a:rPr lang="en-US" altLang="zh-CN" i="1">
+                          <a:latin typeface="Cambria Math" panose="02040503050406030204" pitchFamily="18" charset="0"/>
+                        </a:rPr>
+                        <m:t>+</m:t>
+                      </m:r>
+                      <m:r>
+                        <m:rPr>
+                          <m:sty m:val="p"/>
+                        </m:rPr>
+                        <a:rPr lang="en-US" altLang="zh-CN">
+                          <a:latin typeface="Cambria Math" panose="02040503050406030204" pitchFamily="18" charset="0"/>
+                        </a:rPr>
+                        <m:t>d</m:t>
+                      </m:r>
+                      <m:r>
+                        <a:rPr lang="en-US" altLang="zh-CN" i="1">
+                          <a:latin typeface="Cambria Math" panose="02040503050406030204" pitchFamily="18" charset="0"/>
+                        </a:rPr>
+                        <m:t>𝑦</m:t>
+                      </m:r>
+                      <m:sSub>
+                        <m:sSubPr>
+                          <m:ctrlPr>
+                            <a:rPr lang="en-US" altLang="zh-CN" i="1">
+                              <a:latin typeface="Cambria Math" panose="02040503050406030204" pitchFamily="18" charset="0"/>
+                            </a:rPr>
+                          </m:ctrlPr>
+                        </m:sSubPr>
+                        <m:e>
+                          <m:d>
+                            <m:dPr>
+                              <m:begChr m:val=""/>
+                              <m:endChr m:val="|"/>
+                              <m:ctrlPr>
+                                <a:rPr lang="en-US" altLang="zh-CN" i="1">
+                                  <a:latin typeface="Cambria Math" panose="02040503050406030204" pitchFamily="18" charset="0"/>
+                                </a:rPr>
+                              </m:ctrlPr>
+                            </m:dPr>
+                            <m:e>
+                              <m:r>
+                                <a:rPr lang="en-US" altLang="zh-CN" i="1">
+                                  <a:latin typeface="Cambria Math" panose="02040503050406030204" pitchFamily="18" charset="0"/>
+                                </a:rPr>
+                                <m:t>​</m:t>
+                              </m:r>
+                            </m:e>
+                          </m:d>
+                        </m:e>
+                        <m:sub>
+                          <m:r>
+                            <a:rPr lang="en-US" altLang="zh-CN" i="1">
+                              <a:latin typeface="Cambria Math" panose="02040503050406030204" pitchFamily="18" charset="0"/>
+                            </a:rPr>
+                            <m:t>𝑥</m:t>
+                          </m:r>
+                          <m:r>
+                            <a:rPr lang="en-US" altLang="zh-CN" i="1">
+                              <a:latin typeface="Cambria Math" panose="02040503050406030204" pitchFamily="18" charset="0"/>
+                            </a:rPr>
+                            <m:t>=</m:t>
+                          </m:r>
+                          <m:sSub>
+                            <m:sSubPr>
+                              <m:ctrlPr>
+                                <a:rPr lang="en-US" altLang="zh-CN" i="1">
+                                  <a:latin typeface="Cambria Math" panose="02040503050406030204" pitchFamily="18" charset="0"/>
+                                </a:rPr>
+                              </m:ctrlPr>
+                            </m:sSubPr>
+                            <m:e>
+                              <m:r>
+                                <a:rPr lang="en-US" altLang="zh-CN" i="1">
+                                  <a:latin typeface="Cambria Math" panose="02040503050406030204" pitchFamily="18" charset="0"/>
+                                </a:rPr>
+                                <m:t>𝑥</m:t>
+                              </m:r>
+                            </m:e>
+                            <m:sub>
+                              <m:r>
+                                <a:rPr lang="en-US" altLang="zh-CN" i="1">
+                                  <a:latin typeface="Cambria Math" panose="02040503050406030204" pitchFamily="18" charset="0"/>
+                                </a:rPr>
+                                <m:t>0</m:t>
+                              </m:r>
+                            </m:sub>
+                          </m:sSub>
+                        </m:sub>
+                      </m:sSub>
+                      <m:r>
+                        <a:rPr lang="en-US" altLang="zh-CN" i="1">
+                          <a:latin typeface="Cambria Math" panose="02040503050406030204" pitchFamily="18" charset="0"/>
+                        </a:rPr>
+                        <m:t>+</m:t>
+                      </m:r>
+                      <m:r>
+                        <a:rPr lang="en-US" altLang="zh-CN" i="1">
+                          <a:latin typeface="Cambria Math" panose="02040503050406030204" pitchFamily="18" charset="0"/>
+                        </a:rPr>
+                        <m:t>𝑜</m:t>
+                      </m:r>
+                      <m:d>
+                        <m:dPr>
+                          <m:ctrlPr>
+                            <a:rPr lang="en-US" altLang="zh-CN" i="1">
+                              <a:latin typeface="Cambria Math" panose="02040503050406030204" pitchFamily="18" charset="0"/>
+                            </a:rPr>
+                          </m:ctrlPr>
+                        </m:dPr>
+                        <m:e>
+                          <m:r>
+                            <m:rPr>
+                              <m:sty m:val="p"/>
+                            </m:rPr>
+                            <a:rPr lang="en-US" altLang="zh-CN">
+                              <a:latin typeface="Cambria Math" panose="02040503050406030204" pitchFamily="18" charset="0"/>
+                            </a:rPr>
+                            <m:t>Δ</m:t>
+                          </m:r>
+                          <m:r>
+                            <a:rPr lang="en-US" altLang="zh-CN" i="1">
+                              <a:latin typeface="Cambria Math" panose="02040503050406030204" pitchFamily="18" charset="0"/>
+                            </a:rPr>
+                            <m:t>𝑥</m:t>
+                          </m:r>
+                        </m:e>
+                      </m:d>
+                    </m:oMath>
+                    <m:oMath xmlns:m="http://schemas.openxmlformats.org/officeDocument/2006/math">
+                      <m:r>
+                        <m:rPr>
+                          <m:aln/>
+                        </m:rPr>
+                        <a:rPr lang="en-US" altLang="zh-CN" i="1">
+                          <a:latin typeface="Cambria Math" panose="02040503050406030204" pitchFamily="18" charset="0"/>
+                        </a:rPr>
+                        <m:t>=</m:t>
+                      </m:r>
+                      <m:r>
+                        <a:rPr lang="en-US" altLang="zh-CN" i="1">
+                          <a:latin typeface="Cambria Math" panose="02040503050406030204" pitchFamily="18" charset="0"/>
+                        </a:rPr>
+                        <m:t>𝑓</m:t>
+                      </m:r>
+                      <m:d>
+                        <m:dPr>
+                          <m:ctrlPr>
+                            <a:rPr lang="en-US" altLang="zh-CN" i="1">
+                              <a:latin typeface="Cambria Math" panose="02040503050406030204" pitchFamily="18" charset="0"/>
+                            </a:rPr>
+                          </m:ctrlPr>
+                        </m:dPr>
+                        <m:e>
+                          <m:sSub>
+                            <m:sSubPr>
+                              <m:ctrlPr>
+                                <a:rPr lang="en-US" altLang="zh-CN" i="1">
+                                  <a:latin typeface="Cambria Math" panose="02040503050406030204" pitchFamily="18" charset="0"/>
+                                </a:rPr>
+                              </m:ctrlPr>
+                            </m:sSubPr>
+                            <m:e>
+                              <m:r>
+                                <a:rPr lang="en-US" altLang="zh-CN" i="1">
+                                  <a:latin typeface="Cambria Math" panose="02040503050406030204" pitchFamily="18" charset="0"/>
+                                </a:rPr>
+                                <m:t>𝑥</m:t>
+                              </m:r>
+                            </m:e>
+                            <m:sub>
+                              <m:r>
+                                <a:rPr lang="en-US" altLang="zh-CN" i="1">
+                                  <a:latin typeface="Cambria Math" panose="02040503050406030204" pitchFamily="18" charset="0"/>
+                                </a:rPr>
+                                <m:t>0</m:t>
+                              </m:r>
+                            </m:sub>
+                          </m:sSub>
+                        </m:e>
+                      </m:d>
+                      <m:r>
+                        <a:rPr lang="en-US" altLang="zh-CN" b="0" i="1" smtClean="0">
+                          <a:latin typeface="Cambria Math" panose="02040503050406030204" pitchFamily="18" charset="0"/>
+                        </a:rPr>
+                        <m:t>+</m:t>
+                      </m:r>
+                      <m:sSup>
+                        <m:sSupPr>
+                          <m:ctrlPr>
+                            <a:rPr lang="en-US" altLang="zh-CN" b="0" i="1" smtClean="0">
+                              <a:latin typeface="Cambria Math" panose="02040503050406030204" pitchFamily="18" charset="0"/>
+                            </a:rPr>
+                          </m:ctrlPr>
+                        </m:sSupPr>
+                        <m:e>
+                          <m:r>
+                            <a:rPr lang="en-US" altLang="zh-CN" b="0" i="1" smtClean="0">
+                              <a:latin typeface="Cambria Math" panose="02040503050406030204" pitchFamily="18" charset="0"/>
+                            </a:rPr>
+                            <m:t>𝑓</m:t>
+                          </m:r>
+                        </m:e>
+                        <m:sup>
+                          <m:r>
+                            <a:rPr lang="en-US" altLang="zh-CN" b="0" i="1" smtClean="0">
+                              <a:latin typeface="Cambria Math" panose="02040503050406030204" pitchFamily="18" charset="0"/>
+                            </a:rPr>
+                            <m:t>′</m:t>
+                          </m:r>
+                        </m:sup>
+                      </m:sSup>
+                      <m:d>
+                        <m:dPr>
+                          <m:ctrlPr>
+                            <a:rPr lang="en-US" altLang="zh-CN" b="0" i="1" smtClean="0">
+                              <a:latin typeface="Cambria Math" panose="02040503050406030204" pitchFamily="18" charset="0"/>
+                            </a:rPr>
+                          </m:ctrlPr>
+                        </m:dPr>
+                        <m:e>
+                          <m:sSub>
+                            <m:sSubPr>
+                              <m:ctrlPr>
+                                <a:rPr lang="en-US" altLang="zh-CN" b="0" i="1" smtClean="0">
+                                  <a:latin typeface="Cambria Math" panose="02040503050406030204" pitchFamily="18" charset="0"/>
+                                </a:rPr>
+                              </m:ctrlPr>
+                            </m:sSubPr>
+                            <m:e>
+                              <m:r>
+                                <a:rPr lang="en-US" altLang="zh-CN" b="0" i="1" smtClean="0">
+                                  <a:latin typeface="Cambria Math" panose="02040503050406030204" pitchFamily="18" charset="0"/>
+                                </a:rPr>
+                                <m:t>𝑥</m:t>
+                              </m:r>
+                            </m:e>
+                            <m:sub>
+                              <m:r>
+                                <a:rPr lang="en-US" altLang="zh-CN" b="0" i="1" smtClean="0">
+                                  <a:latin typeface="Cambria Math" panose="02040503050406030204" pitchFamily="18" charset="0"/>
+                                </a:rPr>
+                                <m:t>0</m:t>
+                              </m:r>
+                            </m:sub>
+                          </m:sSub>
+                        </m:e>
+                      </m:d>
+                      <m:d>
+                        <m:dPr>
+                          <m:ctrlPr>
+                            <a:rPr lang="en-US" altLang="zh-CN" b="0" i="1" smtClean="0">
+                              <a:latin typeface="Cambria Math" panose="02040503050406030204" pitchFamily="18" charset="0"/>
+                            </a:rPr>
+                          </m:ctrlPr>
+                        </m:dPr>
+                        <m:e>
+                          <m:r>
+                            <a:rPr lang="en-US" altLang="zh-CN" b="0" i="1" smtClean="0">
+                              <a:latin typeface="Cambria Math" panose="02040503050406030204" pitchFamily="18" charset="0"/>
+                            </a:rPr>
+                            <m:t>𝑥</m:t>
+                          </m:r>
+                          <m:r>
+                            <a:rPr lang="en-US" altLang="zh-CN" b="0" i="1" smtClean="0">
+                              <a:latin typeface="Cambria Math" panose="02040503050406030204" pitchFamily="18" charset="0"/>
+                            </a:rPr>
+                            <m:t>−</m:t>
+                          </m:r>
+                          <m:sSub>
+                            <m:sSubPr>
+                              <m:ctrlPr>
+                                <a:rPr lang="en-US" altLang="zh-CN" b="0" i="1" smtClean="0">
+                                  <a:latin typeface="Cambria Math" panose="02040503050406030204" pitchFamily="18" charset="0"/>
+                                </a:rPr>
+                              </m:ctrlPr>
+                            </m:sSubPr>
+                            <m:e>
+                              <m:r>
+                                <a:rPr lang="en-US" altLang="zh-CN" b="0" i="1" smtClean="0">
+                                  <a:latin typeface="Cambria Math" panose="02040503050406030204" pitchFamily="18" charset="0"/>
+                                </a:rPr>
+                                <m:t>𝑥</m:t>
+                              </m:r>
+                            </m:e>
+                            <m:sub>
+                              <m:r>
+                                <a:rPr lang="en-US" altLang="zh-CN" b="0" i="1" smtClean="0">
+                                  <a:latin typeface="Cambria Math" panose="02040503050406030204" pitchFamily="18" charset="0"/>
+                                </a:rPr>
+                                <m:t>0</m:t>
+                              </m:r>
+                            </m:sub>
+                          </m:sSub>
+                        </m:e>
+                      </m:d>
+                      <m:r>
+                        <a:rPr lang="en-US" altLang="zh-CN" i="1">
+                          <a:latin typeface="Cambria Math" panose="02040503050406030204" pitchFamily="18" charset="0"/>
+                        </a:rPr>
+                        <m:t>+</m:t>
+                      </m:r>
+                      <m:r>
+                        <a:rPr lang="en-US" altLang="zh-CN" i="1">
+                          <a:latin typeface="Cambria Math" panose="02040503050406030204" pitchFamily="18" charset="0"/>
+                        </a:rPr>
+                        <m:t>𝑜</m:t>
+                      </m:r>
+                      <m:d>
+                        <m:dPr>
+                          <m:ctrlPr>
+                            <a:rPr lang="en-US" altLang="zh-CN" i="1">
+                              <a:latin typeface="Cambria Math" panose="02040503050406030204" pitchFamily="18" charset="0"/>
+                            </a:rPr>
+                          </m:ctrlPr>
+                        </m:dPr>
+                        <m:e>
+                          <m:r>
+                            <m:rPr>
+                              <m:sty m:val="p"/>
+                            </m:rPr>
+                            <a:rPr lang="en-US" altLang="zh-CN">
+                              <a:latin typeface="Cambria Math" panose="02040503050406030204" pitchFamily="18" charset="0"/>
+                            </a:rPr>
+                            <m:t>Δ</m:t>
+                          </m:r>
+                          <m:r>
+                            <a:rPr lang="en-US" altLang="zh-CN" i="1">
+                              <a:latin typeface="Cambria Math" panose="02040503050406030204" pitchFamily="18" charset="0"/>
+                            </a:rPr>
+                            <m:t>𝑥</m:t>
+                          </m:r>
+                        </m:e>
+                      </m:d>
+                      <m:r>
+                        <a:rPr lang="en-US" altLang="zh-CN" b="0" i="1" smtClean="0">
+                          <a:latin typeface="Cambria Math" panose="02040503050406030204" pitchFamily="18" charset="0"/>
+                        </a:rPr>
+                        <m:t>.</m:t>
+                      </m:r>
+                    </m:oMath>
+                  </m:oMathPara>
+                </a14:m>
+                <a:endParaRPr lang="en-US" altLang="zh-CN" dirty="0"/>
+              </a:p>
+              <a:p>
+                <a:r>
+                  <a:rPr lang="zh-CN" altLang="en-US" dirty="0"/>
+                  <a:t>当 </a:t>
+                </a:r>
+                <a14:m>
+                  <m:oMath xmlns:m="http://schemas.openxmlformats.org/officeDocument/2006/math">
+                    <m:r>
+                      <a:rPr lang="en-US" altLang="zh-CN" i="1">
+                        <a:latin typeface="Cambria Math" panose="02040503050406030204" pitchFamily="18" charset="0"/>
+                      </a:rPr>
+                      <m:t>𝑥</m:t>
+                    </m:r>
+                  </m:oMath>
+                </a14:m>
+                <a:r>
+                  <a:rPr lang="zh-CN" altLang="en-US" dirty="0"/>
+                  <a:t> </a:t>
+                </a:r>
+                <a:r>
+                  <a:rPr lang="zh-CN" altLang="en-US" dirty="0" smtClean="0"/>
+                  <a:t>离 </a:t>
+                </a:r>
+                <a14:m>
+                  <m:oMath xmlns:m="http://schemas.openxmlformats.org/officeDocument/2006/math">
+                    <m:sSub>
+                      <m:sSubPr>
+                        <m:ctrlPr>
+                          <a:rPr lang="en-US" altLang="zh-CN" i="1">
+                            <a:latin typeface="Cambria Math" panose="02040503050406030204" pitchFamily="18" charset="0"/>
+                          </a:rPr>
+                        </m:ctrlPr>
+                      </m:sSubPr>
+                      <m:e>
+                        <m:r>
+                          <a:rPr lang="en-US" altLang="zh-CN" i="1">
+                            <a:latin typeface="Cambria Math" panose="02040503050406030204" pitchFamily="18" charset="0"/>
+                          </a:rPr>
+                          <m:t>𝑥</m:t>
+                        </m:r>
+                      </m:e>
+                      <m:sub>
+                        <m:r>
+                          <a:rPr lang="en-US" altLang="zh-CN" i="1">
+                            <a:latin typeface="Cambria Math" panose="02040503050406030204" pitchFamily="18" charset="0"/>
+                          </a:rPr>
+                          <m:t>0</m:t>
+                        </m:r>
+                      </m:sub>
+                    </m:sSub>
+                  </m:oMath>
+                </a14:m>
+                <a:r>
+                  <a:rPr lang="zh-CN" altLang="en-US" dirty="0"/>
+                  <a:t> </a:t>
+                </a:r>
+                <a:r>
+                  <a:rPr lang="zh-CN" altLang="en-US" dirty="0" smtClean="0"/>
+                  <a:t>很近时</a:t>
+                </a:r>
+                <a:r>
+                  <a:rPr lang="en-US" altLang="zh-CN" dirty="0" smtClean="0"/>
+                  <a:t>, </a:t>
+                </a:r>
+                <a:r>
+                  <a:rPr lang="zh-CN" altLang="en-US" dirty="0" smtClean="0"/>
+                  <a:t>即 </a:t>
+                </a:r>
+                <a14:m>
+                  <m:oMath xmlns:m="http://schemas.openxmlformats.org/officeDocument/2006/math">
                     <m:d>
                       <m:dPr>
                         <m:begChr m:val="|"/>
@@ -6285,711 +8158,14 @@
                 </a:r>
                 <a:r>
                   <a:rPr lang="zh-CN" altLang="en-US" dirty="0" smtClean="0"/>
-                  <a:t>在点 </a:t>
-                </a:r>
-                <a14:m>
-                  <m:oMath xmlns:m="http://schemas.openxmlformats.org/officeDocument/2006/math">
-                    <m:sSub>
-                      <m:sSubPr>
-                        <m:ctrlPr>
-                          <a:rPr lang="en-US" altLang="zh-CN" b="0" i="1" smtClean="0">
-                            <a:latin typeface="Cambria Math" panose="02040503050406030204" pitchFamily="18" charset="0"/>
-                          </a:rPr>
-                        </m:ctrlPr>
-                      </m:sSubPr>
-                      <m:e>
-                        <m:r>
-                          <a:rPr lang="en-US" altLang="zh-CN" b="0" i="1" smtClean="0">
-                            <a:latin typeface="Cambria Math" panose="02040503050406030204" pitchFamily="18" charset="0"/>
-                          </a:rPr>
-                          <m:t>𝑥</m:t>
-                        </m:r>
-                      </m:e>
-                      <m:sub>
-                        <m:r>
-                          <a:rPr lang="en-US" altLang="zh-CN" b="0" i="1" smtClean="0">
-                            <a:latin typeface="Cambria Math" panose="02040503050406030204" pitchFamily="18" charset="0"/>
-                          </a:rPr>
-                          <m:t>0</m:t>
-                        </m:r>
-                      </m:sub>
-                    </m:sSub>
-                  </m:oMath>
-                </a14:m>
-                <a:r>
-                  <a:rPr lang="zh-CN" altLang="en-US" dirty="0" smtClean="0"/>
-                  <a:t> 处附近有 </a:t>
-                </a:r>
-                <a14:m>
-                  <m:oMath xmlns:m="http://schemas.openxmlformats.org/officeDocument/2006/math">
-                    <m:r>
-                      <m:rPr>
-                        <m:sty m:val="p"/>
-                      </m:rPr>
-                      <a:rPr lang="en-US" altLang="zh-CN" b="0" i="0" smtClean="0">
-                        <a:latin typeface="Cambria Math" panose="02040503050406030204" pitchFamily="18" charset="0"/>
-                      </a:rPr>
-                      <m:t>Δ</m:t>
-                    </m:r>
-                    <m:r>
-                      <a:rPr lang="en-US" altLang="zh-CN" b="0" i="1" smtClean="0">
-                        <a:latin typeface="Cambria Math" panose="02040503050406030204" pitchFamily="18" charset="0"/>
-                      </a:rPr>
-                      <m:t>𝑦</m:t>
-                    </m:r>
-                    <m:r>
-                      <a:rPr lang="en-US" altLang="zh-CN" b="0" i="1" smtClean="0">
-                        <a:latin typeface="Cambria Math" panose="02040503050406030204" pitchFamily="18" charset="0"/>
-                      </a:rPr>
-                      <m:t>≈</m:t>
-                    </m:r>
-                    <m:r>
-                      <m:rPr>
-                        <m:sty m:val="p"/>
-                      </m:rPr>
-                      <a:rPr lang="en-US" altLang="zh-CN" b="0" i="0" smtClean="0">
-                        <a:latin typeface="Cambria Math" panose="02040503050406030204" pitchFamily="18" charset="0"/>
-                      </a:rPr>
-                      <m:t>d</m:t>
-                    </m:r>
-                    <m:r>
-                      <a:rPr lang="en-US" altLang="zh-CN" b="0" i="1" smtClean="0">
-                        <a:latin typeface="Cambria Math" panose="02040503050406030204" pitchFamily="18" charset="0"/>
-                      </a:rPr>
-                      <m:t>𝑦</m:t>
-                    </m:r>
-                    <m:sSub>
-                      <m:sSubPr>
-                        <m:ctrlPr>
-                          <a:rPr lang="en-US" altLang="zh-CN" b="0" i="1" smtClean="0">
-                            <a:latin typeface="Cambria Math" panose="02040503050406030204" pitchFamily="18" charset="0"/>
-                          </a:rPr>
-                        </m:ctrlPr>
-                      </m:sSubPr>
-                      <m:e>
-                        <m:d>
-                          <m:dPr>
-                            <m:begChr m:val=""/>
-                            <m:endChr m:val="|"/>
-                            <m:ctrlPr>
-                              <a:rPr lang="en-US" altLang="zh-CN" b="0" i="1" smtClean="0">
-                                <a:latin typeface="Cambria Math" panose="02040503050406030204" pitchFamily="18" charset="0"/>
-                              </a:rPr>
-                            </m:ctrlPr>
-                          </m:dPr>
-                          <m:e>
-                            <m:r>
-                              <a:rPr lang="en-US" altLang="zh-CN" b="0" i="1" smtClean="0">
-                                <a:latin typeface="Cambria Math" panose="02040503050406030204" pitchFamily="18" charset="0"/>
-                              </a:rPr>
-                              <m:t>​</m:t>
-                            </m:r>
-                          </m:e>
-                        </m:d>
-                      </m:e>
-                      <m:sub>
-                        <m:r>
-                          <a:rPr lang="en-US" altLang="zh-CN" b="0" i="1" smtClean="0">
-                            <a:latin typeface="Cambria Math" panose="02040503050406030204" pitchFamily="18" charset="0"/>
-                          </a:rPr>
-                          <m:t>𝑥</m:t>
-                        </m:r>
-                        <m:r>
-                          <a:rPr lang="en-US" altLang="zh-CN" b="0" i="1" smtClean="0">
-                            <a:latin typeface="Cambria Math" panose="02040503050406030204" pitchFamily="18" charset="0"/>
-                          </a:rPr>
-                          <m:t>=</m:t>
-                        </m:r>
-                        <m:sSub>
-                          <m:sSubPr>
-                            <m:ctrlPr>
-                              <a:rPr lang="en-US" altLang="zh-CN" b="0" i="1" smtClean="0">
-                                <a:latin typeface="Cambria Math" panose="02040503050406030204" pitchFamily="18" charset="0"/>
-                              </a:rPr>
-                            </m:ctrlPr>
-                          </m:sSubPr>
-                          <m:e>
-                            <m:r>
-                              <a:rPr lang="en-US" altLang="zh-CN" b="0" i="1" smtClean="0">
-                                <a:latin typeface="Cambria Math" panose="02040503050406030204" pitchFamily="18" charset="0"/>
-                              </a:rPr>
-                              <m:t>𝑥</m:t>
-                            </m:r>
-                          </m:e>
-                          <m:sub>
-                            <m:r>
-                              <a:rPr lang="en-US" altLang="zh-CN" b="0" i="1" smtClean="0">
-                                <a:latin typeface="Cambria Math" panose="02040503050406030204" pitchFamily="18" charset="0"/>
-                              </a:rPr>
-                              <m:t>0</m:t>
-                            </m:r>
-                          </m:sub>
-                        </m:sSub>
-                      </m:sub>
-                    </m:sSub>
-                  </m:oMath>
-                </a14:m>
-                <a:r>
-                  <a:rPr lang="en-US" altLang="zh-CN" dirty="0" smtClean="0"/>
-                  <a:t>, </a:t>
-                </a:r>
-                <a:r>
-                  <a:rPr lang="zh-CN" altLang="en-US" dirty="0" smtClean="0"/>
-                  <a:t>即 </a:t>
-                </a:r>
-                <a14:m>
-                  <m:oMath xmlns:m="http://schemas.openxmlformats.org/officeDocument/2006/math">
-                    <m:r>
-                      <a:rPr lang="en-US" altLang="zh-CN" b="0" i="1" smtClean="0">
-                        <a:latin typeface="Cambria Math" panose="02040503050406030204" pitchFamily="18" charset="0"/>
-                      </a:rPr>
-                      <m:t>𝑓</m:t>
-                    </m:r>
-                    <m:d>
-                      <m:dPr>
-                        <m:ctrlPr>
-                          <a:rPr lang="en-US" altLang="zh-CN" b="0" i="1" smtClean="0">
-                            <a:latin typeface="Cambria Math" panose="02040503050406030204" pitchFamily="18" charset="0"/>
-                          </a:rPr>
-                        </m:ctrlPr>
-                      </m:dPr>
-                      <m:e>
-                        <m:sSub>
-                          <m:sSubPr>
-                            <m:ctrlPr>
-                              <a:rPr lang="en-US" altLang="zh-CN" b="0" i="1" smtClean="0">
-                                <a:latin typeface="Cambria Math" panose="02040503050406030204" pitchFamily="18" charset="0"/>
-                              </a:rPr>
-                            </m:ctrlPr>
-                          </m:sSubPr>
-                          <m:e>
-                            <m:r>
-                              <a:rPr lang="en-US" altLang="zh-CN" b="0" i="1" smtClean="0">
-                                <a:latin typeface="Cambria Math" panose="02040503050406030204" pitchFamily="18" charset="0"/>
-                              </a:rPr>
-                              <m:t>𝑥</m:t>
-                            </m:r>
-                          </m:e>
-                          <m:sub>
-                            <m:r>
-                              <a:rPr lang="en-US" altLang="zh-CN" b="0" i="1" smtClean="0">
-                                <a:latin typeface="Cambria Math" panose="02040503050406030204" pitchFamily="18" charset="0"/>
-                              </a:rPr>
-                              <m:t>0</m:t>
-                            </m:r>
-                          </m:sub>
-                        </m:sSub>
-                        <m:r>
-                          <a:rPr lang="en-US" altLang="zh-CN" b="0" i="1" smtClean="0">
-                            <a:latin typeface="Cambria Math" panose="02040503050406030204" pitchFamily="18" charset="0"/>
-                          </a:rPr>
-                          <m:t>+</m:t>
-                        </m:r>
-                        <m:r>
-                          <m:rPr>
-                            <m:sty m:val="p"/>
-                          </m:rPr>
-                          <a:rPr lang="en-US" altLang="zh-CN" b="0" i="0" smtClean="0">
-                            <a:latin typeface="Cambria Math" panose="02040503050406030204" pitchFamily="18" charset="0"/>
-                          </a:rPr>
-                          <m:t>Δ</m:t>
-                        </m:r>
-                        <m:r>
-                          <a:rPr lang="en-US" altLang="zh-CN" b="0" i="1" smtClean="0">
-                            <a:latin typeface="Cambria Math" panose="02040503050406030204" pitchFamily="18" charset="0"/>
-                          </a:rPr>
-                          <m:t>𝑥</m:t>
-                        </m:r>
-                      </m:e>
-                    </m:d>
-                    <m:r>
-                      <a:rPr lang="en-US" altLang="zh-CN" b="0" i="1" smtClean="0">
-                        <a:latin typeface="Cambria Math" panose="02040503050406030204" pitchFamily="18" charset="0"/>
-                      </a:rPr>
-                      <m:t>−</m:t>
-                    </m:r>
-                    <m:r>
-                      <a:rPr lang="en-US" altLang="zh-CN" b="0" i="1" smtClean="0">
-                        <a:latin typeface="Cambria Math" panose="02040503050406030204" pitchFamily="18" charset="0"/>
-                      </a:rPr>
-                      <m:t>𝑓</m:t>
-                    </m:r>
-                    <m:d>
-                      <m:dPr>
-                        <m:ctrlPr>
-                          <a:rPr lang="en-US" altLang="zh-CN" b="0" i="1" smtClean="0">
-                            <a:latin typeface="Cambria Math" panose="02040503050406030204" pitchFamily="18" charset="0"/>
-                          </a:rPr>
-                        </m:ctrlPr>
-                      </m:dPr>
-                      <m:e>
-                        <m:sSub>
-                          <m:sSubPr>
-                            <m:ctrlPr>
-                              <a:rPr lang="en-US" altLang="zh-CN" b="0" i="1" smtClean="0">
-                                <a:latin typeface="Cambria Math" panose="02040503050406030204" pitchFamily="18" charset="0"/>
-                              </a:rPr>
-                            </m:ctrlPr>
-                          </m:sSubPr>
-                          <m:e>
-                            <m:r>
-                              <a:rPr lang="en-US" altLang="zh-CN" b="0" i="1" smtClean="0">
-                                <a:latin typeface="Cambria Math" panose="02040503050406030204" pitchFamily="18" charset="0"/>
-                              </a:rPr>
-                              <m:t>𝑥</m:t>
-                            </m:r>
-                          </m:e>
-                          <m:sub>
-                            <m:r>
-                              <a:rPr lang="en-US" altLang="zh-CN" b="0" i="1" smtClean="0">
-                                <a:latin typeface="Cambria Math" panose="02040503050406030204" pitchFamily="18" charset="0"/>
-                              </a:rPr>
-                              <m:t>0</m:t>
-                            </m:r>
-                          </m:sub>
-                        </m:sSub>
-                      </m:e>
-                    </m:d>
-                    <m:r>
-                      <a:rPr lang="en-US" altLang="zh-CN" b="0" i="1" smtClean="0">
-                        <a:latin typeface="Cambria Math" panose="02040503050406030204" pitchFamily="18" charset="0"/>
-                      </a:rPr>
-                      <m:t>≈</m:t>
-                    </m:r>
-                    <m:sSup>
-                      <m:sSupPr>
-                        <m:ctrlPr>
-                          <a:rPr lang="en-US" altLang="zh-CN" b="0" i="1" smtClean="0">
-                            <a:latin typeface="Cambria Math" panose="02040503050406030204" pitchFamily="18" charset="0"/>
-                          </a:rPr>
-                        </m:ctrlPr>
-                      </m:sSupPr>
-                      <m:e>
-                        <m:r>
-                          <a:rPr lang="en-US" altLang="zh-CN" b="0" i="1" smtClean="0">
-                            <a:latin typeface="Cambria Math" panose="02040503050406030204" pitchFamily="18" charset="0"/>
-                          </a:rPr>
-                          <m:t>𝑓</m:t>
-                        </m:r>
-                      </m:e>
-                      <m:sup>
-                        <m:r>
-                          <a:rPr lang="en-US" altLang="zh-CN" b="0" i="1" smtClean="0">
-                            <a:latin typeface="Cambria Math" panose="02040503050406030204" pitchFamily="18" charset="0"/>
-                          </a:rPr>
-                          <m:t>′</m:t>
-                        </m:r>
-                      </m:sup>
-                    </m:sSup>
-                    <m:d>
-                      <m:dPr>
-                        <m:ctrlPr>
-                          <a:rPr lang="en-US" altLang="zh-CN" b="0" i="1" smtClean="0">
-                            <a:latin typeface="Cambria Math" panose="02040503050406030204" pitchFamily="18" charset="0"/>
-                          </a:rPr>
-                        </m:ctrlPr>
-                      </m:dPr>
-                      <m:e>
-                        <m:sSub>
-                          <m:sSubPr>
-                            <m:ctrlPr>
-                              <a:rPr lang="en-US" altLang="zh-CN" b="0" i="1" smtClean="0">
-                                <a:latin typeface="Cambria Math" panose="02040503050406030204" pitchFamily="18" charset="0"/>
-                              </a:rPr>
-                            </m:ctrlPr>
-                          </m:sSubPr>
-                          <m:e>
-                            <m:r>
-                              <a:rPr lang="en-US" altLang="zh-CN" b="0" i="1" smtClean="0">
-                                <a:latin typeface="Cambria Math" panose="02040503050406030204" pitchFamily="18" charset="0"/>
-                              </a:rPr>
-                              <m:t>𝑥</m:t>
-                            </m:r>
-                          </m:e>
-                          <m:sub>
-                            <m:r>
-                              <a:rPr lang="en-US" altLang="zh-CN" b="0" i="1" smtClean="0">
-                                <a:latin typeface="Cambria Math" panose="02040503050406030204" pitchFamily="18" charset="0"/>
-                              </a:rPr>
-                              <m:t>0</m:t>
-                            </m:r>
-                          </m:sub>
-                        </m:sSub>
-                      </m:e>
-                    </m:d>
-                    <m:r>
-                      <m:rPr>
-                        <m:sty m:val="p"/>
-                      </m:rPr>
-                      <a:rPr lang="en-US" altLang="zh-CN" b="0" i="0" smtClean="0">
-                        <a:latin typeface="Cambria Math" panose="02040503050406030204" pitchFamily="18" charset="0"/>
-                      </a:rPr>
-                      <m:t>Δ</m:t>
-                    </m:r>
-                    <m:r>
-                      <a:rPr lang="en-US" altLang="zh-CN" b="0" i="1" smtClean="0">
-                        <a:latin typeface="Cambria Math" panose="02040503050406030204" pitchFamily="18" charset="0"/>
-                      </a:rPr>
-                      <m:t>𝑥</m:t>
-                    </m:r>
-                  </m:oMath>
-                </a14:m>
-                <a:r>
-                  <a:rPr lang="en-US" altLang="zh-CN" dirty="0" smtClean="0"/>
-                  <a:t>, </a:t>
-                </a:r>
-                <a:r>
-                  <a:rPr lang="zh-CN" altLang="en-US" dirty="0" smtClean="0"/>
-                  <a:t>或 </a:t>
-                </a:r>
-                <a14:m>
-                  <m:oMath xmlns:m="http://schemas.openxmlformats.org/officeDocument/2006/math">
-                    <m:r>
-                      <a:rPr lang="en-US" altLang="zh-CN" b="0" i="1" smtClean="0">
-                        <a:latin typeface="Cambria Math" panose="02040503050406030204" pitchFamily="18" charset="0"/>
-                      </a:rPr>
-                      <m:t>𝑓</m:t>
-                    </m:r>
-                    <m:d>
-                      <m:dPr>
-                        <m:ctrlPr>
-                          <a:rPr lang="en-US" altLang="zh-CN" b="0" i="1" smtClean="0">
-                            <a:latin typeface="Cambria Math" panose="02040503050406030204" pitchFamily="18" charset="0"/>
-                          </a:rPr>
-                        </m:ctrlPr>
-                      </m:dPr>
-                      <m:e>
-                        <m:sSub>
-                          <m:sSubPr>
-                            <m:ctrlPr>
-                              <a:rPr lang="en-US" altLang="zh-CN" b="0" i="1" smtClean="0">
-                                <a:latin typeface="Cambria Math" panose="02040503050406030204" pitchFamily="18" charset="0"/>
-                              </a:rPr>
-                            </m:ctrlPr>
-                          </m:sSubPr>
-                          <m:e>
-                            <m:r>
-                              <a:rPr lang="en-US" altLang="zh-CN" b="0" i="1" smtClean="0">
-                                <a:latin typeface="Cambria Math" panose="02040503050406030204" pitchFamily="18" charset="0"/>
-                              </a:rPr>
-                              <m:t>𝑥</m:t>
-                            </m:r>
-                          </m:e>
-                          <m:sub>
-                            <m:r>
-                              <a:rPr lang="en-US" altLang="zh-CN" b="0" i="1" smtClean="0">
-                                <a:latin typeface="Cambria Math" panose="02040503050406030204" pitchFamily="18" charset="0"/>
-                              </a:rPr>
-                              <m:t>0</m:t>
-                            </m:r>
-                          </m:sub>
-                        </m:sSub>
-                        <m:r>
-                          <a:rPr lang="en-US" altLang="zh-CN" b="0" i="1" smtClean="0">
-                            <a:latin typeface="Cambria Math" panose="02040503050406030204" pitchFamily="18" charset="0"/>
-                          </a:rPr>
-                          <m:t>+</m:t>
-                        </m:r>
-                        <m:r>
-                          <m:rPr>
-                            <m:sty m:val="p"/>
-                          </m:rPr>
-                          <a:rPr lang="en-US" altLang="zh-CN" b="0" i="0" smtClean="0">
-                            <a:latin typeface="Cambria Math" panose="02040503050406030204" pitchFamily="18" charset="0"/>
-                          </a:rPr>
-                          <m:t>Δ</m:t>
-                        </m:r>
-                        <m:r>
-                          <a:rPr lang="en-US" altLang="zh-CN" b="0" i="1" smtClean="0">
-                            <a:latin typeface="Cambria Math" panose="02040503050406030204" pitchFamily="18" charset="0"/>
-                          </a:rPr>
-                          <m:t>𝑥</m:t>
-                        </m:r>
-                      </m:e>
-                    </m:d>
-                    <m:r>
-                      <a:rPr lang="en-US" altLang="zh-CN" b="0" i="1" smtClean="0">
-                        <a:latin typeface="Cambria Math" panose="02040503050406030204" pitchFamily="18" charset="0"/>
-                      </a:rPr>
-                      <m:t>≈</m:t>
-                    </m:r>
-                    <m:r>
-                      <a:rPr lang="en-US" altLang="zh-CN" b="0" i="1" smtClean="0">
-                        <a:latin typeface="Cambria Math" panose="02040503050406030204" pitchFamily="18" charset="0"/>
-                      </a:rPr>
-                      <m:t>𝑓</m:t>
-                    </m:r>
-                    <m:d>
-                      <m:dPr>
-                        <m:ctrlPr>
-                          <a:rPr lang="en-US" altLang="zh-CN" b="0" i="1" smtClean="0">
-                            <a:latin typeface="Cambria Math" panose="02040503050406030204" pitchFamily="18" charset="0"/>
-                          </a:rPr>
-                        </m:ctrlPr>
-                      </m:dPr>
-                      <m:e>
-                        <m:sSub>
-                          <m:sSubPr>
-                            <m:ctrlPr>
-                              <a:rPr lang="en-US" altLang="zh-CN" b="0" i="1" smtClean="0">
-                                <a:latin typeface="Cambria Math" panose="02040503050406030204" pitchFamily="18" charset="0"/>
-                              </a:rPr>
-                            </m:ctrlPr>
-                          </m:sSubPr>
-                          <m:e>
-                            <m:r>
-                              <a:rPr lang="en-US" altLang="zh-CN" b="0" i="1" smtClean="0">
-                                <a:latin typeface="Cambria Math" panose="02040503050406030204" pitchFamily="18" charset="0"/>
-                              </a:rPr>
-                              <m:t>𝑥</m:t>
-                            </m:r>
-                          </m:e>
-                          <m:sub>
-                            <m:r>
-                              <a:rPr lang="en-US" altLang="zh-CN" b="0" i="1" smtClean="0">
-                                <a:latin typeface="Cambria Math" panose="02040503050406030204" pitchFamily="18" charset="0"/>
-                              </a:rPr>
-                              <m:t>0</m:t>
-                            </m:r>
-                          </m:sub>
-                        </m:sSub>
-                      </m:e>
-                    </m:d>
-                    <m:r>
-                      <a:rPr lang="en-US" altLang="zh-CN" b="0" i="1" smtClean="0">
-                        <a:latin typeface="Cambria Math" panose="02040503050406030204" pitchFamily="18" charset="0"/>
-                      </a:rPr>
-                      <m:t>+</m:t>
-                    </m:r>
-                    <m:sSup>
-                      <m:sSupPr>
-                        <m:ctrlPr>
-                          <a:rPr lang="en-US" altLang="zh-CN" b="0" i="1" smtClean="0">
-                            <a:latin typeface="Cambria Math" panose="02040503050406030204" pitchFamily="18" charset="0"/>
-                          </a:rPr>
-                        </m:ctrlPr>
-                      </m:sSupPr>
-                      <m:e>
-                        <m:r>
-                          <a:rPr lang="en-US" altLang="zh-CN" b="0" i="1" smtClean="0">
-                            <a:latin typeface="Cambria Math" panose="02040503050406030204" pitchFamily="18" charset="0"/>
-                          </a:rPr>
-                          <m:t>𝑓</m:t>
-                        </m:r>
-                      </m:e>
-                      <m:sup>
-                        <m:r>
-                          <a:rPr lang="en-US" altLang="zh-CN" b="0" i="1" smtClean="0">
-                            <a:latin typeface="Cambria Math" panose="02040503050406030204" pitchFamily="18" charset="0"/>
-                          </a:rPr>
-                          <m:t>′</m:t>
-                        </m:r>
-                      </m:sup>
-                    </m:sSup>
-                    <m:d>
-                      <m:dPr>
-                        <m:ctrlPr>
-                          <a:rPr lang="en-US" altLang="zh-CN" b="0" i="1" smtClean="0">
-                            <a:latin typeface="Cambria Math" panose="02040503050406030204" pitchFamily="18" charset="0"/>
-                          </a:rPr>
-                        </m:ctrlPr>
-                      </m:dPr>
-                      <m:e>
-                        <m:sSub>
-                          <m:sSubPr>
-                            <m:ctrlPr>
-                              <a:rPr lang="en-US" altLang="zh-CN" b="0" i="1" smtClean="0">
-                                <a:latin typeface="Cambria Math" panose="02040503050406030204" pitchFamily="18" charset="0"/>
-                              </a:rPr>
-                            </m:ctrlPr>
-                          </m:sSubPr>
-                          <m:e>
-                            <m:r>
-                              <a:rPr lang="en-US" altLang="zh-CN" b="0" i="1" smtClean="0">
-                                <a:latin typeface="Cambria Math" panose="02040503050406030204" pitchFamily="18" charset="0"/>
-                              </a:rPr>
-                              <m:t>𝑥</m:t>
-                            </m:r>
-                          </m:e>
-                          <m:sub>
-                            <m:r>
-                              <a:rPr lang="en-US" altLang="zh-CN" b="0" i="1" smtClean="0">
-                                <a:latin typeface="Cambria Math" panose="02040503050406030204" pitchFamily="18" charset="0"/>
-                              </a:rPr>
-                              <m:t>0</m:t>
-                            </m:r>
-                          </m:sub>
-                        </m:sSub>
-                      </m:e>
-                    </m:d>
-                    <m:r>
-                      <m:rPr>
-                        <m:sty m:val="p"/>
-                      </m:rPr>
-                      <a:rPr lang="en-US" altLang="zh-CN" b="0" i="0" smtClean="0">
-                        <a:latin typeface="Cambria Math" panose="02040503050406030204" pitchFamily="18" charset="0"/>
-                      </a:rPr>
-                      <m:t>Δ</m:t>
-                    </m:r>
-                    <m:r>
-                      <a:rPr lang="en-US" altLang="zh-CN" b="0" i="1" smtClean="0">
-                        <a:latin typeface="Cambria Math" panose="02040503050406030204" pitchFamily="18" charset="0"/>
-                      </a:rPr>
-                      <m:t>𝑥</m:t>
-                    </m:r>
-                  </m:oMath>
-                </a14:m>
-                <a:r>
-                  <a:rPr lang="en-US" altLang="zh-CN" dirty="0" smtClean="0"/>
-                  <a:t>.</a:t>
-                </a:r>
-              </a:p>
-              <a:p>
-                <a:r>
-                  <a:rPr lang="zh-CN" altLang="en-US" dirty="0" smtClean="0"/>
-                  <a:t>记 </a:t>
-                </a:r>
-                <a14:m>
-                  <m:oMath xmlns:m="http://schemas.openxmlformats.org/officeDocument/2006/math">
-                    <m:sSub>
-                      <m:sSubPr>
-                        <m:ctrlPr>
-                          <a:rPr lang="en-US" altLang="zh-CN" b="0" i="1" smtClean="0">
-                            <a:latin typeface="Cambria Math" panose="02040503050406030204" pitchFamily="18" charset="0"/>
-                          </a:rPr>
-                        </m:ctrlPr>
-                      </m:sSubPr>
-                      <m:e>
-                        <m:r>
-                          <a:rPr lang="en-US" altLang="zh-CN" b="0" i="1" smtClean="0">
-                            <a:latin typeface="Cambria Math" panose="02040503050406030204" pitchFamily="18" charset="0"/>
-                          </a:rPr>
-                          <m:t>𝑥</m:t>
-                        </m:r>
-                      </m:e>
-                      <m:sub>
-                        <m:r>
-                          <a:rPr lang="en-US" altLang="zh-CN" b="0" i="1" smtClean="0">
-                            <a:latin typeface="Cambria Math" panose="02040503050406030204" pitchFamily="18" charset="0"/>
-                          </a:rPr>
-                          <m:t>0</m:t>
-                        </m:r>
-                      </m:sub>
-                    </m:sSub>
-                    <m:r>
-                      <a:rPr lang="en-US" altLang="zh-CN" b="0" i="1" smtClean="0">
-                        <a:latin typeface="Cambria Math" panose="02040503050406030204" pitchFamily="18" charset="0"/>
-                      </a:rPr>
-                      <m:t>+</m:t>
-                    </m:r>
-                    <m:r>
-                      <m:rPr>
-                        <m:sty m:val="p"/>
-                      </m:rPr>
-                      <a:rPr lang="en-US" altLang="zh-CN" b="0" i="0" smtClean="0">
-                        <a:latin typeface="Cambria Math" panose="02040503050406030204" pitchFamily="18" charset="0"/>
-                      </a:rPr>
-                      <m:t>Δ</m:t>
-                    </m:r>
-                    <m:r>
-                      <a:rPr lang="en-US" altLang="zh-CN" b="0" i="1" smtClean="0">
-                        <a:latin typeface="Cambria Math" panose="02040503050406030204" pitchFamily="18" charset="0"/>
-                      </a:rPr>
-                      <m:t>𝑥</m:t>
-                    </m:r>
-                    <m:r>
-                      <a:rPr lang="en-US" altLang="zh-CN" b="0" i="1" smtClean="0">
-                        <a:latin typeface="Cambria Math" panose="02040503050406030204" pitchFamily="18" charset="0"/>
-                      </a:rPr>
-                      <m:t>=</m:t>
-                    </m:r>
-                    <m:r>
-                      <a:rPr lang="en-US" altLang="zh-CN" b="0" i="1" smtClean="0">
-                        <a:latin typeface="Cambria Math" panose="02040503050406030204" pitchFamily="18" charset="0"/>
-                      </a:rPr>
-                      <m:t>𝑥</m:t>
-                    </m:r>
-                  </m:oMath>
-                </a14:m>
-                <a:r>
-                  <a:rPr lang="en-US" altLang="zh-CN" dirty="0" smtClean="0"/>
-                  <a:t>, </a:t>
-                </a:r>
-                <a:r>
-                  <a:rPr lang="zh-CN" altLang="en-US" dirty="0" smtClean="0"/>
-                  <a:t>在 </a:t>
-                </a:r>
-                <a14:m>
-                  <m:oMath xmlns:m="http://schemas.openxmlformats.org/officeDocument/2006/math">
-                    <m:r>
-                      <m:rPr>
-                        <m:sty m:val="p"/>
-                      </m:rPr>
-                      <a:rPr lang="en-US" altLang="zh-CN" b="0" i="0" smtClean="0">
-                        <a:latin typeface="Cambria Math" panose="02040503050406030204" pitchFamily="18" charset="0"/>
-                      </a:rPr>
-                      <m:t>Δ</m:t>
-                    </m:r>
-                    <m:r>
-                      <a:rPr lang="en-US" altLang="zh-CN" b="0" i="1" smtClean="0">
-                        <a:latin typeface="Cambria Math" panose="02040503050406030204" pitchFamily="18" charset="0"/>
-                      </a:rPr>
-                      <m:t>𝑥</m:t>
-                    </m:r>
-                    <m:r>
-                      <a:rPr lang="en-US" altLang="zh-CN" b="0" i="1" smtClean="0">
-                        <a:latin typeface="Cambria Math" panose="02040503050406030204" pitchFamily="18" charset="0"/>
-                      </a:rPr>
-                      <m:t>=</m:t>
-                    </m:r>
-                    <m:r>
-                      <a:rPr lang="en-US" altLang="zh-CN" b="0" i="1" smtClean="0">
-                        <a:latin typeface="Cambria Math" panose="02040503050406030204" pitchFamily="18" charset="0"/>
-                      </a:rPr>
-                      <m:t>𝑥</m:t>
-                    </m:r>
-                    <m:r>
-                      <a:rPr lang="en-US" altLang="zh-CN" b="0" i="1" smtClean="0">
-                        <a:latin typeface="Cambria Math" panose="02040503050406030204" pitchFamily="18" charset="0"/>
-                      </a:rPr>
-                      <m:t>−</m:t>
-                    </m:r>
-                    <m:sSub>
-                      <m:sSubPr>
-                        <m:ctrlPr>
-                          <a:rPr lang="en-US" altLang="zh-CN" b="0" i="1" smtClean="0">
-                            <a:latin typeface="Cambria Math" panose="02040503050406030204" pitchFamily="18" charset="0"/>
-                          </a:rPr>
-                        </m:ctrlPr>
-                      </m:sSubPr>
-                      <m:e>
-                        <m:r>
-                          <a:rPr lang="en-US" altLang="zh-CN" b="0" i="1" smtClean="0">
-                            <a:latin typeface="Cambria Math" panose="02040503050406030204" pitchFamily="18" charset="0"/>
-                          </a:rPr>
-                          <m:t>𝑥</m:t>
-                        </m:r>
-                      </m:e>
-                      <m:sub>
-                        <m:r>
-                          <a:rPr lang="en-US" altLang="zh-CN" b="0" i="1" smtClean="0">
-                            <a:latin typeface="Cambria Math" panose="02040503050406030204" pitchFamily="18" charset="0"/>
-                          </a:rPr>
-                          <m:t>0</m:t>
-                        </m:r>
-                      </m:sub>
-                    </m:sSub>
-                  </m:oMath>
-                </a14:m>
-                <a:r>
-                  <a:rPr lang="en-US" altLang="zh-CN" dirty="0" smtClean="0"/>
-                  <a:t>, </a:t>
-                </a:r>
-                <a:r>
-                  <a:rPr lang="zh-CN" altLang="en-US" dirty="0" smtClean="0"/>
-                  <a:t>上式化为</a:t>
-                </a:r>
-                <a:endParaRPr lang="en-US" altLang="zh-CN" dirty="0" smtClean="0"/>
+                  <a:t>我们有</a:t>
+                </a:r>
+                <a:endParaRPr lang="en-US" altLang="zh-CN" i="1" dirty="0" smtClean="0">
+                  <a:solidFill>
+                    <a:srgbClr val="FF0000"/>
+                  </a:solidFill>
+                  <a:latin typeface="Cambria Math" panose="02040503050406030204" pitchFamily="18" charset="0"/>
+                </a:endParaRPr>
               </a:p>
               <a:p>
                 <a:pPr marL="0" indent="0">
@@ -7327,7 +8503,7 @@
             </p:txBody>
           </p:sp>
         </mc:Choice>
-        <mc:Fallback xmlns="">
+        <mc:Fallback>
           <p:sp>
             <p:nvSpPr>
               <p:cNvPr id="4" name="文本占位符 3"/>
@@ -7342,7 +8518,7 @@
               <a:blipFill>
                 <a:blip r:embed="rId2"/>
                 <a:stretch>
-                  <a:fillRect l="-734" t="-233"/>
+                  <a:fillRect l="-621" b="-234"/>
                 </a:stretch>
               </a:blipFill>
             </p:spPr>
@@ -7806,6 +8982,67 @@
                       </p:childTnLst>
                     </p:cTn>
                   </p:par>
+                  <p:par>
+                    <p:cTn id="38" fill="hold">
+                      <p:stCondLst>
+                        <p:cond delay="indefinite"/>
+                      </p:stCondLst>
+                      <p:childTnLst>
+                        <p:par>
+                          <p:cTn id="39" fill="hold">
+                            <p:stCondLst>
+                              <p:cond delay="0"/>
+                            </p:stCondLst>
+                            <p:childTnLst>
+                              <p:par>
+                                <p:cTn id="40" presetID="10" presetClass="entr" presetSubtype="0" fill="hold" grpId="0" nodeType="clickEffect">
+                                  <p:stCondLst>
+                                    <p:cond delay="0"/>
+                                  </p:stCondLst>
+                                  <p:childTnLst>
+                                    <p:set>
+                                      <p:cBhvr>
+                                        <p:cTn id="41" dur="1" fill="hold">
+                                          <p:stCondLst>
+                                            <p:cond delay="0"/>
+                                          </p:stCondLst>
+                                        </p:cTn>
+                                        <p:tgtEl>
+                                          <p:spTgt spid="4">
+                                            <p:txEl>
+                                              <p:pRg st="7" end="7"/>
+                                            </p:txEl>
+                                          </p:spTgt>
+                                        </p:tgtEl>
+                                        <p:attrNameLst>
+                                          <p:attrName>style.visibility</p:attrName>
+                                        </p:attrNameLst>
+                                      </p:cBhvr>
+                                      <p:to>
+                                        <p:strVal val="visible"/>
+                                      </p:to>
+                                    </p:set>
+                                    <p:animEffect transition="in" filter="fade">
+                                      <p:cBhvr>
+                                        <p:cTn id="42" dur="500"/>
+                                        <p:tgtEl>
+                                          <p:spTgt spid="4">
+                                            <p:txEl>
+                                              <p:pRg st="7" end="7"/>
+                                            </p:txEl>
+                                          </p:spTgt>
+                                        </p:tgtEl>
+                                      </p:cBhvr>
+                                    </p:animEffect>
+                                  </p:childTnLst>
+                                </p:cTn>
+                              </p:par>
+                            </p:childTnLst>
+                          </p:cTn>
+                        </p:par>
+                      </p:childTnLst>
+                    </p:cTn>
+                  </p:par>
                 </p:childTnLst>
               </p:cTn>
               <p:prevCondLst>
@@ -7834,7 +9071,7 @@
 </p:sld>
 </file>
 
-<file path=ppt/slides/slide13.xml><?xml version="1.0" encoding="utf-8"?>
+<file path=ppt/slides/slide14.xml><?xml version="1.0" encoding="utf-8"?>
 <p:sld xmlns:a="http://schemas.openxmlformats.org/drawingml/2006/main" xmlns:r="http://schemas.openxmlformats.org/officeDocument/2006/relationships" xmlns:p="http://schemas.openxmlformats.org/presentationml/2006/main">
   <p:cSld>
     <p:spTree>
@@ -9495,7 +10732,7 @@
 </p:sld>
 </file>
 
-<file path=ppt/slides/slide14.xml><?xml version="1.0" encoding="utf-8"?>
+<file path=ppt/slides/slide15.xml><?xml version="1.0" encoding="utf-8"?>
 <p:sld xmlns:a="http://schemas.openxmlformats.org/drawingml/2006/main" xmlns:r="http://schemas.openxmlformats.org/officeDocument/2006/relationships" xmlns:p="http://schemas.openxmlformats.org/presentationml/2006/main">
   <p:cSld>
     <p:spTree>
@@ -9512,8 +10749,8 @@
           <a:chExt cx="0" cy="0"/>
         </a:xfrm>
       </p:grpSpPr>
-      <mc:AlternateContent xmlns:mc="http://schemas.openxmlformats.org/markup-compatibility/2006" xmlns:a14="http://schemas.microsoft.com/office/drawing/2010/main">
-        <mc:Choice Requires="a14">
+      <mc:AlternateContent xmlns:mc="http://schemas.openxmlformats.org/markup-compatibility/2006">
+        <mc:Choice xmlns:a14="http://schemas.microsoft.com/office/drawing/2010/main" Requires="a14">
           <p:sp>
             <p:nvSpPr>
               <p:cNvPr id="4" name="文本占位符 3"/>
@@ -9527,7 +10764,7 @@
             <p:spPr/>
             <p:txBody>
               <a:bodyPr>
-                <a:normAutofit lnSpcReduction="10000"/>
+                <a:normAutofit/>
               </a:bodyPr>
               <a:lstStyle/>
               <a:p>
@@ -9799,214 +11036,584 @@
                 <a:endParaRPr lang="en-US" altLang="zh-CN" dirty="0" smtClean="0"/>
               </a:p>
               <a:p>
+                <a:pPr marL="0" indent="0">
+                  <a:buNone/>
+                </a:pPr>
                 <a14:m>
-                  <m:oMath xmlns:m="http://schemas.openxmlformats.org/officeDocument/2006/math">
-                    <m:rad>
-                      <m:radPr>
-                        <m:ctrlPr>
-                          <a:rPr lang="en-US" altLang="zh-CN" i="1">
-                            <a:latin typeface="Cambria Math" panose="02040503050406030204" pitchFamily="18" charset="0"/>
-                          </a:rPr>
-                        </m:ctrlPr>
-                      </m:radPr>
-                      <m:deg>
-                        <m:r>
-                          <a:rPr lang="en-US" altLang="zh-CN" i="1">
-                            <a:latin typeface="Cambria Math" panose="02040503050406030204" pitchFamily="18" charset="0"/>
-                          </a:rPr>
-                          <m:t>5</m:t>
-                        </m:r>
-                      </m:deg>
-                      <m:e>
-                        <m:r>
-                          <a:rPr lang="en-US" altLang="zh-CN" i="1">
-                            <a:latin typeface="Cambria Math" panose="02040503050406030204" pitchFamily="18" charset="0"/>
-                          </a:rPr>
-                          <m:t>270</m:t>
-                        </m:r>
-                      </m:e>
-                    </m:rad>
-                    <m:r>
-                      <a:rPr lang="en-US" altLang="zh-CN" b="0" i="1" smtClean="0">
-                        <a:latin typeface="Cambria Math" panose="02040503050406030204" pitchFamily="18" charset="0"/>
-                      </a:rPr>
-                      <m:t>=3</m:t>
-                    </m:r>
-                    <m:rad>
-                      <m:radPr>
-                        <m:ctrlPr>
-                          <a:rPr lang="en-US" altLang="zh-CN" i="1">
-                            <a:latin typeface="Cambria Math" panose="02040503050406030204" pitchFamily="18" charset="0"/>
-                          </a:rPr>
-                        </m:ctrlPr>
-                      </m:radPr>
-                      <m:deg>
-                        <m:r>
-                          <a:rPr lang="en-US" altLang="zh-CN" i="1">
-                            <a:latin typeface="Cambria Math" panose="02040503050406030204" pitchFamily="18" charset="0"/>
-                          </a:rPr>
-                          <m:t>5</m:t>
-                        </m:r>
-                      </m:deg>
-                      <m:e>
-                        <m:r>
-                          <a:rPr lang="en-US" altLang="zh-CN" b="0" i="1" smtClean="0">
-                            <a:latin typeface="Cambria Math" panose="02040503050406030204" pitchFamily="18" charset="0"/>
-                          </a:rPr>
-                          <m:t>1+</m:t>
-                        </m:r>
-                        <m:f>
-                          <m:fPr>
-                            <m:ctrlPr>
-                              <a:rPr lang="en-US" altLang="zh-CN" b="0" i="1" smtClean="0">
-                                <a:latin typeface="Cambria Math" panose="02040503050406030204" pitchFamily="18" charset="0"/>
-                              </a:rPr>
-                            </m:ctrlPr>
-                          </m:fPr>
-                          <m:num>
-                            <m:r>
-                              <a:rPr lang="en-US" altLang="zh-CN" b="0" i="1" smtClean="0">
-                                <a:latin typeface="Cambria Math" panose="02040503050406030204" pitchFamily="18" charset="0"/>
-                              </a:rPr>
-                              <m:t>1</m:t>
-                            </m:r>
-                          </m:num>
-                          <m:den>
-                            <m:r>
-                              <a:rPr lang="en-US" altLang="zh-CN" b="0" i="1" smtClean="0">
-                                <a:latin typeface="Cambria Math" panose="02040503050406030204" pitchFamily="18" charset="0"/>
-                              </a:rPr>
-                              <m:t>9</m:t>
-                            </m:r>
-                          </m:den>
-                        </m:f>
-                      </m:e>
-                    </m:rad>
-                    <m:r>
-                      <a:rPr lang="en-US" altLang="zh-CN" b="0" i="1" smtClean="0">
-                        <a:latin typeface="Cambria Math" panose="02040503050406030204" pitchFamily="18" charset="0"/>
-                      </a:rPr>
-                      <m:t>≈3</m:t>
-                    </m:r>
-                    <m:d>
-                      <m:dPr>
-                        <m:ctrlPr>
-                          <a:rPr lang="en-US" altLang="zh-CN" b="0" i="1" smtClean="0">
-                            <a:latin typeface="Cambria Math" panose="02040503050406030204" pitchFamily="18" charset="0"/>
-                          </a:rPr>
-                        </m:ctrlPr>
-                      </m:dPr>
-                      <m:e>
-                        <m:r>
-                          <a:rPr lang="en-US" altLang="zh-CN" b="0" i="1" smtClean="0">
-                            <a:latin typeface="Cambria Math" panose="02040503050406030204" pitchFamily="18" charset="0"/>
-                          </a:rPr>
-                          <m:t>1+</m:t>
-                        </m:r>
-                        <m:f>
-                          <m:fPr>
-                            <m:ctrlPr>
-                              <a:rPr lang="en-US" altLang="zh-CN" b="0" i="1" smtClean="0">
-                                <a:latin typeface="Cambria Math" panose="02040503050406030204" pitchFamily="18" charset="0"/>
-                              </a:rPr>
-                            </m:ctrlPr>
-                          </m:fPr>
-                          <m:num>
-                            <m:r>
-                              <a:rPr lang="en-US" altLang="zh-CN" b="0" i="1" smtClean="0">
-                                <a:latin typeface="Cambria Math" panose="02040503050406030204" pitchFamily="18" charset="0"/>
-                              </a:rPr>
-                              <m:t>1</m:t>
-                            </m:r>
-                          </m:num>
-                          <m:den>
-                            <m:r>
-                              <a:rPr lang="en-US" altLang="zh-CN" b="0" i="1" smtClean="0">
-                                <a:latin typeface="Cambria Math" panose="02040503050406030204" pitchFamily="18" charset="0"/>
-                              </a:rPr>
-                              <m:t>5</m:t>
-                            </m:r>
-                          </m:den>
-                        </m:f>
-                        <m:r>
-                          <a:rPr lang="en-US" altLang="zh-CN" b="0" i="1" smtClean="0">
-                            <a:latin typeface="Cambria Math" panose="02040503050406030204" pitchFamily="18" charset="0"/>
-                          </a:rPr>
-                          <m:t>⋅</m:t>
-                        </m:r>
-                        <m:f>
-                          <m:fPr>
-                            <m:ctrlPr>
-                              <a:rPr lang="en-US" altLang="zh-CN" b="0" i="1" smtClean="0">
-                                <a:latin typeface="Cambria Math" panose="02040503050406030204" pitchFamily="18" charset="0"/>
-                              </a:rPr>
-                            </m:ctrlPr>
-                          </m:fPr>
-                          <m:num>
-                            <m:r>
-                              <a:rPr lang="en-US" altLang="zh-CN" b="0" i="1" smtClean="0">
-                                <a:latin typeface="Cambria Math" panose="02040503050406030204" pitchFamily="18" charset="0"/>
-                              </a:rPr>
-                              <m:t>1</m:t>
-                            </m:r>
-                          </m:num>
-                          <m:den>
-                            <m:r>
-                              <a:rPr lang="en-US" altLang="zh-CN" b="0" i="1" smtClean="0">
-                                <a:latin typeface="Cambria Math" panose="02040503050406030204" pitchFamily="18" charset="0"/>
-                              </a:rPr>
-                              <m:t>9</m:t>
-                            </m:r>
-                          </m:den>
-                        </m:f>
-                      </m:e>
-                    </m:d>
-                    <m:r>
-                      <a:rPr lang="en-US" altLang="zh-CN" b="0" i="1" smtClean="0">
-                        <a:latin typeface="Cambria Math" panose="02040503050406030204" pitchFamily="18" charset="0"/>
-                      </a:rPr>
-                      <m:t>=</m:t>
-                    </m:r>
-                    <m:f>
-                      <m:fPr>
-                        <m:ctrlPr>
-                          <a:rPr lang="en-US" altLang="zh-CN" b="0" i="1" smtClean="0">
-                            <a:latin typeface="Cambria Math" panose="02040503050406030204" pitchFamily="18" charset="0"/>
-                          </a:rPr>
-                        </m:ctrlPr>
-                      </m:fPr>
-                      <m:num>
-                        <m:r>
-                          <a:rPr lang="en-US" altLang="zh-CN" b="0" i="1" smtClean="0">
-                            <a:latin typeface="Cambria Math" panose="02040503050406030204" pitchFamily="18" charset="0"/>
-                          </a:rPr>
-                          <m:t>46</m:t>
-                        </m:r>
-                      </m:num>
-                      <m:den>
-                        <m:r>
-                          <a:rPr lang="en-US" altLang="zh-CN" b="0" i="1" smtClean="0">
-                            <a:latin typeface="Cambria Math" panose="02040503050406030204" pitchFamily="18" charset="0"/>
-                          </a:rPr>
-                          <m:t>15</m:t>
-                        </m:r>
-                      </m:den>
-                    </m:f>
-                    <m:r>
-                      <a:rPr lang="en-US" altLang="zh-CN" b="0" i="1" smtClean="0">
-                        <a:latin typeface="Cambria Math" panose="02040503050406030204" pitchFamily="18" charset="0"/>
-                      </a:rPr>
-                      <m:t>≈3.0667.</m:t>
-                    </m:r>
-                  </m:oMath>
+                  <m:oMathPara xmlns:m="http://schemas.openxmlformats.org/officeDocument/2006/math">
+                    <m:oMathParaPr>
+                      <m:jc m:val="centerGroup"/>
+                    </m:oMathParaPr>
+                    <m:oMath xmlns:m="http://schemas.openxmlformats.org/officeDocument/2006/math">
+                      <m:rad>
+                        <m:radPr>
+                          <m:ctrlPr>
+                            <a:rPr lang="en-US" altLang="zh-CN" i="1">
+                              <a:latin typeface="Cambria Math" panose="02040503050406030204" pitchFamily="18" charset="0"/>
+                            </a:rPr>
+                          </m:ctrlPr>
+                        </m:radPr>
+                        <m:deg>
+                          <m:r>
+                            <a:rPr lang="en-US" altLang="zh-CN" i="1">
+                              <a:latin typeface="Cambria Math" panose="02040503050406030204" pitchFamily="18" charset="0"/>
+                            </a:rPr>
+                            <m:t>5</m:t>
+                          </m:r>
+                        </m:deg>
+                        <m:e>
+                          <m:r>
+                            <a:rPr lang="en-US" altLang="zh-CN" i="1">
+                              <a:latin typeface="Cambria Math" panose="02040503050406030204" pitchFamily="18" charset="0"/>
+                            </a:rPr>
+                            <m:t>270</m:t>
+                          </m:r>
+                        </m:e>
+                      </m:rad>
+                      <m:r>
+                        <a:rPr lang="en-US" altLang="zh-CN" b="0" i="1" smtClean="0">
+                          <a:latin typeface="Cambria Math" panose="02040503050406030204" pitchFamily="18" charset="0"/>
+                        </a:rPr>
+                        <m:t>=3</m:t>
+                      </m:r>
+                      <m:rad>
+                        <m:radPr>
+                          <m:ctrlPr>
+                            <a:rPr lang="en-US" altLang="zh-CN" i="1">
+                              <a:latin typeface="Cambria Math" panose="02040503050406030204" pitchFamily="18" charset="0"/>
+                            </a:rPr>
+                          </m:ctrlPr>
+                        </m:radPr>
+                        <m:deg>
+                          <m:r>
+                            <a:rPr lang="en-US" altLang="zh-CN" i="1">
+                              <a:latin typeface="Cambria Math" panose="02040503050406030204" pitchFamily="18" charset="0"/>
+                            </a:rPr>
+                            <m:t>5</m:t>
+                          </m:r>
+                        </m:deg>
+                        <m:e>
+                          <m:r>
+                            <a:rPr lang="en-US" altLang="zh-CN" b="0" i="1" smtClean="0">
+                              <a:latin typeface="Cambria Math" panose="02040503050406030204" pitchFamily="18" charset="0"/>
+                            </a:rPr>
+                            <m:t>1+</m:t>
+                          </m:r>
+                          <m:f>
+                            <m:fPr>
+                              <m:ctrlPr>
+                                <a:rPr lang="en-US" altLang="zh-CN" b="0" i="1" smtClean="0">
+                                  <a:latin typeface="Cambria Math" panose="02040503050406030204" pitchFamily="18" charset="0"/>
+                                </a:rPr>
+                              </m:ctrlPr>
+                            </m:fPr>
+                            <m:num>
+                              <m:r>
+                                <a:rPr lang="en-US" altLang="zh-CN" b="0" i="1" smtClean="0">
+                                  <a:latin typeface="Cambria Math" panose="02040503050406030204" pitchFamily="18" charset="0"/>
+                                </a:rPr>
+                                <m:t>1</m:t>
+                              </m:r>
+                            </m:num>
+                            <m:den>
+                              <m:r>
+                                <a:rPr lang="en-US" altLang="zh-CN" b="0" i="1" smtClean="0">
+                                  <a:latin typeface="Cambria Math" panose="02040503050406030204" pitchFamily="18" charset="0"/>
+                                </a:rPr>
+                                <m:t>9</m:t>
+                              </m:r>
+                            </m:den>
+                          </m:f>
+                        </m:e>
+                      </m:rad>
+                      <m:r>
+                        <a:rPr lang="en-US" altLang="zh-CN" b="0" i="1" smtClean="0">
+                          <a:latin typeface="Cambria Math" panose="02040503050406030204" pitchFamily="18" charset="0"/>
+                        </a:rPr>
+                        <m:t>≈3</m:t>
+                      </m:r>
+                      <m:d>
+                        <m:dPr>
+                          <m:ctrlPr>
+                            <a:rPr lang="en-US" altLang="zh-CN" b="0" i="1" smtClean="0">
+                              <a:latin typeface="Cambria Math" panose="02040503050406030204" pitchFamily="18" charset="0"/>
+                            </a:rPr>
+                          </m:ctrlPr>
+                        </m:dPr>
+                        <m:e>
+                          <m:r>
+                            <a:rPr lang="en-US" altLang="zh-CN" b="0" i="1" smtClean="0">
+                              <a:latin typeface="Cambria Math" panose="02040503050406030204" pitchFamily="18" charset="0"/>
+                            </a:rPr>
+                            <m:t>1+</m:t>
+                          </m:r>
+                          <m:f>
+                            <m:fPr>
+                              <m:ctrlPr>
+                                <a:rPr lang="en-US" altLang="zh-CN" b="0" i="1" smtClean="0">
+                                  <a:latin typeface="Cambria Math" panose="02040503050406030204" pitchFamily="18" charset="0"/>
+                                </a:rPr>
+                              </m:ctrlPr>
+                            </m:fPr>
+                            <m:num>
+                              <m:r>
+                                <a:rPr lang="en-US" altLang="zh-CN" b="0" i="1" smtClean="0">
+                                  <a:latin typeface="Cambria Math" panose="02040503050406030204" pitchFamily="18" charset="0"/>
+                                </a:rPr>
+                                <m:t>1</m:t>
+                              </m:r>
+                            </m:num>
+                            <m:den>
+                              <m:r>
+                                <a:rPr lang="en-US" altLang="zh-CN" b="0" i="1" smtClean="0">
+                                  <a:latin typeface="Cambria Math" panose="02040503050406030204" pitchFamily="18" charset="0"/>
+                                </a:rPr>
+                                <m:t>5</m:t>
+                              </m:r>
+                            </m:den>
+                          </m:f>
+                          <m:r>
+                            <a:rPr lang="en-US" altLang="zh-CN" b="0" i="1" smtClean="0">
+                              <a:latin typeface="Cambria Math" panose="02040503050406030204" pitchFamily="18" charset="0"/>
+                            </a:rPr>
+                            <m:t>⋅</m:t>
+                          </m:r>
+                          <m:f>
+                            <m:fPr>
+                              <m:ctrlPr>
+                                <a:rPr lang="en-US" altLang="zh-CN" b="0" i="1" smtClean="0">
+                                  <a:latin typeface="Cambria Math" panose="02040503050406030204" pitchFamily="18" charset="0"/>
+                                </a:rPr>
+                              </m:ctrlPr>
+                            </m:fPr>
+                            <m:num>
+                              <m:r>
+                                <a:rPr lang="en-US" altLang="zh-CN" b="0" i="1" smtClean="0">
+                                  <a:latin typeface="Cambria Math" panose="02040503050406030204" pitchFamily="18" charset="0"/>
+                                </a:rPr>
+                                <m:t>1</m:t>
+                              </m:r>
+                            </m:num>
+                            <m:den>
+                              <m:r>
+                                <a:rPr lang="en-US" altLang="zh-CN" b="0" i="1" smtClean="0">
+                                  <a:latin typeface="Cambria Math" panose="02040503050406030204" pitchFamily="18" charset="0"/>
+                                </a:rPr>
+                                <m:t>9</m:t>
+                              </m:r>
+                            </m:den>
+                          </m:f>
+                        </m:e>
+                      </m:d>
+                      <m:r>
+                        <a:rPr lang="en-US" altLang="zh-CN" b="0" i="1" smtClean="0">
+                          <a:latin typeface="Cambria Math" panose="02040503050406030204" pitchFamily="18" charset="0"/>
+                        </a:rPr>
+                        <m:t>=</m:t>
+                      </m:r>
+                      <m:f>
+                        <m:fPr>
+                          <m:ctrlPr>
+                            <a:rPr lang="en-US" altLang="zh-CN" b="0" i="1" smtClean="0">
+                              <a:latin typeface="Cambria Math" panose="02040503050406030204" pitchFamily="18" charset="0"/>
+                            </a:rPr>
+                          </m:ctrlPr>
+                        </m:fPr>
+                        <m:num>
+                          <m:r>
+                            <a:rPr lang="en-US" altLang="zh-CN" b="0" i="1" smtClean="0">
+                              <a:latin typeface="Cambria Math" panose="02040503050406030204" pitchFamily="18" charset="0"/>
+                            </a:rPr>
+                            <m:t>46</m:t>
+                          </m:r>
+                        </m:num>
+                        <m:den>
+                          <m:r>
+                            <a:rPr lang="en-US" altLang="zh-CN" b="0" i="1" smtClean="0">
+                              <a:latin typeface="Cambria Math" panose="02040503050406030204" pitchFamily="18" charset="0"/>
+                            </a:rPr>
+                            <m:t>15</m:t>
+                          </m:r>
+                        </m:den>
+                      </m:f>
+                      <m:r>
+                        <a:rPr lang="en-US" altLang="zh-CN" b="0" i="1" smtClean="0">
+                          <a:latin typeface="Cambria Math" panose="02040503050406030204" pitchFamily="18" charset="0"/>
+                        </a:rPr>
+                        <m:t>≈3.0667.</m:t>
+                      </m:r>
+                    </m:oMath>
+                  </m:oMathPara>
                 </a14:m>
-                <a:endParaRPr lang="en-US" altLang="zh-CN" dirty="0" smtClean="0">
+                <a:endParaRPr lang="en-US" altLang="zh-CN" dirty="0">
                   <a:latin typeface="Cambria Math" panose="02040503050406030204" pitchFamily="18" charset="0"/>
                 </a:endParaRPr>
               </a:p>
+            </p:txBody>
+          </p:sp>
+        </mc:Choice>
+        <mc:Fallback>
+          <p:sp>
+            <p:nvSpPr>
+              <p:cNvPr id="4" name="文本占位符 3"/>
+              <p:cNvSpPr>
+                <a:spLocks noGrp="1" noRot="1" noChangeAspect="1" noMove="1" noResize="1" noEditPoints="1" noAdjustHandles="1" noChangeArrowheads="1" noChangeShapeType="1" noTextEdit="1"/>
+              </p:cNvSpPr>
+              <p:nvPr>
+                <p:ph type="body" sz="quarter" idx="10"/>
+              </p:nvPr>
+            </p:nvSpPr>
+            <p:spPr>
+              <a:blipFill>
+                <a:blip r:embed="rId2"/>
+                <a:stretch>
+                  <a:fillRect l="-734"/>
+                </a:stretch>
+              </a:blipFill>
+            </p:spPr>
+            <p:txBody>
+              <a:bodyPr/>
+              <a:lstStyle/>
               <a:p>
                 <a:r>
-                  <a:rPr lang="zh-CN" altLang="en-US" dirty="0">
+                  <a:rPr lang="zh-CN" altLang="en-US">
+                    <a:noFill/>
+                  </a:rPr>
+                  <a:t> </a:t>
+                </a:r>
+              </a:p>
+            </p:txBody>
+          </p:sp>
+        </mc:Fallback>
+      </mc:AlternateContent>
+    </p:spTree>
+    <p:extLst>
+      <p:ext uri="{BB962C8B-B14F-4D97-AF65-F5344CB8AC3E}">
+        <p14:creationId xmlns:p14="http://schemas.microsoft.com/office/powerpoint/2010/main" val="1817096026"/>
+      </p:ext>
+    </p:extLst>
+  </p:cSld>
+  <p:clrMapOvr>
+    <a:masterClrMapping/>
+  </p:clrMapOvr>
+  <p:timing>
+    <p:tnLst>
+      <p:par>
+        <p:cTn id="1" dur="indefinite" restart="never" nodeType="tmRoot">
+          <p:childTnLst>
+            <p:seq concurrent="1" nextAc="seek">
+              <p:cTn id="2" dur="indefinite" nodeType="mainSeq">
+                <p:childTnLst>
+                  <p:par>
+                    <p:cTn id="3" fill="hold">
+                      <p:stCondLst>
+                        <p:cond delay="indefinite"/>
+                      </p:stCondLst>
+                      <p:childTnLst>
+                        <p:par>
+                          <p:cTn id="4" fill="hold">
+                            <p:stCondLst>
+                              <p:cond delay="0"/>
+                            </p:stCondLst>
+                            <p:childTnLst>
+                              <p:par>
+                                <p:cTn id="5" presetID="10" presetClass="entr" presetSubtype="0" fill="hold" grpId="0" nodeType="clickEffect">
+                                  <p:stCondLst>
+                                    <p:cond delay="0"/>
+                                  </p:stCondLst>
+                                  <p:childTnLst>
+                                    <p:set>
+                                      <p:cBhvr>
+                                        <p:cTn id="6" dur="1" fill="hold">
+                                          <p:stCondLst>
+                                            <p:cond delay="0"/>
+                                          </p:stCondLst>
+                                        </p:cTn>
+                                        <p:tgtEl>
+                                          <p:spTgt spid="4">
+                                            <p:txEl>
+                                              <p:pRg st="0" end="0"/>
+                                            </p:txEl>
+                                          </p:spTgt>
+                                        </p:tgtEl>
+                                        <p:attrNameLst>
+                                          <p:attrName>style.visibility</p:attrName>
+                                        </p:attrNameLst>
+                                      </p:cBhvr>
+                                      <p:to>
+                                        <p:strVal val="visible"/>
+                                      </p:to>
+                                    </p:set>
+                                    <p:animEffect transition="in" filter="fade">
+                                      <p:cBhvr>
+                                        <p:cTn id="7" dur="500"/>
+                                        <p:tgtEl>
+                                          <p:spTgt spid="4">
+                                            <p:txEl>
+                                              <p:pRg st="0" end="0"/>
+                                            </p:txEl>
+                                          </p:spTgt>
+                                        </p:tgtEl>
+                                      </p:cBhvr>
+                                    </p:animEffect>
+                                  </p:childTnLst>
+                                </p:cTn>
+                              </p:par>
+                            </p:childTnLst>
+                          </p:cTn>
+                        </p:par>
+                      </p:childTnLst>
+                    </p:cTn>
+                  </p:par>
+                  <p:par>
+                    <p:cTn id="8" fill="hold">
+                      <p:stCondLst>
+                        <p:cond delay="indefinite"/>
+                      </p:stCondLst>
+                      <p:childTnLst>
+                        <p:par>
+                          <p:cTn id="9" fill="hold">
+                            <p:stCondLst>
+                              <p:cond delay="0"/>
+                            </p:stCondLst>
+                            <p:childTnLst>
+                              <p:par>
+                                <p:cTn id="10" presetID="10" presetClass="entr" presetSubtype="0" fill="hold" grpId="0" nodeType="clickEffect">
+                                  <p:stCondLst>
+                                    <p:cond delay="0"/>
+                                  </p:stCondLst>
+                                  <p:childTnLst>
+                                    <p:set>
+                                      <p:cBhvr>
+                                        <p:cTn id="11" dur="1" fill="hold">
+                                          <p:stCondLst>
+                                            <p:cond delay="0"/>
+                                          </p:stCondLst>
+                                        </p:cTn>
+                                        <p:tgtEl>
+                                          <p:spTgt spid="4">
+                                            <p:txEl>
+                                              <p:pRg st="1" end="1"/>
+                                            </p:txEl>
+                                          </p:spTgt>
+                                        </p:tgtEl>
+                                        <p:attrNameLst>
+                                          <p:attrName>style.visibility</p:attrName>
+                                        </p:attrNameLst>
+                                      </p:cBhvr>
+                                      <p:to>
+                                        <p:strVal val="visible"/>
+                                      </p:to>
+                                    </p:set>
+                                    <p:animEffect transition="in" filter="fade">
+                                      <p:cBhvr>
+                                        <p:cTn id="12" dur="500"/>
+                                        <p:tgtEl>
+                                          <p:spTgt spid="4">
+                                            <p:txEl>
+                                              <p:pRg st="1" end="1"/>
+                                            </p:txEl>
+                                          </p:spTgt>
+                                        </p:tgtEl>
+                                      </p:cBhvr>
+                                    </p:animEffect>
+                                  </p:childTnLst>
+                                </p:cTn>
+                              </p:par>
+                            </p:childTnLst>
+                          </p:cTn>
+                        </p:par>
+                      </p:childTnLst>
+                    </p:cTn>
+                  </p:par>
+                  <p:par>
+                    <p:cTn id="13" fill="hold">
+                      <p:stCondLst>
+                        <p:cond delay="indefinite"/>
+                      </p:stCondLst>
+                      <p:childTnLst>
+                        <p:par>
+                          <p:cTn id="14" fill="hold">
+                            <p:stCondLst>
+                              <p:cond delay="0"/>
+                            </p:stCondLst>
+                            <p:childTnLst>
+                              <p:par>
+                                <p:cTn id="15" presetID="10" presetClass="entr" presetSubtype="0" fill="hold" grpId="0" nodeType="clickEffect">
+                                  <p:stCondLst>
+                                    <p:cond delay="0"/>
+                                  </p:stCondLst>
+                                  <p:childTnLst>
+                                    <p:set>
+                                      <p:cBhvr>
+                                        <p:cTn id="16" dur="1" fill="hold">
+                                          <p:stCondLst>
+                                            <p:cond delay="0"/>
+                                          </p:stCondLst>
+                                        </p:cTn>
+                                        <p:tgtEl>
+                                          <p:spTgt spid="4">
+                                            <p:txEl>
+                                              <p:pRg st="2" end="2"/>
+                                            </p:txEl>
+                                          </p:spTgt>
+                                        </p:tgtEl>
+                                        <p:attrNameLst>
+                                          <p:attrName>style.visibility</p:attrName>
+                                        </p:attrNameLst>
+                                      </p:cBhvr>
+                                      <p:to>
+                                        <p:strVal val="visible"/>
+                                      </p:to>
+                                    </p:set>
+                                    <p:animEffect transition="in" filter="fade">
+                                      <p:cBhvr>
+                                        <p:cTn id="17" dur="500"/>
+                                        <p:tgtEl>
+                                          <p:spTgt spid="4">
+                                            <p:txEl>
+                                              <p:pRg st="2" end="2"/>
+                                            </p:txEl>
+                                          </p:spTgt>
+                                        </p:tgtEl>
+                                      </p:cBhvr>
+                                    </p:animEffect>
+                                  </p:childTnLst>
+                                </p:cTn>
+                              </p:par>
+                            </p:childTnLst>
+                          </p:cTn>
+                        </p:par>
+                      </p:childTnLst>
+                    </p:cTn>
+                  </p:par>
+                  <p:par>
+                    <p:cTn id="18" fill="hold">
+                      <p:stCondLst>
+                        <p:cond delay="indefinite"/>
+                      </p:stCondLst>
+                      <p:childTnLst>
+                        <p:par>
+                          <p:cTn id="19" fill="hold">
+                            <p:stCondLst>
+                              <p:cond delay="0"/>
+                            </p:stCondLst>
+                            <p:childTnLst>
+                              <p:par>
+                                <p:cTn id="20" presetID="10" presetClass="entr" presetSubtype="0" fill="hold" grpId="0" nodeType="clickEffect">
+                                  <p:stCondLst>
+                                    <p:cond delay="0"/>
+                                  </p:stCondLst>
+                                  <p:childTnLst>
+                                    <p:set>
+                                      <p:cBhvr>
+                                        <p:cTn id="21" dur="1" fill="hold">
+                                          <p:stCondLst>
+                                            <p:cond delay="0"/>
+                                          </p:stCondLst>
+                                        </p:cTn>
+                                        <p:tgtEl>
+                                          <p:spTgt spid="4">
+                                            <p:txEl>
+                                              <p:pRg st="3" end="3"/>
+                                            </p:txEl>
+                                          </p:spTgt>
+                                        </p:tgtEl>
+                                        <p:attrNameLst>
+                                          <p:attrName>style.visibility</p:attrName>
+                                        </p:attrNameLst>
+                                      </p:cBhvr>
+                                      <p:to>
+                                        <p:strVal val="visible"/>
+                                      </p:to>
+                                    </p:set>
+                                    <p:animEffect transition="in" filter="fade">
+                                      <p:cBhvr>
+                                        <p:cTn id="22" dur="500"/>
+                                        <p:tgtEl>
+                                          <p:spTgt spid="4">
+                                            <p:txEl>
+                                              <p:pRg st="3" end="3"/>
+                                            </p:txEl>
+                                          </p:spTgt>
+                                        </p:tgtEl>
+                                      </p:cBhvr>
+                                    </p:animEffect>
+                                  </p:childTnLst>
+                                </p:cTn>
+                              </p:par>
+                            </p:childTnLst>
+                          </p:cTn>
+                        </p:par>
+                      </p:childTnLst>
+                    </p:cTn>
+                  </p:par>
+                </p:childTnLst>
+              </p:cTn>
+              <p:prevCondLst>
+                <p:cond evt="onPrev" delay="0">
+                  <p:tgtEl>
+                    <p:sldTgt/>
+                  </p:tgtEl>
+                </p:cond>
+              </p:prevCondLst>
+              <p:nextCondLst>
+                <p:cond evt="onNext" delay="0">
+                  <p:tgtEl>
+                    <p:sldTgt/>
+                  </p:tgtEl>
+                </p:cond>
+              </p:nextCondLst>
+            </p:seq>
+          </p:childTnLst>
+        </p:cTn>
+      </p:par>
+    </p:tnLst>
+    <p:bldLst>
+      <p:bldP spid="4" grpId="0" uiExpand="1" build="p"/>
+    </p:bldLst>
+  </p:timing>
+</p:sld>
+</file>
+
+<file path=ppt/slides/slide16.xml><?xml version="1.0" encoding="utf-8"?>
+<p:sld xmlns:a="http://schemas.openxmlformats.org/drawingml/2006/main" xmlns:r="http://schemas.openxmlformats.org/officeDocument/2006/relationships" xmlns:p="http://schemas.openxmlformats.org/presentationml/2006/main">
+  <p:cSld>
+    <p:spTree>
+      <p:nvGrpSpPr>
+        <p:cNvPr id="1" name=""/>
+        <p:cNvGrpSpPr/>
+        <p:nvPr/>
+      </p:nvGrpSpPr>
+      <p:grpSpPr>
+        <a:xfrm>
+          <a:off x="0" y="0"/>
+          <a:ext cx="0" cy="0"/>
+          <a:chOff x="0" y="0"/>
+          <a:chExt cx="0" cy="0"/>
+        </a:xfrm>
+      </p:grpSpPr>
+      <mc:AlternateContent xmlns:mc="http://schemas.openxmlformats.org/markup-compatibility/2006">
+        <mc:Choice xmlns:a14="http://schemas.microsoft.com/office/drawing/2010/main" Requires="a14">
+          <p:sp>
+            <p:nvSpPr>
+              <p:cNvPr id="4" name="文本占位符 3"/>
+              <p:cNvSpPr>
+                <a:spLocks noGrp="1"/>
+              </p:cNvSpPr>
+              <p:nvPr>
+                <p:ph type="body" sz="quarter" idx="10"/>
+              </p:nvPr>
+            </p:nvSpPr>
+            <p:spPr/>
+            <p:txBody>
+              <a:bodyPr>
+                <a:normAutofit fontScale="92500"/>
+              </a:bodyPr>
+              <a:lstStyle/>
+              <a:p>
+                <a:r>
+                  <a:rPr lang="zh-CN" altLang="en-US" dirty="0" smtClean="0">
                     <a:solidFill>
                       <a:srgbClr val="0000FF"/>
                     </a:solidFill>
@@ -10246,8 +11853,10 @@
                 </a14:m>
                 <a:r>
                   <a:rPr lang="en-US" altLang="zh-CN" dirty="0" smtClean="0"/>
-                  <a:t>. </a:t>
-                </a:r>
+                  <a:t>.</a:t>
+                </a:r>
+              </a:p>
+              <a:p>
                 <a:r>
                   <a:rPr lang="zh-CN" altLang="en-US" dirty="0" smtClean="0"/>
                   <a:t>取 </a:t>
@@ -10553,613 +12162,653 @@
                   </a:rPr>
                   <a:t>由于 </a:t>
                 </a:r>
+                <a:endParaRPr lang="en-US" altLang="zh-CN" b="0" i="1" dirty="0" smtClean="0">
+                  <a:latin typeface="Cambria Math" panose="02040503050406030204" pitchFamily="18" charset="0"/>
+                </a:endParaRPr>
+              </a:p>
+              <a:p>
+                <a:pPr marL="0" indent="0">
+                  <a:buNone/>
+                </a:pPr>
                 <a14:m>
-                  <m:oMath xmlns:m="http://schemas.openxmlformats.org/officeDocument/2006/math">
-                    <m:r>
-                      <a:rPr lang="en-US" altLang="zh-CN" b="0" i="1" smtClean="0">
-                        <a:latin typeface="Cambria Math" panose="02040503050406030204" pitchFamily="18" charset="0"/>
-                      </a:rPr>
-                      <m:t>𝑓</m:t>
-                    </m:r>
-                    <m:d>
-                      <m:dPr>
-                        <m:ctrlPr>
-                          <a:rPr lang="en-US" altLang="zh-CN" b="0" i="1" smtClean="0">
-                            <a:latin typeface="Cambria Math" panose="02040503050406030204" pitchFamily="18" charset="0"/>
-                          </a:rPr>
-                        </m:ctrlPr>
-                      </m:dPr>
-                      <m:e>
-                        <m:r>
-                          <a:rPr lang="en-US" altLang="zh-CN" b="0" i="1" smtClean="0">
-                            <a:latin typeface="Cambria Math" panose="02040503050406030204" pitchFamily="18" charset="0"/>
-                          </a:rPr>
-                          <m:t>𝑥</m:t>
-                        </m:r>
-                      </m:e>
-                    </m:d>
-                    <m:r>
-                      <a:rPr lang="en-US" altLang="zh-CN" b="0" i="1" smtClean="0">
-                        <a:latin typeface="Cambria Math" panose="02040503050406030204" pitchFamily="18" charset="0"/>
-                      </a:rPr>
-                      <m:t>≈</m:t>
-                    </m:r>
-                    <m:r>
-                      <a:rPr lang="en-US" altLang="zh-CN" b="0" i="1" smtClean="0">
-                        <a:latin typeface="Cambria Math" panose="02040503050406030204" pitchFamily="18" charset="0"/>
-                      </a:rPr>
-                      <m:t>𝑓</m:t>
-                    </m:r>
-                    <m:d>
-                      <m:dPr>
-                        <m:ctrlPr>
-                          <a:rPr lang="en-US" altLang="zh-CN" b="0" i="1" smtClean="0">
-                            <a:latin typeface="Cambria Math" panose="02040503050406030204" pitchFamily="18" charset="0"/>
-                          </a:rPr>
-                        </m:ctrlPr>
-                      </m:dPr>
-                      <m:e>
-                        <m:sSub>
-                          <m:sSubPr>
-                            <m:ctrlPr>
-                              <a:rPr lang="en-US" altLang="zh-CN" b="0" i="1" smtClean="0">
-                                <a:latin typeface="Cambria Math" panose="02040503050406030204" pitchFamily="18" charset="0"/>
-                              </a:rPr>
-                            </m:ctrlPr>
-                          </m:sSubPr>
-                          <m:e>
-                            <m:r>
-                              <a:rPr lang="en-US" altLang="zh-CN" b="0" i="1" smtClean="0">
-                                <a:latin typeface="Cambria Math" panose="02040503050406030204" pitchFamily="18" charset="0"/>
-                              </a:rPr>
-                              <m:t>𝑥</m:t>
-                            </m:r>
-                          </m:e>
-                          <m:sub>
-                            <m:r>
-                              <a:rPr lang="en-US" altLang="zh-CN" b="0" i="1" smtClean="0">
-                                <a:latin typeface="Cambria Math" panose="02040503050406030204" pitchFamily="18" charset="0"/>
-                              </a:rPr>
-                              <m:t>0</m:t>
-                            </m:r>
-                          </m:sub>
-                        </m:sSub>
-                      </m:e>
-                    </m:d>
-                    <m:r>
-                      <a:rPr lang="en-US" altLang="zh-CN" b="0" i="1" smtClean="0">
-                        <a:latin typeface="Cambria Math" panose="02040503050406030204" pitchFamily="18" charset="0"/>
-                      </a:rPr>
-                      <m:t>+</m:t>
-                    </m:r>
-                    <m:sSup>
-                      <m:sSupPr>
-                        <m:ctrlPr>
-                          <a:rPr lang="en-US" altLang="zh-CN" b="0" i="1" smtClean="0">
-                            <a:latin typeface="Cambria Math" panose="02040503050406030204" pitchFamily="18" charset="0"/>
-                          </a:rPr>
-                        </m:ctrlPr>
-                      </m:sSupPr>
-                      <m:e>
-                        <m:r>
-                          <a:rPr lang="en-US" altLang="zh-CN" b="0" i="1" smtClean="0">
-                            <a:latin typeface="Cambria Math" panose="02040503050406030204" pitchFamily="18" charset="0"/>
-                          </a:rPr>
-                          <m:t>𝑓</m:t>
-                        </m:r>
-                      </m:e>
-                      <m:sup>
-                        <m:r>
-                          <a:rPr lang="en-US" altLang="zh-CN" b="0" i="1" smtClean="0">
-                            <a:latin typeface="Cambria Math" panose="02040503050406030204" pitchFamily="18" charset="0"/>
-                          </a:rPr>
-                          <m:t>′</m:t>
-                        </m:r>
-                      </m:sup>
-                    </m:sSup>
-                    <m:d>
-                      <m:dPr>
-                        <m:ctrlPr>
-                          <a:rPr lang="en-US" altLang="zh-CN" b="0" i="1" smtClean="0">
-                            <a:latin typeface="Cambria Math" panose="02040503050406030204" pitchFamily="18" charset="0"/>
-                          </a:rPr>
-                        </m:ctrlPr>
-                      </m:dPr>
-                      <m:e>
-                        <m:sSub>
-                          <m:sSubPr>
-                            <m:ctrlPr>
-                              <a:rPr lang="en-US" altLang="zh-CN" b="0" i="1" smtClean="0">
-                                <a:latin typeface="Cambria Math" panose="02040503050406030204" pitchFamily="18" charset="0"/>
-                              </a:rPr>
-                            </m:ctrlPr>
-                          </m:sSubPr>
-                          <m:e>
-                            <m:r>
-                              <a:rPr lang="en-US" altLang="zh-CN" b="0" i="1" smtClean="0">
-                                <a:latin typeface="Cambria Math" panose="02040503050406030204" pitchFamily="18" charset="0"/>
-                              </a:rPr>
-                              <m:t>𝑥</m:t>
-                            </m:r>
-                          </m:e>
-                          <m:sub>
-                            <m:r>
-                              <a:rPr lang="en-US" altLang="zh-CN" b="0" i="1" smtClean="0">
-                                <a:latin typeface="Cambria Math" panose="02040503050406030204" pitchFamily="18" charset="0"/>
-                              </a:rPr>
-                              <m:t>0</m:t>
-                            </m:r>
-                          </m:sub>
-                        </m:sSub>
-                      </m:e>
-                    </m:d>
-                    <m:d>
-                      <m:dPr>
-                        <m:ctrlPr>
-                          <a:rPr lang="en-US" altLang="zh-CN" b="0" i="1" smtClean="0">
-                            <a:latin typeface="Cambria Math" panose="02040503050406030204" pitchFamily="18" charset="0"/>
-                          </a:rPr>
-                        </m:ctrlPr>
-                      </m:dPr>
-                      <m:e>
-                        <m:r>
-                          <a:rPr lang="en-US" altLang="zh-CN" b="0" i="1" smtClean="0">
-                            <a:latin typeface="Cambria Math" panose="02040503050406030204" pitchFamily="18" charset="0"/>
-                          </a:rPr>
-                          <m:t>𝑥</m:t>
-                        </m:r>
-                        <m:r>
-                          <a:rPr lang="en-US" altLang="zh-CN" b="0" i="1" smtClean="0">
-                            <a:latin typeface="Cambria Math" panose="02040503050406030204" pitchFamily="18" charset="0"/>
-                          </a:rPr>
-                          <m:t>−</m:t>
-                        </m:r>
-                        <m:sSub>
-                          <m:sSubPr>
-                            <m:ctrlPr>
-                              <a:rPr lang="en-US" altLang="zh-CN" b="0" i="1" smtClean="0">
-                                <a:latin typeface="Cambria Math" panose="02040503050406030204" pitchFamily="18" charset="0"/>
-                              </a:rPr>
-                            </m:ctrlPr>
-                          </m:sSubPr>
-                          <m:e>
-                            <m:r>
-                              <a:rPr lang="en-US" altLang="zh-CN" b="0" i="1" smtClean="0">
-                                <a:latin typeface="Cambria Math" panose="02040503050406030204" pitchFamily="18" charset="0"/>
-                              </a:rPr>
-                              <m:t>𝑥</m:t>
-                            </m:r>
-                          </m:e>
-                          <m:sub>
-                            <m:r>
-                              <a:rPr lang="en-US" altLang="zh-CN" b="0" i="1" smtClean="0">
-                                <a:latin typeface="Cambria Math" panose="02040503050406030204" pitchFamily="18" charset="0"/>
-                              </a:rPr>
-                              <m:t>0</m:t>
-                            </m:r>
-                          </m:sub>
-                        </m:sSub>
-                      </m:e>
-                    </m:d>
-                  </m:oMath>
+                  <m:oMathPara xmlns:m="http://schemas.openxmlformats.org/officeDocument/2006/math">
+                    <m:oMathParaPr>
+                      <m:jc m:val="centerGroup"/>
+                    </m:oMathParaPr>
+                    <m:oMath xmlns:m="http://schemas.openxmlformats.org/officeDocument/2006/math">
+                      <m:r>
+                        <a:rPr lang="en-US" altLang="zh-CN" b="0" i="1" smtClean="0">
+                          <a:latin typeface="Cambria Math" panose="02040503050406030204" pitchFamily="18" charset="0"/>
+                        </a:rPr>
+                        <m:t>𝑓</m:t>
+                      </m:r>
+                      <m:d>
+                        <m:dPr>
+                          <m:ctrlPr>
+                            <a:rPr lang="en-US" altLang="zh-CN" b="0" i="1" smtClean="0">
+                              <a:latin typeface="Cambria Math" panose="02040503050406030204" pitchFamily="18" charset="0"/>
+                            </a:rPr>
+                          </m:ctrlPr>
+                        </m:dPr>
+                        <m:e>
+                          <m:r>
+                            <a:rPr lang="en-US" altLang="zh-CN" b="0" i="1" smtClean="0">
+                              <a:latin typeface="Cambria Math" panose="02040503050406030204" pitchFamily="18" charset="0"/>
+                            </a:rPr>
+                            <m:t>𝑥</m:t>
+                          </m:r>
+                        </m:e>
+                      </m:d>
+                      <m:r>
+                        <a:rPr lang="en-US" altLang="zh-CN" b="0" i="1" smtClean="0">
+                          <a:latin typeface="Cambria Math" panose="02040503050406030204" pitchFamily="18" charset="0"/>
+                        </a:rPr>
+                        <m:t>≈</m:t>
+                      </m:r>
+                      <m:r>
+                        <a:rPr lang="en-US" altLang="zh-CN" b="0" i="1" smtClean="0">
+                          <a:latin typeface="Cambria Math" panose="02040503050406030204" pitchFamily="18" charset="0"/>
+                        </a:rPr>
+                        <m:t>𝑓</m:t>
+                      </m:r>
+                      <m:d>
+                        <m:dPr>
+                          <m:ctrlPr>
+                            <a:rPr lang="en-US" altLang="zh-CN" b="0" i="1" smtClean="0">
+                              <a:latin typeface="Cambria Math" panose="02040503050406030204" pitchFamily="18" charset="0"/>
+                            </a:rPr>
+                          </m:ctrlPr>
+                        </m:dPr>
+                        <m:e>
+                          <m:sSub>
+                            <m:sSubPr>
+                              <m:ctrlPr>
+                                <a:rPr lang="en-US" altLang="zh-CN" b="0" i="1" smtClean="0">
+                                  <a:latin typeface="Cambria Math" panose="02040503050406030204" pitchFamily="18" charset="0"/>
+                                </a:rPr>
+                              </m:ctrlPr>
+                            </m:sSubPr>
+                            <m:e>
+                              <m:r>
+                                <a:rPr lang="en-US" altLang="zh-CN" b="0" i="1" smtClean="0">
+                                  <a:latin typeface="Cambria Math" panose="02040503050406030204" pitchFamily="18" charset="0"/>
+                                </a:rPr>
+                                <m:t>𝑥</m:t>
+                              </m:r>
+                            </m:e>
+                            <m:sub>
+                              <m:r>
+                                <a:rPr lang="en-US" altLang="zh-CN" b="0" i="1" smtClean="0">
+                                  <a:latin typeface="Cambria Math" panose="02040503050406030204" pitchFamily="18" charset="0"/>
+                                </a:rPr>
+                                <m:t>0</m:t>
+                              </m:r>
+                            </m:sub>
+                          </m:sSub>
+                        </m:e>
+                      </m:d>
+                      <m:r>
+                        <a:rPr lang="en-US" altLang="zh-CN" b="0" i="1" smtClean="0">
+                          <a:latin typeface="Cambria Math" panose="02040503050406030204" pitchFamily="18" charset="0"/>
+                        </a:rPr>
+                        <m:t>+</m:t>
+                      </m:r>
+                      <m:sSup>
+                        <m:sSupPr>
+                          <m:ctrlPr>
+                            <a:rPr lang="en-US" altLang="zh-CN" b="0" i="1" smtClean="0">
+                              <a:latin typeface="Cambria Math" panose="02040503050406030204" pitchFamily="18" charset="0"/>
+                            </a:rPr>
+                          </m:ctrlPr>
+                        </m:sSupPr>
+                        <m:e>
+                          <m:r>
+                            <a:rPr lang="en-US" altLang="zh-CN" b="0" i="1" smtClean="0">
+                              <a:latin typeface="Cambria Math" panose="02040503050406030204" pitchFamily="18" charset="0"/>
+                            </a:rPr>
+                            <m:t>𝑓</m:t>
+                          </m:r>
+                        </m:e>
+                        <m:sup>
+                          <m:r>
+                            <a:rPr lang="en-US" altLang="zh-CN" b="0" i="1" smtClean="0">
+                              <a:latin typeface="Cambria Math" panose="02040503050406030204" pitchFamily="18" charset="0"/>
+                            </a:rPr>
+                            <m:t>′</m:t>
+                          </m:r>
+                        </m:sup>
+                      </m:sSup>
+                      <m:d>
+                        <m:dPr>
+                          <m:ctrlPr>
+                            <a:rPr lang="en-US" altLang="zh-CN" b="0" i="1" smtClean="0">
+                              <a:latin typeface="Cambria Math" panose="02040503050406030204" pitchFamily="18" charset="0"/>
+                            </a:rPr>
+                          </m:ctrlPr>
+                        </m:dPr>
+                        <m:e>
+                          <m:sSub>
+                            <m:sSubPr>
+                              <m:ctrlPr>
+                                <a:rPr lang="en-US" altLang="zh-CN" b="0" i="1" smtClean="0">
+                                  <a:latin typeface="Cambria Math" panose="02040503050406030204" pitchFamily="18" charset="0"/>
+                                </a:rPr>
+                              </m:ctrlPr>
+                            </m:sSubPr>
+                            <m:e>
+                              <m:r>
+                                <a:rPr lang="en-US" altLang="zh-CN" b="0" i="1" smtClean="0">
+                                  <a:latin typeface="Cambria Math" panose="02040503050406030204" pitchFamily="18" charset="0"/>
+                                </a:rPr>
+                                <m:t>𝑥</m:t>
+                              </m:r>
+                            </m:e>
+                            <m:sub>
+                              <m:r>
+                                <a:rPr lang="en-US" altLang="zh-CN" b="0" i="1" smtClean="0">
+                                  <a:latin typeface="Cambria Math" panose="02040503050406030204" pitchFamily="18" charset="0"/>
+                                </a:rPr>
+                                <m:t>0</m:t>
+                              </m:r>
+                            </m:sub>
+                          </m:sSub>
+                        </m:e>
+                      </m:d>
+                      <m:d>
+                        <m:dPr>
+                          <m:ctrlPr>
+                            <a:rPr lang="en-US" altLang="zh-CN" b="0" i="1" smtClean="0">
+                              <a:latin typeface="Cambria Math" panose="02040503050406030204" pitchFamily="18" charset="0"/>
+                            </a:rPr>
+                          </m:ctrlPr>
+                        </m:dPr>
+                        <m:e>
+                          <m:r>
+                            <a:rPr lang="en-US" altLang="zh-CN" b="0" i="1" smtClean="0">
+                              <a:latin typeface="Cambria Math" panose="02040503050406030204" pitchFamily="18" charset="0"/>
+                            </a:rPr>
+                            <m:t>𝑥</m:t>
+                          </m:r>
+                          <m:r>
+                            <a:rPr lang="en-US" altLang="zh-CN" b="0" i="1" smtClean="0">
+                              <a:latin typeface="Cambria Math" panose="02040503050406030204" pitchFamily="18" charset="0"/>
+                            </a:rPr>
+                            <m:t>−</m:t>
+                          </m:r>
+                          <m:sSub>
+                            <m:sSubPr>
+                              <m:ctrlPr>
+                                <a:rPr lang="en-US" altLang="zh-CN" b="0" i="1" smtClean="0">
+                                  <a:latin typeface="Cambria Math" panose="02040503050406030204" pitchFamily="18" charset="0"/>
+                                </a:rPr>
+                              </m:ctrlPr>
+                            </m:sSubPr>
+                            <m:e>
+                              <m:r>
+                                <a:rPr lang="en-US" altLang="zh-CN" b="0" i="1" smtClean="0">
+                                  <a:latin typeface="Cambria Math" panose="02040503050406030204" pitchFamily="18" charset="0"/>
+                                </a:rPr>
+                                <m:t>𝑥</m:t>
+                              </m:r>
+                            </m:e>
+                            <m:sub>
+                              <m:r>
+                                <a:rPr lang="en-US" altLang="zh-CN" b="0" i="1" smtClean="0">
+                                  <a:latin typeface="Cambria Math" panose="02040503050406030204" pitchFamily="18" charset="0"/>
+                                </a:rPr>
+                                <m:t>0</m:t>
+                              </m:r>
+                            </m:sub>
+                          </m:sSub>
+                        </m:e>
+                      </m:d>
+                      <m:r>
+                        <a:rPr lang="en-US" altLang="zh-CN" i="1">
+                          <a:latin typeface="Cambria Math" panose="02040503050406030204" pitchFamily="18" charset="0"/>
+                        </a:rPr>
+                        <m:t>,</m:t>
+                      </m:r>
+                    </m:oMath>
+                  </m:oMathPara>
                 </a14:m>
-                <a:r>
-                  <a:rPr lang="en-US" altLang="zh-CN" dirty="0" smtClean="0">
-                    <a:latin typeface="Cambria Math" panose="02040503050406030204" pitchFamily="18" charset="0"/>
-                  </a:rPr>
-                  <a:t>, </a:t>
-                </a:r>
-                <a:r>
-                  <a:rPr lang="zh-CN" altLang="en-US" dirty="0" smtClean="0">
-                    <a:latin typeface="Cambria Math" panose="02040503050406030204" pitchFamily="18" charset="0"/>
-                  </a:rPr>
-                  <a:t>因此</a:t>
-                </a:r>
                 <a:endParaRPr lang="en-US" altLang="zh-CN" dirty="0" smtClean="0">
                   <a:latin typeface="Cambria Math" panose="02040503050406030204" pitchFamily="18" charset="0"/>
                 </a:endParaRPr>
               </a:p>
               <a:p>
+                <a:pPr marL="0" indent="0">
+                  <a:buNone/>
+                </a:pPr>
+                <a:r>
+                  <a:rPr lang="zh-CN" altLang="en-US" dirty="0" smtClean="0">
+                    <a:latin typeface="Cambria Math" panose="02040503050406030204" pitchFamily="18" charset="0"/>
+                  </a:rPr>
+                  <a:t>因此</a:t>
+                </a:r>
+                <a:endParaRPr lang="en-US" altLang="zh-CN" dirty="0" smtClean="0">
+                  <a:latin typeface="Cambria Math" panose="02040503050406030204" pitchFamily="18" charset="0"/>
+                </a:endParaRPr>
+              </a:p>
+              <a:p>
+                <a:pPr marL="0" indent="0">
+                  <a:buNone/>
+                </a:pPr>
                 <a14:m>
-                  <m:oMath xmlns:m="http://schemas.openxmlformats.org/officeDocument/2006/math">
-                    <m:func>
-                      <m:funcPr>
-                        <m:ctrlPr>
-                          <a:rPr lang="en-US" altLang="zh-CN" i="1">
-                            <a:latin typeface="Cambria Math" panose="02040503050406030204" pitchFamily="18" charset="0"/>
-                          </a:rPr>
-                        </m:ctrlPr>
-                      </m:funcPr>
-                      <m:fName>
-                        <m:r>
-                          <m:rPr>
-                            <m:sty m:val="p"/>
-                          </m:rPr>
-                          <a:rPr lang="en-US" altLang="zh-CN">
-                            <a:latin typeface="Cambria Math" panose="02040503050406030204" pitchFamily="18" charset="0"/>
-                          </a:rPr>
-                          <m:t>sin</m:t>
-                        </m:r>
-                      </m:fName>
-                      <m:e>
-                        <m:sSup>
-                          <m:sSupPr>
-                            <m:ctrlPr>
-                              <a:rPr lang="en-US" altLang="zh-CN" i="1">
-                                <a:latin typeface="Cambria Math" panose="02040503050406030204" pitchFamily="18" charset="0"/>
-                              </a:rPr>
-                            </m:ctrlPr>
-                          </m:sSupPr>
-                          <m:e>
-                            <m:r>
-                              <a:rPr lang="en-US" altLang="zh-CN" i="1">
-                                <a:latin typeface="Cambria Math" panose="02040503050406030204" pitchFamily="18" charset="0"/>
-                              </a:rPr>
-                              <m:t>30</m:t>
-                            </m:r>
-                          </m:e>
-                          <m:sup>
-                            <m:r>
-                              <a:rPr lang="en-US" altLang="zh-CN" i="1">
-                                <a:latin typeface="Cambria Math" panose="02040503050406030204" pitchFamily="18" charset="0"/>
-                              </a:rPr>
-                              <m:t>∘</m:t>
-                            </m:r>
-                          </m:sup>
-                        </m:sSup>
-                        <m:r>
-                          <a:rPr lang="en-US" altLang="zh-CN" i="1">
-                            <a:latin typeface="Cambria Math" panose="02040503050406030204" pitchFamily="18" charset="0"/>
-                          </a:rPr>
-                          <m:t>30′</m:t>
-                        </m:r>
-                      </m:e>
-                    </m:func>
-                    <m:r>
-                      <a:rPr lang="en-US" altLang="zh-CN" i="1">
-                        <a:latin typeface="Cambria Math" panose="02040503050406030204" pitchFamily="18" charset="0"/>
-                      </a:rPr>
-                      <m:t>=</m:t>
-                    </m:r>
-                    <m:func>
-                      <m:funcPr>
-                        <m:ctrlPr>
-                          <a:rPr lang="en-US" altLang="zh-CN" i="1">
-                            <a:latin typeface="Cambria Math" panose="02040503050406030204" pitchFamily="18" charset="0"/>
-                          </a:rPr>
-                        </m:ctrlPr>
-                      </m:funcPr>
-                      <m:fName>
-                        <m:r>
-                          <m:rPr>
-                            <m:sty m:val="p"/>
-                          </m:rPr>
-                          <a:rPr lang="en-US" altLang="zh-CN">
-                            <a:latin typeface="Cambria Math" panose="02040503050406030204" pitchFamily="18" charset="0"/>
-                          </a:rPr>
-                          <m:t>sin</m:t>
-                        </m:r>
-                      </m:fName>
-                      <m:e>
-                        <m:d>
-                          <m:dPr>
-                            <m:ctrlPr>
-                              <a:rPr lang="en-US" altLang="zh-CN" i="1">
-                                <a:latin typeface="Cambria Math" panose="02040503050406030204" pitchFamily="18" charset="0"/>
-                              </a:rPr>
-                            </m:ctrlPr>
-                          </m:dPr>
-                          <m:e>
-                            <m:f>
-                              <m:fPr>
-                                <m:ctrlPr>
-                                  <a:rPr lang="en-US" altLang="zh-CN" i="1">
-                                    <a:latin typeface="Cambria Math" panose="02040503050406030204" pitchFamily="18" charset="0"/>
-                                  </a:rPr>
-                                </m:ctrlPr>
-                              </m:fPr>
-                              <m:num>
-                                <m:r>
-                                  <a:rPr lang="en-US" altLang="zh-CN" i="1">
-                                    <a:latin typeface="Cambria Math" panose="02040503050406030204" pitchFamily="18" charset="0"/>
-                                  </a:rPr>
-                                  <m:t>𝜋</m:t>
-                                </m:r>
-                              </m:num>
-                              <m:den>
-                                <m:r>
-                                  <a:rPr lang="en-US" altLang="zh-CN" i="1">
-                                    <a:latin typeface="Cambria Math" panose="02040503050406030204" pitchFamily="18" charset="0"/>
-                                  </a:rPr>
-                                  <m:t>6</m:t>
-                                </m:r>
-                              </m:den>
-                            </m:f>
-                            <m:r>
-                              <a:rPr lang="en-US" altLang="zh-CN" i="1">
-                                <a:latin typeface="Cambria Math" panose="02040503050406030204" pitchFamily="18" charset="0"/>
-                              </a:rPr>
-                              <m:t>+</m:t>
-                            </m:r>
-                            <m:f>
-                              <m:fPr>
-                                <m:ctrlPr>
-                                  <a:rPr lang="en-US" altLang="zh-CN" i="1">
-                                    <a:latin typeface="Cambria Math" panose="02040503050406030204" pitchFamily="18" charset="0"/>
-                                  </a:rPr>
-                                </m:ctrlPr>
-                              </m:fPr>
-                              <m:num>
-                                <m:r>
-                                  <a:rPr lang="en-US" altLang="zh-CN" i="1">
-                                    <a:latin typeface="Cambria Math" panose="02040503050406030204" pitchFamily="18" charset="0"/>
-                                  </a:rPr>
-                                  <m:t>𝜋</m:t>
-                                </m:r>
-                              </m:num>
-                              <m:den>
-                                <m:r>
-                                  <a:rPr lang="en-US" altLang="zh-CN" i="1">
-                                    <a:latin typeface="Cambria Math" panose="02040503050406030204" pitchFamily="18" charset="0"/>
-                                  </a:rPr>
-                                  <m:t>360</m:t>
-                                </m:r>
-                              </m:den>
-                            </m:f>
-                          </m:e>
-                        </m:d>
-                      </m:e>
-                    </m:func>
-                    <m:r>
-                      <a:rPr lang="en-US" altLang="zh-CN" b="0" i="1" smtClean="0">
-                        <a:latin typeface="Cambria Math" panose="02040503050406030204" pitchFamily="18" charset="0"/>
-                      </a:rPr>
-                      <m:t>=</m:t>
-                    </m:r>
-                    <m:func>
-                      <m:funcPr>
-                        <m:ctrlPr>
-                          <a:rPr lang="en-US" altLang="zh-CN" b="0" i="1" smtClean="0">
-                            <a:latin typeface="Cambria Math" panose="02040503050406030204" pitchFamily="18" charset="0"/>
-                          </a:rPr>
-                        </m:ctrlPr>
-                      </m:funcPr>
-                      <m:fName>
-                        <m:r>
-                          <m:rPr>
-                            <m:sty m:val="p"/>
-                          </m:rPr>
-                          <a:rPr lang="en-US" altLang="zh-CN" b="0" i="0" smtClean="0">
-                            <a:latin typeface="Cambria Math" panose="02040503050406030204" pitchFamily="18" charset="0"/>
-                          </a:rPr>
-                          <m:t>sin</m:t>
-                        </m:r>
-                      </m:fName>
-                      <m:e>
-                        <m:f>
-                          <m:fPr>
-                            <m:ctrlPr>
-                              <a:rPr lang="en-US" altLang="zh-CN" b="0" i="1" smtClean="0">
-                                <a:latin typeface="Cambria Math" panose="02040503050406030204" pitchFamily="18" charset="0"/>
-                              </a:rPr>
-                            </m:ctrlPr>
-                          </m:fPr>
-                          <m:num>
-                            <m:r>
-                              <a:rPr lang="en-US" altLang="zh-CN" b="0" i="1" smtClean="0">
-                                <a:latin typeface="Cambria Math" panose="02040503050406030204" pitchFamily="18" charset="0"/>
-                              </a:rPr>
-                              <m:t>𝜋</m:t>
-                            </m:r>
-                          </m:num>
-                          <m:den>
-                            <m:r>
-                              <a:rPr lang="en-US" altLang="zh-CN" b="0" i="1" smtClean="0">
-                                <a:latin typeface="Cambria Math" panose="02040503050406030204" pitchFamily="18" charset="0"/>
-                              </a:rPr>
-                              <m:t>6</m:t>
-                            </m:r>
-                          </m:den>
-                        </m:f>
-                      </m:e>
-                    </m:func>
-                    <m:r>
-                      <a:rPr lang="en-US" altLang="zh-CN" b="0" i="1" smtClean="0">
-                        <a:latin typeface="Cambria Math" panose="02040503050406030204" pitchFamily="18" charset="0"/>
-                      </a:rPr>
-                      <m:t>+</m:t>
-                    </m:r>
-                    <m:func>
-                      <m:funcPr>
-                        <m:ctrlPr>
-                          <a:rPr lang="en-US" altLang="zh-CN" b="0" i="1" smtClean="0">
-                            <a:latin typeface="Cambria Math" panose="02040503050406030204" pitchFamily="18" charset="0"/>
-                          </a:rPr>
-                        </m:ctrlPr>
-                      </m:funcPr>
-                      <m:fName>
-                        <m:r>
-                          <m:rPr>
-                            <m:sty m:val="p"/>
-                          </m:rPr>
-                          <a:rPr lang="en-US" altLang="zh-CN" b="0" i="0" smtClean="0">
-                            <a:latin typeface="Cambria Math" panose="02040503050406030204" pitchFamily="18" charset="0"/>
-                          </a:rPr>
-                          <m:t>cos</m:t>
-                        </m:r>
-                      </m:fName>
-                      <m:e>
-                        <m:f>
-                          <m:fPr>
-                            <m:ctrlPr>
-                              <a:rPr lang="en-US" altLang="zh-CN" b="0" i="1" smtClean="0">
-                                <a:latin typeface="Cambria Math" panose="02040503050406030204" pitchFamily="18" charset="0"/>
-                              </a:rPr>
-                            </m:ctrlPr>
-                          </m:fPr>
-                          <m:num>
-                            <m:r>
-                              <a:rPr lang="en-US" altLang="zh-CN" b="0" i="1" smtClean="0">
-                                <a:latin typeface="Cambria Math" panose="02040503050406030204" pitchFamily="18" charset="0"/>
-                              </a:rPr>
-                              <m:t>𝜋</m:t>
-                            </m:r>
-                          </m:num>
-                          <m:den>
-                            <m:r>
-                              <a:rPr lang="en-US" altLang="zh-CN" b="0" i="1" smtClean="0">
-                                <a:latin typeface="Cambria Math" panose="02040503050406030204" pitchFamily="18" charset="0"/>
-                              </a:rPr>
-                              <m:t>6</m:t>
-                            </m:r>
-                          </m:den>
-                        </m:f>
-                      </m:e>
-                    </m:func>
-                    <m:r>
-                      <a:rPr lang="en-US" altLang="zh-CN" b="0" i="1" smtClean="0">
-                        <a:latin typeface="Cambria Math" panose="02040503050406030204" pitchFamily="18" charset="0"/>
-                      </a:rPr>
-                      <m:t>⋅</m:t>
-                    </m:r>
-                    <m:f>
-                      <m:fPr>
-                        <m:ctrlPr>
-                          <a:rPr lang="en-US" altLang="zh-CN" b="0" i="1" smtClean="0">
-                            <a:latin typeface="Cambria Math" panose="02040503050406030204" pitchFamily="18" charset="0"/>
-                          </a:rPr>
-                        </m:ctrlPr>
-                      </m:fPr>
-                      <m:num>
-                        <m:r>
-                          <a:rPr lang="en-US" altLang="zh-CN" b="0" i="1" smtClean="0">
-                            <a:latin typeface="Cambria Math" panose="02040503050406030204" pitchFamily="18" charset="0"/>
-                          </a:rPr>
-                          <m:t>𝜋</m:t>
-                        </m:r>
-                      </m:num>
-                      <m:den>
-                        <m:r>
-                          <a:rPr lang="en-US" altLang="zh-CN" b="0" i="1" smtClean="0">
-                            <a:latin typeface="Cambria Math" panose="02040503050406030204" pitchFamily="18" charset="0"/>
-                          </a:rPr>
-                          <m:t>360</m:t>
-                        </m:r>
-                      </m:den>
-                    </m:f>
-                    <m:r>
-                      <a:rPr lang="en-US" altLang="zh-CN" b="0" i="1" smtClean="0">
-                        <a:latin typeface="Cambria Math" panose="02040503050406030204" pitchFamily="18" charset="0"/>
-                      </a:rPr>
-                      <m:t>=</m:t>
-                    </m:r>
-                    <m:f>
-                      <m:fPr>
-                        <m:ctrlPr>
-                          <a:rPr lang="en-US" altLang="zh-CN" b="0" i="1" smtClean="0">
-                            <a:latin typeface="Cambria Math" panose="02040503050406030204" pitchFamily="18" charset="0"/>
-                          </a:rPr>
-                        </m:ctrlPr>
-                      </m:fPr>
-                      <m:num>
-                        <m:r>
-                          <a:rPr lang="en-US" altLang="zh-CN" b="0" i="1" smtClean="0">
-                            <a:latin typeface="Cambria Math" panose="02040503050406030204" pitchFamily="18" charset="0"/>
-                          </a:rPr>
-                          <m:t>1</m:t>
-                        </m:r>
-                      </m:num>
-                      <m:den>
-                        <m:r>
-                          <a:rPr lang="en-US" altLang="zh-CN" b="0" i="1" smtClean="0">
-                            <a:latin typeface="Cambria Math" panose="02040503050406030204" pitchFamily="18" charset="0"/>
-                          </a:rPr>
-                          <m:t>2</m:t>
-                        </m:r>
-                      </m:den>
-                    </m:f>
-                    <m:r>
-                      <a:rPr lang="en-US" altLang="zh-CN" b="0" i="1" smtClean="0">
-                        <a:latin typeface="Cambria Math" panose="02040503050406030204" pitchFamily="18" charset="0"/>
-                      </a:rPr>
-                      <m:t>+</m:t>
-                    </m:r>
-                    <m:f>
-                      <m:fPr>
-                        <m:ctrlPr>
-                          <a:rPr lang="en-US" altLang="zh-CN" b="0" i="1" smtClean="0">
-                            <a:latin typeface="Cambria Math" panose="02040503050406030204" pitchFamily="18" charset="0"/>
-                          </a:rPr>
-                        </m:ctrlPr>
-                      </m:fPr>
-                      <m:num>
-                        <m:rad>
-                          <m:radPr>
-                            <m:degHide m:val="on"/>
-                            <m:ctrlPr>
-                              <a:rPr lang="en-US" altLang="zh-CN" b="0" i="1" smtClean="0">
-                                <a:latin typeface="Cambria Math" panose="02040503050406030204" pitchFamily="18" charset="0"/>
-                              </a:rPr>
-                            </m:ctrlPr>
-                          </m:radPr>
-                          <m:deg/>
-                          <m:e>
-                            <m:r>
-                              <a:rPr lang="en-US" altLang="zh-CN" b="0" i="1" smtClean="0">
-                                <a:latin typeface="Cambria Math" panose="02040503050406030204" pitchFamily="18" charset="0"/>
-                              </a:rPr>
-                              <m:t>3</m:t>
-                            </m:r>
-                          </m:e>
-                        </m:rad>
-                      </m:num>
-                      <m:den>
-                        <m:r>
-                          <a:rPr lang="en-US" altLang="zh-CN" b="0" i="1" smtClean="0">
-                            <a:latin typeface="Cambria Math" panose="02040503050406030204" pitchFamily="18" charset="0"/>
-                          </a:rPr>
-                          <m:t>2</m:t>
-                        </m:r>
-                      </m:den>
-                    </m:f>
-                    <m:r>
-                      <a:rPr lang="en-US" altLang="zh-CN" b="0" i="1" smtClean="0">
-                        <a:latin typeface="Cambria Math" panose="02040503050406030204" pitchFamily="18" charset="0"/>
-                      </a:rPr>
-                      <m:t>⋅</m:t>
-                    </m:r>
-                    <m:f>
-                      <m:fPr>
-                        <m:ctrlPr>
-                          <a:rPr lang="en-US" altLang="zh-CN" b="0" i="1" smtClean="0">
-                            <a:latin typeface="Cambria Math" panose="02040503050406030204" pitchFamily="18" charset="0"/>
-                          </a:rPr>
-                        </m:ctrlPr>
-                      </m:fPr>
-                      <m:num>
-                        <m:r>
-                          <a:rPr lang="en-US" altLang="zh-CN" b="0" i="1" smtClean="0">
-                            <a:latin typeface="Cambria Math" panose="02040503050406030204" pitchFamily="18" charset="0"/>
-                          </a:rPr>
-                          <m:t>𝜋</m:t>
-                        </m:r>
-                      </m:num>
-                      <m:den>
-                        <m:r>
-                          <a:rPr lang="en-US" altLang="zh-CN" b="0" i="1" smtClean="0">
-                            <a:latin typeface="Cambria Math" panose="02040503050406030204" pitchFamily="18" charset="0"/>
-                          </a:rPr>
-                          <m:t>360</m:t>
-                        </m:r>
-                      </m:den>
-                    </m:f>
-                    <m:r>
-                      <a:rPr lang="en-US" altLang="zh-CN" b="0" i="1" smtClean="0">
-                        <a:latin typeface="Cambria Math" panose="02040503050406030204" pitchFamily="18" charset="0"/>
-                      </a:rPr>
-                      <m:t>≈0.5076.</m:t>
-                    </m:r>
-                  </m:oMath>
+                  <m:oMathPara xmlns:m="http://schemas.openxmlformats.org/officeDocument/2006/math">
+                    <m:oMathParaPr>
+                      <m:jc m:val="centerGroup"/>
+                    </m:oMathParaPr>
+                    <m:oMath xmlns:m="http://schemas.openxmlformats.org/officeDocument/2006/math">
+                      <m:func>
+                        <m:funcPr>
+                          <m:ctrlPr>
+                            <a:rPr lang="en-US" altLang="zh-CN" i="1">
+                              <a:latin typeface="Cambria Math" panose="02040503050406030204" pitchFamily="18" charset="0"/>
+                            </a:rPr>
+                          </m:ctrlPr>
+                        </m:funcPr>
+                        <m:fName>
+                          <m:r>
+                            <m:rPr>
+                              <m:sty m:val="p"/>
+                            </m:rPr>
+                            <a:rPr lang="en-US" altLang="zh-CN">
+                              <a:latin typeface="Cambria Math" panose="02040503050406030204" pitchFamily="18" charset="0"/>
+                            </a:rPr>
+                            <m:t>sin</m:t>
+                          </m:r>
+                        </m:fName>
+                        <m:e>
+                          <m:sSup>
+                            <m:sSupPr>
+                              <m:ctrlPr>
+                                <a:rPr lang="en-US" altLang="zh-CN" i="1">
+                                  <a:latin typeface="Cambria Math" panose="02040503050406030204" pitchFamily="18" charset="0"/>
+                                </a:rPr>
+                              </m:ctrlPr>
+                            </m:sSupPr>
+                            <m:e>
+                              <m:r>
+                                <a:rPr lang="en-US" altLang="zh-CN" i="1">
+                                  <a:latin typeface="Cambria Math" panose="02040503050406030204" pitchFamily="18" charset="0"/>
+                                </a:rPr>
+                                <m:t>30</m:t>
+                              </m:r>
+                            </m:e>
+                            <m:sup>
+                              <m:r>
+                                <a:rPr lang="en-US" altLang="zh-CN" i="1">
+                                  <a:latin typeface="Cambria Math" panose="02040503050406030204" pitchFamily="18" charset="0"/>
+                                </a:rPr>
+                                <m:t>∘</m:t>
+                              </m:r>
+                            </m:sup>
+                          </m:sSup>
+                          <m:r>
+                            <a:rPr lang="en-US" altLang="zh-CN" i="1">
+                              <a:latin typeface="Cambria Math" panose="02040503050406030204" pitchFamily="18" charset="0"/>
+                            </a:rPr>
+                            <m:t>30′</m:t>
+                          </m:r>
+                        </m:e>
+                      </m:func>
+                      <m:r>
+                        <m:rPr>
+                          <m:aln/>
+                        </m:rPr>
+                        <a:rPr lang="en-US" altLang="zh-CN" i="1">
+                          <a:latin typeface="Cambria Math" panose="02040503050406030204" pitchFamily="18" charset="0"/>
+                        </a:rPr>
+                        <m:t>=</m:t>
+                      </m:r>
+                      <m:func>
+                        <m:funcPr>
+                          <m:ctrlPr>
+                            <a:rPr lang="en-US" altLang="zh-CN" i="1">
+                              <a:latin typeface="Cambria Math" panose="02040503050406030204" pitchFamily="18" charset="0"/>
+                            </a:rPr>
+                          </m:ctrlPr>
+                        </m:funcPr>
+                        <m:fName>
+                          <m:r>
+                            <m:rPr>
+                              <m:sty m:val="p"/>
+                            </m:rPr>
+                            <a:rPr lang="en-US" altLang="zh-CN">
+                              <a:latin typeface="Cambria Math" panose="02040503050406030204" pitchFamily="18" charset="0"/>
+                            </a:rPr>
+                            <m:t>sin</m:t>
+                          </m:r>
+                        </m:fName>
+                        <m:e>
+                          <m:d>
+                            <m:dPr>
+                              <m:ctrlPr>
+                                <a:rPr lang="en-US" altLang="zh-CN" i="1">
+                                  <a:latin typeface="Cambria Math" panose="02040503050406030204" pitchFamily="18" charset="0"/>
+                                </a:rPr>
+                              </m:ctrlPr>
+                            </m:dPr>
+                            <m:e>
+                              <m:f>
+                                <m:fPr>
+                                  <m:ctrlPr>
+                                    <a:rPr lang="en-US" altLang="zh-CN" i="1">
+                                      <a:latin typeface="Cambria Math" panose="02040503050406030204" pitchFamily="18" charset="0"/>
+                                    </a:rPr>
+                                  </m:ctrlPr>
+                                </m:fPr>
+                                <m:num>
+                                  <m:r>
+                                    <a:rPr lang="en-US" altLang="zh-CN" i="1">
+                                      <a:latin typeface="Cambria Math" panose="02040503050406030204" pitchFamily="18" charset="0"/>
+                                    </a:rPr>
+                                    <m:t>𝜋</m:t>
+                                  </m:r>
+                                </m:num>
+                                <m:den>
+                                  <m:r>
+                                    <a:rPr lang="en-US" altLang="zh-CN" i="1">
+                                      <a:latin typeface="Cambria Math" panose="02040503050406030204" pitchFamily="18" charset="0"/>
+                                    </a:rPr>
+                                    <m:t>6</m:t>
+                                  </m:r>
+                                </m:den>
+                              </m:f>
+                              <m:r>
+                                <a:rPr lang="en-US" altLang="zh-CN" i="1">
+                                  <a:latin typeface="Cambria Math" panose="02040503050406030204" pitchFamily="18" charset="0"/>
+                                </a:rPr>
+                                <m:t>+</m:t>
+                              </m:r>
+                              <m:f>
+                                <m:fPr>
+                                  <m:ctrlPr>
+                                    <a:rPr lang="en-US" altLang="zh-CN" i="1">
+                                      <a:latin typeface="Cambria Math" panose="02040503050406030204" pitchFamily="18" charset="0"/>
+                                    </a:rPr>
+                                  </m:ctrlPr>
+                                </m:fPr>
+                                <m:num>
+                                  <m:r>
+                                    <a:rPr lang="en-US" altLang="zh-CN" i="1">
+                                      <a:latin typeface="Cambria Math" panose="02040503050406030204" pitchFamily="18" charset="0"/>
+                                    </a:rPr>
+                                    <m:t>𝜋</m:t>
+                                  </m:r>
+                                </m:num>
+                                <m:den>
+                                  <m:r>
+                                    <a:rPr lang="en-US" altLang="zh-CN" i="1">
+                                      <a:latin typeface="Cambria Math" panose="02040503050406030204" pitchFamily="18" charset="0"/>
+                                    </a:rPr>
+                                    <m:t>360</m:t>
+                                  </m:r>
+                                </m:den>
+                              </m:f>
+                            </m:e>
+                          </m:d>
+                        </m:e>
+                      </m:func>
+                      <m:r>
+                        <m:rPr>
+                          <m:aln/>
+                        </m:rPr>
+                        <a:rPr lang="en-US" altLang="zh-CN" b="0" i="1" smtClean="0">
+                          <a:latin typeface="Cambria Math" panose="02040503050406030204" pitchFamily="18" charset="0"/>
+                        </a:rPr>
+                        <m:t>=</m:t>
+                      </m:r>
+                      <m:func>
+                        <m:funcPr>
+                          <m:ctrlPr>
+                            <a:rPr lang="en-US" altLang="zh-CN" b="0" i="1" smtClean="0">
+                              <a:latin typeface="Cambria Math" panose="02040503050406030204" pitchFamily="18" charset="0"/>
+                            </a:rPr>
+                          </m:ctrlPr>
+                        </m:funcPr>
+                        <m:fName>
+                          <m:r>
+                            <m:rPr>
+                              <m:sty m:val="p"/>
+                            </m:rPr>
+                            <a:rPr lang="en-US" altLang="zh-CN" b="0" i="0" smtClean="0">
+                              <a:latin typeface="Cambria Math" panose="02040503050406030204" pitchFamily="18" charset="0"/>
+                            </a:rPr>
+                            <m:t>sin</m:t>
+                          </m:r>
+                        </m:fName>
+                        <m:e>
+                          <m:f>
+                            <m:fPr>
+                              <m:ctrlPr>
+                                <a:rPr lang="en-US" altLang="zh-CN" b="0" i="1" smtClean="0">
+                                  <a:latin typeface="Cambria Math" panose="02040503050406030204" pitchFamily="18" charset="0"/>
+                                </a:rPr>
+                              </m:ctrlPr>
+                            </m:fPr>
+                            <m:num>
+                              <m:r>
+                                <a:rPr lang="en-US" altLang="zh-CN" b="0" i="1" smtClean="0">
+                                  <a:latin typeface="Cambria Math" panose="02040503050406030204" pitchFamily="18" charset="0"/>
+                                </a:rPr>
+                                <m:t>𝜋</m:t>
+                              </m:r>
+                            </m:num>
+                            <m:den>
+                              <m:r>
+                                <a:rPr lang="en-US" altLang="zh-CN" b="0" i="1" smtClean="0">
+                                  <a:latin typeface="Cambria Math" panose="02040503050406030204" pitchFamily="18" charset="0"/>
+                                </a:rPr>
+                                <m:t>6</m:t>
+                              </m:r>
+                            </m:den>
+                          </m:f>
+                        </m:e>
+                      </m:func>
+                      <m:r>
+                        <a:rPr lang="en-US" altLang="zh-CN" b="0" i="1" smtClean="0">
+                          <a:latin typeface="Cambria Math" panose="02040503050406030204" pitchFamily="18" charset="0"/>
+                        </a:rPr>
+                        <m:t>+</m:t>
+                      </m:r>
+                      <m:func>
+                        <m:funcPr>
+                          <m:ctrlPr>
+                            <a:rPr lang="en-US" altLang="zh-CN" b="0" i="1" smtClean="0">
+                              <a:latin typeface="Cambria Math" panose="02040503050406030204" pitchFamily="18" charset="0"/>
+                            </a:rPr>
+                          </m:ctrlPr>
+                        </m:funcPr>
+                        <m:fName>
+                          <m:r>
+                            <m:rPr>
+                              <m:sty m:val="p"/>
+                            </m:rPr>
+                            <a:rPr lang="en-US" altLang="zh-CN" b="0" i="0" smtClean="0">
+                              <a:latin typeface="Cambria Math" panose="02040503050406030204" pitchFamily="18" charset="0"/>
+                            </a:rPr>
+                            <m:t>cos</m:t>
+                          </m:r>
+                        </m:fName>
+                        <m:e>
+                          <m:f>
+                            <m:fPr>
+                              <m:ctrlPr>
+                                <a:rPr lang="en-US" altLang="zh-CN" b="0" i="1" smtClean="0">
+                                  <a:latin typeface="Cambria Math" panose="02040503050406030204" pitchFamily="18" charset="0"/>
+                                </a:rPr>
+                              </m:ctrlPr>
+                            </m:fPr>
+                            <m:num>
+                              <m:r>
+                                <a:rPr lang="en-US" altLang="zh-CN" b="0" i="1" smtClean="0">
+                                  <a:latin typeface="Cambria Math" panose="02040503050406030204" pitchFamily="18" charset="0"/>
+                                </a:rPr>
+                                <m:t>𝜋</m:t>
+                              </m:r>
+                            </m:num>
+                            <m:den>
+                              <m:r>
+                                <a:rPr lang="en-US" altLang="zh-CN" b="0" i="1" smtClean="0">
+                                  <a:latin typeface="Cambria Math" panose="02040503050406030204" pitchFamily="18" charset="0"/>
+                                </a:rPr>
+                                <m:t>6</m:t>
+                              </m:r>
+                            </m:den>
+                          </m:f>
+                        </m:e>
+                      </m:func>
+                      <m:r>
+                        <a:rPr lang="en-US" altLang="zh-CN" b="0" i="1" smtClean="0">
+                          <a:latin typeface="Cambria Math" panose="02040503050406030204" pitchFamily="18" charset="0"/>
+                        </a:rPr>
+                        <m:t>⋅</m:t>
+                      </m:r>
+                      <m:f>
+                        <m:fPr>
+                          <m:ctrlPr>
+                            <a:rPr lang="en-US" altLang="zh-CN" b="0" i="1" smtClean="0">
+                              <a:latin typeface="Cambria Math" panose="02040503050406030204" pitchFamily="18" charset="0"/>
+                            </a:rPr>
+                          </m:ctrlPr>
+                        </m:fPr>
+                        <m:num>
+                          <m:r>
+                            <a:rPr lang="en-US" altLang="zh-CN" b="0" i="1" smtClean="0">
+                              <a:latin typeface="Cambria Math" panose="02040503050406030204" pitchFamily="18" charset="0"/>
+                            </a:rPr>
+                            <m:t>𝜋</m:t>
+                          </m:r>
+                        </m:num>
+                        <m:den>
+                          <m:r>
+                            <a:rPr lang="en-US" altLang="zh-CN" b="0" i="1" smtClean="0">
+                              <a:latin typeface="Cambria Math" panose="02040503050406030204" pitchFamily="18" charset="0"/>
+                            </a:rPr>
+                            <m:t>360</m:t>
+                          </m:r>
+                        </m:den>
+                      </m:f>
+                    </m:oMath>
+                    <m:oMath xmlns:m="http://schemas.openxmlformats.org/officeDocument/2006/math">
+                      <m:r>
+                        <m:rPr>
+                          <m:aln/>
+                        </m:rPr>
+                        <a:rPr lang="en-US" altLang="zh-CN" b="0" i="1" smtClean="0">
+                          <a:latin typeface="Cambria Math" panose="02040503050406030204" pitchFamily="18" charset="0"/>
+                        </a:rPr>
+                        <m:t>=</m:t>
+                      </m:r>
+                      <m:f>
+                        <m:fPr>
+                          <m:ctrlPr>
+                            <a:rPr lang="en-US" altLang="zh-CN" b="0" i="1" smtClean="0">
+                              <a:latin typeface="Cambria Math" panose="02040503050406030204" pitchFamily="18" charset="0"/>
+                            </a:rPr>
+                          </m:ctrlPr>
+                        </m:fPr>
+                        <m:num>
+                          <m:r>
+                            <a:rPr lang="en-US" altLang="zh-CN" b="0" i="1" smtClean="0">
+                              <a:latin typeface="Cambria Math" panose="02040503050406030204" pitchFamily="18" charset="0"/>
+                            </a:rPr>
+                            <m:t>1</m:t>
+                          </m:r>
+                        </m:num>
+                        <m:den>
+                          <m:r>
+                            <a:rPr lang="en-US" altLang="zh-CN" b="0" i="1" smtClean="0">
+                              <a:latin typeface="Cambria Math" panose="02040503050406030204" pitchFamily="18" charset="0"/>
+                            </a:rPr>
+                            <m:t>2</m:t>
+                          </m:r>
+                        </m:den>
+                      </m:f>
+                      <m:r>
+                        <a:rPr lang="en-US" altLang="zh-CN" b="0" i="1" smtClean="0">
+                          <a:latin typeface="Cambria Math" panose="02040503050406030204" pitchFamily="18" charset="0"/>
+                        </a:rPr>
+                        <m:t>+</m:t>
+                      </m:r>
+                      <m:f>
+                        <m:fPr>
+                          <m:ctrlPr>
+                            <a:rPr lang="en-US" altLang="zh-CN" b="0" i="1" smtClean="0">
+                              <a:latin typeface="Cambria Math" panose="02040503050406030204" pitchFamily="18" charset="0"/>
+                            </a:rPr>
+                          </m:ctrlPr>
+                        </m:fPr>
+                        <m:num>
+                          <m:rad>
+                            <m:radPr>
+                              <m:degHide m:val="on"/>
+                              <m:ctrlPr>
+                                <a:rPr lang="en-US" altLang="zh-CN" b="0" i="1" smtClean="0">
+                                  <a:latin typeface="Cambria Math" panose="02040503050406030204" pitchFamily="18" charset="0"/>
+                                </a:rPr>
+                              </m:ctrlPr>
+                            </m:radPr>
+                            <m:deg/>
+                            <m:e>
+                              <m:r>
+                                <a:rPr lang="en-US" altLang="zh-CN" b="0" i="1" smtClean="0">
+                                  <a:latin typeface="Cambria Math" panose="02040503050406030204" pitchFamily="18" charset="0"/>
+                                </a:rPr>
+                                <m:t>3</m:t>
+                              </m:r>
+                            </m:e>
+                          </m:rad>
+                        </m:num>
+                        <m:den>
+                          <m:r>
+                            <a:rPr lang="en-US" altLang="zh-CN" b="0" i="1" smtClean="0">
+                              <a:latin typeface="Cambria Math" panose="02040503050406030204" pitchFamily="18" charset="0"/>
+                            </a:rPr>
+                            <m:t>2</m:t>
+                          </m:r>
+                        </m:den>
+                      </m:f>
+                      <m:r>
+                        <a:rPr lang="en-US" altLang="zh-CN" b="0" i="1" smtClean="0">
+                          <a:latin typeface="Cambria Math" panose="02040503050406030204" pitchFamily="18" charset="0"/>
+                        </a:rPr>
+                        <m:t>⋅</m:t>
+                      </m:r>
+                      <m:f>
+                        <m:fPr>
+                          <m:ctrlPr>
+                            <a:rPr lang="en-US" altLang="zh-CN" b="0" i="1" smtClean="0">
+                              <a:latin typeface="Cambria Math" panose="02040503050406030204" pitchFamily="18" charset="0"/>
+                            </a:rPr>
+                          </m:ctrlPr>
+                        </m:fPr>
+                        <m:num>
+                          <m:r>
+                            <a:rPr lang="en-US" altLang="zh-CN" b="0" i="1" smtClean="0">
+                              <a:latin typeface="Cambria Math" panose="02040503050406030204" pitchFamily="18" charset="0"/>
+                            </a:rPr>
+                            <m:t>𝜋</m:t>
+                          </m:r>
+                        </m:num>
+                        <m:den>
+                          <m:r>
+                            <a:rPr lang="en-US" altLang="zh-CN" b="0" i="1" smtClean="0">
+                              <a:latin typeface="Cambria Math" panose="02040503050406030204" pitchFamily="18" charset="0"/>
+                            </a:rPr>
+                            <m:t>360</m:t>
+                          </m:r>
+                        </m:den>
+                      </m:f>
+                      <m:r>
+                        <a:rPr lang="en-US" altLang="zh-CN" b="0" i="1" smtClean="0">
+                          <a:latin typeface="Cambria Math" panose="02040503050406030204" pitchFamily="18" charset="0"/>
+                        </a:rPr>
+                        <m:t>≈0.5076.</m:t>
+                      </m:r>
+                    </m:oMath>
+                  </m:oMathPara>
                 </a14:m>
                 <a:endParaRPr lang="en-US" altLang="zh-CN" dirty="0">
                   <a:latin typeface="Cambria Math" panose="02040503050406030204" pitchFamily="18" charset="0"/>
@@ -11168,7 +12817,7 @@
             </p:txBody>
           </p:sp>
         </mc:Choice>
-        <mc:Fallback xmlns="">
+        <mc:Fallback>
           <p:sp>
             <p:nvSpPr>
               <p:cNvPr id="4" name="文本占位符 3"/>
@@ -11183,7 +12832,7 @@
               <a:blipFill>
                 <a:blip r:embed="rId2"/>
                 <a:stretch>
-                  <a:fillRect l="-734" t="-233"/>
+                  <a:fillRect l="-734"/>
                 </a:stretch>
               </a:blipFill>
             </p:spPr>
@@ -11205,7 +12854,7 @@
     </p:spTree>
     <p:extLst>
       <p:ext uri="{BB962C8B-B14F-4D97-AF65-F5344CB8AC3E}">
-        <p14:creationId xmlns:p14="http://schemas.microsoft.com/office/powerpoint/2010/main" val="1817096026"/>
+        <p14:creationId xmlns:p14="http://schemas.microsoft.com/office/powerpoint/2010/main" val="888364564"/>
       </p:ext>
     </p:extLst>
   </p:cSld>
@@ -11586,67 +13235,6 @@
                       </p:childTnLst>
                     </p:cTn>
                   </p:par>
-                  <p:par>
-                    <p:cTn id="33" fill="hold">
-                      <p:stCondLst>
-                        <p:cond delay="indefinite"/>
-                      </p:stCondLst>
-                      <p:childTnLst>
-                        <p:par>
-                          <p:cTn id="34" fill="hold">
-                            <p:stCondLst>
-                              <p:cond delay="0"/>
-                            </p:stCondLst>
-                            <p:childTnLst>
-                              <p:par>
-                                <p:cTn id="35" presetID="10" presetClass="entr" presetSubtype="0" fill="hold" grpId="0" nodeType="clickEffect">
-                                  <p:stCondLst>
-                                    <p:cond delay="0"/>
-                                  </p:stCondLst>
-                                  <p:childTnLst>
-                                    <p:set>
-                                      <p:cBhvr>
-                                        <p:cTn id="36" dur="1" fill="hold">
-                                          <p:stCondLst>
-                                            <p:cond delay="0"/>
-                                          </p:stCondLst>
-                                        </p:cTn>
-                                        <p:tgtEl>
-                                          <p:spTgt spid="4">
-                                            <p:txEl>
-                                              <p:pRg st="6" end="6"/>
-                                            </p:txEl>
-                                          </p:spTgt>
-                                        </p:tgtEl>
-                                        <p:attrNameLst>
-                                          <p:attrName>style.visibility</p:attrName>
-                                        </p:attrNameLst>
-                                      </p:cBhvr>
-                                      <p:to>
-                                        <p:strVal val="visible"/>
-                                      </p:to>
-                                    </p:set>
-                                    <p:animEffect transition="in" filter="fade">
-                                      <p:cBhvr>
-                                        <p:cTn id="37" dur="500"/>
-                                        <p:tgtEl>
-                                          <p:spTgt spid="4">
-                                            <p:txEl>
-                                              <p:pRg st="6" end="6"/>
-                                            </p:txEl>
-                                          </p:spTgt>
-                                        </p:tgtEl>
-                                      </p:cBhvr>
-                                    </p:animEffect>
-                                  </p:childTnLst>
-                                </p:cTn>
-                              </p:par>
-                            </p:childTnLst>
-                          </p:cTn>
-                        </p:par>
-                      </p:childTnLst>
-                    </p:cTn>
-                  </p:par>
                 </p:childTnLst>
               </p:cTn>
               <p:prevCondLst>
@@ -11675,7 +13263,7 @@
 </p:sld>
 </file>
 
-<file path=ppt/slides/slide15.xml><?xml version="1.0" encoding="utf-8"?>
+<file path=ppt/slides/slide17.xml><?xml version="1.0" encoding="utf-8"?>
 <p:sld xmlns:a="http://schemas.openxmlformats.org/drawingml/2006/main" xmlns:r="http://schemas.openxmlformats.org/officeDocument/2006/relationships" xmlns:p="http://schemas.openxmlformats.org/presentationml/2006/main">
   <p:cSld>
     <p:spTree>
@@ -11692,8 +13280,8 @@
           <a:chExt cx="0" cy="0"/>
         </a:xfrm>
       </p:grpSpPr>
-      <mc:AlternateContent xmlns:mc="http://schemas.openxmlformats.org/markup-compatibility/2006" xmlns:a14="http://schemas.microsoft.com/office/drawing/2010/main">
-        <mc:Choice Requires="a14">
+      <mc:AlternateContent xmlns:mc="http://schemas.openxmlformats.org/markup-compatibility/2006">
+        <mc:Choice xmlns:a14="http://schemas.microsoft.com/office/drawing/2010/main" Requires="a14">
           <p:sp>
             <p:nvSpPr>
               <p:cNvPr id="4" name="文本占位符 3"/>
@@ -11707,7 +13295,7 @@
             <p:spPr/>
             <p:txBody>
               <a:bodyPr>
-                <a:normAutofit/>
+                <a:normAutofit lnSpcReduction="10000"/>
               </a:bodyPr>
               <a:lstStyle/>
               <a:p>
@@ -11988,258 +13576,266 @@
                 </a:endParaRPr>
               </a:p>
               <a:p>
+                <a:pPr marL="0" indent="0">
+                  <a:buNone/>
+                </a:pPr>
                 <a14:m>
-                  <m:oMath xmlns:m="http://schemas.openxmlformats.org/officeDocument/2006/math">
-                    <m:r>
-                      <m:rPr>
-                        <m:sty m:val="p"/>
-                      </m:rPr>
-                      <a:rPr lang="en-US" altLang="zh-CN" b="0" i="0" smtClean="0">
-                        <a:latin typeface="Cambria Math" panose="02040503050406030204" pitchFamily="18" charset="0"/>
-                      </a:rPr>
-                      <m:t>Δ</m:t>
-                    </m:r>
-                    <m:r>
-                      <a:rPr lang="en-US" altLang="zh-CN" b="0" i="1" smtClean="0">
-                        <a:latin typeface="Cambria Math" panose="02040503050406030204" pitchFamily="18" charset="0"/>
-                      </a:rPr>
-                      <m:t>𝑉</m:t>
-                    </m:r>
-                    <m:r>
-                      <a:rPr lang="en-US" altLang="zh-CN" b="0" i="1" smtClean="0">
-                        <a:latin typeface="Cambria Math" panose="02040503050406030204" pitchFamily="18" charset="0"/>
-                      </a:rPr>
-                      <m:t>≈</m:t>
-                    </m:r>
-                    <m:r>
-                      <m:rPr>
-                        <m:sty m:val="p"/>
-                      </m:rPr>
-                      <a:rPr lang="en-US" altLang="zh-CN" b="0" i="0" smtClean="0">
-                        <a:latin typeface="Cambria Math" panose="02040503050406030204" pitchFamily="18" charset="0"/>
-                      </a:rPr>
-                      <m:t>d</m:t>
-                    </m:r>
-                    <m:r>
-                      <a:rPr lang="en-US" altLang="zh-CN" b="0" i="1" smtClean="0">
-                        <a:latin typeface="Cambria Math" panose="02040503050406030204" pitchFamily="18" charset="0"/>
-                      </a:rPr>
-                      <m:t>𝑉</m:t>
-                    </m:r>
-                    <m:r>
-                      <a:rPr lang="en-US" altLang="zh-CN" b="0" i="1" smtClean="0">
-                        <a:latin typeface="Cambria Math" panose="02040503050406030204" pitchFamily="18" charset="0"/>
-                      </a:rPr>
-                      <m:t>=</m:t>
-                    </m:r>
-                    <m:sSup>
-                      <m:sSupPr>
-                        <m:ctrlPr>
-                          <a:rPr lang="en-US" altLang="zh-CN" b="0" i="1" smtClean="0">
-                            <a:latin typeface="Cambria Math" panose="02040503050406030204" pitchFamily="18" charset="0"/>
-                          </a:rPr>
-                        </m:ctrlPr>
-                      </m:sSupPr>
-                      <m:e>
-                        <m:r>
-                          <a:rPr lang="en-US" altLang="zh-CN" b="0" i="1" smtClean="0">
-                            <a:latin typeface="Cambria Math" panose="02040503050406030204" pitchFamily="18" charset="0"/>
-                          </a:rPr>
-                          <m:t>𝑉</m:t>
-                        </m:r>
-                      </m:e>
-                      <m:sup>
-                        <m:r>
-                          <a:rPr lang="en-US" altLang="zh-CN" b="0" i="1" smtClean="0">
-                            <a:latin typeface="Cambria Math" panose="02040503050406030204" pitchFamily="18" charset="0"/>
-                          </a:rPr>
-                          <m:t>′</m:t>
-                        </m:r>
-                      </m:sup>
-                    </m:sSup>
-                    <m:d>
-                      <m:dPr>
-                        <m:ctrlPr>
-                          <a:rPr lang="en-US" altLang="zh-CN" b="0" i="1" smtClean="0">
-                            <a:latin typeface="Cambria Math" panose="02040503050406030204" pitchFamily="18" charset="0"/>
-                          </a:rPr>
-                        </m:ctrlPr>
-                      </m:dPr>
-                      <m:e>
-                        <m:sSub>
-                          <m:sSubPr>
-                            <m:ctrlPr>
-                              <a:rPr lang="en-US" altLang="zh-CN" b="0" i="1" smtClean="0">
-                                <a:latin typeface="Cambria Math" panose="02040503050406030204" pitchFamily="18" charset="0"/>
-                              </a:rPr>
-                            </m:ctrlPr>
-                          </m:sSubPr>
-                          <m:e>
-                            <m:r>
-                              <a:rPr lang="en-US" altLang="zh-CN" b="0" i="1" smtClean="0">
-                                <a:latin typeface="Cambria Math" panose="02040503050406030204" pitchFamily="18" charset="0"/>
-                              </a:rPr>
-                              <m:t>𝑟</m:t>
-                            </m:r>
-                          </m:e>
-                          <m:sub>
-                            <m:r>
-                              <a:rPr lang="en-US" altLang="zh-CN" b="0" i="1" smtClean="0">
-                                <a:latin typeface="Cambria Math" panose="02040503050406030204" pitchFamily="18" charset="0"/>
-                              </a:rPr>
-                              <m:t>0</m:t>
-                            </m:r>
-                          </m:sub>
-                        </m:sSub>
-                      </m:e>
-                    </m:d>
-                    <m:r>
-                      <m:rPr>
-                        <m:sty m:val="p"/>
-                      </m:rPr>
-                      <a:rPr lang="en-US" altLang="zh-CN" b="0" i="0" smtClean="0">
-                        <a:latin typeface="Cambria Math" panose="02040503050406030204" pitchFamily="18" charset="0"/>
-                      </a:rPr>
-                      <m:t>Δ</m:t>
-                    </m:r>
-                    <m:r>
-                      <a:rPr lang="en-US" altLang="zh-CN" b="0" i="1" smtClean="0">
-                        <a:latin typeface="Cambria Math" panose="02040503050406030204" pitchFamily="18" charset="0"/>
-                      </a:rPr>
-                      <m:t>𝑟</m:t>
-                    </m:r>
-                    <m:r>
-                      <a:rPr lang="en-US" altLang="zh-CN" b="0" i="0" smtClean="0">
-                        <a:latin typeface="Cambria Math" panose="02040503050406030204" pitchFamily="18" charset="0"/>
-                      </a:rPr>
-                      <m:t>=4</m:t>
-                    </m:r>
-                    <m:r>
-                      <a:rPr lang="en-US" altLang="zh-CN" b="0" i="1" smtClean="0">
-                        <a:latin typeface="Cambria Math" panose="02040503050406030204" pitchFamily="18" charset="0"/>
-                      </a:rPr>
-                      <m:t>𝜋</m:t>
-                    </m:r>
-                    <m:sSubSup>
-                      <m:sSubSupPr>
-                        <m:ctrlPr>
-                          <a:rPr lang="en-US" altLang="zh-CN" b="0" i="1" smtClean="0">
-                            <a:latin typeface="Cambria Math" panose="02040503050406030204" pitchFamily="18" charset="0"/>
-                          </a:rPr>
-                        </m:ctrlPr>
-                      </m:sSubSupPr>
-                      <m:e>
-                        <m:r>
-                          <a:rPr lang="en-US" altLang="zh-CN" b="0" i="1" smtClean="0">
-                            <a:latin typeface="Cambria Math" panose="02040503050406030204" pitchFamily="18" charset="0"/>
-                          </a:rPr>
-                          <m:t>𝑟</m:t>
-                        </m:r>
-                      </m:e>
-                      <m:sub>
-                        <m:r>
-                          <a:rPr lang="en-US" altLang="zh-CN" b="0" i="1" smtClean="0">
-                            <a:latin typeface="Cambria Math" panose="02040503050406030204" pitchFamily="18" charset="0"/>
-                          </a:rPr>
-                          <m:t>0</m:t>
-                        </m:r>
-                      </m:sub>
-                      <m:sup>
-                        <m:r>
-                          <a:rPr lang="en-US" altLang="zh-CN" b="0" i="1" smtClean="0">
-                            <a:latin typeface="Cambria Math" panose="02040503050406030204" pitchFamily="18" charset="0"/>
-                          </a:rPr>
-                          <m:t>2</m:t>
-                        </m:r>
-                      </m:sup>
-                    </m:sSubSup>
-                    <m:r>
-                      <m:rPr>
-                        <m:sty m:val="p"/>
-                      </m:rPr>
-                      <a:rPr lang="en-US" altLang="zh-CN" b="0" i="0" smtClean="0">
-                        <a:latin typeface="Cambria Math" panose="02040503050406030204" pitchFamily="18" charset="0"/>
-                      </a:rPr>
-                      <m:t>Δ</m:t>
-                    </m:r>
-                    <m:r>
-                      <a:rPr lang="en-US" altLang="zh-CN" b="0" i="1" smtClean="0">
-                        <a:latin typeface="Cambria Math" panose="02040503050406030204" pitchFamily="18" charset="0"/>
-                      </a:rPr>
-                      <m:t>𝑟</m:t>
-                    </m:r>
-                    <m:r>
-                      <a:rPr lang="en-US" altLang="zh-CN" b="0" i="1" smtClean="0">
-                        <a:latin typeface="Cambria Math" panose="02040503050406030204" pitchFamily="18" charset="0"/>
-                      </a:rPr>
-                      <m:t>≈4×3.14×</m:t>
-                    </m:r>
-                    <m:sSup>
-                      <m:sSupPr>
-                        <m:ctrlPr>
-                          <a:rPr lang="en-US" altLang="zh-CN" b="0" i="1" smtClean="0">
-                            <a:latin typeface="Cambria Math" panose="02040503050406030204" pitchFamily="18" charset="0"/>
-                          </a:rPr>
-                        </m:ctrlPr>
-                      </m:sSupPr>
-                      <m:e>
-                        <m:r>
-                          <a:rPr lang="en-US" altLang="zh-CN" b="0" i="1" smtClean="0">
-                            <a:latin typeface="Cambria Math" panose="02040503050406030204" pitchFamily="18" charset="0"/>
-                          </a:rPr>
-                          <m:t>10</m:t>
-                        </m:r>
-                      </m:e>
-                      <m:sup>
-                        <m:r>
-                          <a:rPr lang="en-US" altLang="zh-CN" b="0" i="1" smtClean="0">
-                            <a:latin typeface="Cambria Math" panose="02040503050406030204" pitchFamily="18" charset="0"/>
-                          </a:rPr>
-                          <m:t>2</m:t>
-                        </m:r>
-                      </m:sup>
-                    </m:sSup>
-                    <m:r>
-                      <a:rPr lang="en-US" altLang="zh-CN" b="0" i="1" smtClean="0">
-                        <a:latin typeface="Cambria Math" panose="02040503050406030204" pitchFamily="18" charset="0"/>
-                      </a:rPr>
-                      <m:t>×0.001=1.256 </m:t>
-                    </m:r>
-                    <m:sSup>
-                      <m:sSupPr>
-                        <m:ctrlPr>
-                          <a:rPr lang="en-US" altLang="zh-CN" b="0" i="1" smtClean="0">
-                            <a:latin typeface="Cambria Math" panose="02040503050406030204" pitchFamily="18" charset="0"/>
-                          </a:rPr>
-                        </m:ctrlPr>
-                      </m:sSupPr>
-                      <m:e>
-                        <m:r>
-                          <m:rPr>
-                            <m:sty m:val="p"/>
-                          </m:rPr>
-                          <a:rPr lang="en-US" altLang="zh-CN" b="0" i="0" smtClean="0">
-                            <a:latin typeface="Cambria Math" panose="02040503050406030204" pitchFamily="18" charset="0"/>
-                          </a:rPr>
-                          <m:t>cm</m:t>
-                        </m:r>
-                      </m:e>
-                      <m:sup>
-                        <m:r>
-                          <a:rPr lang="en-US" altLang="zh-CN" b="0" i="0" smtClean="0">
-                            <a:latin typeface="Cambria Math" panose="02040503050406030204" pitchFamily="18" charset="0"/>
-                          </a:rPr>
-                          <m:t>3</m:t>
-                        </m:r>
-                      </m:sup>
-                    </m:sSup>
-                    <m:r>
-                      <a:rPr lang="en-US" altLang="zh-CN" b="0" i="0" smtClean="0">
-                        <a:latin typeface="Cambria Math" panose="02040503050406030204" pitchFamily="18" charset="0"/>
-                      </a:rPr>
-                      <m:t>.</m:t>
-                    </m:r>
-                  </m:oMath>
+                  <m:oMathPara xmlns:m="http://schemas.openxmlformats.org/officeDocument/2006/math">
+                    <m:oMathParaPr>
+                      <m:jc m:val="centerGroup"/>
+                    </m:oMathParaPr>
+                    <m:oMath xmlns:m="http://schemas.openxmlformats.org/officeDocument/2006/math">
+                      <m:r>
+                        <m:rPr>
+                          <m:sty m:val="p"/>
+                        </m:rPr>
+                        <a:rPr lang="en-US" altLang="zh-CN" b="0" i="0" smtClean="0">
+                          <a:latin typeface="Cambria Math" panose="02040503050406030204" pitchFamily="18" charset="0"/>
+                        </a:rPr>
+                        <m:t>Δ</m:t>
+                      </m:r>
+                      <m:r>
+                        <a:rPr lang="en-US" altLang="zh-CN" b="0" i="1" smtClean="0">
+                          <a:latin typeface="Cambria Math" panose="02040503050406030204" pitchFamily="18" charset="0"/>
+                        </a:rPr>
+                        <m:t>𝑉</m:t>
+                      </m:r>
+                      <m:r>
+                        <a:rPr lang="en-US" altLang="zh-CN" b="0" i="1" smtClean="0">
+                          <a:latin typeface="Cambria Math" panose="02040503050406030204" pitchFamily="18" charset="0"/>
+                        </a:rPr>
+                        <m:t>≈</m:t>
+                      </m:r>
+                      <m:r>
+                        <m:rPr>
+                          <m:sty m:val="p"/>
+                        </m:rPr>
+                        <a:rPr lang="en-US" altLang="zh-CN" b="0" i="0" smtClean="0">
+                          <a:latin typeface="Cambria Math" panose="02040503050406030204" pitchFamily="18" charset="0"/>
+                        </a:rPr>
+                        <m:t>d</m:t>
+                      </m:r>
+                      <m:r>
+                        <a:rPr lang="en-US" altLang="zh-CN" b="0" i="1" smtClean="0">
+                          <a:latin typeface="Cambria Math" panose="02040503050406030204" pitchFamily="18" charset="0"/>
+                        </a:rPr>
+                        <m:t>𝑉</m:t>
+                      </m:r>
+                      <m:r>
+                        <a:rPr lang="en-US" altLang="zh-CN" b="0" i="1" smtClean="0">
+                          <a:latin typeface="Cambria Math" panose="02040503050406030204" pitchFamily="18" charset="0"/>
+                        </a:rPr>
+                        <m:t>=</m:t>
+                      </m:r>
+                      <m:sSup>
+                        <m:sSupPr>
+                          <m:ctrlPr>
+                            <a:rPr lang="en-US" altLang="zh-CN" b="0" i="1" smtClean="0">
+                              <a:latin typeface="Cambria Math" panose="02040503050406030204" pitchFamily="18" charset="0"/>
+                            </a:rPr>
+                          </m:ctrlPr>
+                        </m:sSupPr>
+                        <m:e>
+                          <m:r>
+                            <a:rPr lang="en-US" altLang="zh-CN" b="0" i="1" smtClean="0">
+                              <a:latin typeface="Cambria Math" panose="02040503050406030204" pitchFamily="18" charset="0"/>
+                            </a:rPr>
+                            <m:t>𝑉</m:t>
+                          </m:r>
+                        </m:e>
+                        <m:sup>
+                          <m:r>
+                            <a:rPr lang="en-US" altLang="zh-CN" b="0" i="1" smtClean="0">
+                              <a:latin typeface="Cambria Math" panose="02040503050406030204" pitchFamily="18" charset="0"/>
+                            </a:rPr>
+                            <m:t>′</m:t>
+                          </m:r>
+                        </m:sup>
+                      </m:sSup>
+                      <m:d>
+                        <m:dPr>
+                          <m:ctrlPr>
+                            <a:rPr lang="en-US" altLang="zh-CN" b="0" i="1" smtClean="0">
+                              <a:latin typeface="Cambria Math" panose="02040503050406030204" pitchFamily="18" charset="0"/>
+                            </a:rPr>
+                          </m:ctrlPr>
+                        </m:dPr>
+                        <m:e>
+                          <m:sSub>
+                            <m:sSubPr>
+                              <m:ctrlPr>
+                                <a:rPr lang="en-US" altLang="zh-CN" b="0" i="1" smtClean="0">
+                                  <a:latin typeface="Cambria Math" panose="02040503050406030204" pitchFamily="18" charset="0"/>
+                                </a:rPr>
+                              </m:ctrlPr>
+                            </m:sSubPr>
+                            <m:e>
+                              <m:r>
+                                <a:rPr lang="en-US" altLang="zh-CN" b="0" i="1" smtClean="0">
+                                  <a:latin typeface="Cambria Math" panose="02040503050406030204" pitchFamily="18" charset="0"/>
+                                </a:rPr>
+                                <m:t>𝑟</m:t>
+                              </m:r>
+                            </m:e>
+                            <m:sub>
+                              <m:r>
+                                <a:rPr lang="en-US" altLang="zh-CN" b="0" i="1" smtClean="0">
+                                  <a:latin typeface="Cambria Math" panose="02040503050406030204" pitchFamily="18" charset="0"/>
+                                </a:rPr>
+                                <m:t>0</m:t>
+                              </m:r>
+                            </m:sub>
+                          </m:sSub>
+                        </m:e>
+                      </m:d>
+                      <m:r>
+                        <m:rPr>
+                          <m:sty m:val="p"/>
+                        </m:rPr>
+                        <a:rPr lang="en-US" altLang="zh-CN" b="0" i="0" smtClean="0">
+                          <a:latin typeface="Cambria Math" panose="02040503050406030204" pitchFamily="18" charset="0"/>
+                        </a:rPr>
+                        <m:t>Δ</m:t>
+                      </m:r>
+                      <m:r>
+                        <a:rPr lang="en-US" altLang="zh-CN" b="0" i="1" smtClean="0">
+                          <a:latin typeface="Cambria Math" panose="02040503050406030204" pitchFamily="18" charset="0"/>
+                        </a:rPr>
+                        <m:t>𝑟</m:t>
+                      </m:r>
+                      <m:r>
+                        <a:rPr lang="en-US" altLang="zh-CN" b="0" i="0" smtClean="0">
+                          <a:latin typeface="Cambria Math" panose="02040503050406030204" pitchFamily="18" charset="0"/>
+                        </a:rPr>
+                        <m:t>=4</m:t>
+                      </m:r>
+                      <m:r>
+                        <a:rPr lang="en-US" altLang="zh-CN" b="0" i="1" smtClean="0">
+                          <a:latin typeface="Cambria Math" panose="02040503050406030204" pitchFamily="18" charset="0"/>
+                        </a:rPr>
+                        <m:t>𝜋</m:t>
+                      </m:r>
+                      <m:sSubSup>
+                        <m:sSubSupPr>
+                          <m:ctrlPr>
+                            <a:rPr lang="en-US" altLang="zh-CN" b="0" i="1" smtClean="0">
+                              <a:latin typeface="Cambria Math" panose="02040503050406030204" pitchFamily="18" charset="0"/>
+                            </a:rPr>
+                          </m:ctrlPr>
+                        </m:sSubSupPr>
+                        <m:e>
+                          <m:r>
+                            <a:rPr lang="en-US" altLang="zh-CN" b="0" i="1" smtClean="0">
+                              <a:latin typeface="Cambria Math" panose="02040503050406030204" pitchFamily="18" charset="0"/>
+                            </a:rPr>
+                            <m:t>𝑟</m:t>
+                          </m:r>
+                        </m:e>
+                        <m:sub>
+                          <m:r>
+                            <a:rPr lang="en-US" altLang="zh-CN" b="0" i="1" smtClean="0">
+                              <a:latin typeface="Cambria Math" panose="02040503050406030204" pitchFamily="18" charset="0"/>
+                            </a:rPr>
+                            <m:t>0</m:t>
+                          </m:r>
+                        </m:sub>
+                        <m:sup>
+                          <m:r>
+                            <a:rPr lang="en-US" altLang="zh-CN" b="0" i="1" smtClean="0">
+                              <a:latin typeface="Cambria Math" panose="02040503050406030204" pitchFamily="18" charset="0"/>
+                            </a:rPr>
+                            <m:t>2</m:t>
+                          </m:r>
+                        </m:sup>
+                      </m:sSubSup>
+                      <m:r>
+                        <m:rPr>
+                          <m:sty m:val="p"/>
+                        </m:rPr>
+                        <a:rPr lang="en-US" altLang="zh-CN" b="0" i="0" smtClean="0">
+                          <a:latin typeface="Cambria Math" panose="02040503050406030204" pitchFamily="18" charset="0"/>
+                        </a:rPr>
+                        <m:t>Δ</m:t>
+                      </m:r>
+                      <m:r>
+                        <a:rPr lang="en-US" altLang="zh-CN" b="0" i="1" smtClean="0">
+                          <a:latin typeface="Cambria Math" panose="02040503050406030204" pitchFamily="18" charset="0"/>
+                        </a:rPr>
+                        <m:t>𝑟</m:t>
+                      </m:r>
+                      <m:r>
+                        <a:rPr lang="en-US" altLang="zh-CN" b="0" i="1" smtClean="0">
+                          <a:latin typeface="Cambria Math" panose="02040503050406030204" pitchFamily="18" charset="0"/>
+                        </a:rPr>
+                        <m:t>≈4×3.14×</m:t>
+                      </m:r>
+                      <m:sSup>
+                        <m:sSupPr>
+                          <m:ctrlPr>
+                            <a:rPr lang="en-US" altLang="zh-CN" b="0" i="1" smtClean="0">
+                              <a:latin typeface="Cambria Math" panose="02040503050406030204" pitchFamily="18" charset="0"/>
+                            </a:rPr>
+                          </m:ctrlPr>
+                        </m:sSupPr>
+                        <m:e>
+                          <m:r>
+                            <a:rPr lang="en-US" altLang="zh-CN" b="0" i="1" smtClean="0">
+                              <a:latin typeface="Cambria Math" panose="02040503050406030204" pitchFamily="18" charset="0"/>
+                            </a:rPr>
+                            <m:t>10</m:t>
+                          </m:r>
+                        </m:e>
+                        <m:sup>
+                          <m:r>
+                            <a:rPr lang="en-US" altLang="zh-CN" b="0" i="1" smtClean="0">
+                              <a:latin typeface="Cambria Math" panose="02040503050406030204" pitchFamily="18" charset="0"/>
+                            </a:rPr>
+                            <m:t>2</m:t>
+                          </m:r>
+                        </m:sup>
+                      </m:sSup>
+                      <m:r>
+                        <a:rPr lang="en-US" altLang="zh-CN" b="0" i="1" smtClean="0">
+                          <a:latin typeface="Cambria Math" panose="02040503050406030204" pitchFamily="18" charset="0"/>
+                        </a:rPr>
+                        <m:t>×0.001=1.256 </m:t>
+                      </m:r>
+                      <m:sSup>
+                        <m:sSupPr>
+                          <m:ctrlPr>
+                            <a:rPr lang="en-US" altLang="zh-CN" b="0" i="1" smtClean="0">
+                              <a:latin typeface="Cambria Math" panose="02040503050406030204" pitchFamily="18" charset="0"/>
+                            </a:rPr>
+                          </m:ctrlPr>
+                        </m:sSupPr>
+                        <m:e>
+                          <m:r>
+                            <m:rPr>
+                              <m:sty m:val="p"/>
+                            </m:rPr>
+                            <a:rPr lang="en-US" altLang="zh-CN" b="0" i="0" smtClean="0">
+                              <a:latin typeface="Cambria Math" panose="02040503050406030204" pitchFamily="18" charset="0"/>
+                            </a:rPr>
+                            <m:t>cm</m:t>
+                          </m:r>
+                        </m:e>
+                        <m:sup>
+                          <m:r>
+                            <a:rPr lang="en-US" altLang="zh-CN" b="0" i="0" smtClean="0">
+                              <a:latin typeface="Cambria Math" panose="02040503050406030204" pitchFamily="18" charset="0"/>
+                            </a:rPr>
+                            <m:t>3</m:t>
+                          </m:r>
+                        </m:sup>
+                      </m:sSup>
+                      <m:r>
+                        <a:rPr lang="en-US" altLang="zh-CN" b="0" i="0" smtClean="0">
+                          <a:latin typeface="Cambria Math" panose="02040503050406030204" pitchFamily="18" charset="0"/>
+                        </a:rPr>
+                        <m:t>.</m:t>
+                      </m:r>
+                    </m:oMath>
+                  </m:oMathPara>
                 </a14:m>
                 <a:endParaRPr lang="en-US" altLang="zh-CN" dirty="0" smtClean="0">
                   <a:latin typeface="Cambria Math" panose="02040503050406030204" pitchFamily="18" charset="0"/>
@@ -12531,7 +14127,7 @@
             </p:txBody>
           </p:sp>
         </mc:Choice>
-        <mc:Fallback xmlns="">
+        <mc:Fallback>
           <p:sp>
             <p:nvSpPr>
               <p:cNvPr id="4" name="文本占位符 3"/>
@@ -12546,7 +14142,7 @@
               <a:blipFill>
                 <a:blip r:embed="rId2"/>
                 <a:stretch>
-                  <a:fillRect l="-734" t="-233" r="-1862"/>
+                  <a:fillRect l="-734" r="-847" b="-584"/>
                 </a:stretch>
               </a:blipFill>
             </p:spPr>
@@ -15914,8 +17510,8 @@
           <a:chExt cx="0" cy="0"/>
         </a:xfrm>
       </p:grpSpPr>
-      <mc:AlternateContent xmlns:mc="http://schemas.openxmlformats.org/markup-compatibility/2006" xmlns:a14="http://schemas.microsoft.com/office/drawing/2010/main">
-        <mc:Choice Requires="a14">
+      <mc:AlternateContent xmlns:mc="http://schemas.openxmlformats.org/markup-compatibility/2006">
+        <mc:Choice xmlns:a14="http://schemas.microsoft.com/office/drawing/2010/main" Requires="a14">
           <p:sp>
             <p:nvSpPr>
               <p:cNvPr id="4" name="文本占位符 3"/>
@@ -17425,15 +19021,12 @@
                   <a:rPr lang="en-US" altLang="zh-CN" dirty="0" smtClean="0"/>
                   <a:t>.</a:t>
                 </a:r>
-                <a:endParaRPr lang="en-US" altLang="zh-CN" dirty="0"/>
-              </a:p>
-              <a:p>
                 <a:endParaRPr lang="en-US" altLang="zh-CN" dirty="0" smtClean="0"/>
               </a:p>
             </p:txBody>
           </p:sp>
         </mc:Choice>
-        <mc:Fallback xmlns="">
+        <mc:Fallback>
           <p:sp>
             <p:nvSpPr>
               <p:cNvPr id="4" name="文本占位符 3"/>
@@ -17448,7 +19041,7 @@
               <a:blipFill>
                 <a:blip r:embed="rId2"/>
                 <a:stretch>
-                  <a:fillRect l="-734" t="-10735" r="-2709" b="-467"/>
+                  <a:fillRect l="-734" t="-7360" r="-1524" b="-13435"/>
                 </a:stretch>
               </a:blipFill>
             </p:spPr>
@@ -17835,8 +19428,8 @@
           <a:chExt cx="0" cy="0"/>
         </a:xfrm>
       </p:grpSpPr>
-      <mc:AlternateContent xmlns:mc="http://schemas.openxmlformats.org/markup-compatibility/2006" xmlns:a14="http://schemas.microsoft.com/office/drawing/2010/main">
-        <mc:Choice Requires="a14">
+      <mc:AlternateContent xmlns:mc="http://schemas.openxmlformats.org/markup-compatibility/2006">
+        <mc:Choice xmlns:a14="http://schemas.microsoft.com/office/drawing/2010/main" Requires="a14">
           <p:sp>
             <p:nvSpPr>
               <p:cNvPr id="4" name="文本占位符 3"/>
@@ -17850,7 +19443,7 @@
             <p:spPr/>
             <p:txBody>
               <a:bodyPr>
-                <a:normAutofit/>
+                <a:normAutofit fontScale="92500"/>
               </a:bodyPr>
               <a:lstStyle/>
               <a:p>
@@ -18841,7 +20434,11 @@
               <a:p>
                 <a:r>
                   <a:rPr lang="zh-CN" altLang="en-US" dirty="0"/>
-                  <a:t>因此函数 </a:t>
+                  <a:t>所以</a:t>
+                </a:r>
+                <a:r>
+                  <a:rPr lang="zh-CN" altLang="en-US" dirty="0" smtClean="0"/>
+                  <a:t>函数 </a:t>
                 </a:r>
                 <a14:m>
                   <m:oMath xmlns:m="http://schemas.openxmlformats.org/officeDocument/2006/math">
@@ -19740,18 +21337,12 @@
                   <a:rPr lang="en-US" altLang="zh-CN" dirty="0" smtClean="0"/>
                   <a:t>.</a:t>
                 </a:r>
-                <a:endParaRPr lang="en-US" altLang="zh-CN" dirty="0"/>
-              </a:p>
-              <a:p>
-                <a:endParaRPr lang="en-US" altLang="zh-CN" dirty="0" smtClean="0"/>
-              </a:p>
-              <a:p>
                 <a:endParaRPr lang="en-US" altLang="zh-CN" dirty="0" smtClean="0"/>
               </a:p>
             </p:txBody>
           </p:sp>
         </mc:Choice>
-        <mc:Fallback xmlns="">
+        <mc:Fallback>
           <p:sp>
             <p:nvSpPr>
               <p:cNvPr id="4" name="文本占位符 3"/>
@@ -19766,7 +21357,7 @@
               <a:blipFill>
                 <a:blip r:embed="rId2"/>
                 <a:stretch>
-                  <a:fillRect l="-734" t="-233" r="-395"/>
+                  <a:fillRect l="-621" b="-1285"/>
                 </a:stretch>
               </a:blipFill>
             </p:spPr>
@@ -20153,8 +21744,8 @@
           <a:chExt cx="0" cy="0"/>
         </a:xfrm>
       </p:grpSpPr>
-      <mc:AlternateContent xmlns:mc="http://schemas.openxmlformats.org/markup-compatibility/2006" xmlns:a14="http://schemas.microsoft.com/office/drawing/2010/main">
-        <mc:Choice Requires="a14">
+      <mc:AlternateContent xmlns:mc="http://schemas.openxmlformats.org/markup-compatibility/2006">
+        <mc:Choice xmlns:a14="http://schemas.microsoft.com/office/drawing/2010/main" Requires="a14">
           <p:sp>
             <p:nvSpPr>
               <p:cNvPr id="4" name="文本占位符 3"/>
@@ -20168,7 +21759,7 @@
             <p:spPr/>
             <p:txBody>
               <a:bodyPr>
-                <a:normAutofit/>
+                <a:normAutofit fontScale="92500" lnSpcReduction="10000"/>
               </a:bodyPr>
               <a:lstStyle/>
               <a:p>
@@ -21355,18 +22946,12 @@
                   <a:rPr lang="en-US" altLang="zh-CN" dirty="0" smtClean="0"/>
                   <a:t>.</a:t>
                 </a:r>
-                <a:endParaRPr lang="en-US" altLang="zh-CN" dirty="0"/>
-              </a:p>
-              <a:p>
-                <a:pPr marL="0" indent="0">
-                  <a:buNone/>
-                </a:pPr>
                 <a:endParaRPr lang="en-US" altLang="zh-CN" dirty="0" smtClean="0"/>
               </a:p>
             </p:txBody>
           </p:sp>
         </mc:Choice>
-        <mc:Fallback xmlns="">
+        <mc:Fallback>
           <p:sp>
             <p:nvSpPr>
               <p:cNvPr id="4" name="文本占位符 3"/>
@@ -21381,7 +22966,7 @@
               <a:blipFill>
                 <a:blip r:embed="rId2"/>
                 <a:stretch>
-                  <a:fillRect l="-734" t="-233"/>
+                  <a:fillRect l="-621" r="-226"/>
                 </a:stretch>
               </a:blipFill>
             </p:spPr>
@@ -27708,8 +29293,8 @@
           <a:chExt cx="0" cy="0"/>
         </a:xfrm>
       </p:grpSpPr>
-      <mc:AlternateContent xmlns:mc="http://schemas.openxmlformats.org/markup-compatibility/2006" xmlns:a14="http://schemas.microsoft.com/office/drawing/2010/main">
-        <mc:Choice Requires="a14">
+      <mc:AlternateContent xmlns:mc="http://schemas.openxmlformats.org/markup-compatibility/2006">
+        <mc:Choice xmlns:a14="http://schemas.microsoft.com/office/drawing/2010/main" Requires="a14">
           <p:sp>
             <p:nvSpPr>
               <p:cNvPr id="4" name="文本占位符 3"/>
@@ -28404,6 +29989,9 @@
                         <m:t>𝑦</m:t>
                       </m:r>
                       <m:r>
+                        <m:rPr>
+                          <m:aln/>
+                        </m:rPr>
                         <a:rPr lang="en-US" altLang="zh-CN" i="1">
                           <a:latin typeface="Cambria Math" panose="02040503050406030204" pitchFamily="18" charset="0"/>
                         </a:rPr>
@@ -28722,23 +30310,11 @@
                         <m:t>𝑥</m:t>
                       </m:r>
                     </m:oMath>
-                  </m:oMathPara>
-                </a14:m>
-                <a:endParaRPr lang="en-US" altLang="zh-CN" b="0" i="1" dirty="0" smtClean="0">
-                  <a:latin typeface="Cambria Math" panose="02040503050406030204" pitchFamily="18" charset="0"/>
-                </a:endParaRPr>
-              </a:p>
-              <a:p>
-                <a:pPr marL="0" indent="0" algn="ctr">
-                  <a:buNone/>
-                </a:pPr>
-                <a14:m>
-                  <m:oMathPara xmlns:m="http://schemas.openxmlformats.org/officeDocument/2006/math">
-                    <m:oMathParaPr>
-                      <m:jc m:val="centerGroup"/>
-                    </m:oMathParaPr>
                     <m:oMath xmlns:m="http://schemas.openxmlformats.org/officeDocument/2006/math">
                       <m:r>
+                        <m:rPr>
+                          <m:aln/>
+                        </m:rPr>
                         <a:rPr lang="en-US" altLang="zh-CN" b="0" i="1" smtClean="0">
                           <a:latin typeface="Cambria Math" panose="02040503050406030204" pitchFamily="18" charset="0"/>
                         </a:rPr>
@@ -28871,680 +30447,10 @@
                 </a14:m>
                 <a:endParaRPr lang="en-US" altLang="zh-CN" dirty="0"/>
               </a:p>
-              <a:p>
-                <a:r>
-                  <a:rPr lang="zh-CN" altLang="en-US" dirty="0" smtClean="0"/>
-                  <a:t>于是 </a:t>
-                </a:r>
-                <a14:m>
-                  <m:oMath xmlns:m="http://schemas.openxmlformats.org/officeDocument/2006/math">
-                    <m:r>
-                      <m:rPr>
-                        <m:sty m:val="p"/>
-                      </m:rPr>
-                      <a:rPr lang="en-US" altLang="zh-CN">
-                        <a:latin typeface="Cambria Math" panose="02040503050406030204" pitchFamily="18" charset="0"/>
-                      </a:rPr>
-                      <m:t>d</m:t>
-                    </m:r>
-                    <m:r>
-                      <a:rPr lang="en-US" altLang="zh-CN" i="1">
-                        <a:latin typeface="Cambria Math" panose="02040503050406030204" pitchFamily="18" charset="0"/>
-                      </a:rPr>
-                      <m:t>𝑦</m:t>
-                    </m:r>
-                    <m:sSub>
-                      <m:sSubPr>
-                        <m:ctrlPr>
-                          <a:rPr lang="en-US" altLang="zh-CN" i="1">
-                            <a:latin typeface="Cambria Math" panose="02040503050406030204" pitchFamily="18" charset="0"/>
-                          </a:rPr>
-                        </m:ctrlPr>
-                      </m:sSubPr>
-                      <m:e>
-                        <m:d>
-                          <m:dPr>
-                            <m:begChr m:val=""/>
-                            <m:endChr m:val="|"/>
-                            <m:ctrlPr>
-                              <a:rPr lang="en-US" altLang="zh-CN" i="1">
-                                <a:latin typeface="Cambria Math" panose="02040503050406030204" pitchFamily="18" charset="0"/>
-                              </a:rPr>
-                            </m:ctrlPr>
-                          </m:dPr>
-                          <m:e>
-                            <m:r>
-                              <a:rPr lang="zh-CN" altLang="en-US">
-                                <a:latin typeface="Cambria Math" panose="02040503050406030204" pitchFamily="18" charset="0"/>
-                              </a:rPr>
-                              <m:t>​</m:t>
-                            </m:r>
-                          </m:e>
-                        </m:d>
-                      </m:e>
-                      <m:sub>
-                        <m:r>
-                          <a:rPr lang="en-US" altLang="zh-CN" i="1">
-                            <a:latin typeface="Cambria Math" panose="02040503050406030204" pitchFamily="18" charset="0"/>
-                          </a:rPr>
-                          <m:t>𝑥</m:t>
-                        </m:r>
-                        <m:r>
-                          <a:rPr lang="en-US" altLang="zh-CN" i="1">
-                            <a:latin typeface="Cambria Math" panose="02040503050406030204" pitchFamily="18" charset="0"/>
-                          </a:rPr>
-                          <m:t>=</m:t>
-                        </m:r>
-                        <m:f>
-                          <m:fPr>
-                            <m:ctrlPr>
-                              <a:rPr lang="en-US" altLang="zh-CN" i="1">
-                                <a:latin typeface="Cambria Math" panose="02040503050406030204" pitchFamily="18" charset="0"/>
-                              </a:rPr>
-                            </m:ctrlPr>
-                          </m:fPr>
-                          <m:num>
-                            <m:r>
-                              <a:rPr lang="en-US" altLang="zh-CN" i="1">
-                                <a:latin typeface="Cambria Math" panose="02040503050406030204" pitchFamily="18" charset="0"/>
-                              </a:rPr>
-                              <m:t>𝜋</m:t>
-                            </m:r>
-                          </m:num>
-                          <m:den>
-                            <m:r>
-                              <a:rPr lang="en-US" altLang="zh-CN" i="1">
-                                <a:latin typeface="Cambria Math" panose="02040503050406030204" pitchFamily="18" charset="0"/>
-                              </a:rPr>
-                              <m:t>4</m:t>
-                            </m:r>
-                          </m:den>
-                        </m:f>
-                      </m:sub>
-                    </m:sSub>
-                    <m:r>
-                      <a:rPr lang="en-US" altLang="zh-CN" i="1" smtClean="0">
-                        <a:latin typeface="Cambria Math" panose="02040503050406030204" pitchFamily="18" charset="0"/>
-                      </a:rPr>
-                      <m:t>=</m:t>
-                    </m:r>
-                    <m:sSup>
-                      <m:sSupPr>
-                        <m:ctrlPr>
-                          <a:rPr lang="en-US" altLang="zh-CN" i="1">
-                            <a:latin typeface="Cambria Math" panose="02040503050406030204" pitchFamily="18" charset="0"/>
-                          </a:rPr>
-                        </m:ctrlPr>
-                      </m:sSupPr>
-                      <m:e>
-                        <m:r>
-                          <m:rPr>
-                            <m:sty m:val="p"/>
-                          </m:rPr>
-                          <a:rPr lang="en-US" altLang="zh-CN">
-                            <a:latin typeface="Cambria Math" panose="02040503050406030204" pitchFamily="18" charset="0"/>
-                          </a:rPr>
-                          <m:t>e</m:t>
-                        </m:r>
-                      </m:e>
-                      <m:sup>
-                        <m:r>
-                          <a:rPr lang="en-US" altLang="zh-CN" i="1">
-                            <a:latin typeface="Cambria Math" panose="02040503050406030204" pitchFamily="18" charset="0"/>
-                          </a:rPr>
-                          <m:t>𝑥</m:t>
-                        </m:r>
-                      </m:sup>
-                    </m:sSup>
-                    <m:d>
-                      <m:dPr>
-                        <m:ctrlPr>
-                          <a:rPr lang="en-US" altLang="zh-CN" i="1">
-                            <a:latin typeface="Cambria Math" panose="02040503050406030204" pitchFamily="18" charset="0"/>
-                          </a:rPr>
-                        </m:ctrlPr>
-                      </m:dPr>
-                      <m:e>
-                        <m:func>
-                          <m:funcPr>
-                            <m:ctrlPr>
-                              <a:rPr lang="en-US" altLang="zh-CN" i="1">
-                                <a:latin typeface="Cambria Math" panose="02040503050406030204" pitchFamily="18" charset="0"/>
-                              </a:rPr>
-                            </m:ctrlPr>
-                          </m:funcPr>
-                          <m:fName>
-                            <m:r>
-                              <m:rPr>
-                                <m:sty m:val="p"/>
-                              </m:rPr>
-                              <a:rPr lang="en-US" altLang="zh-CN">
-                                <a:latin typeface="Cambria Math" panose="02040503050406030204" pitchFamily="18" charset="0"/>
-                              </a:rPr>
-                              <m:t>sin</m:t>
-                            </m:r>
-                          </m:fName>
-                          <m:e>
-                            <m:r>
-                              <a:rPr lang="en-US" altLang="zh-CN" i="1">
-                                <a:latin typeface="Cambria Math" panose="02040503050406030204" pitchFamily="18" charset="0"/>
-                              </a:rPr>
-                              <m:t>𝑥</m:t>
-                            </m:r>
-                          </m:e>
-                        </m:func>
-                        <m:r>
-                          <a:rPr lang="en-US" altLang="zh-CN" i="1">
-                            <a:latin typeface="Cambria Math" panose="02040503050406030204" pitchFamily="18" charset="0"/>
-                          </a:rPr>
-                          <m:t>+</m:t>
-                        </m:r>
-                        <m:func>
-                          <m:funcPr>
-                            <m:ctrlPr>
-                              <a:rPr lang="en-US" altLang="zh-CN" i="1">
-                                <a:latin typeface="Cambria Math" panose="02040503050406030204" pitchFamily="18" charset="0"/>
-                              </a:rPr>
-                            </m:ctrlPr>
-                          </m:funcPr>
-                          <m:fName>
-                            <m:r>
-                              <m:rPr>
-                                <m:sty m:val="p"/>
-                              </m:rPr>
-                              <a:rPr lang="en-US" altLang="zh-CN">
-                                <a:latin typeface="Cambria Math" panose="02040503050406030204" pitchFamily="18" charset="0"/>
-                              </a:rPr>
-                              <m:t>cos</m:t>
-                            </m:r>
-                          </m:fName>
-                          <m:e>
-                            <m:r>
-                              <a:rPr lang="en-US" altLang="zh-CN" i="1">
-                                <a:latin typeface="Cambria Math" panose="02040503050406030204" pitchFamily="18" charset="0"/>
-                              </a:rPr>
-                              <m:t>𝑥</m:t>
-                            </m:r>
-                          </m:e>
-                        </m:func>
-                      </m:e>
-                    </m:d>
-                    <m:sSub>
-                      <m:sSubPr>
-                        <m:ctrlPr>
-                          <a:rPr lang="en-US" altLang="zh-CN" i="1">
-                            <a:latin typeface="Cambria Math" panose="02040503050406030204" pitchFamily="18" charset="0"/>
-                          </a:rPr>
-                        </m:ctrlPr>
-                      </m:sSubPr>
-                      <m:e>
-                        <m:d>
-                          <m:dPr>
-                            <m:begChr m:val=""/>
-                            <m:endChr m:val="|"/>
-                            <m:ctrlPr>
-                              <a:rPr lang="en-US" altLang="zh-CN" i="1">
-                                <a:latin typeface="Cambria Math" panose="02040503050406030204" pitchFamily="18" charset="0"/>
-                              </a:rPr>
-                            </m:ctrlPr>
-                          </m:dPr>
-                          <m:e>
-                            <m:r>
-                              <a:rPr lang="zh-CN" altLang="en-US">
-                                <a:latin typeface="Cambria Math" panose="02040503050406030204" pitchFamily="18" charset="0"/>
-                              </a:rPr>
-                              <m:t>​</m:t>
-                            </m:r>
-                          </m:e>
-                        </m:d>
-                      </m:e>
-                      <m:sub>
-                        <m:r>
-                          <a:rPr lang="en-US" altLang="zh-CN" i="1">
-                            <a:latin typeface="Cambria Math" panose="02040503050406030204" pitchFamily="18" charset="0"/>
-                          </a:rPr>
-                          <m:t>𝑥</m:t>
-                        </m:r>
-                        <m:r>
-                          <a:rPr lang="en-US" altLang="zh-CN" i="1">
-                            <a:latin typeface="Cambria Math" panose="02040503050406030204" pitchFamily="18" charset="0"/>
-                          </a:rPr>
-                          <m:t>=</m:t>
-                        </m:r>
-                        <m:f>
-                          <m:fPr>
-                            <m:ctrlPr>
-                              <a:rPr lang="en-US" altLang="zh-CN" i="1">
-                                <a:latin typeface="Cambria Math" panose="02040503050406030204" pitchFamily="18" charset="0"/>
-                              </a:rPr>
-                            </m:ctrlPr>
-                          </m:fPr>
-                          <m:num>
-                            <m:r>
-                              <a:rPr lang="en-US" altLang="zh-CN" i="1">
-                                <a:latin typeface="Cambria Math" panose="02040503050406030204" pitchFamily="18" charset="0"/>
-                              </a:rPr>
-                              <m:t>𝜋</m:t>
-                            </m:r>
-                          </m:num>
-                          <m:den>
-                            <m:r>
-                              <a:rPr lang="en-US" altLang="zh-CN" i="1">
-                                <a:latin typeface="Cambria Math" panose="02040503050406030204" pitchFamily="18" charset="0"/>
-                              </a:rPr>
-                              <m:t>4</m:t>
-                            </m:r>
-                          </m:den>
-                        </m:f>
-                      </m:sub>
-                    </m:sSub>
-                    <m:r>
-                      <m:rPr>
-                        <m:sty m:val="p"/>
-                      </m:rPr>
-                      <a:rPr lang="en-US" altLang="zh-CN">
-                        <a:latin typeface="Cambria Math" panose="02040503050406030204" pitchFamily="18" charset="0"/>
-                      </a:rPr>
-                      <m:t>d</m:t>
-                    </m:r>
-                    <m:r>
-                      <a:rPr lang="en-US" altLang="zh-CN" i="1">
-                        <a:latin typeface="Cambria Math" panose="02040503050406030204" pitchFamily="18" charset="0"/>
-                      </a:rPr>
-                      <m:t>𝑥</m:t>
-                    </m:r>
-                    <m:r>
-                      <a:rPr lang="en-US" altLang="zh-CN" b="0" i="1" smtClean="0">
-                        <a:latin typeface="Cambria Math" panose="02040503050406030204" pitchFamily="18" charset="0"/>
-                      </a:rPr>
-                      <m:t>=</m:t>
-                    </m:r>
-                    <m:rad>
-                      <m:radPr>
-                        <m:degHide m:val="on"/>
-                        <m:ctrlPr>
-                          <a:rPr lang="en-US" altLang="zh-CN" b="0" i="1" smtClean="0">
-                            <a:latin typeface="Cambria Math" panose="02040503050406030204" pitchFamily="18" charset="0"/>
-                          </a:rPr>
-                        </m:ctrlPr>
-                      </m:radPr>
-                      <m:deg/>
-                      <m:e>
-                        <m:r>
-                          <a:rPr lang="en-US" altLang="zh-CN" b="0" i="1" smtClean="0">
-                            <a:latin typeface="Cambria Math" panose="02040503050406030204" pitchFamily="18" charset="0"/>
-                          </a:rPr>
-                          <m:t>2</m:t>
-                        </m:r>
-                      </m:e>
-                    </m:rad>
-                    <m:sSup>
-                      <m:sSupPr>
-                        <m:ctrlPr>
-                          <a:rPr lang="en-US" altLang="zh-CN" b="0" i="1" smtClean="0">
-                            <a:latin typeface="Cambria Math" panose="02040503050406030204" pitchFamily="18" charset="0"/>
-                          </a:rPr>
-                        </m:ctrlPr>
-                      </m:sSupPr>
-                      <m:e>
-                        <m:r>
-                          <m:rPr>
-                            <m:sty m:val="p"/>
-                          </m:rPr>
-                          <a:rPr lang="en-US" altLang="zh-CN" b="0" i="0" smtClean="0">
-                            <a:latin typeface="Cambria Math" panose="02040503050406030204" pitchFamily="18" charset="0"/>
-                          </a:rPr>
-                          <m:t>e</m:t>
-                        </m:r>
-                      </m:e>
-                      <m:sup>
-                        <m:f>
-                          <m:fPr>
-                            <m:ctrlPr>
-                              <a:rPr lang="en-US" altLang="zh-CN" b="0" i="1" smtClean="0">
-                                <a:latin typeface="Cambria Math" panose="02040503050406030204" pitchFamily="18" charset="0"/>
-                              </a:rPr>
-                            </m:ctrlPr>
-                          </m:fPr>
-                          <m:num>
-                            <m:r>
-                              <a:rPr lang="en-US" altLang="zh-CN" b="0" i="1" smtClean="0">
-                                <a:latin typeface="Cambria Math" panose="02040503050406030204" pitchFamily="18" charset="0"/>
-                              </a:rPr>
-                              <m:t>𝜋</m:t>
-                            </m:r>
-                          </m:num>
-                          <m:den>
-                            <m:r>
-                              <a:rPr lang="en-US" altLang="zh-CN" b="0" i="1" smtClean="0">
-                                <a:latin typeface="Cambria Math" panose="02040503050406030204" pitchFamily="18" charset="0"/>
-                              </a:rPr>
-                              <m:t>4</m:t>
-                            </m:r>
-                          </m:den>
-                        </m:f>
-                      </m:sup>
-                    </m:sSup>
-                    <m:r>
-                      <m:rPr>
-                        <m:sty m:val="p"/>
-                      </m:rPr>
-                      <a:rPr lang="en-US" altLang="zh-CN">
-                        <a:latin typeface="Cambria Math" panose="02040503050406030204" pitchFamily="18" charset="0"/>
-                      </a:rPr>
-                      <m:t>d</m:t>
-                    </m:r>
-                    <m:r>
-                      <a:rPr lang="en-US" altLang="zh-CN" i="1">
-                        <a:latin typeface="Cambria Math" panose="02040503050406030204" pitchFamily="18" charset="0"/>
-                      </a:rPr>
-                      <m:t>𝑥</m:t>
-                    </m:r>
-                    <m:r>
-                      <a:rPr lang="en-US" altLang="zh-CN" b="0" i="0" smtClean="0">
-                        <a:latin typeface="Cambria Math" panose="02040503050406030204" pitchFamily="18" charset="0"/>
-                      </a:rPr>
-                      <m:t>,</m:t>
-                    </m:r>
-                  </m:oMath>
-                </a14:m>
-                <a:endParaRPr lang="en-US" altLang="zh-CN" dirty="0" smtClean="0"/>
-              </a:p>
-              <a:p>
-                <a14:m>
-                  <m:oMath xmlns:m="http://schemas.openxmlformats.org/officeDocument/2006/math">
-                    <m:r>
-                      <m:rPr>
-                        <m:sty m:val="p"/>
-                      </m:rPr>
-                      <a:rPr lang="en-US" altLang="zh-CN">
-                        <a:latin typeface="Cambria Math" panose="02040503050406030204" pitchFamily="18" charset="0"/>
-                      </a:rPr>
-                      <m:t>d</m:t>
-                    </m:r>
-                    <m:r>
-                      <a:rPr lang="en-US" altLang="zh-CN" i="1">
-                        <a:latin typeface="Cambria Math" panose="02040503050406030204" pitchFamily="18" charset="0"/>
-                      </a:rPr>
-                      <m:t>𝑦</m:t>
-                    </m:r>
-                    <m:sSub>
-                      <m:sSubPr>
-                        <m:ctrlPr>
-                          <a:rPr lang="en-US" altLang="zh-CN" i="1">
-                            <a:latin typeface="Cambria Math" panose="02040503050406030204" pitchFamily="18" charset="0"/>
-                          </a:rPr>
-                        </m:ctrlPr>
-                      </m:sSubPr>
-                      <m:e>
-                        <m:d>
-                          <m:dPr>
-                            <m:begChr m:val=""/>
-                            <m:endChr m:val="|"/>
-                            <m:ctrlPr>
-                              <a:rPr lang="en-US" altLang="zh-CN" i="1">
-                                <a:latin typeface="Cambria Math" panose="02040503050406030204" pitchFamily="18" charset="0"/>
-                              </a:rPr>
-                            </m:ctrlPr>
-                          </m:dPr>
-                          <m:e>
-                            <m:r>
-                              <a:rPr lang="zh-CN" altLang="en-US">
-                                <a:latin typeface="Cambria Math" panose="02040503050406030204" pitchFamily="18" charset="0"/>
-                              </a:rPr>
-                              <m:t>​</m:t>
-                            </m:r>
-                          </m:e>
-                        </m:d>
-                      </m:e>
-                      <m:sub>
-                        <m:r>
-                          <a:rPr lang="en-US" altLang="zh-CN" i="1">
-                            <a:latin typeface="Cambria Math" panose="02040503050406030204" pitchFamily="18" charset="0"/>
-                          </a:rPr>
-                          <m:t>𝑥</m:t>
-                        </m:r>
-                        <m:r>
-                          <a:rPr lang="en-US" altLang="zh-CN" i="1">
-                            <a:latin typeface="Cambria Math" panose="02040503050406030204" pitchFamily="18" charset="0"/>
-                          </a:rPr>
-                          <m:t>=</m:t>
-                        </m:r>
-                        <m:f>
-                          <m:fPr>
-                            <m:ctrlPr>
-                              <a:rPr lang="en-US" altLang="zh-CN" i="1">
-                                <a:latin typeface="Cambria Math" panose="02040503050406030204" pitchFamily="18" charset="0"/>
-                              </a:rPr>
-                            </m:ctrlPr>
-                          </m:fPr>
-                          <m:num>
-                            <m:r>
-                              <a:rPr lang="en-US" altLang="zh-CN" i="1">
-                                <a:latin typeface="Cambria Math" panose="02040503050406030204" pitchFamily="18" charset="0"/>
-                              </a:rPr>
-                              <m:t>𝜋</m:t>
-                            </m:r>
-                          </m:num>
-                          <m:den>
-                            <m:r>
-                              <a:rPr lang="en-US" altLang="zh-CN" i="1">
-                                <a:latin typeface="Cambria Math" panose="02040503050406030204" pitchFamily="18" charset="0"/>
-                              </a:rPr>
-                              <m:t>4</m:t>
-                            </m:r>
-                          </m:den>
-                        </m:f>
-                        <m:r>
-                          <a:rPr lang="en-US" altLang="zh-CN" i="1">
-                            <a:latin typeface="Cambria Math" panose="02040503050406030204" pitchFamily="18" charset="0"/>
-                          </a:rPr>
-                          <m:t>,</m:t>
-                        </m:r>
-                        <m:r>
-                          <m:rPr>
-                            <m:sty m:val="p"/>
-                          </m:rPr>
-                          <a:rPr lang="en-US" altLang="zh-CN">
-                            <a:latin typeface="Cambria Math" panose="02040503050406030204" pitchFamily="18" charset="0"/>
-                          </a:rPr>
-                          <m:t>Δ</m:t>
-                        </m:r>
-                        <m:r>
-                          <a:rPr lang="en-US" altLang="zh-CN" i="1">
-                            <a:latin typeface="Cambria Math" panose="02040503050406030204" pitchFamily="18" charset="0"/>
-                          </a:rPr>
-                          <m:t>𝑥</m:t>
-                        </m:r>
-                        <m:r>
-                          <a:rPr lang="en-US" altLang="zh-CN" i="1">
-                            <a:latin typeface="Cambria Math" panose="02040503050406030204" pitchFamily="18" charset="0"/>
-                          </a:rPr>
-                          <m:t>=−0.1</m:t>
-                        </m:r>
-                      </m:sub>
-                    </m:sSub>
-                    <m:r>
-                      <a:rPr lang="en-US" altLang="zh-CN" b="0" i="1" smtClean="0">
-                        <a:latin typeface="Cambria Math" panose="02040503050406030204" pitchFamily="18" charset="0"/>
-                      </a:rPr>
-                      <m:t>=</m:t>
-                    </m:r>
-                    <m:rad>
-                      <m:radPr>
-                        <m:degHide m:val="on"/>
-                        <m:ctrlPr>
-                          <a:rPr lang="en-US" altLang="zh-CN" i="1">
-                            <a:latin typeface="Cambria Math" panose="02040503050406030204" pitchFamily="18" charset="0"/>
-                          </a:rPr>
-                        </m:ctrlPr>
-                      </m:radPr>
-                      <m:deg/>
-                      <m:e>
-                        <m:r>
-                          <a:rPr lang="en-US" altLang="zh-CN" i="1">
-                            <a:latin typeface="Cambria Math" panose="02040503050406030204" pitchFamily="18" charset="0"/>
-                          </a:rPr>
-                          <m:t>2</m:t>
-                        </m:r>
-                      </m:e>
-                    </m:rad>
-                    <m:sSup>
-                      <m:sSupPr>
-                        <m:ctrlPr>
-                          <a:rPr lang="en-US" altLang="zh-CN" i="1">
-                            <a:latin typeface="Cambria Math" panose="02040503050406030204" pitchFamily="18" charset="0"/>
-                          </a:rPr>
-                        </m:ctrlPr>
-                      </m:sSupPr>
-                      <m:e>
-                        <m:r>
-                          <m:rPr>
-                            <m:sty m:val="p"/>
-                          </m:rPr>
-                          <a:rPr lang="en-US" altLang="zh-CN">
-                            <a:latin typeface="Cambria Math" panose="02040503050406030204" pitchFamily="18" charset="0"/>
-                          </a:rPr>
-                          <m:t>e</m:t>
-                        </m:r>
-                      </m:e>
-                      <m:sup>
-                        <m:f>
-                          <m:fPr>
-                            <m:ctrlPr>
-                              <a:rPr lang="en-US" altLang="zh-CN" i="1">
-                                <a:latin typeface="Cambria Math" panose="02040503050406030204" pitchFamily="18" charset="0"/>
-                              </a:rPr>
-                            </m:ctrlPr>
-                          </m:fPr>
-                          <m:num>
-                            <m:r>
-                              <a:rPr lang="en-US" altLang="zh-CN" i="1">
-                                <a:latin typeface="Cambria Math" panose="02040503050406030204" pitchFamily="18" charset="0"/>
-                              </a:rPr>
-                              <m:t>𝜋</m:t>
-                            </m:r>
-                          </m:num>
-                          <m:den>
-                            <m:r>
-                              <a:rPr lang="en-US" altLang="zh-CN" i="1">
-                                <a:latin typeface="Cambria Math" panose="02040503050406030204" pitchFamily="18" charset="0"/>
-                              </a:rPr>
-                              <m:t>4</m:t>
-                            </m:r>
-                          </m:den>
-                        </m:f>
-                      </m:sup>
-                    </m:sSup>
-                    <m:r>
-                      <a:rPr lang="en-US" altLang="zh-CN" b="0" i="1" smtClean="0">
-                        <a:latin typeface="Cambria Math" panose="02040503050406030204" pitchFamily="18" charset="0"/>
-                      </a:rPr>
-                      <m:t>×</m:t>
-                    </m:r>
-                    <m:d>
-                      <m:dPr>
-                        <m:ctrlPr>
-                          <a:rPr lang="en-US" altLang="zh-CN" b="0" i="1" smtClean="0">
-                            <a:latin typeface="Cambria Math" panose="02040503050406030204" pitchFamily="18" charset="0"/>
-                          </a:rPr>
-                        </m:ctrlPr>
-                      </m:dPr>
-                      <m:e>
-                        <m:r>
-                          <a:rPr lang="en-US" altLang="zh-CN" b="0" i="1" smtClean="0">
-                            <a:latin typeface="Cambria Math" panose="02040503050406030204" pitchFamily="18" charset="0"/>
-                          </a:rPr>
-                          <m:t>−0.1</m:t>
-                        </m:r>
-                      </m:e>
-                    </m:d>
-                    <m:r>
-                      <a:rPr lang="en-US" altLang="zh-CN" b="0" i="1" smtClean="0">
-                        <a:latin typeface="Cambria Math" panose="02040503050406030204" pitchFamily="18" charset="0"/>
-                      </a:rPr>
-                      <m:t>=−0.1</m:t>
-                    </m:r>
-                    <m:rad>
-                      <m:radPr>
-                        <m:degHide m:val="on"/>
-                        <m:ctrlPr>
-                          <a:rPr lang="en-US" altLang="zh-CN" i="1">
-                            <a:latin typeface="Cambria Math" panose="02040503050406030204" pitchFamily="18" charset="0"/>
-                          </a:rPr>
-                        </m:ctrlPr>
-                      </m:radPr>
-                      <m:deg/>
-                      <m:e>
-                        <m:r>
-                          <a:rPr lang="en-US" altLang="zh-CN" i="1">
-                            <a:latin typeface="Cambria Math" panose="02040503050406030204" pitchFamily="18" charset="0"/>
-                          </a:rPr>
-                          <m:t>2</m:t>
-                        </m:r>
-                      </m:e>
-                    </m:rad>
-                    <m:sSup>
-                      <m:sSupPr>
-                        <m:ctrlPr>
-                          <a:rPr lang="en-US" altLang="zh-CN" i="1">
-                            <a:latin typeface="Cambria Math" panose="02040503050406030204" pitchFamily="18" charset="0"/>
-                          </a:rPr>
-                        </m:ctrlPr>
-                      </m:sSupPr>
-                      <m:e>
-                        <m:r>
-                          <m:rPr>
-                            <m:sty m:val="p"/>
-                          </m:rPr>
-                          <a:rPr lang="en-US" altLang="zh-CN">
-                            <a:latin typeface="Cambria Math" panose="02040503050406030204" pitchFamily="18" charset="0"/>
-                          </a:rPr>
-                          <m:t>e</m:t>
-                        </m:r>
-                      </m:e>
-                      <m:sup>
-                        <m:f>
-                          <m:fPr>
-                            <m:ctrlPr>
-                              <a:rPr lang="en-US" altLang="zh-CN" i="1">
-                                <a:latin typeface="Cambria Math" panose="02040503050406030204" pitchFamily="18" charset="0"/>
-                              </a:rPr>
-                            </m:ctrlPr>
-                          </m:fPr>
-                          <m:num>
-                            <m:r>
-                              <a:rPr lang="en-US" altLang="zh-CN" i="1">
-                                <a:latin typeface="Cambria Math" panose="02040503050406030204" pitchFamily="18" charset="0"/>
-                              </a:rPr>
-                              <m:t>𝜋</m:t>
-                            </m:r>
-                          </m:num>
-                          <m:den>
-                            <m:r>
-                              <a:rPr lang="en-US" altLang="zh-CN" i="1">
-                                <a:latin typeface="Cambria Math" panose="02040503050406030204" pitchFamily="18" charset="0"/>
-                              </a:rPr>
-                              <m:t>4</m:t>
-                            </m:r>
-                          </m:den>
-                        </m:f>
-                      </m:sup>
-                    </m:sSup>
-                    <m:r>
-                      <a:rPr lang="en-US" altLang="zh-CN" b="0" i="1" smtClean="0">
-                        <a:latin typeface="Cambria Math" panose="02040503050406030204" pitchFamily="18" charset="0"/>
-                      </a:rPr>
-                      <m:t>.</m:t>
-                    </m:r>
-                  </m:oMath>
-                </a14:m>
-                <a:endParaRPr lang="en-US" altLang="zh-CN" dirty="0"/>
-              </a:p>
             </p:txBody>
           </p:sp>
         </mc:Choice>
-        <mc:Fallback xmlns="">
+        <mc:Fallback>
           <p:sp>
             <p:nvSpPr>
               <p:cNvPr id="4" name="文本占位符 3"/>
@@ -29559,7 +30465,7 @@
               <a:blipFill>
                 <a:blip r:embed="rId2"/>
                 <a:stretch>
-                  <a:fillRect l="-734" t="-9452"/>
+                  <a:fillRect l="-734"/>
                 </a:stretch>
               </a:blipFill>
             </p:spPr>
@@ -29901,189 +30807,6 @@
                       </p:childTnLst>
                     </p:cTn>
                   </p:par>
-                  <p:par>
-                    <p:cTn id="28" fill="hold">
-                      <p:stCondLst>
-                        <p:cond delay="indefinite"/>
-                      </p:stCondLst>
-                      <p:childTnLst>
-                        <p:par>
-                          <p:cTn id="29" fill="hold">
-                            <p:stCondLst>
-                              <p:cond delay="0"/>
-                            </p:stCondLst>
-                            <p:childTnLst>
-                              <p:par>
-                                <p:cTn id="30" presetID="10" presetClass="entr" presetSubtype="0" fill="hold" grpId="0" nodeType="clickEffect">
-                                  <p:stCondLst>
-                                    <p:cond delay="0"/>
-                                  </p:stCondLst>
-                                  <p:childTnLst>
-                                    <p:set>
-                                      <p:cBhvr>
-                                        <p:cTn id="31" dur="1" fill="hold">
-                                          <p:stCondLst>
-                                            <p:cond delay="0"/>
-                                          </p:stCondLst>
-                                        </p:cTn>
-                                        <p:tgtEl>
-                                          <p:spTgt spid="4">
-                                            <p:txEl>
-                                              <p:pRg st="5" end="5"/>
-                                            </p:txEl>
-                                          </p:spTgt>
-                                        </p:tgtEl>
-                                        <p:attrNameLst>
-                                          <p:attrName>style.visibility</p:attrName>
-                                        </p:attrNameLst>
-                                      </p:cBhvr>
-                                      <p:to>
-                                        <p:strVal val="visible"/>
-                                      </p:to>
-                                    </p:set>
-                                    <p:animEffect transition="in" filter="fade">
-                                      <p:cBhvr>
-                                        <p:cTn id="32" dur="500"/>
-                                        <p:tgtEl>
-                                          <p:spTgt spid="4">
-                                            <p:txEl>
-                                              <p:pRg st="5" end="5"/>
-                                            </p:txEl>
-                                          </p:spTgt>
-                                        </p:tgtEl>
-                                      </p:cBhvr>
-                                    </p:animEffect>
-                                  </p:childTnLst>
-                                </p:cTn>
-                              </p:par>
-                            </p:childTnLst>
-                          </p:cTn>
-                        </p:par>
-                      </p:childTnLst>
-                    </p:cTn>
-                  </p:par>
-                  <p:par>
-                    <p:cTn id="33" fill="hold">
-                      <p:stCondLst>
-                        <p:cond delay="indefinite"/>
-                      </p:stCondLst>
-                      <p:childTnLst>
-                        <p:par>
-                          <p:cTn id="34" fill="hold">
-                            <p:stCondLst>
-                              <p:cond delay="0"/>
-                            </p:stCondLst>
-                            <p:childTnLst>
-                              <p:par>
-                                <p:cTn id="35" presetID="10" presetClass="entr" presetSubtype="0" fill="hold" grpId="0" nodeType="clickEffect">
-                                  <p:stCondLst>
-                                    <p:cond delay="0"/>
-                                  </p:stCondLst>
-                                  <p:childTnLst>
-                                    <p:set>
-                                      <p:cBhvr>
-                                        <p:cTn id="36" dur="1" fill="hold">
-                                          <p:stCondLst>
-                                            <p:cond delay="0"/>
-                                          </p:stCondLst>
-                                        </p:cTn>
-                                        <p:tgtEl>
-                                          <p:spTgt spid="4">
-                                            <p:txEl>
-                                              <p:pRg st="6" end="6"/>
-                                            </p:txEl>
-                                          </p:spTgt>
-                                        </p:tgtEl>
-                                        <p:attrNameLst>
-                                          <p:attrName>style.visibility</p:attrName>
-                                        </p:attrNameLst>
-                                      </p:cBhvr>
-                                      <p:to>
-                                        <p:strVal val="visible"/>
-                                      </p:to>
-                                    </p:set>
-                                    <p:animEffect transition="in" filter="fade">
-                                      <p:cBhvr>
-                                        <p:cTn id="37" dur="500"/>
-                                        <p:tgtEl>
-                                          <p:spTgt spid="4">
-                                            <p:txEl>
-                                              <p:pRg st="6" end="6"/>
-                                            </p:txEl>
-                                          </p:spTgt>
-                                        </p:tgtEl>
-                                      </p:cBhvr>
-                                    </p:animEffect>
-                                  </p:childTnLst>
-                                </p:cTn>
-                              </p:par>
-                            </p:childTnLst>
-                          </p:cTn>
-                        </p:par>
-                      </p:childTnLst>
-                    </p:cTn>
-                  </p:par>
-                  <p:par>
-                    <p:cTn id="38" fill="hold">
-                      <p:stCondLst>
-                        <p:cond delay="indefinite"/>
-                      </p:stCondLst>
-                      <p:childTnLst>
-                        <p:par>
-                          <p:cTn id="39" fill="hold">
-                            <p:stCondLst>
-                              <p:cond delay="0"/>
-                            </p:stCondLst>
-                            <p:childTnLst>
-                              <p:par>
-                                <p:cTn id="40" presetID="10" presetClass="entr" presetSubtype="0" fill="hold" grpId="0" nodeType="clickEffect">
-                                  <p:stCondLst>
-                                    <p:cond delay="0"/>
-                                  </p:stCondLst>
-                                  <p:childTnLst>
-                                    <p:set>
-                                      <p:cBhvr>
-                                        <p:cTn id="41" dur="1" fill="hold">
-                                          <p:stCondLst>
-                                            <p:cond delay="0"/>
-                                          </p:stCondLst>
-                                        </p:cTn>
-                                        <p:tgtEl>
-                                          <p:spTgt spid="4">
-                                            <p:txEl>
-                                              <p:pRg st="7" end="7"/>
-                                            </p:txEl>
-                                          </p:spTgt>
-                                        </p:tgtEl>
-                                        <p:attrNameLst>
-                                          <p:attrName>style.visibility</p:attrName>
-                                        </p:attrNameLst>
-                                      </p:cBhvr>
-                                      <p:to>
-                                        <p:strVal val="visible"/>
-                                      </p:to>
-                                    </p:set>
-                                    <p:animEffect transition="in" filter="fade">
-                                      <p:cBhvr>
-                                        <p:cTn id="42" dur="500"/>
-                                        <p:tgtEl>
-                                          <p:spTgt spid="4">
-                                            <p:txEl>
-                                              <p:pRg st="7" end="7"/>
-                                            </p:txEl>
-                                          </p:spTgt>
-                                        </p:tgtEl>
-                                      </p:cBhvr>
-                                    </p:animEffect>
-                                  </p:childTnLst>
-                                </p:cTn>
-                              </p:par>
-                            </p:childTnLst>
-                          </p:cTn>
-                        </p:par>
-                      </p:childTnLst>
-                    </p:cTn>
-                  </p:par>
                 </p:childTnLst>
               </p:cTn>
               <p:prevCondLst>
@@ -30177,14 +30900,14 @@
         <a:srgbClr val="954F72"/>
       </a:folHlink>
     </a:clrScheme>
-    <a:fontScheme name="自定义 9">
+    <a:fontScheme name="自定义 1">
       <a:majorFont>
-        <a:latin typeface="Arial"/>
+        <a:latin typeface="微软雅黑"/>
         <a:ea typeface="微软雅黑"/>
         <a:cs typeface=""/>
       </a:majorFont>
       <a:minorFont>
-        <a:latin typeface="Arial"/>
+        <a:latin typeface="微软雅黑"/>
         <a:ea typeface="微软雅黑"/>
         <a:cs typeface=""/>
       </a:minorFont>
@@ -30331,7 +31054,7 @@
   <a:extraClrSchemeLst/>
   <a:extLst>
     <a:ext uri="{05A4C25C-085E-4340-85A3-A5531E510DB2}">
-      <thm15:themeFamily xmlns:thm15="http://schemas.microsoft.com/office/thememl/2012/main" name="HFUT" id="{5D9814CE-9300-4351-B0AF-689433522D50}" vid="{AE55F223-B21C-4545-A0C1-00686DEDE696}"/>
+      <thm15:themeFamily xmlns:thm15="http://schemas.microsoft.com/office/thememl/2012/main" name="HFUT" id="{3F79D0C1-0346-46FE-A718-68C0885A7510}" vid="{F2929A5C-8D5E-47DE-8191-0F7D5CC11D31}"/>
     </a:ext>
   </a:extLst>
 </a:theme>
